--- a/D_Thursday/GSERM_Thursday_Ethics.pptx
+++ b/D_Thursday/GSERM_Thursday_Ethics.pptx
@@ -5,38 +5,46 @@
     <p:sldMasterId id="2147483660" r:id="rId1"/>
   </p:sldMasterIdLst>
   <p:notesMasterIdLst>
-    <p:notesMasterId r:id="rId31"/>
+    <p:notesMasterId r:id="rId39"/>
   </p:notesMasterIdLst>
   <p:sldIdLst>
     <p:sldId id="593" r:id="rId2"/>
     <p:sldId id="807" r:id="rId3"/>
     <p:sldId id="808" r:id="rId4"/>
     <p:sldId id="260" r:id="rId5"/>
-    <p:sldId id="271" r:id="rId6"/>
-    <p:sldId id="261" r:id="rId7"/>
-    <p:sldId id="273" r:id="rId8"/>
-    <p:sldId id="274" r:id="rId9"/>
-    <p:sldId id="268" r:id="rId10"/>
-    <p:sldId id="266" r:id="rId11"/>
-    <p:sldId id="284" r:id="rId12"/>
-    <p:sldId id="285" r:id="rId13"/>
-    <p:sldId id="267" r:id="rId14"/>
-    <p:sldId id="286" r:id="rId15"/>
-    <p:sldId id="287" r:id="rId16"/>
-    <p:sldId id="288" r:id="rId17"/>
-    <p:sldId id="810" r:id="rId18"/>
-    <p:sldId id="811" r:id="rId19"/>
-    <p:sldId id="812" r:id="rId20"/>
-    <p:sldId id="813" r:id="rId21"/>
-    <p:sldId id="814" r:id="rId22"/>
-    <p:sldId id="815" r:id="rId23"/>
-    <p:sldId id="262" r:id="rId24"/>
-    <p:sldId id="290" r:id="rId25"/>
-    <p:sldId id="289" r:id="rId26"/>
-    <p:sldId id="292" r:id="rId27"/>
-    <p:sldId id="291" r:id="rId28"/>
-    <p:sldId id="272" r:id="rId29"/>
-    <p:sldId id="269" r:id="rId30"/>
+    <p:sldId id="816" r:id="rId6"/>
+    <p:sldId id="817" r:id="rId7"/>
+    <p:sldId id="261" r:id="rId8"/>
+    <p:sldId id="273" r:id="rId9"/>
+    <p:sldId id="274" r:id="rId10"/>
+    <p:sldId id="268" r:id="rId11"/>
+    <p:sldId id="818" r:id="rId12"/>
+    <p:sldId id="266" r:id="rId13"/>
+    <p:sldId id="284" r:id="rId14"/>
+    <p:sldId id="819" r:id="rId15"/>
+    <p:sldId id="820" r:id="rId16"/>
+    <p:sldId id="285" r:id="rId17"/>
+    <p:sldId id="821" r:id="rId18"/>
+    <p:sldId id="267" r:id="rId19"/>
+    <p:sldId id="822" r:id="rId20"/>
+    <p:sldId id="286" r:id="rId21"/>
+    <p:sldId id="287" r:id="rId22"/>
+    <p:sldId id="288" r:id="rId23"/>
+    <p:sldId id="823" r:id="rId24"/>
+    <p:sldId id="810" r:id="rId25"/>
+    <p:sldId id="811" r:id="rId26"/>
+    <p:sldId id="812" r:id="rId27"/>
+    <p:sldId id="813" r:id="rId28"/>
+    <p:sldId id="814" r:id="rId29"/>
+    <p:sldId id="815" r:id="rId30"/>
+    <p:sldId id="262" r:id="rId31"/>
+    <p:sldId id="290" r:id="rId32"/>
+    <p:sldId id="289" r:id="rId33"/>
+    <p:sldId id="292" r:id="rId34"/>
+    <p:sldId id="824" r:id="rId35"/>
+    <p:sldId id="291" r:id="rId36"/>
+    <p:sldId id="269" r:id="rId37"/>
+    <p:sldId id="272" r:id="rId38"/>
   </p:sldIdLst>
   <p:sldSz cx="9144000" cy="6858000" type="screen4x3"/>
   <p:notesSz cx="6858000" cy="9144000"/>
@@ -242,7 +250,7 @@
           <a:p>
             <a:fld id="{B0C0A60C-850A-4EA4-9C14-A8FE98B94505}" type="datetimeFigureOut">
               <a:rPr lang="en-US" smtClean="0"/>
-              <a:t>6/6/2019</a:t>
+              <a:t>6/19/2019</a:t>
             </a:fld>
             <a:endParaRPr lang="en-US"/>
           </a:p>
@@ -725,7 +733,7 @@
           <a:p>
             <a:fld id="{5738B90E-0779-4C36-915C-6F05FCD89456}" type="datetime1">
               <a:rPr lang="en-US" smtClean="0"/>
-              <a:t>6/6/2019</a:t>
+              <a:t>6/19/2019</a:t>
             </a:fld>
             <a:endParaRPr lang="en-US"/>
           </a:p>
@@ -922,7 +930,7 @@
           <a:p>
             <a:fld id="{7B9EA29D-D431-42FE-B7B6-AAE4454C77D3}" type="datetime1">
               <a:rPr lang="en-US" smtClean="0"/>
-              <a:t>6/6/2019</a:t>
+              <a:t>6/19/2019</a:t>
             </a:fld>
             <a:endParaRPr lang="en-US"/>
           </a:p>
@@ -1277,7 +1285,7 @@
           <a:p>
             <a:fld id="{690D8A1E-EA8F-46C1-B891-AE0C00D9C314}" type="datetime1">
               <a:rPr lang="en-US" smtClean="0"/>
-              <a:t>6/6/2019</a:t>
+              <a:t>6/19/2019</a:t>
             </a:fld>
             <a:endParaRPr lang="en-US"/>
           </a:p>
@@ -1585,7 +1593,7 @@
           <a:p>
             <a:fld id="{D753EFC8-4232-4598-94F6-94C0EBAFC469}" type="datetime1">
               <a:rPr lang="en-US" smtClean="0"/>
-              <a:t>6/6/2019</a:t>
+              <a:t>6/19/2019</a:t>
             </a:fld>
             <a:endParaRPr lang="en-US"/>
           </a:p>
@@ -1914,7 +1922,7 @@
           <a:p>
             <a:fld id="{F3161074-1C18-4AE7-957D-F18524378C85}" type="datetime1">
               <a:rPr lang="en-US" smtClean="0"/>
-              <a:t>6/6/2019</a:t>
+              <a:t>6/19/2019</a:t>
             </a:fld>
             <a:endParaRPr lang="en-US"/>
           </a:p>
@@ -2167,7 +2175,7 @@
           <a:p>
             <a:fld id="{69BE256C-8D9A-4404-B47D-41A1AE514425}" type="datetime1">
               <a:rPr lang="en-US" smtClean="0"/>
-              <a:t>6/6/2019</a:t>
+              <a:t>6/19/2019</a:t>
             </a:fld>
             <a:endParaRPr lang="en-US"/>
           </a:p>
@@ -2615,7 +2623,7 @@
           <a:p>
             <a:fld id="{66CB2154-9035-4012-8189-BAAB61C5A5EE}" type="datetime1">
               <a:rPr lang="en-US" smtClean="0"/>
-              <a:t>6/6/2019</a:t>
+              <a:t>6/19/2019</a:t>
             </a:fld>
             <a:endParaRPr lang="en-US"/>
           </a:p>
@@ -2803,7 +2811,7 @@
           <a:p>
             <a:fld id="{6700A58B-DD98-43D0-B791-721480A02982}" type="datetime1">
               <a:rPr lang="en-US" smtClean="0"/>
-              <a:t>6/6/2019</a:t>
+              <a:t>6/19/2019</a:t>
             </a:fld>
             <a:endParaRPr lang="en-US"/>
           </a:p>
@@ -3009,7 +3017,7 @@
           <a:p>
             <a:fld id="{7DB6E382-4F61-4E24-BE1A-377EC83D0E3A}" type="datetime1">
               <a:rPr lang="en-US" smtClean="0"/>
-              <a:t>6/6/2019</a:t>
+              <a:t>6/19/2019</a:t>
             </a:fld>
             <a:endParaRPr lang="en-US"/>
           </a:p>
@@ -3415,7 +3423,7 @@
           <a:p>
             <a:fld id="{4142EED6-FC16-45B9-B8C4-2BC5DBA88325}" type="datetime1">
               <a:rPr lang="en-US" smtClean="0"/>
-              <a:t>6/6/2019</a:t>
+              <a:t>6/19/2019</a:t>
             </a:fld>
             <a:endParaRPr lang="en-US"/>
           </a:p>
@@ -3747,7 +3755,7 @@
           <a:p>
             <a:fld id="{DF59512B-4F1D-43D7-8819-2F53FEF69650}" type="datetime1">
               <a:rPr lang="en-US" smtClean="0"/>
-              <a:t>6/6/2019</a:t>
+              <a:t>6/19/2019</a:t>
             </a:fld>
             <a:endParaRPr lang="en-US"/>
           </a:p>
@@ -4037,7 +4045,7 @@
           <a:p>
             <a:fld id="{08437B94-E2BF-44DC-ADC5-B05FC9934E9D}" type="datetime1">
               <a:rPr lang="en-US" smtClean="0"/>
-              <a:t>6/6/2019</a:t>
+              <a:t>6/19/2019</a:t>
             </a:fld>
             <a:endParaRPr lang="en-US"/>
           </a:p>
@@ -4567,7 +4575,7 @@
             <a:fld id="{5738B90E-0779-4C36-915C-6F05FCD89456}" type="datetime1">
               <a:rPr lang="en-US" smtClean="0"/>
               <a:pPr/>
-              <a:t>6/6/2019</a:t>
+              <a:t>6/19/2019</a:t>
             </a:fld>
             <a:endParaRPr lang="en-US"/>
           </a:p>
@@ -4668,7 +4676,192 @@
             <a:fld id="{6700A58B-DD98-43D0-B791-721480A02982}" type="datetime1">
               <a:rPr lang="en-US" smtClean="0"/>
               <a:pPr/>
-              <a:t>6/6/2019</a:t>
+              <a:t>6/19/2019</a:t>
+            </a:fld>
+            <a:endParaRPr lang="en-US"/>
+          </a:p>
+        </p:txBody>
+      </p:sp>
+      <p:sp>
+        <p:nvSpPr>
+          <p:cNvPr id="4" name="Slide Number Placeholder 3"/>
+          <p:cNvSpPr>
+            <a:spLocks noGrp="1"/>
+          </p:cNvSpPr>
+          <p:nvPr>
+            <p:ph type="sldNum" sz="quarter" idx="4"/>
+          </p:nvPr>
+        </p:nvSpPr>
+        <p:spPr/>
+        <p:txBody>
+          <a:bodyPr/>
+          <a:lstStyle/>
+          <a:p>
+            <a:fld id="{37290FF7-652B-4475-AEAB-8B1A5D23AE09}" type="slidenum">
+              <a:rPr lang="en-US" smtClean="0"/>
+              <a:pPr/>
+              <a:t>10</a:t>
+            </a:fld>
+            <a:endParaRPr lang="en-US"/>
+          </a:p>
+        </p:txBody>
+      </p:sp>
+      <p:pic>
+        <p:nvPicPr>
+          <p:cNvPr id="1026" name="Picture 2" descr="Image result for ethics meme"/>
+          <p:cNvPicPr>
+            <a:picLocks noChangeAspect="1" noChangeArrowheads="1"/>
+          </p:cNvPicPr>
+          <p:nvPr/>
+        </p:nvPicPr>
+        <p:blipFill>
+          <a:blip r:embed="rId2">
+            <a:extLst>
+              <a:ext uri="{28A0092B-C50C-407E-A947-70E740481C1C}">
+                <a14:useLocalDpi xmlns:a14="http://schemas.microsoft.com/office/drawing/2010/main" val="0"/>
+              </a:ext>
+            </a:extLst>
+          </a:blip>
+          <a:srcRect/>
+          <a:stretch>
+            <a:fillRect/>
+          </a:stretch>
+        </p:blipFill>
+        <p:spPr bwMode="auto">
+          <a:xfrm>
+            <a:off x="1004888" y="1290645"/>
+            <a:ext cx="7134225" cy="4762500"/>
+          </a:xfrm>
+          <a:prstGeom prst="rect">
+            <a:avLst/>
+          </a:prstGeom>
+          <a:noFill/>
+          <a:extLst>
+            <a:ext uri="{909E8E84-426E-40DD-AFC4-6F175D3DCCD1}">
+              <a14:hiddenFill xmlns:a14="http://schemas.microsoft.com/office/drawing/2010/main">
+                <a:solidFill>
+                  <a:srgbClr val="FFFFFF"/>
+                </a:solidFill>
+              </a14:hiddenFill>
+            </a:ext>
+          </a:extLst>
+        </p:spPr>
+      </p:pic>
+      <p:sp>
+        <p:nvSpPr>
+          <p:cNvPr id="14" name="Footer Placeholder 5">
+            <a:extLst>
+              <a:ext uri="{FF2B5EF4-FFF2-40B4-BE49-F238E27FC236}">
+                <a16:creationId xmlns:a16="http://schemas.microsoft.com/office/drawing/2014/main" xmlns="" id="{5538FB48-CAF0-460A-8AD3-294D5AFB4BB3}"/>
+              </a:ext>
+            </a:extLst>
+          </p:cNvPr>
+          <p:cNvSpPr>
+            <a:spLocks noGrp="1"/>
+          </p:cNvSpPr>
+          <p:nvPr>
+            <p:ph type="ftr" sz="quarter" idx="3"/>
+          </p:nvPr>
+        </p:nvSpPr>
+        <p:spPr>
+          <a:xfrm>
+            <a:off x="3028950" y="6356351"/>
+            <a:ext cx="3086100" cy="365125"/>
+          </a:xfrm>
+        </p:spPr>
+        <p:txBody>
+          <a:bodyPr/>
+          <a:lstStyle/>
+          <a:p>
+            <a:r>
+              <a:rPr lang="en-US" dirty="0"/>
+              <a:t>Kwartler</a:t>
+            </a:r>
+          </a:p>
+        </p:txBody>
+      </p:sp>
+      <p:sp>
+        <p:nvSpPr>
+          <p:cNvPr id="18" name="Title 2">
+            <a:extLst>
+              <a:ext uri="{FF2B5EF4-FFF2-40B4-BE49-F238E27FC236}">
+                <a16:creationId xmlns:a16="http://schemas.microsoft.com/office/drawing/2014/main" xmlns="" id="{612E0A65-AE20-41C0-83C4-BBFE25CFD99E}"/>
+              </a:ext>
+            </a:extLst>
+          </p:cNvPr>
+          <p:cNvSpPr>
+            <a:spLocks noGrp="1"/>
+          </p:cNvSpPr>
+          <p:nvPr>
+            <p:ph type="title"/>
+          </p:nvPr>
+        </p:nvSpPr>
+        <p:spPr>
+          <a:xfrm>
+            <a:off x="0" y="365126"/>
+            <a:ext cx="9144000" cy="591477"/>
+          </a:xfrm>
+        </p:spPr>
+        <p:txBody>
+          <a:bodyPr/>
+          <a:lstStyle/>
+          <a:p>
+            <a:r>
+              <a:rPr lang="en-US" sz="2800" dirty="0"/>
+              <a:t>What about in the context of data, machine learning &amp; AI?</a:t>
+            </a:r>
+          </a:p>
+        </p:txBody>
+      </p:sp>
+    </p:spTree>
+    <p:extLst>
+      <p:ext uri="{BB962C8B-B14F-4D97-AF65-F5344CB8AC3E}">
+        <p14:creationId xmlns:p14="http://schemas.microsoft.com/office/powerpoint/2010/main" val="263256100"/>
+      </p:ext>
+    </p:extLst>
+  </p:cSld>
+  <p:clrMapOvr>
+    <a:masterClrMapping/>
+  </p:clrMapOvr>
+</p:sld>
+</file>
+
+<file path=ppt/slides/slide11.xml><?xml version="1.0" encoding="utf-8"?>
+<p:sld xmlns:a="http://schemas.openxmlformats.org/drawingml/2006/main" xmlns:r="http://schemas.openxmlformats.org/officeDocument/2006/relationships" xmlns:p="http://schemas.openxmlformats.org/presentationml/2006/main">
+  <p:cSld>
+    <p:spTree>
+      <p:nvGrpSpPr>
+        <p:cNvPr id="1" name=""/>
+        <p:cNvGrpSpPr/>
+        <p:nvPr/>
+      </p:nvGrpSpPr>
+      <p:grpSpPr>
+        <a:xfrm>
+          <a:off x="0" y="0"/>
+          <a:ext cx="0" cy="0"/>
+          <a:chOff x="0" y="0"/>
+          <a:chExt cx="0" cy="0"/>
+        </a:xfrm>
+      </p:grpSpPr>
+      <p:sp>
+        <p:nvSpPr>
+          <p:cNvPr id="2" name="Date Placeholder 1"/>
+          <p:cNvSpPr>
+            <a:spLocks noGrp="1"/>
+          </p:cNvSpPr>
+          <p:nvPr>
+            <p:ph type="dt" sz="half" idx="10"/>
+          </p:nvPr>
+        </p:nvSpPr>
+        <p:spPr/>
+        <p:txBody>
+          <a:bodyPr/>
+          <a:lstStyle/>
+          <a:p>
+            <a:fld id="{6700A58B-DD98-43D0-B791-721480A02982}" type="datetime1">
+              <a:rPr lang="en-US" smtClean="0"/>
+              <a:pPr/>
+              <a:t>6/19/2019</a:t>
             </a:fld>
             <a:endParaRPr lang="en-US"/>
           </a:p>
@@ -4714,7 +4907,7 @@
             <a:fld id="{37290FF7-652B-4475-AEAB-8B1A5D23AE09}" type="slidenum">
               <a:rPr lang="en-US" smtClean="0"/>
               <a:pPr/>
-              <a:t>10</a:t>
+              <a:t>11</a:t>
             </a:fld>
             <a:endParaRPr lang="en-US"/>
           </a:p>
@@ -4804,9 +4997,10 @@
           <a:p>
             <a:pPr algn="ctr"/>
             <a:r>
-              <a:rPr lang="en-US" dirty="0"/>
-              <a:t>Is Watson amazing technology free from moral obligation?</a:t>
+              <a:rPr lang="en-US" dirty="0" smtClean="0"/>
+              <a:t>What is the article about?  Describe IBM’s technology.</a:t>
             </a:r>
+            <a:endParaRPr lang="en-US" dirty="0"/>
           </a:p>
         </p:txBody>
       </p:sp>
@@ -4815,7 +5009,7 @@
           <p:cNvPr id="15" name="Footer Placeholder 5">
             <a:extLst>
               <a:ext uri="{FF2B5EF4-FFF2-40B4-BE49-F238E27FC236}">
-                <a16:creationId xmlns="" xmlns:a16="http://schemas.microsoft.com/office/drawing/2014/main" id="{02FF512D-7716-46E2-85E6-738C48EBB53F}"/>
+                <a16:creationId xmlns:a16="http://schemas.microsoft.com/office/drawing/2014/main" xmlns="" id="{02FF512D-7716-46E2-85E6-738C48EBB53F}"/>
               </a:ext>
             </a:extLst>
           </p:cNvPr>
@@ -4846,7 +5040,7 @@
     </p:spTree>
     <p:extLst>
       <p:ext uri="{BB962C8B-B14F-4D97-AF65-F5344CB8AC3E}">
-        <p14:creationId xmlns:p14="http://schemas.microsoft.com/office/powerpoint/2010/main" val="8619123"/>
+        <p14:creationId xmlns:p14="http://schemas.microsoft.com/office/powerpoint/2010/main" val="43083753"/>
       </p:ext>
     </p:extLst>
   </p:cSld>
@@ -4856,7 +5050,7 @@
 </p:sld>
 </file>
 
-<file path=ppt/slides/slide11.xml><?xml version="1.0" encoding="utf-8"?>
+<file path=ppt/slides/slide12.xml><?xml version="1.0" encoding="utf-8"?>
 <p:sld xmlns:a="http://schemas.openxmlformats.org/drawingml/2006/main" xmlns:r="http://schemas.openxmlformats.org/officeDocument/2006/relationships" xmlns:p="http://schemas.openxmlformats.org/presentationml/2006/main">
   <p:cSld>
     <p:spTree>
@@ -4891,7 +5085,7 @@
             <a:fld id="{6700A58B-DD98-43D0-B791-721480A02982}" type="datetime1">
               <a:rPr lang="en-US" smtClean="0"/>
               <a:pPr/>
-              <a:t>6/6/2019</a:t>
+              <a:t>6/19/2019</a:t>
             </a:fld>
             <a:endParaRPr lang="en-US"/>
           </a:p>
@@ -4937,7 +5131,7 @@
             <a:fld id="{37290FF7-652B-4475-AEAB-8B1A5D23AE09}" type="slidenum">
               <a:rPr lang="en-US" smtClean="0"/>
               <a:pPr/>
-              <a:t>11</a:t>
+              <a:t>12</a:t>
             </a:fld>
             <a:endParaRPr lang="en-US"/>
           </a:p>
@@ -5028,21 +5222,15 @@
             <a:pPr algn="ctr"/>
             <a:r>
               <a:rPr lang="en-US" dirty="0"/>
-              <a:t>Is there a business and data ethics question?  Who was impacted?</a:t>
+              <a:t>Is </a:t>
             </a:r>
-          </a:p>
-          <a:p>
-            <a:pPr algn="ctr"/>
+            <a:r>
+              <a:rPr lang="en-US" dirty="0" smtClean="0"/>
+              <a:t>Watson’s seemingly </a:t>
+            </a:r>
             <a:r>
               <a:rPr lang="en-US" dirty="0"/>
-              <a:t>If so, what did the practitioners and leaders miss?</a:t>
-            </a:r>
-          </a:p>
-          <a:p>
-            <a:pPr algn="ctr"/>
-            <a:r>
-              <a:rPr lang="en-US" dirty="0"/>
-              <a:t>What could have been done to mitigate the impact? </a:t>
+              <a:t>amazing technology free from moral obligation?</a:t>
             </a:r>
           </a:p>
         </p:txBody>
@@ -5052,7 +5240,7 @@
           <p:cNvPr id="15" name="Footer Placeholder 5">
             <a:extLst>
               <a:ext uri="{FF2B5EF4-FFF2-40B4-BE49-F238E27FC236}">
-                <a16:creationId xmlns="" xmlns:a16="http://schemas.microsoft.com/office/drawing/2014/main" id="{A1551EBE-9A50-4CB3-B046-9FD4A5862458}"/>
+                <a16:creationId xmlns:a16="http://schemas.microsoft.com/office/drawing/2014/main" xmlns="" id="{02FF512D-7716-46E2-85E6-738C48EBB53F}"/>
               </a:ext>
             </a:extLst>
           </p:cNvPr>
@@ -5080,95 +5268,10 @@
           </a:p>
         </p:txBody>
       </p:sp>
-      <p:sp>
-        <p:nvSpPr>
-          <p:cNvPr id="16" name="Rectangle 15">
-            <a:extLst>
-              <a:ext uri="{FF2B5EF4-FFF2-40B4-BE49-F238E27FC236}">
-                <a16:creationId xmlns="" xmlns:a16="http://schemas.microsoft.com/office/drawing/2014/main" id="{374EF09B-2AFB-4134-9C50-10320BA3DFF9}"/>
-              </a:ext>
-            </a:extLst>
-          </p:cNvPr>
-          <p:cNvSpPr/>
-          <p:nvPr/>
-        </p:nvSpPr>
-        <p:spPr>
-          <a:xfrm>
-            <a:off x="423858" y="4836255"/>
-            <a:ext cx="8086725" cy="1400175"/>
-          </a:xfrm>
-          <a:prstGeom prst="rect">
-            <a:avLst/>
-          </a:prstGeom>
-          <a:noFill/>
-          <a:ln>
-            <a:noFill/>
-          </a:ln>
-        </p:spPr>
-        <p:style>
-          <a:lnRef idx="2">
-            <a:schemeClr val="accent1">
-              <a:shade val="50000"/>
-            </a:schemeClr>
-          </a:lnRef>
-          <a:fillRef idx="1">
-            <a:schemeClr val="accent1"/>
-          </a:fillRef>
-          <a:effectRef idx="0">
-            <a:schemeClr val="accent1"/>
-          </a:effectRef>
-          <a:fontRef idx="minor">
-            <a:schemeClr val="lt1"/>
-          </a:fontRef>
-        </p:style>
-        <p:txBody>
-          <a:bodyPr rtlCol="0" anchor="ctr"/>
-          <a:lstStyle/>
-          <a:p>
-            <a:pPr marL="285750" indent="-285750">
-              <a:buFont typeface="Arial" panose="020B0604020202020204" pitchFamily="34" charset="0"/>
-              <a:buChar char="•"/>
-            </a:pPr>
-            <a:r>
-              <a:rPr lang="en-US" sz="1600" dirty="0">
-                <a:solidFill>
-                  <a:schemeClr val="tx1"/>
-                </a:solidFill>
-              </a:rPr>
-              <a:t>Is there bias in the text mining project data?</a:t>
-            </a:r>
-          </a:p>
-          <a:p>
-            <a:pPr marL="285750" indent="-285750">
-              <a:buFont typeface="Arial" panose="020B0604020202020204" pitchFamily="34" charset="0"/>
-              <a:buChar char="•"/>
-            </a:pPr>
-            <a:r>
-              <a:rPr lang="en-US" sz="1600" dirty="0">
-                <a:solidFill>
-                  <a:schemeClr val="tx1"/>
-                </a:solidFill>
-              </a:rPr>
-              <a:t>What duty do the technical folks have to inform of limitations to sales, business and customers?  </a:t>
-            </a:r>
-          </a:p>
-          <a:p>
-            <a:pPr marL="285750" indent="-285750">
-              <a:buFont typeface="Arial" panose="020B0604020202020204" pitchFamily="34" charset="0"/>
-              <a:buChar char="•"/>
-            </a:pPr>
-            <a:endParaRPr lang="en-US" sz="1600" dirty="0">
-              <a:solidFill>
-                <a:schemeClr val="tx1"/>
-              </a:solidFill>
-            </a:endParaRPr>
-          </a:p>
-        </p:txBody>
-      </p:sp>
     </p:spTree>
     <p:extLst>
       <p:ext uri="{BB962C8B-B14F-4D97-AF65-F5344CB8AC3E}">
-        <p14:creationId xmlns:p14="http://schemas.microsoft.com/office/powerpoint/2010/main" val="500859723"/>
+        <p14:creationId xmlns:p14="http://schemas.microsoft.com/office/powerpoint/2010/main" val="8619123"/>
       </p:ext>
     </p:extLst>
   </p:cSld>
@@ -5178,7 +5281,7 @@
 </p:sld>
 </file>
 
-<file path=ppt/slides/slide12.xml><?xml version="1.0" encoding="utf-8"?>
+<file path=ppt/slides/slide13.xml><?xml version="1.0" encoding="utf-8"?>
 <p:sld xmlns:a="http://schemas.openxmlformats.org/drawingml/2006/main" xmlns:r="http://schemas.openxmlformats.org/officeDocument/2006/relationships" xmlns:p="http://schemas.openxmlformats.org/presentationml/2006/main">
   <p:cSld>
     <p:spTree>
@@ -5213,7 +5316,7 @@
             <a:fld id="{6700A58B-DD98-43D0-B791-721480A02982}" type="datetime1">
               <a:rPr lang="en-US" smtClean="0"/>
               <a:pPr/>
-              <a:t>6/6/2019</a:t>
+              <a:t>6/19/2019</a:t>
             </a:fld>
             <a:endParaRPr lang="en-US"/>
           </a:p>
@@ -5259,7 +5362,7 @@
             <a:fld id="{37290FF7-652B-4475-AEAB-8B1A5D23AE09}" type="slidenum">
               <a:rPr lang="en-US" smtClean="0"/>
               <a:pPr/>
-              <a:t>12</a:t>
+              <a:t>13</a:t>
             </a:fld>
             <a:endParaRPr lang="en-US"/>
           </a:p>
@@ -5350,113 +5453,17 @@
             <a:pPr algn="ctr"/>
             <a:r>
               <a:rPr lang="en-US" dirty="0"/>
-              <a:t>Is there a business and data ethics question?  Who was impacted?</a:t>
-            </a:r>
-          </a:p>
-          <a:p>
-            <a:pPr algn="ctr"/>
-            <a:r>
-              <a:rPr lang="en-US" dirty="0"/>
-              <a:t>If so, what did the practitioners and leaders miss?</a:t>
-            </a:r>
-          </a:p>
-          <a:p>
-            <a:pPr algn="ctr"/>
-            <a:r>
-              <a:rPr lang="en-US" dirty="0"/>
-              <a:t>What could have been done to mitigate the impact? </a:t>
+              <a:t>Is there a business and data ethics question? </a:t>
             </a:r>
           </a:p>
         </p:txBody>
       </p:sp>
       <p:sp>
         <p:nvSpPr>
-          <p:cNvPr id="10" name="Rectangle 9"/>
-          <p:cNvSpPr/>
-          <p:nvPr/>
-        </p:nvSpPr>
-        <p:spPr>
-          <a:xfrm>
-            <a:off x="423858" y="4836255"/>
-            <a:ext cx="8086725" cy="1400175"/>
-          </a:xfrm>
-          <a:prstGeom prst="rect">
-            <a:avLst/>
-          </a:prstGeom>
-          <a:noFill/>
-          <a:ln>
-            <a:noFill/>
-          </a:ln>
-        </p:spPr>
-        <p:style>
-          <a:lnRef idx="2">
-            <a:schemeClr val="accent1">
-              <a:shade val="50000"/>
-            </a:schemeClr>
-          </a:lnRef>
-          <a:fillRef idx="1">
-            <a:schemeClr val="accent1"/>
-          </a:fillRef>
-          <a:effectRef idx="0">
-            <a:schemeClr val="accent1"/>
-          </a:effectRef>
-          <a:fontRef idx="minor">
-            <a:schemeClr val="lt1"/>
-          </a:fontRef>
-        </p:style>
-        <p:txBody>
-          <a:bodyPr rtlCol="0" anchor="ctr"/>
-          <a:lstStyle/>
-          <a:p>
-            <a:pPr marL="285750" indent="-285750">
-              <a:buFont typeface="Arial" panose="020B0604020202020204" pitchFamily="34" charset="0"/>
-              <a:buChar char="•"/>
-            </a:pPr>
-            <a:r>
-              <a:rPr lang="en-US" sz="1600" dirty="0">
-                <a:solidFill>
-                  <a:schemeClr val="tx1"/>
-                </a:solidFill>
-              </a:rPr>
-              <a:t>Was it marketing ignorance, merely aspirational claims, or truly conscience deceptive?  Does that matter to patients?  </a:t>
-            </a:r>
-          </a:p>
-          <a:p>
-            <a:pPr marL="285750" indent="-285750">
-              <a:buFont typeface="Arial" panose="020B0604020202020204" pitchFamily="34" charset="0"/>
-              <a:buChar char="•"/>
-            </a:pPr>
-            <a:r>
-              <a:rPr lang="en-US" sz="1600" dirty="0">
-                <a:solidFill>
-                  <a:schemeClr val="tx1"/>
-                </a:solidFill>
-              </a:rPr>
-              <a:t>Do business leaders have a duty to question the choices and practices of technical creators?</a:t>
-            </a:r>
-          </a:p>
-          <a:p>
-            <a:pPr marL="285750" indent="-285750">
-              <a:buFont typeface="Arial" panose="020B0604020202020204" pitchFamily="34" charset="0"/>
-              <a:buChar char="•"/>
-            </a:pPr>
-            <a:r>
-              <a:rPr lang="en-US" sz="1600" dirty="0">
-                <a:solidFill>
-                  <a:schemeClr val="tx1"/>
-                </a:solidFill>
-              </a:rPr>
-              <a:t>What duty do the customers have to thoroughly review the underlying technology?</a:t>
-            </a:r>
-          </a:p>
-        </p:txBody>
-      </p:sp>
-      <p:sp>
-        <p:nvSpPr>
-          <p:cNvPr id="16" name="Footer Placeholder 5">
+          <p:cNvPr id="15" name="Footer Placeholder 5">
             <a:extLst>
               <a:ext uri="{FF2B5EF4-FFF2-40B4-BE49-F238E27FC236}">
-                <a16:creationId xmlns="" xmlns:a16="http://schemas.microsoft.com/office/drawing/2014/main" id="{B221EDD7-9063-4A19-AF11-D78825D64E52}"/>
+                <a16:creationId xmlns:a16="http://schemas.microsoft.com/office/drawing/2014/main" xmlns="" id="{A1551EBE-9A50-4CB3-B046-9FD4A5862458}"/>
               </a:ext>
             </a:extLst>
           </p:cNvPr>
@@ -5487,7 +5494,7 @@
     </p:spTree>
     <p:extLst>
       <p:ext uri="{BB962C8B-B14F-4D97-AF65-F5344CB8AC3E}">
-        <p14:creationId xmlns:p14="http://schemas.microsoft.com/office/powerpoint/2010/main" val="315516691"/>
+        <p14:creationId xmlns:p14="http://schemas.microsoft.com/office/powerpoint/2010/main" val="500859723"/>
       </p:ext>
     </p:extLst>
   </p:cSld>
@@ -5497,7 +5504,7 @@
 </p:sld>
 </file>
 
-<file path=ppt/slides/slide13.xml><?xml version="1.0" encoding="utf-8"?>
+<file path=ppt/slides/slide14.xml><?xml version="1.0" encoding="utf-8"?>
 <p:sld xmlns:a="http://schemas.openxmlformats.org/drawingml/2006/main" xmlns:r="http://schemas.openxmlformats.org/officeDocument/2006/relationships" xmlns:p="http://schemas.openxmlformats.org/presentationml/2006/main">
   <p:cSld>
     <p:spTree>
@@ -5532,7 +5539,7 @@
             <a:fld id="{6700A58B-DD98-43D0-B791-721480A02982}" type="datetime1">
               <a:rPr lang="en-US" smtClean="0"/>
               <a:pPr/>
-              <a:t>6/6/2019</a:t>
+              <a:t>6/19/2019</a:t>
             </a:fld>
             <a:endParaRPr lang="en-US"/>
           </a:p>
@@ -5555,7 +5562,7 @@
           <a:p>
             <a:r>
               <a:rPr lang="en-US" dirty="0"/>
-              <a:t>MSFT Tay</a:t>
+              <a:t>IBM Watson’s Cancer Recommendations</a:t>
             </a:r>
           </a:p>
         </p:txBody>
@@ -5578,7 +5585,751 @@
             <a:fld id="{37290FF7-652B-4475-AEAB-8B1A5D23AE09}" type="slidenum">
               <a:rPr lang="en-US" smtClean="0"/>
               <a:pPr/>
-              <a:t>13</a:t>
+              <a:t>14</a:t>
+            </a:fld>
+            <a:endParaRPr lang="en-US"/>
+          </a:p>
+        </p:txBody>
+      </p:sp>
+      <p:pic>
+        <p:nvPicPr>
+          <p:cNvPr id="4100" name="Picture 4" descr="Image result for ibm logo"/>
+          <p:cNvPicPr>
+            <a:picLocks noChangeAspect="1" noChangeArrowheads="1"/>
+          </p:cNvPicPr>
+          <p:nvPr/>
+        </p:nvPicPr>
+        <p:blipFill>
+          <a:blip r:embed="rId2">
+            <a:extLst>
+              <a:ext uri="{28A0092B-C50C-407E-A947-70E740481C1C}">
+                <a14:useLocalDpi xmlns:a14="http://schemas.microsoft.com/office/drawing/2010/main" val="0"/>
+              </a:ext>
+            </a:extLst>
+          </a:blip>
+          <a:srcRect/>
+          <a:stretch>
+            <a:fillRect/>
+          </a:stretch>
+        </p:blipFill>
+        <p:spPr bwMode="auto">
+          <a:xfrm>
+            <a:off x="2455402" y="2833270"/>
+            <a:ext cx="4203700" cy="1544698"/>
+          </a:xfrm>
+          <a:prstGeom prst="rect">
+            <a:avLst/>
+          </a:prstGeom>
+          <a:noFill/>
+          <a:extLst>
+            <a:ext uri="{909E8E84-426E-40DD-AFC4-6F175D3DCCD1}">
+              <a14:hiddenFill xmlns:a14="http://schemas.microsoft.com/office/drawing/2010/main">
+                <a:solidFill>
+                  <a:srgbClr val="FFFFFF"/>
+                </a:solidFill>
+              </a14:hiddenFill>
+            </a:ext>
+          </a:extLst>
+        </p:spPr>
+      </p:pic>
+      <p:sp>
+        <p:nvSpPr>
+          <p:cNvPr id="9" name="Rectangle 8"/>
+          <p:cNvSpPr/>
+          <p:nvPr/>
+        </p:nvSpPr>
+        <p:spPr>
+          <a:xfrm>
+            <a:off x="500064" y="1171570"/>
+            <a:ext cx="8086725" cy="885825"/>
+          </a:xfrm>
+          <a:prstGeom prst="rect">
+            <a:avLst/>
+          </a:prstGeom>
+          <a:solidFill>
+            <a:schemeClr val="accent6"/>
+          </a:solidFill>
+          <a:ln>
+            <a:noFill/>
+          </a:ln>
+        </p:spPr>
+        <p:style>
+          <a:lnRef idx="2">
+            <a:schemeClr val="accent1">
+              <a:shade val="50000"/>
+            </a:schemeClr>
+          </a:lnRef>
+          <a:fillRef idx="1">
+            <a:schemeClr val="accent1"/>
+          </a:fillRef>
+          <a:effectRef idx="0">
+            <a:schemeClr val="accent1"/>
+          </a:effectRef>
+          <a:fontRef idx="minor">
+            <a:schemeClr val="lt1"/>
+          </a:fontRef>
+        </p:style>
+        <p:txBody>
+          <a:bodyPr rtlCol="0" anchor="ctr"/>
+          <a:lstStyle/>
+          <a:p>
+            <a:pPr algn="ctr"/>
+            <a:r>
+              <a:rPr lang="en-US" dirty="0" smtClean="0"/>
+              <a:t>Is there bias in the textual data underlying the technology?</a:t>
+            </a:r>
+            <a:endParaRPr lang="en-US" dirty="0"/>
+          </a:p>
+        </p:txBody>
+      </p:sp>
+      <p:sp>
+        <p:nvSpPr>
+          <p:cNvPr id="15" name="Footer Placeholder 5">
+            <a:extLst>
+              <a:ext uri="{FF2B5EF4-FFF2-40B4-BE49-F238E27FC236}">
+                <a16:creationId xmlns:a16="http://schemas.microsoft.com/office/drawing/2014/main" xmlns="" id="{A1551EBE-9A50-4CB3-B046-9FD4A5862458}"/>
+              </a:ext>
+            </a:extLst>
+          </p:cNvPr>
+          <p:cNvSpPr>
+            <a:spLocks noGrp="1"/>
+          </p:cNvSpPr>
+          <p:nvPr>
+            <p:ph type="ftr" sz="quarter" idx="3"/>
+          </p:nvPr>
+        </p:nvSpPr>
+        <p:spPr>
+          <a:xfrm>
+            <a:off x="3028950" y="6356351"/>
+            <a:ext cx="3086100" cy="365125"/>
+          </a:xfrm>
+        </p:spPr>
+        <p:txBody>
+          <a:bodyPr/>
+          <a:lstStyle/>
+          <a:p>
+            <a:r>
+              <a:rPr lang="en-US" dirty="0"/>
+              <a:t>Kwartler</a:t>
+            </a:r>
+          </a:p>
+        </p:txBody>
+      </p:sp>
+    </p:spTree>
+    <p:extLst>
+      <p:ext uri="{BB962C8B-B14F-4D97-AF65-F5344CB8AC3E}">
+        <p14:creationId xmlns:p14="http://schemas.microsoft.com/office/powerpoint/2010/main" val="950152020"/>
+      </p:ext>
+    </p:extLst>
+  </p:cSld>
+  <p:clrMapOvr>
+    <a:masterClrMapping/>
+  </p:clrMapOvr>
+</p:sld>
+</file>
+
+<file path=ppt/slides/slide15.xml><?xml version="1.0" encoding="utf-8"?>
+<p:sld xmlns:a="http://schemas.openxmlformats.org/drawingml/2006/main" xmlns:r="http://schemas.openxmlformats.org/officeDocument/2006/relationships" xmlns:p="http://schemas.openxmlformats.org/presentationml/2006/main">
+  <p:cSld>
+    <p:spTree>
+      <p:nvGrpSpPr>
+        <p:cNvPr id="1" name=""/>
+        <p:cNvGrpSpPr/>
+        <p:nvPr/>
+      </p:nvGrpSpPr>
+      <p:grpSpPr>
+        <a:xfrm>
+          <a:off x="0" y="0"/>
+          <a:ext cx="0" cy="0"/>
+          <a:chOff x="0" y="0"/>
+          <a:chExt cx="0" cy="0"/>
+        </a:xfrm>
+      </p:grpSpPr>
+      <p:sp>
+        <p:nvSpPr>
+          <p:cNvPr id="2" name="Date Placeholder 1"/>
+          <p:cNvSpPr>
+            <a:spLocks noGrp="1"/>
+          </p:cNvSpPr>
+          <p:nvPr>
+            <p:ph type="dt" sz="half" idx="10"/>
+          </p:nvPr>
+        </p:nvSpPr>
+        <p:spPr/>
+        <p:txBody>
+          <a:bodyPr/>
+          <a:lstStyle/>
+          <a:p>
+            <a:fld id="{6700A58B-DD98-43D0-B791-721480A02982}" type="datetime1">
+              <a:rPr lang="en-US" smtClean="0"/>
+              <a:pPr/>
+              <a:t>6/19/2019</a:t>
+            </a:fld>
+            <a:endParaRPr lang="en-US"/>
+          </a:p>
+        </p:txBody>
+      </p:sp>
+      <p:sp>
+        <p:nvSpPr>
+          <p:cNvPr id="3" name="Title 2"/>
+          <p:cNvSpPr>
+            <a:spLocks noGrp="1"/>
+          </p:cNvSpPr>
+          <p:nvPr>
+            <p:ph type="title"/>
+          </p:nvPr>
+        </p:nvSpPr>
+        <p:spPr/>
+        <p:txBody>
+          <a:bodyPr/>
+          <a:lstStyle/>
+          <a:p>
+            <a:r>
+              <a:rPr lang="en-US" dirty="0"/>
+              <a:t>IBM Watson’s Cancer Recommendations</a:t>
+            </a:r>
+          </a:p>
+        </p:txBody>
+      </p:sp>
+      <p:sp>
+        <p:nvSpPr>
+          <p:cNvPr id="4" name="Slide Number Placeholder 3"/>
+          <p:cNvSpPr>
+            <a:spLocks noGrp="1"/>
+          </p:cNvSpPr>
+          <p:nvPr>
+            <p:ph type="sldNum" sz="quarter" idx="4"/>
+          </p:nvPr>
+        </p:nvSpPr>
+        <p:spPr/>
+        <p:txBody>
+          <a:bodyPr/>
+          <a:lstStyle/>
+          <a:p>
+            <a:fld id="{37290FF7-652B-4475-AEAB-8B1A5D23AE09}" type="slidenum">
+              <a:rPr lang="en-US" smtClean="0"/>
+              <a:pPr/>
+              <a:t>15</a:t>
+            </a:fld>
+            <a:endParaRPr lang="en-US"/>
+          </a:p>
+        </p:txBody>
+      </p:sp>
+      <p:pic>
+        <p:nvPicPr>
+          <p:cNvPr id="4100" name="Picture 4" descr="Image result for ibm logo"/>
+          <p:cNvPicPr>
+            <a:picLocks noChangeAspect="1" noChangeArrowheads="1"/>
+          </p:cNvPicPr>
+          <p:nvPr/>
+        </p:nvPicPr>
+        <p:blipFill>
+          <a:blip r:embed="rId2">
+            <a:extLst>
+              <a:ext uri="{28A0092B-C50C-407E-A947-70E740481C1C}">
+                <a14:useLocalDpi xmlns:a14="http://schemas.microsoft.com/office/drawing/2010/main" val="0"/>
+              </a:ext>
+            </a:extLst>
+          </a:blip>
+          <a:srcRect/>
+          <a:stretch>
+            <a:fillRect/>
+          </a:stretch>
+        </p:blipFill>
+        <p:spPr bwMode="auto">
+          <a:xfrm>
+            <a:off x="2455402" y="2833270"/>
+            <a:ext cx="4203700" cy="1544698"/>
+          </a:xfrm>
+          <a:prstGeom prst="rect">
+            <a:avLst/>
+          </a:prstGeom>
+          <a:noFill/>
+          <a:extLst>
+            <a:ext uri="{909E8E84-426E-40DD-AFC4-6F175D3DCCD1}">
+              <a14:hiddenFill xmlns:a14="http://schemas.microsoft.com/office/drawing/2010/main">
+                <a:solidFill>
+                  <a:srgbClr val="FFFFFF"/>
+                </a:solidFill>
+              </a14:hiddenFill>
+            </a:ext>
+          </a:extLst>
+        </p:spPr>
+      </p:pic>
+      <p:sp>
+        <p:nvSpPr>
+          <p:cNvPr id="9" name="Rectangle 8"/>
+          <p:cNvSpPr/>
+          <p:nvPr/>
+        </p:nvSpPr>
+        <p:spPr>
+          <a:xfrm>
+            <a:off x="500064" y="1171570"/>
+            <a:ext cx="8086725" cy="885825"/>
+          </a:xfrm>
+          <a:prstGeom prst="rect">
+            <a:avLst/>
+          </a:prstGeom>
+          <a:solidFill>
+            <a:schemeClr val="accent6"/>
+          </a:solidFill>
+          <a:ln>
+            <a:noFill/>
+          </a:ln>
+        </p:spPr>
+        <p:style>
+          <a:lnRef idx="2">
+            <a:schemeClr val="accent1">
+              <a:shade val="50000"/>
+            </a:schemeClr>
+          </a:lnRef>
+          <a:fillRef idx="1">
+            <a:schemeClr val="accent1"/>
+          </a:fillRef>
+          <a:effectRef idx="0">
+            <a:schemeClr val="accent1"/>
+          </a:effectRef>
+          <a:fontRef idx="minor">
+            <a:schemeClr val="lt1"/>
+          </a:fontRef>
+        </p:style>
+        <p:txBody>
+          <a:bodyPr rtlCol="0" anchor="ctr"/>
+          <a:lstStyle/>
+          <a:p>
+            <a:pPr algn="ctr"/>
+            <a:r>
+              <a:rPr lang="en-US" dirty="0" smtClean="0"/>
+              <a:t>Who are the stakeholders?</a:t>
+            </a:r>
+            <a:endParaRPr lang="en-US" dirty="0"/>
+          </a:p>
+        </p:txBody>
+      </p:sp>
+      <p:sp>
+        <p:nvSpPr>
+          <p:cNvPr id="15" name="Footer Placeholder 5">
+            <a:extLst>
+              <a:ext uri="{FF2B5EF4-FFF2-40B4-BE49-F238E27FC236}">
+                <a16:creationId xmlns:a16="http://schemas.microsoft.com/office/drawing/2014/main" xmlns="" id="{A1551EBE-9A50-4CB3-B046-9FD4A5862458}"/>
+              </a:ext>
+            </a:extLst>
+          </p:cNvPr>
+          <p:cNvSpPr>
+            <a:spLocks noGrp="1"/>
+          </p:cNvSpPr>
+          <p:nvPr>
+            <p:ph type="ftr" sz="quarter" idx="3"/>
+          </p:nvPr>
+        </p:nvSpPr>
+        <p:spPr>
+          <a:xfrm>
+            <a:off x="3028950" y="6356351"/>
+            <a:ext cx="3086100" cy="365125"/>
+          </a:xfrm>
+        </p:spPr>
+        <p:txBody>
+          <a:bodyPr/>
+          <a:lstStyle/>
+          <a:p>
+            <a:r>
+              <a:rPr lang="en-US" dirty="0"/>
+              <a:t>Kwartler</a:t>
+            </a:r>
+          </a:p>
+        </p:txBody>
+      </p:sp>
+    </p:spTree>
+    <p:extLst>
+      <p:ext uri="{BB962C8B-B14F-4D97-AF65-F5344CB8AC3E}">
+        <p14:creationId xmlns:p14="http://schemas.microsoft.com/office/powerpoint/2010/main" val="3840022339"/>
+      </p:ext>
+    </p:extLst>
+  </p:cSld>
+  <p:clrMapOvr>
+    <a:masterClrMapping/>
+  </p:clrMapOvr>
+</p:sld>
+</file>
+
+<file path=ppt/slides/slide16.xml><?xml version="1.0" encoding="utf-8"?>
+<p:sld xmlns:a="http://schemas.openxmlformats.org/drawingml/2006/main" xmlns:r="http://schemas.openxmlformats.org/officeDocument/2006/relationships" xmlns:p="http://schemas.openxmlformats.org/presentationml/2006/main">
+  <p:cSld>
+    <p:spTree>
+      <p:nvGrpSpPr>
+        <p:cNvPr id="1" name=""/>
+        <p:cNvGrpSpPr/>
+        <p:nvPr/>
+      </p:nvGrpSpPr>
+      <p:grpSpPr>
+        <a:xfrm>
+          <a:off x="0" y="0"/>
+          <a:ext cx="0" cy="0"/>
+          <a:chOff x="0" y="0"/>
+          <a:chExt cx="0" cy="0"/>
+        </a:xfrm>
+      </p:grpSpPr>
+      <p:sp>
+        <p:nvSpPr>
+          <p:cNvPr id="2" name="Date Placeholder 1"/>
+          <p:cNvSpPr>
+            <a:spLocks noGrp="1"/>
+          </p:cNvSpPr>
+          <p:nvPr>
+            <p:ph type="dt" sz="half" idx="10"/>
+          </p:nvPr>
+        </p:nvSpPr>
+        <p:spPr/>
+        <p:txBody>
+          <a:bodyPr/>
+          <a:lstStyle/>
+          <a:p>
+            <a:fld id="{6700A58B-DD98-43D0-B791-721480A02982}" type="datetime1">
+              <a:rPr lang="en-US" smtClean="0"/>
+              <a:pPr/>
+              <a:t>6/19/2019</a:t>
+            </a:fld>
+            <a:endParaRPr lang="en-US"/>
+          </a:p>
+        </p:txBody>
+      </p:sp>
+      <p:sp>
+        <p:nvSpPr>
+          <p:cNvPr id="3" name="Title 2"/>
+          <p:cNvSpPr>
+            <a:spLocks noGrp="1"/>
+          </p:cNvSpPr>
+          <p:nvPr>
+            <p:ph type="title"/>
+          </p:nvPr>
+        </p:nvSpPr>
+        <p:spPr/>
+        <p:txBody>
+          <a:bodyPr/>
+          <a:lstStyle/>
+          <a:p>
+            <a:r>
+              <a:rPr lang="en-US" dirty="0"/>
+              <a:t>IBM Watson’s Cancer Recommendations</a:t>
+            </a:r>
+          </a:p>
+        </p:txBody>
+      </p:sp>
+      <p:sp>
+        <p:nvSpPr>
+          <p:cNvPr id="4" name="Slide Number Placeholder 3"/>
+          <p:cNvSpPr>
+            <a:spLocks noGrp="1"/>
+          </p:cNvSpPr>
+          <p:nvPr>
+            <p:ph type="sldNum" sz="quarter" idx="4"/>
+          </p:nvPr>
+        </p:nvSpPr>
+        <p:spPr/>
+        <p:txBody>
+          <a:bodyPr/>
+          <a:lstStyle/>
+          <a:p>
+            <a:fld id="{37290FF7-652B-4475-AEAB-8B1A5D23AE09}" type="slidenum">
+              <a:rPr lang="en-US" smtClean="0"/>
+              <a:pPr/>
+              <a:t>16</a:t>
+            </a:fld>
+            <a:endParaRPr lang="en-US"/>
+          </a:p>
+        </p:txBody>
+      </p:sp>
+      <p:pic>
+        <p:nvPicPr>
+          <p:cNvPr id="4100" name="Picture 4" descr="Image result for ibm logo"/>
+          <p:cNvPicPr>
+            <a:picLocks noChangeAspect="1" noChangeArrowheads="1"/>
+          </p:cNvPicPr>
+          <p:nvPr/>
+        </p:nvPicPr>
+        <p:blipFill>
+          <a:blip r:embed="rId2">
+            <a:extLst>
+              <a:ext uri="{28A0092B-C50C-407E-A947-70E740481C1C}">
+                <a14:useLocalDpi xmlns:a14="http://schemas.microsoft.com/office/drawing/2010/main" val="0"/>
+              </a:ext>
+            </a:extLst>
+          </a:blip>
+          <a:srcRect/>
+          <a:stretch>
+            <a:fillRect/>
+          </a:stretch>
+        </p:blipFill>
+        <p:spPr bwMode="auto">
+          <a:xfrm>
+            <a:off x="2455402" y="2833270"/>
+            <a:ext cx="4203700" cy="1544698"/>
+          </a:xfrm>
+          <a:prstGeom prst="rect">
+            <a:avLst/>
+          </a:prstGeom>
+          <a:noFill/>
+          <a:extLst>
+            <a:ext uri="{909E8E84-426E-40DD-AFC4-6F175D3DCCD1}">
+              <a14:hiddenFill xmlns:a14="http://schemas.microsoft.com/office/drawing/2010/main">
+                <a:solidFill>
+                  <a:srgbClr val="FFFFFF"/>
+                </a:solidFill>
+              </a14:hiddenFill>
+            </a:ext>
+          </a:extLst>
+        </p:spPr>
+      </p:pic>
+      <p:sp>
+        <p:nvSpPr>
+          <p:cNvPr id="10" name="Rectangle 9"/>
+          <p:cNvSpPr/>
+          <p:nvPr/>
+        </p:nvSpPr>
+        <p:spPr>
+          <a:xfrm>
+            <a:off x="281968" y="1178655"/>
+            <a:ext cx="8042225" cy="1400175"/>
+          </a:xfrm>
+          <a:prstGeom prst="rect">
+            <a:avLst/>
+          </a:prstGeom>
+          <a:noFill/>
+          <a:ln>
+            <a:noFill/>
+          </a:ln>
+        </p:spPr>
+        <p:style>
+          <a:lnRef idx="2">
+            <a:schemeClr val="accent1">
+              <a:shade val="50000"/>
+            </a:schemeClr>
+          </a:lnRef>
+          <a:fillRef idx="1">
+            <a:schemeClr val="accent1"/>
+          </a:fillRef>
+          <a:effectRef idx="0">
+            <a:schemeClr val="accent1"/>
+          </a:effectRef>
+          <a:fontRef idx="minor">
+            <a:schemeClr val="lt1"/>
+          </a:fontRef>
+        </p:style>
+        <p:txBody>
+          <a:bodyPr rtlCol="0" anchor="ctr"/>
+          <a:lstStyle/>
+          <a:p>
+            <a:pPr marL="285750" indent="-285750">
+              <a:buFont typeface="Arial" panose="020B0604020202020204" pitchFamily="34" charset="0"/>
+              <a:buChar char="•"/>
+            </a:pPr>
+            <a:r>
+              <a:rPr lang="en-US" sz="1600" dirty="0">
+                <a:solidFill>
+                  <a:schemeClr val="tx1"/>
+                </a:solidFill>
+              </a:rPr>
+              <a:t>Was it marketing ignorance, merely aspirational claims, or truly conscience </a:t>
+            </a:r>
+            <a:r>
+              <a:rPr lang="en-US" sz="1600" dirty="0" smtClean="0">
+                <a:solidFill>
+                  <a:schemeClr val="tx1"/>
+                </a:solidFill>
+              </a:rPr>
+              <a:t>deception?  </a:t>
+            </a:r>
+            <a:r>
+              <a:rPr lang="en-US" sz="1600" i="1" dirty="0">
+                <a:solidFill>
+                  <a:schemeClr val="tx1"/>
+                </a:solidFill>
+              </a:rPr>
+              <a:t>Does that matter to patients?  </a:t>
+            </a:r>
+            <a:endParaRPr lang="en-US" sz="1600" i="1" dirty="0" smtClean="0">
+              <a:solidFill>
+                <a:schemeClr val="tx1"/>
+              </a:solidFill>
+            </a:endParaRPr>
+          </a:p>
+          <a:p>
+            <a:pPr marL="285750" indent="-285750">
+              <a:buFont typeface="Arial" panose="020B0604020202020204" pitchFamily="34" charset="0"/>
+              <a:buChar char="•"/>
+            </a:pPr>
+            <a:r>
+              <a:rPr lang="en-US" sz="1600" dirty="0" smtClean="0">
+                <a:solidFill>
+                  <a:schemeClr val="tx1"/>
+                </a:solidFill>
+              </a:rPr>
+              <a:t>Do Technical researcher, and machine learning engineers have a duty to inform others about the bias?  Does the duty to inform shortcomings stop at management?</a:t>
+            </a:r>
+            <a:endParaRPr lang="en-US" sz="1600" dirty="0">
+              <a:solidFill>
+                <a:schemeClr val="tx1"/>
+              </a:solidFill>
+            </a:endParaRPr>
+          </a:p>
+          <a:p>
+            <a:pPr marL="285750" indent="-285750">
+              <a:buFont typeface="Arial" panose="020B0604020202020204" pitchFamily="34" charset="0"/>
+              <a:buChar char="•"/>
+            </a:pPr>
+            <a:r>
+              <a:rPr lang="en-US" sz="1600" dirty="0">
+                <a:solidFill>
+                  <a:schemeClr val="tx1"/>
+                </a:solidFill>
+              </a:rPr>
+              <a:t>Do business leaders have a duty to question the choices and practices of technical creators?</a:t>
+            </a:r>
+          </a:p>
+          <a:p>
+            <a:pPr marL="285750" indent="-285750">
+              <a:buFont typeface="Arial" panose="020B0604020202020204" pitchFamily="34" charset="0"/>
+              <a:buChar char="•"/>
+            </a:pPr>
+            <a:r>
+              <a:rPr lang="en-US" sz="1600" dirty="0">
+                <a:solidFill>
+                  <a:schemeClr val="tx1"/>
+                </a:solidFill>
+              </a:rPr>
+              <a:t>What duty do the customers have to thoroughly review the underlying technology?</a:t>
+            </a:r>
+          </a:p>
+        </p:txBody>
+      </p:sp>
+      <p:sp>
+        <p:nvSpPr>
+          <p:cNvPr id="16" name="Footer Placeholder 5">
+            <a:extLst>
+              <a:ext uri="{FF2B5EF4-FFF2-40B4-BE49-F238E27FC236}">
+                <a16:creationId xmlns:a16="http://schemas.microsoft.com/office/drawing/2014/main" xmlns="" id="{B221EDD7-9063-4A19-AF11-D78825D64E52}"/>
+              </a:ext>
+            </a:extLst>
+          </p:cNvPr>
+          <p:cNvSpPr>
+            <a:spLocks noGrp="1"/>
+          </p:cNvSpPr>
+          <p:nvPr>
+            <p:ph type="ftr" sz="quarter" idx="3"/>
+          </p:nvPr>
+        </p:nvSpPr>
+        <p:spPr>
+          <a:xfrm>
+            <a:off x="3028950" y="6356351"/>
+            <a:ext cx="3086100" cy="365125"/>
+          </a:xfrm>
+        </p:spPr>
+        <p:txBody>
+          <a:bodyPr/>
+          <a:lstStyle/>
+          <a:p>
+            <a:r>
+              <a:rPr lang="en-US" dirty="0"/>
+              <a:t>Kwartler</a:t>
+            </a:r>
+          </a:p>
+        </p:txBody>
+      </p:sp>
+    </p:spTree>
+    <p:extLst>
+      <p:ext uri="{BB962C8B-B14F-4D97-AF65-F5344CB8AC3E}">
+        <p14:creationId xmlns:p14="http://schemas.microsoft.com/office/powerpoint/2010/main" val="315516691"/>
+      </p:ext>
+    </p:extLst>
+  </p:cSld>
+  <p:clrMapOvr>
+    <a:masterClrMapping/>
+  </p:clrMapOvr>
+</p:sld>
+</file>
+
+<file path=ppt/slides/slide17.xml><?xml version="1.0" encoding="utf-8"?>
+<p:sld xmlns:a="http://schemas.openxmlformats.org/drawingml/2006/main" xmlns:r="http://schemas.openxmlformats.org/officeDocument/2006/relationships" xmlns:p="http://schemas.openxmlformats.org/presentationml/2006/main">
+  <p:cSld>
+    <p:spTree>
+      <p:nvGrpSpPr>
+        <p:cNvPr id="1" name=""/>
+        <p:cNvGrpSpPr/>
+        <p:nvPr/>
+      </p:nvGrpSpPr>
+      <p:grpSpPr>
+        <a:xfrm>
+          <a:off x="0" y="0"/>
+          <a:ext cx="0" cy="0"/>
+          <a:chOff x="0" y="0"/>
+          <a:chExt cx="0" cy="0"/>
+        </a:xfrm>
+      </p:grpSpPr>
+      <p:sp>
+        <p:nvSpPr>
+          <p:cNvPr id="2" name="Date Placeholder 1"/>
+          <p:cNvSpPr>
+            <a:spLocks noGrp="1"/>
+          </p:cNvSpPr>
+          <p:nvPr>
+            <p:ph type="dt" sz="half" idx="10"/>
+          </p:nvPr>
+        </p:nvSpPr>
+        <p:spPr/>
+        <p:txBody>
+          <a:bodyPr/>
+          <a:lstStyle/>
+          <a:p>
+            <a:fld id="{6700A58B-DD98-43D0-B791-721480A02982}" type="datetime1">
+              <a:rPr lang="en-US" smtClean="0"/>
+              <a:pPr/>
+              <a:t>6/19/2019</a:t>
+            </a:fld>
+            <a:endParaRPr lang="en-US"/>
+          </a:p>
+        </p:txBody>
+      </p:sp>
+      <p:sp>
+        <p:nvSpPr>
+          <p:cNvPr id="3" name="Title 2"/>
+          <p:cNvSpPr>
+            <a:spLocks noGrp="1"/>
+          </p:cNvSpPr>
+          <p:nvPr>
+            <p:ph type="title"/>
+          </p:nvPr>
+        </p:nvSpPr>
+        <p:spPr/>
+        <p:txBody>
+          <a:bodyPr/>
+          <a:lstStyle/>
+          <a:p>
+            <a:r>
+              <a:rPr lang="en-US" dirty="0"/>
+              <a:t>MSFT Tay</a:t>
+            </a:r>
+          </a:p>
+        </p:txBody>
+      </p:sp>
+      <p:sp>
+        <p:nvSpPr>
+          <p:cNvPr id="4" name="Slide Number Placeholder 3"/>
+          <p:cNvSpPr>
+            <a:spLocks noGrp="1"/>
+          </p:cNvSpPr>
+          <p:nvPr>
+            <p:ph type="sldNum" sz="quarter" idx="4"/>
+          </p:nvPr>
+        </p:nvSpPr>
+        <p:spPr/>
+        <p:txBody>
+          <a:bodyPr/>
+          <a:lstStyle/>
+          <a:p>
+            <a:fld id="{37290FF7-652B-4475-AEAB-8B1A5D23AE09}" type="slidenum">
+              <a:rPr lang="en-US" smtClean="0"/>
+              <a:pPr/>
+              <a:t>17</a:t>
             </a:fld>
             <a:endParaRPr lang="en-US"/>
           </a:p>
@@ -5668,23 +6419,18 @@
           <a:p>
             <a:pPr algn="ctr"/>
             <a:r>
-              <a:rPr lang="en-US" dirty="0"/>
-              <a:t>Is there a business and data ethics question?  Who was impacted?</a:t>
+              <a:rPr lang="en-US" dirty="0" smtClean="0"/>
+              <a:t>Who was </a:t>
             </a:r>
-          </a:p>
-          <a:p>
-            <a:pPr algn="ctr"/>
             <a:r>
-              <a:rPr lang="en-US" dirty="0"/>
-              <a:t>If so, what did the practitioners and leaders miss?</a:t>
+              <a:rPr lang="en-US" dirty="0" err="1" smtClean="0"/>
+              <a:t>Tay</a:t>
             </a:r>
-          </a:p>
-          <a:p>
-            <a:pPr algn="ctr"/>
             <a:r>
-              <a:rPr lang="en-US" dirty="0"/>
-              <a:t>What could have been done to mitigate the impact? </a:t>
+              <a:rPr lang="en-US" dirty="0" smtClean="0"/>
+              <a:t>?</a:t>
             </a:r>
+            <a:endParaRPr lang="en-US" dirty="0"/>
           </a:p>
         </p:txBody>
       </p:sp>
@@ -5693,7 +6439,7 @@
           <p:cNvPr id="15" name="Footer Placeholder 5">
             <a:extLst>
               <a:ext uri="{FF2B5EF4-FFF2-40B4-BE49-F238E27FC236}">
-                <a16:creationId xmlns="" xmlns:a16="http://schemas.microsoft.com/office/drawing/2014/main" id="{1ADEA009-AD41-43CD-8E9D-E24FE0726111}"/>
+                <a16:creationId xmlns:a16="http://schemas.microsoft.com/office/drawing/2014/main" xmlns="" id="{1ADEA009-AD41-43CD-8E9D-E24FE0726111}"/>
               </a:ext>
             </a:extLst>
           </p:cNvPr>
@@ -5724,7 +6470,7 @@
     </p:spTree>
     <p:extLst>
       <p:ext uri="{BB962C8B-B14F-4D97-AF65-F5344CB8AC3E}">
-        <p14:creationId xmlns:p14="http://schemas.microsoft.com/office/powerpoint/2010/main" val="2517408186"/>
+        <p14:creationId xmlns:p14="http://schemas.microsoft.com/office/powerpoint/2010/main" val="569376104"/>
       </p:ext>
     </p:extLst>
   </p:cSld>
@@ -5734,7 +6480,7 @@
 </p:sld>
 </file>
 
-<file path=ppt/slides/slide14.xml><?xml version="1.0" encoding="utf-8"?>
+<file path=ppt/slides/slide18.xml><?xml version="1.0" encoding="utf-8"?>
 <p:sld xmlns:a="http://schemas.openxmlformats.org/drawingml/2006/main" xmlns:r="http://schemas.openxmlformats.org/officeDocument/2006/relationships" xmlns:p="http://schemas.openxmlformats.org/presentationml/2006/main">
   <p:cSld>
     <p:spTree>
@@ -5769,7 +6515,7 @@
             <a:fld id="{6700A58B-DD98-43D0-B791-721480A02982}" type="datetime1">
               <a:rPr lang="en-US" smtClean="0"/>
               <a:pPr/>
-              <a:t>6/6/2019</a:t>
+              <a:t>6/19/2019</a:t>
             </a:fld>
             <a:endParaRPr lang="en-US"/>
           </a:p>
@@ -5815,7 +6561,7 @@
             <a:fld id="{37290FF7-652B-4475-AEAB-8B1A5D23AE09}" type="slidenum">
               <a:rPr lang="en-US" smtClean="0"/>
               <a:pPr/>
-              <a:t>14</a:t>
+              <a:t>18</a:t>
             </a:fld>
             <a:endParaRPr lang="en-US"/>
           </a:p>
@@ -5906,80 +6652,22 @@
             <a:pPr algn="ctr"/>
             <a:r>
               <a:rPr lang="en-US" dirty="0"/>
-              <a:t>Is there a business and data ethics question?  Who was impacted?</a:t>
+              <a:t>Is there a business and data ethics question?  Who was impacted</a:t>
             </a:r>
-          </a:p>
-          <a:p>
-            <a:pPr algn="ctr"/>
             <a:r>
-              <a:rPr lang="en-US" dirty="0"/>
-              <a:t>If so, what did the practitioners and leaders miss?</a:t>
+              <a:rPr lang="en-US" dirty="0" smtClean="0"/>
+              <a:t>?</a:t>
             </a:r>
-          </a:p>
-          <a:p>
-            <a:pPr algn="ctr"/>
-            <a:r>
-              <a:rPr lang="en-US" dirty="0"/>
-              <a:t>What could have been done to mitigate the impact? </a:t>
-            </a:r>
+            <a:endParaRPr lang="en-US" dirty="0"/>
           </a:p>
         </p:txBody>
       </p:sp>
       <p:sp>
         <p:nvSpPr>
-          <p:cNvPr id="9" name="Rectangle 8"/>
-          <p:cNvSpPr/>
-          <p:nvPr/>
-        </p:nvSpPr>
-        <p:spPr>
-          <a:xfrm>
-            <a:off x="423858" y="5332491"/>
-            <a:ext cx="8086725" cy="739696"/>
-          </a:xfrm>
-          <a:prstGeom prst="rect">
-            <a:avLst/>
-          </a:prstGeom>
-          <a:solidFill>
-            <a:schemeClr val="accent2"/>
-          </a:solidFill>
-          <a:ln>
-            <a:noFill/>
-          </a:ln>
-        </p:spPr>
-        <p:style>
-          <a:lnRef idx="2">
-            <a:schemeClr val="accent1">
-              <a:shade val="50000"/>
-            </a:schemeClr>
-          </a:lnRef>
-          <a:fillRef idx="1">
-            <a:schemeClr val="accent1"/>
-          </a:fillRef>
-          <a:effectRef idx="0">
-            <a:schemeClr val="accent1"/>
-          </a:effectRef>
-          <a:fontRef idx="minor">
-            <a:schemeClr val="lt1"/>
-          </a:fontRef>
-        </p:style>
-        <p:txBody>
-          <a:bodyPr rtlCol="0" anchor="ctr"/>
-          <a:lstStyle/>
-          <a:p>
-            <a:pPr algn="ctr"/>
-            <a:r>
-              <a:rPr lang="en-US" sz="1600" dirty="0"/>
-              <a:t>Harmless marketing stunt that turned ugly?  If we have to filter the training data and provide guardrails do we invite censorship &amp; bias?  </a:t>
-            </a:r>
-          </a:p>
-        </p:txBody>
-      </p:sp>
-      <p:sp>
-        <p:nvSpPr>
-          <p:cNvPr id="16" name="Footer Placeholder 5">
+          <p:cNvPr id="15" name="Footer Placeholder 5">
             <a:extLst>
               <a:ext uri="{FF2B5EF4-FFF2-40B4-BE49-F238E27FC236}">
-                <a16:creationId xmlns="" xmlns:a16="http://schemas.microsoft.com/office/drawing/2014/main" id="{35C4EC0D-BE2F-4C7C-86BB-1170018A5983}"/>
+                <a16:creationId xmlns:a16="http://schemas.microsoft.com/office/drawing/2014/main" xmlns="" id="{1ADEA009-AD41-43CD-8E9D-E24FE0726111}"/>
               </a:ext>
             </a:extLst>
           </p:cNvPr>
@@ -6010,7 +6698,7 @@
     </p:spTree>
     <p:extLst>
       <p:ext uri="{BB962C8B-B14F-4D97-AF65-F5344CB8AC3E}">
-        <p14:creationId xmlns:p14="http://schemas.microsoft.com/office/powerpoint/2010/main" val="3959883329"/>
+        <p14:creationId xmlns:p14="http://schemas.microsoft.com/office/powerpoint/2010/main" val="2517408186"/>
       </p:ext>
     </p:extLst>
   </p:cSld>
@@ -6020,7 +6708,7 @@
 </p:sld>
 </file>
 
-<file path=ppt/slides/slide15.xml><?xml version="1.0" encoding="utf-8"?>
+<file path=ppt/slides/slide19.xml><?xml version="1.0" encoding="utf-8"?>
 <p:sld xmlns:a="http://schemas.openxmlformats.org/drawingml/2006/main" xmlns:r="http://schemas.openxmlformats.org/officeDocument/2006/relationships" xmlns:p="http://schemas.openxmlformats.org/presentationml/2006/main">
   <p:cSld>
     <p:spTree>
@@ -6055,7 +6743,7 @@
             <a:fld id="{6700A58B-DD98-43D0-B791-721480A02982}" type="datetime1">
               <a:rPr lang="en-US" smtClean="0"/>
               <a:pPr/>
-              <a:t>6/6/2019</a:t>
+              <a:t>6/19/2019</a:t>
             </a:fld>
             <a:endParaRPr lang="en-US"/>
           </a:p>
@@ -6101,7 +6789,7 @@
             <a:fld id="{37290FF7-652B-4475-AEAB-8B1A5D23AE09}" type="slidenum">
               <a:rPr lang="en-US" smtClean="0"/>
               <a:pPr/>
-              <a:t>15</a:t>
+              <a:t>19</a:t>
             </a:fld>
             <a:endParaRPr lang="en-US"/>
           </a:p>
@@ -6191,15 +6879,20 @@
           <a:p>
             <a:pPr algn="ctr"/>
             <a:r>
-              <a:rPr lang="en-US" dirty="0"/>
-              <a:t>Is there a business and data ethics question?  Who was impacted?</a:t>
+              <a:rPr lang="en-US" dirty="0" smtClean="0"/>
+              <a:t>What did </a:t>
             </a:r>
-          </a:p>
-          <a:p>
-            <a:pPr algn="ctr"/>
             <a:r>
               <a:rPr lang="en-US" dirty="0"/>
-              <a:t>If so, what did the practitioners and leaders miss?</a:t>
+              <a:t>the </a:t>
+            </a:r>
+            <a:r>
+              <a:rPr lang="en-US" dirty="0" smtClean="0"/>
+              <a:t>technical practitioners </a:t>
+            </a:r>
+            <a:r>
+              <a:rPr lang="en-US" dirty="0"/>
+              <a:t>and leaders miss?</a:t>
             </a:r>
           </a:p>
           <a:p>
@@ -6211,6 +6904,1393 @@
           </a:p>
         </p:txBody>
       </p:sp>
+      <p:sp>
+        <p:nvSpPr>
+          <p:cNvPr id="15" name="Footer Placeholder 5">
+            <a:extLst>
+              <a:ext uri="{FF2B5EF4-FFF2-40B4-BE49-F238E27FC236}">
+                <a16:creationId xmlns:a16="http://schemas.microsoft.com/office/drawing/2014/main" xmlns="" id="{1ADEA009-AD41-43CD-8E9D-E24FE0726111}"/>
+              </a:ext>
+            </a:extLst>
+          </p:cNvPr>
+          <p:cNvSpPr>
+            <a:spLocks noGrp="1"/>
+          </p:cNvSpPr>
+          <p:nvPr>
+            <p:ph type="ftr" sz="quarter" idx="3"/>
+          </p:nvPr>
+        </p:nvSpPr>
+        <p:spPr>
+          <a:xfrm>
+            <a:off x="3028950" y="6356351"/>
+            <a:ext cx="3086100" cy="365125"/>
+          </a:xfrm>
+        </p:spPr>
+        <p:txBody>
+          <a:bodyPr/>
+          <a:lstStyle/>
+          <a:p>
+            <a:r>
+              <a:rPr lang="en-US" dirty="0"/>
+              <a:t>Kwartler</a:t>
+            </a:r>
+          </a:p>
+        </p:txBody>
+      </p:sp>
+    </p:spTree>
+    <p:extLst>
+      <p:ext uri="{BB962C8B-B14F-4D97-AF65-F5344CB8AC3E}">
+        <p14:creationId xmlns:p14="http://schemas.microsoft.com/office/powerpoint/2010/main" val="832407975"/>
+      </p:ext>
+    </p:extLst>
+  </p:cSld>
+  <p:clrMapOvr>
+    <a:masterClrMapping/>
+  </p:clrMapOvr>
+</p:sld>
+</file>
+
+<file path=ppt/slides/slide2.xml><?xml version="1.0" encoding="utf-8"?>
+<p:sld xmlns:a="http://schemas.openxmlformats.org/drawingml/2006/main" xmlns:r="http://schemas.openxmlformats.org/officeDocument/2006/relationships" xmlns:p="http://schemas.openxmlformats.org/presentationml/2006/main">
+  <p:cSld>
+    <p:spTree>
+      <p:nvGrpSpPr>
+        <p:cNvPr id="1" name=""/>
+        <p:cNvGrpSpPr/>
+        <p:nvPr/>
+      </p:nvGrpSpPr>
+      <p:grpSpPr>
+        <a:xfrm>
+          <a:off x="0" y="0"/>
+          <a:ext cx="0" cy="0"/>
+          <a:chOff x="0" y="0"/>
+          <a:chExt cx="0" cy="0"/>
+        </a:xfrm>
+      </p:grpSpPr>
+      <p:sp>
+        <p:nvSpPr>
+          <p:cNvPr id="2" name="Title 1"/>
+          <p:cNvSpPr>
+            <a:spLocks noGrp="1"/>
+          </p:cNvSpPr>
+          <p:nvPr>
+            <p:ph type="title"/>
+          </p:nvPr>
+        </p:nvSpPr>
+        <p:spPr/>
+        <p:txBody>
+          <a:bodyPr/>
+          <a:lstStyle/>
+          <a:p>
+            <a:r>
+              <a:rPr lang="en-US"/>
+              <a:t>Agenda </a:t>
+            </a:r>
+            <a:r>
+              <a:rPr lang="en-US" i="1"/>
+              <a:t>– all times are suggested</a:t>
+            </a:r>
+            <a:endParaRPr lang="en-US" dirty="0"/>
+          </a:p>
+        </p:txBody>
+      </p:sp>
+      <p:graphicFrame>
+        <p:nvGraphicFramePr>
+          <p:cNvPr id="4" name="Content Placeholder 3"/>
+          <p:cNvGraphicFramePr>
+            <a:graphicFrameLocks noGrp="1"/>
+          </p:cNvGraphicFramePr>
+          <p:nvPr>
+            <p:ph idx="1"/>
+            <p:extLst>
+              <p:ext uri="{D42A27DB-BD31-4B8C-83A1-F6EECF244321}">
+                <p14:modId xmlns:p14="http://schemas.microsoft.com/office/powerpoint/2010/main" val="963765968"/>
+              </p:ext>
+            </p:extLst>
+          </p:nvPr>
+        </p:nvGraphicFramePr>
+        <p:xfrm>
+          <a:off x="628650" y="1111250"/>
+          <a:ext cx="7887506" cy="2971165"/>
+        </p:xfrm>
+        <a:graphic>
+          <a:graphicData uri="http://schemas.openxmlformats.org/drawingml/2006/table">
+            <a:tbl>
+              <a:tblPr firstRow="1" bandRow="1">
+                <a:tableStyleId>{F5AB1C69-6EDB-4FF4-983F-18BD219EF322}</a:tableStyleId>
+              </a:tblPr>
+              <a:tblGrid>
+                <a:gridCol w="1238445">
+                  <a:extLst>
+                    <a:ext uri="{9D8B030D-6E8A-4147-A177-3AD203B41FA5}">
+                      <a16:colId xmlns:a16="http://schemas.microsoft.com/office/drawing/2014/main" xmlns="" val="20000"/>
+                    </a:ext>
+                  </a:extLst>
+                </a:gridCol>
+                <a:gridCol w="858274">
+                  <a:extLst>
+                    <a:ext uri="{9D8B030D-6E8A-4147-A177-3AD203B41FA5}">
+                      <a16:colId xmlns:a16="http://schemas.microsoft.com/office/drawing/2014/main" xmlns="" val="20001"/>
+                    </a:ext>
+                  </a:extLst>
+                </a:gridCol>
+                <a:gridCol w="5790787">
+                  <a:extLst>
+                    <a:ext uri="{9D8B030D-6E8A-4147-A177-3AD203B41FA5}">
+                      <a16:colId xmlns:a16="http://schemas.microsoft.com/office/drawing/2014/main" xmlns="" val="20002"/>
+                    </a:ext>
+                  </a:extLst>
+                </a:gridCol>
+              </a:tblGrid>
+              <a:tr h="370840">
+                <a:tc>
+                  <a:txBody>
+                    <a:bodyPr/>
+                    <a:lstStyle/>
+                    <a:p>
+                      <a:pPr algn="ctr" fontAlgn="ctr"/>
+                      <a:r>
+                        <a:rPr lang="en-US" sz="2400" b="0" i="0" u="none" strike="noStrike" dirty="0">
+                          <a:solidFill>
+                            <a:schemeClr val="bg1"/>
+                          </a:solidFill>
+                          <a:effectLst/>
+                          <a:latin typeface="Calibri" panose="020F0502020204030204" pitchFamily="34" charset="0"/>
+                        </a:rPr>
+                        <a:t>Start</a:t>
+                      </a:r>
+                    </a:p>
+                  </a:txBody>
+                  <a:tcPr marL="8776" marR="8776" marT="9525" marB="0" anchor="ctr">
+                    <a:lnL w="12700" cap="flat" cmpd="sng" algn="ctr">
+                      <a:solidFill>
+                        <a:schemeClr val="tx1"/>
+                      </a:solidFill>
+                      <a:prstDash val="solid"/>
+                      <a:round/>
+                      <a:headEnd type="none" w="med" len="med"/>
+                      <a:tailEnd type="none" w="med" len="med"/>
+                    </a:lnL>
+                    <a:lnR w="12700" cap="flat" cmpd="sng" algn="ctr">
+                      <a:solidFill>
+                        <a:schemeClr val="tx1"/>
+                      </a:solidFill>
+                      <a:prstDash val="solid"/>
+                      <a:round/>
+                      <a:headEnd type="none" w="med" len="med"/>
+                      <a:tailEnd type="none" w="med" len="med"/>
+                    </a:lnR>
+                    <a:lnT w="12700" cap="flat" cmpd="sng" algn="ctr">
+                      <a:solidFill>
+                        <a:schemeClr val="tx1"/>
+                      </a:solidFill>
+                      <a:prstDash val="solid"/>
+                      <a:round/>
+                      <a:headEnd type="none" w="med" len="med"/>
+                      <a:tailEnd type="none" w="med" len="med"/>
+                    </a:lnT>
+                    <a:lnB w="12700" cap="flat" cmpd="sng" algn="ctr">
+                      <a:solidFill>
+                        <a:schemeClr val="tx1"/>
+                      </a:solidFill>
+                      <a:prstDash val="solid"/>
+                      <a:round/>
+                      <a:headEnd type="none" w="med" len="med"/>
+                      <a:tailEnd type="none" w="med" len="med"/>
+                    </a:lnB>
+                    <a:lnTlToBr w="12700" cmpd="sng">
+                      <a:noFill/>
+                      <a:prstDash val="solid"/>
+                    </a:lnTlToBr>
+                    <a:lnBlToTr w="12700" cmpd="sng">
+                      <a:noFill/>
+                      <a:prstDash val="solid"/>
+                    </a:lnBlToTr>
+                    <a:solidFill>
+                      <a:srgbClr val="FFC000"/>
+                    </a:solidFill>
+                  </a:tcPr>
+                </a:tc>
+                <a:tc>
+                  <a:txBody>
+                    <a:bodyPr/>
+                    <a:lstStyle/>
+                    <a:p>
+                      <a:pPr algn="ctr" fontAlgn="ctr"/>
+                      <a:r>
+                        <a:rPr lang="en-US" sz="2400" b="0" i="0" u="none" strike="noStrike">
+                          <a:solidFill>
+                            <a:schemeClr val="bg1"/>
+                          </a:solidFill>
+                          <a:effectLst/>
+                          <a:latin typeface="Calibri" panose="020F0502020204030204" pitchFamily="34" charset="0"/>
+                        </a:rPr>
+                        <a:t>End</a:t>
+                      </a:r>
+                    </a:p>
+                  </a:txBody>
+                  <a:tcPr marL="8776" marR="8776" marT="9525" marB="0" anchor="ctr">
+                    <a:lnL w="12700" cap="flat" cmpd="sng" algn="ctr">
+                      <a:solidFill>
+                        <a:schemeClr val="tx1"/>
+                      </a:solidFill>
+                      <a:prstDash val="solid"/>
+                      <a:round/>
+                      <a:headEnd type="none" w="med" len="med"/>
+                      <a:tailEnd type="none" w="med" len="med"/>
+                    </a:lnL>
+                    <a:lnR w="12700" cap="flat" cmpd="sng" algn="ctr">
+                      <a:solidFill>
+                        <a:schemeClr val="tx1"/>
+                      </a:solidFill>
+                      <a:prstDash val="solid"/>
+                      <a:round/>
+                      <a:headEnd type="none" w="med" len="med"/>
+                      <a:tailEnd type="none" w="med" len="med"/>
+                    </a:lnR>
+                    <a:lnT w="12700" cap="flat" cmpd="sng" algn="ctr">
+                      <a:solidFill>
+                        <a:schemeClr val="tx1"/>
+                      </a:solidFill>
+                      <a:prstDash val="solid"/>
+                      <a:round/>
+                      <a:headEnd type="none" w="med" len="med"/>
+                      <a:tailEnd type="none" w="med" len="med"/>
+                    </a:lnT>
+                    <a:lnB w="12700" cap="flat" cmpd="sng" algn="ctr">
+                      <a:solidFill>
+                        <a:schemeClr val="tx1"/>
+                      </a:solidFill>
+                      <a:prstDash val="solid"/>
+                      <a:round/>
+                      <a:headEnd type="none" w="med" len="med"/>
+                      <a:tailEnd type="none" w="med" len="med"/>
+                    </a:lnB>
+                    <a:lnTlToBr w="12700" cmpd="sng">
+                      <a:noFill/>
+                      <a:prstDash val="solid"/>
+                    </a:lnTlToBr>
+                    <a:lnBlToTr w="12700" cmpd="sng">
+                      <a:noFill/>
+                      <a:prstDash val="solid"/>
+                    </a:lnBlToTr>
+                    <a:solidFill>
+                      <a:srgbClr val="FFC000"/>
+                    </a:solidFill>
+                  </a:tcPr>
+                </a:tc>
+                <a:tc>
+                  <a:txBody>
+                    <a:bodyPr/>
+                    <a:lstStyle/>
+                    <a:p>
+                      <a:pPr algn="l" fontAlgn="b"/>
+                      <a:r>
+                        <a:rPr lang="en-US" sz="2400" b="0" i="0" u="none" strike="noStrike" dirty="0" smtClean="0">
+                          <a:solidFill>
+                            <a:schemeClr val="bg1"/>
+                          </a:solidFill>
+                          <a:effectLst/>
+                          <a:latin typeface="Calibri" panose="020F0502020204030204" pitchFamily="34" charset="0"/>
+                        </a:rPr>
+                        <a:t>Thursday- </a:t>
+                      </a:r>
+                      <a:r>
+                        <a:rPr lang="en-US" sz="2400" b="0" i="0" u="none" strike="noStrike" dirty="0">
+                          <a:solidFill>
+                            <a:schemeClr val="bg1"/>
+                          </a:solidFill>
+                          <a:effectLst/>
+                          <a:latin typeface="Calibri" panose="020F0502020204030204" pitchFamily="34" charset="0"/>
+                        </a:rPr>
+                        <a:t>June </a:t>
+                      </a:r>
+                      <a:r>
+                        <a:rPr lang="en-US" sz="2400" b="0" i="0" u="none" strike="noStrike" dirty="0" smtClean="0">
+                          <a:solidFill>
+                            <a:schemeClr val="bg1"/>
+                          </a:solidFill>
+                          <a:effectLst/>
+                          <a:latin typeface="Calibri" panose="020F0502020204030204" pitchFamily="34" charset="0"/>
+                        </a:rPr>
+                        <a:t>20</a:t>
+                      </a:r>
+                      <a:endParaRPr lang="en-US" sz="2400" b="0" i="0" u="none" strike="noStrike" dirty="0">
+                        <a:solidFill>
+                          <a:schemeClr val="bg1"/>
+                        </a:solidFill>
+                        <a:effectLst/>
+                        <a:latin typeface="Calibri" panose="020F0502020204030204" pitchFamily="34" charset="0"/>
+                      </a:endParaRPr>
+                    </a:p>
+                  </a:txBody>
+                  <a:tcPr marL="8776" marR="8776" marT="9525" marB="0" anchor="ctr">
+                    <a:lnL w="12700" cap="flat" cmpd="sng" algn="ctr">
+                      <a:solidFill>
+                        <a:schemeClr val="tx1"/>
+                      </a:solidFill>
+                      <a:prstDash val="solid"/>
+                      <a:round/>
+                      <a:headEnd type="none" w="med" len="med"/>
+                      <a:tailEnd type="none" w="med" len="med"/>
+                    </a:lnL>
+                    <a:lnR w="12700" cap="flat" cmpd="sng" algn="ctr">
+                      <a:solidFill>
+                        <a:schemeClr val="tx1"/>
+                      </a:solidFill>
+                      <a:prstDash val="solid"/>
+                      <a:round/>
+                      <a:headEnd type="none" w="med" len="med"/>
+                      <a:tailEnd type="none" w="med" len="med"/>
+                    </a:lnR>
+                    <a:lnT w="12700" cap="flat" cmpd="sng" algn="ctr">
+                      <a:solidFill>
+                        <a:schemeClr val="tx1"/>
+                      </a:solidFill>
+                      <a:prstDash val="solid"/>
+                      <a:round/>
+                      <a:headEnd type="none" w="med" len="med"/>
+                      <a:tailEnd type="none" w="med" len="med"/>
+                    </a:lnT>
+                    <a:lnB w="12700" cap="flat" cmpd="sng" algn="ctr">
+                      <a:solidFill>
+                        <a:schemeClr val="tx1"/>
+                      </a:solidFill>
+                      <a:prstDash val="solid"/>
+                      <a:round/>
+                      <a:headEnd type="none" w="med" len="med"/>
+                      <a:tailEnd type="none" w="med" len="med"/>
+                    </a:lnB>
+                    <a:lnTlToBr w="12700" cmpd="sng">
+                      <a:noFill/>
+                      <a:prstDash val="solid"/>
+                    </a:lnTlToBr>
+                    <a:lnBlToTr w="12700" cmpd="sng">
+                      <a:noFill/>
+                      <a:prstDash val="solid"/>
+                    </a:lnBlToTr>
+                    <a:solidFill>
+                      <a:srgbClr val="FFC000"/>
+                    </a:solidFill>
+                  </a:tcPr>
+                </a:tc>
+                <a:extLst>
+                  <a:ext uri="{0D108BD9-81ED-4DB2-BD59-A6C34878D82A}">
+                    <a16:rowId xmlns:a16="http://schemas.microsoft.com/office/drawing/2014/main" xmlns="" val="10000"/>
+                  </a:ext>
+                </a:extLst>
+              </a:tr>
+              <a:tr h="370840">
+                <a:tc>
+                  <a:txBody>
+                    <a:bodyPr/>
+                    <a:lstStyle/>
+                    <a:p>
+                      <a:pPr algn="ctr" fontAlgn="ctr"/>
+                      <a:r>
+                        <a:rPr lang="en-US" sz="1800" b="0" i="0" u="none" strike="noStrike" baseline="0">
+                          <a:solidFill>
+                            <a:srgbClr val="000000"/>
+                          </a:solidFill>
+                          <a:effectLst/>
+                          <a:latin typeface="Calibri" panose="020F0502020204030204" pitchFamily="34" charset="0"/>
+                        </a:rPr>
+                        <a:t>8:45</a:t>
+                      </a:r>
+                    </a:p>
+                  </a:txBody>
+                  <a:tcPr marL="8776" marR="8776" marT="9525" marB="0" anchor="ctr">
+                    <a:lnT w="12700" cap="flat" cmpd="sng" algn="ctr">
+                      <a:solidFill>
+                        <a:schemeClr val="tx1"/>
+                      </a:solidFill>
+                      <a:prstDash val="solid"/>
+                      <a:round/>
+                      <a:headEnd type="none" w="med" len="med"/>
+                      <a:tailEnd type="none" w="med" len="med"/>
+                    </a:lnT>
+                  </a:tcPr>
+                </a:tc>
+                <a:tc>
+                  <a:txBody>
+                    <a:bodyPr/>
+                    <a:lstStyle/>
+                    <a:p>
+                      <a:pPr algn="ctr" fontAlgn="ctr"/>
+                      <a:r>
+                        <a:rPr lang="en-US" sz="1800" b="0" i="0" u="none" strike="noStrike" baseline="0">
+                          <a:solidFill>
+                            <a:srgbClr val="000000"/>
+                          </a:solidFill>
+                          <a:effectLst/>
+                          <a:latin typeface="Calibri" panose="020F0502020204030204" pitchFamily="34" charset="0"/>
+                        </a:rPr>
+                        <a:t>9:15</a:t>
+                      </a:r>
+                    </a:p>
+                  </a:txBody>
+                  <a:tcPr marL="8776" marR="8776" marT="9525" marB="0" anchor="ctr">
+                    <a:lnT w="12700" cap="flat" cmpd="sng" algn="ctr">
+                      <a:solidFill>
+                        <a:schemeClr val="tx1"/>
+                      </a:solidFill>
+                      <a:prstDash val="solid"/>
+                      <a:round/>
+                      <a:headEnd type="none" w="med" len="med"/>
+                      <a:tailEnd type="none" w="med" len="med"/>
+                    </a:lnT>
+                  </a:tcPr>
+                </a:tc>
+                <a:tc>
+                  <a:txBody>
+                    <a:bodyPr/>
+                    <a:lstStyle/>
+                    <a:p>
+                      <a:pPr algn="l" fontAlgn="b"/>
+                      <a:r>
+                        <a:rPr lang="en-US" sz="1800" b="0" i="0" u="none" strike="noStrike" baseline="0" dirty="0">
+                          <a:solidFill>
+                            <a:srgbClr val="000000"/>
+                          </a:solidFill>
+                          <a:effectLst/>
+                          <a:latin typeface="Calibri" panose="020F0502020204030204" pitchFamily="34" charset="0"/>
+                        </a:rPr>
+                        <a:t>Coffee</a:t>
+                      </a:r>
+                    </a:p>
+                  </a:txBody>
+                  <a:tcPr marL="8776" marR="8776" marT="9525" marB="0" anchor="b">
+                    <a:lnT w="12700" cap="flat" cmpd="sng" algn="ctr">
+                      <a:solidFill>
+                        <a:schemeClr val="tx1"/>
+                      </a:solidFill>
+                      <a:prstDash val="solid"/>
+                      <a:round/>
+                      <a:headEnd type="none" w="med" len="med"/>
+                      <a:tailEnd type="none" w="med" len="med"/>
+                    </a:lnT>
+                  </a:tcPr>
+                </a:tc>
+                <a:extLst>
+                  <a:ext uri="{0D108BD9-81ED-4DB2-BD59-A6C34878D82A}">
+                    <a16:rowId xmlns:a16="http://schemas.microsoft.com/office/drawing/2014/main" xmlns="" val="10001"/>
+                  </a:ext>
+                </a:extLst>
+              </a:tr>
+              <a:tr h="370840">
+                <a:tc>
+                  <a:txBody>
+                    <a:bodyPr/>
+                    <a:lstStyle/>
+                    <a:p>
+                      <a:pPr algn="ctr" fontAlgn="ctr"/>
+                      <a:r>
+                        <a:rPr lang="en-US" sz="1800" b="0" i="0" u="none" strike="noStrike" baseline="0">
+                          <a:solidFill>
+                            <a:srgbClr val="000000"/>
+                          </a:solidFill>
+                          <a:effectLst/>
+                          <a:latin typeface="Calibri" panose="020F0502020204030204" pitchFamily="34" charset="0"/>
+                        </a:rPr>
+                        <a:t>9:15</a:t>
+                      </a:r>
+                    </a:p>
+                  </a:txBody>
+                  <a:tcPr marL="8776" marR="8776" marT="9525" marB="0" anchor="ctr"/>
+                </a:tc>
+                <a:tc>
+                  <a:txBody>
+                    <a:bodyPr/>
+                    <a:lstStyle/>
+                    <a:p>
+                      <a:pPr algn="ctr" fontAlgn="ctr"/>
+                      <a:r>
+                        <a:rPr lang="en-US" sz="1800" b="0" i="0" u="none" strike="noStrike" baseline="0" dirty="0">
+                          <a:solidFill>
+                            <a:srgbClr val="000000"/>
+                          </a:solidFill>
+                          <a:effectLst/>
+                          <a:latin typeface="Calibri" panose="020F0502020204030204" pitchFamily="34" charset="0"/>
+                        </a:rPr>
+                        <a:t>10:15</a:t>
+                      </a:r>
+                    </a:p>
+                  </a:txBody>
+                  <a:tcPr marL="8776" marR="8776" marT="9525" marB="0" anchor="ctr"/>
+                </a:tc>
+                <a:tc>
+                  <a:txBody>
+                    <a:bodyPr/>
+                    <a:lstStyle/>
+                    <a:p>
+                      <a:pPr algn="l" fontAlgn="b"/>
+                      <a:r>
+                        <a:rPr lang="pt-BR" sz="1800" b="0" i="0" u="none" strike="noStrike" baseline="0" dirty="0">
+                          <a:solidFill>
+                            <a:srgbClr val="000000"/>
+                          </a:solidFill>
+                          <a:effectLst/>
+                          <a:latin typeface="Calibri" panose="020F0502020204030204" pitchFamily="34" charset="0"/>
+                        </a:rPr>
+                        <a:t>Ethics</a:t>
+                      </a:r>
+                    </a:p>
+                  </a:txBody>
+                  <a:tcPr marL="8776" marR="8776" marT="9525" marB="0" anchor="b"/>
+                </a:tc>
+                <a:extLst>
+                  <a:ext uri="{0D108BD9-81ED-4DB2-BD59-A6C34878D82A}">
+                    <a16:rowId xmlns:a16="http://schemas.microsoft.com/office/drawing/2014/main" xmlns="" val="10002"/>
+                  </a:ext>
+                </a:extLst>
+              </a:tr>
+              <a:tr h="370840">
+                <a:tc>
+                  <a:txBody>
+                    <a:bodyPr/>
+                    <a:lstStyle/>
+                    <a:p>
+                      <a:pPr algn="ctr" fontAlgn="ctr"/>
+                      <a:r>
+                        <a:rPr lang="en-US" sz="1800" b="0" i="0" u="none" strike="noStrike" baseline="0" dirty="0">
+                          <a:solidFill>
+                            <a:srgbClr val="000000"/>
+                          </a:solidFill>
+                          <a:effectLst/>
+                          <a:latin typeface="Calibri" panose="020F0502020204030204" pitchFamily="34" charset="0"/>
+                        </a:rPr>
+                        <a:t>10:15</a:t>
+                      </a:r>
+                    </a:p>
+                  </a:txBody>
+                  <a:tcPr marL="8776" marR="8776" marT="9525" marB="0" anchor="ctr"/>
+                </a:tc>
+                <a:tc>
+                  <a:txBody>
+                    <a:bodyPr/>
+                    <a:lstStyle/>
+                    <a:p>
+                      <a:pPr algn="ctr" fontAlgn="ctr"/>
+                      <a:r>
+                        <a:rPr lang="en-US" sz="1800" b="0" i="0" u="none" strike="noStrike" baseline="0" dirty="0">
+                          <a:solidFill>
+                            <a:srgbClr val="000000"/>
+                          </a:solidFill>
+                          <a:effectLst/>
+                          <a:latin typeface="Calibri" panose="020F0502020204030204" pitchFamily="34" charset="0"/>
+                        </a:rPr>
+                        <a:t>10:45</a:t>
+                      </a:r>
+                    </a:p>
+                  </a:txBody>
+                  <a:tcPr marL="8776" marR="8776" marT="9525" marB="0" anchor="ctr"/>
+                </a:tc>
+                <a:tc>
+                  <a:txBody>
+                    <a:bodyPr/>
+                    <a:lstStyle/>
+                    <a:p>
+                      <a:pPr algn="l" fontAlgn="b"/>
+                      <a:r>
+                        <a:rPr lang="en-US" sz="1800" b="0" i="0" u="none" strike="noStrike" baseline="0" dirty="0">
+                          <a:solidFill>
+                            <a:srgbClr val="000000"/>
+                          </a:solidFill>
+                          <a:effectLst/>
+                          <a:latin typeface="Calibri" panose="020F0502020204030204" pitchFamily="34" charset="0"/>
+                        </a:rPr>
+                        <a:t>Personal Reflection Time </a:t>
+                      </a:r>
+                      <a:r>
+                        <a:rPr lang="en-US" sz="1800" b="0" i="1" u="none" strike="noStrike" baseline="0" dirty="0">
+                          <a:solidFill>
+                            <a:srgbClr val="000000"/>
+                          </a:solidFill>
+                          <a:effectLst/>
+                          <a:latin typeface="Calibri" panose="020F0502020204030204" pitchFamily="34" charset="0"/>
+                        </a:rPr>
+                        <a:t>– start your reflection paper</a:t>
+                      </a:r>
+                    </a:p>
+                  </a:txBody>
+                  <a:tcPr marL="8776" marR="8776" marT="9525" marB="0" anchor="b"/>
+                </a:tc>
+                <a:extLst>
+                  <a:ext uri="{0D108BD9-81ED-4DB2-BD59-A6C34878D82A}">
+                    <a16:rowId xmlns:a16="http://schemas.microsoft.com/office/drawing/2014/main" xmlns="" val="10003"/>
+                  </a:ext>
+                </a:extLst>
+              </a:tr>
+              <a:tr h="370840">
+                <a:tc>
+                  <a:txBody>
+                    <a:bodyPr/>
+                    <a:lstStyle/>
+                    <a:p>
+                      <a:pPr algn="ctr" fontAlgn="ctr"/>
+                      <a:r>
+                        <a:rPr lang="en-US" sz="1800" b="0" i="0" u="none" strike="noStrike" dirty="0">
+                          <a:solidFill>
+                            <a:srgbClr val="000000"/>
+                          </a:solidFill>
+                          <a:effectLst/>
+                          <a:latin typeface="Calibri" panose="020F0502020204030204" pitchFamily="34" charset="0"/>
+                        </a:rPr>
+                        <a:t>10:45</a:t>
+                      </a:r>
+                    </a:p>
+                  </a:txBody>
+                  <a:tcPr marL="8776" marR="8776" marT="9525" marB="0" anchor="ctr"/>
+                </a:tc>
+                <a:tc>
+                  <a:txBody>
+                    <a:bodyPr/>
+                    <a:lstStyle/>
+                    <a:p>
+                      <a:pPr algn="ctr" fontAlgn="ctr"/>
+                      <a:r>
+                        <a:rPr lang="en-US" sz="1800" b="0" i="0" u="none" strike="noStrike" dirty="0" smtClean="0">
+                          <a:solidFill>
+                            <a:srgbClr val="000000"/>
+                          </a:solidFill>
+                          <a:effectLst/>
+                          <a:latin typeface="Calibri" panose="020F0502020204030204" pitchFamily="34" charset="0"/>
+                        </a:rPr>
+                        <a:t>12:00</a:t>
+                      </a:r>
+                      <a:endParaRPr lang="en-US" sz="1800" b="0" i="0" u="none" strike="noStrike" dirty="0">
+                        <a:solidFill>
+                          <a:srgbClr val="000000"/>
+                        </a:solidFill>
+                        <a:effectLst/>
+                        <a:latin typeface="Calibri" panose="020F0502020204030204" pitchFamily="34" charset="0"/>
+                      </a:endParaRPr>
+                    </a:p>
+                  </a:txBody>
+                  <a:tcPr marL="8776" marR="8776" marT="9525" marB="0" anchor="ctr"/>
+                </a:tc>
+                <a:tc>
+                  <a:txBody>
+                    <a:bodyPr/>
+                    <a:lstStyle/>
+                    <a:p>
+                      <a:pPr algn="l" fontAlgn="b"/>
+                      <a:r>
+                        <a:rPr lang="en-US" sz="1800" b="0" i="0" u="none" strike="noStrike" dirty="0" smtClean="0">
+                          <a:solidFill>
+                            <a:srgbClr val="000000"/>
+                          </a:solidFill>
+                          <a:effectLst/>
+                          <a:latin typeface="Calibri" panose="020F0502020204030204" pitchFamily="34" charset="0"/>
+                        </a:rPr>
+                        <a:t>Regression</a:t>
+                      </a:r>
+                      <a:endParaRPr lang="en-US" sz="1800" b="0" i="0" u="none" strike="noStrike" dirty="0">
+                        <a:solidFill>
+                          <a:srgbClr val="000000"/>
+                        </a:solidFill>
+                        <a:effectLst/>
+                        <a:latin typeface="Calibri" panose="020F0502020204030204" pitchFamily="34" charset="0"/>
+                      </a:endParaRPr>
+                    </a:p>
+                  </a:txBody>
+                  <a:tcPr marL="8776" marR="8776" marT="9525" marB="0" anchor="b"/>
+                </a:tc>
+                <a:extLst>
+                  <a:ext uri="{0D108BD9-81ED-4DB2-BD59-A6C34878D82A}">
+                    <a16:rowId xmlns:a16="http://schemas.microsoft.com/office/drawing/2014/main" xmlns="" val="10004"/>
+                  </a:ext>
+                </a:extLst>
+              </a:tr>
+              <a:tr h="370840">
+                <a:tc>
+                  <a:txBody>
+                    <a:bodyPr/>
+                    <a:lstStyle/>
+                    <a:p>
+                      <a:pPr algn="ctr" fontAlgn="ctr"/>
+                      <a:r>
+                        <a:rPr lang="en-US" sz="1800" b="0" i="0" u="none" strike="noStrike" dirty="0">
+                          <a:solidFill>
+                            <a:srgbClr val="000000"/>
+                          </a:solidFill>
+                          <a:effectLst/>
+                          <a:latin typeface="Calibri" panose="020F0502020204030204" pitchFamily="34" charset="0"/>
+                        </a:rPr>
+                        <a:t>12:00</a:t>
+                      </a:r>
+                    </a:p>
+                  </a:txBody>
+                  <a:tcPr marL="8776" marR="8776" marT="9525" marB="0" anchor="ctr"/>
+                </a:tc>
+                <a:tc>
+                  <a:txBody>
+                    <a:bodyPr/>
+                    <a:lstStyle/>
+                    <a:p>
+                      <a:pPr algn="ctr" fontAlgn="ctr"/>
+                      <a:r>
+                        <a:rPr lang="en-US" sz="1800" b="0" i="0" u="none" strike="noStrike" dirty="0">
+                          <a:solidFill>
+                            <a:srgbClr val="000000"/>
+                          </a:solidFill>
+                          <a:effectLst/>
+                          <a:latin typeface="Calibri" panose="020F0502020204030204" pitchFamily="34" charset="0"/>
+                        </a:rPr>
+                        <a:t>1:30</a:t>
+                      </a:r>
+                    </a:p>
+                  </a:txBody>
+                  <a:tcPr marL="8776" marR="8776" marT="9525" marB="0" anchor="ctr"/>
+                </a:tc>
+                <a:tc>
+                  <a:txBody>
+                    <a:bodyPr/>
+                    <a:lstStyle/>
+                    <a:p>
+                      <a:pPr algn="l" fontAlgn="b"/>
+                      <a:r>
+                        <a:rPr lang="en-US" sz="1800" b="0" i="0" u="none" strike="noStrike" dirty="0">
+                          <a:solidFill>
+                            <a:srgbClr val="000000"/>
+                          </a:solidFill>
+                          <a:effectLst/>
+                          <a:latin typeface="Calibri" panose="020F0502020204030204" pitchFamily="34" charset="0"/>
+                        </a:rPr>
+                        <a:t>Lunch</a:t>
+                      </a:r>
+                    </a:p>
+                  </a:txBody>
+                  <a:tcPr marL="8776" marR="8776" marT="9525" marB="0" anchor="b"/>
+                </a:tc>
+                <a:extLst>
+                  <a:ext uri="{0D108BD9-81ED-4DB2-BD59-A6C34878D82A}">
+                    <a16:rowId xmlns:a16="http://schemas.microsoft.com/office/drawing/2014/main" xmlns="" val="10006"/>
+                  </a:ext>
+                </a:extLst>
+              </a:tr>
+              <a:tr h="370840">
+                <a:tc>
+                  <a:txBody>
+                    <a:bodyPr/>
+                    <a:lstStyle/>
+                    <a:p>
+                      <a:pPr algn="ctr" fontAlgn="ctr"/>
+                      <a:r>
+                        <a:rPr lang="en-US" sz="1800" b="0" i="0" u="none" strike="noStrike" dirty="0">
+                          <a:solidFill>
+                            <a:srgbClr val="000000"/>
+                          </a:solidFill>
+                          <a:effectLst/>
+                          <a:latin typeface="Calibri" panose="020F0502020204030204" pitchFamily="34" charset="0"/>
+                        </a:rPr>
+                        <a:t>1:30</a:t>
+                      </a:r>
+                    </a:p>
+                  </a:txBody>
+                  <a:tcPr marL="8776" marR="8776" marT="9525" marB="0" anchor="ctr"/>
+                </a:tc>
+                <a:tc>
+                  <a:txBody>
+                    <a:bodyPr/>
+                    <a:lstStyle/>
+                    <a:p>
+                      <a:pPr algn="ctr" fontAlgn="ctr"/>
+                      <a:r>
+                        <a:rPr lang="en-US" sz="1800" b="0" i="0" u="none" strike="noStrike" dirty="0">
+                          <a:solidFill>
+                            <a:srgbClr val="000000"/>
+                          </a:solidFill>
+                          <a:effectLst/>
+                          <a:latin typeface="Calibri" panose="020F0502020204030204" pitchFamily="34" charset="0"/>
+                        </a:rPr>
+                        <a:t>2:30</a:t>
+                      </a:r>
+                    </a:p>
+                  </a:txBody>
+                  <a:tcPr marL="8776" marR="8776" marT="9525" marB="0" anchor="ctr"/>
+                </a:tc>
+                <a:tc>
+                  <a:txBody>
+                    <a:bodyPr/>
+                    <a:lstStyle/>
+                    <a:p>
+                      <a:pPr marL="0" marR="0" lvl="0" indent="0" algn="l" defTabSz="685800" rtl="0" eaLnBrk="1" fontAlgn="b" latinLnBrk="0" hangingPunct="1">
+                        <a:lnSpc>
+                          <a:spcPct val="100000"/>
+                        </a:lnSpc>
+                        <a:spcBef>
+                          <a:spcPts val="0"/>
+                        </a:spcBef>
+                        <a:spcAft>
+                          <a:spcPts val="0"/>
+                        </a:spcAft>
+                        <a:buClrTx/>
+                        <a:buSzTx/>
+                        <a:buFontTx/>
+                        <a:buNone/>
+                        <a:tabLst/>
+                        <a:defRPr/>
+                      </a:pPr>
+                      <a:r>
+                        <a:rPr lang="en-US" sz="1800" b="0" i="0" u="none" strike="noStrike" dirty="0" smtClean="0">
+                          <a:solidFill>
+                            <a:srgbClr val="000000"/>
+                          </a:solidFill>
+                          <a:effectLst/>
+                          <a:latin typeface="Calibri" panose="020F0502020204030204" pitchFamily="34" charset="0"/>
+                        </a:rPr>
+                        <a:t>Classification</a:t>
+                      </a:r>
+                      <a:r>
+                        <a:rPr lang="en-US" sz="1800" b="0" i="0" u="none" strike="noStrike" baseline="0" dirty="0" smtClean="0">
+                          <a:solidFill>
+                            <a:srgbClr val="000000"/>
+                          </a:solidFill>
+                          <a:effectLst/>
+                          <a:latin typeface="Calibri" panose="020F0502020204030204" pitchFamily="34" charset="0"/>
+                        </a:rPr>
+                        <a:t>s methods for text</a:t>
+                      </a:r>
+                      <a:endParaRPr lang="en-US" sz="1800" b="0" i="0" u="none" strike="noStrike" dirty="0" smtClean="0">
+                        <a:solidFill>
+                          <a:srgbClr val="000000"/>
+                        </a:solidFill>
+                        <a:effectLst/>
+                        <a:latin typeface="Calibri" panose="020F0502020204030204" pitchFamily="34" charset="0"/>
+                      </a:endParaRPr>
+                    </a:p>
+                  </a:txBody>
+                  <a:tcPr marL="8776" marR="8776" marT="9525" marB="0" anchor="b"/>
+                </a:tc>
+                <a:extLst>
+                  <a:ext uri="{0D108BD9-81ED-4DB2-BD59-A6C34878D82A}">
+                    <a16:rowId xmlns:a16="http://schemas.microsoft.com/office/drawing/2014/main" xmlns="" val="10007"/>
+                  </a:ext>
+                </a:extLst>
+              </a:tr>
+              <a:tr h="370840">
+                <a:tc>
+                  <a:txBody>
+                    <a:bodyPr/>
+                    <a:lstStyle/>
+                    <a:p>
+                      <a:pPr algn="ctr" fontAlgn="ctr"/>
+                      <a:r>
+                        <a:rPr lang="en-US" sz="1800" b="0" i="0" u="none" strike="noStrike" dirty="0">
+                          <a:solidFill>
+                            <a:srgbClr val="000000"/>
+                          </a:solidFill>
+                          <a:effectLst/>
+                          <a:latin typeface="Calibri" panose="020F0502020204030204" pitchFamily="34" charset="0"/>
+                        </a:rPr>
+                        <a:t>2:30</a:t>
+                      </a:r>
+                    </a:p>
+                  </a:txBody>
+                  <a:tcPr marL="8776" marR="8776" marT="9525" marB="0" anchor="ctr"/>
+                </a:tc>
+                <a:tc>
+                  <a:txBody>
+                    <a:bodyPr/>
+                    <a:lstStyle/>
+                    <a:p>
+                      <a:pPr algn="ctr" fontAlgn="ctr"/>
+                      <a:r>
+                        <a:rPr lang="en-US" sz="1800" b="0" i="0" u="none" strike="noStrike" dirty="0">
+                          <a:solidFill>
+                            <a:srgbClr val="000000"/>
+                          </a:solidFill>
+                          <a:effectLst/>
+                          <a:latin typeface="Calibri" panose="020F0502020204030204" pitchFamily="34" charset="0"/>
+                        </a:rPr>
+                        <a:t>3:15</a:t>
+                      </a:r>
+                    </a:p>
+                  </a:txBody>
+                  <a:tcPr marL="8776" marR="8776" marT="9525" marB="0" anchor="ctr"/>
+                </a:tc>
+                <a:tc>
+                  <a:txBody>
+                    <a:bodyPr/>
+                    <a:lstStyle/>
+                    <a:p>
+                      <a:pPr algn="l" fontAlgn="b"/>
+                      <a:r>
+                        <a:rPr lang="en-US" sz="1800" b="0" i="0" u="none" strike="noStrike" dirty="0" smtClean="0">
+                          <a:solidFill>
+                            <a:srgbClr val="000000"/>
+                          </a:solidFill>
+                          <a:effectLst/>
+                          <a:latin typeface="Calibri" panose="020F0502020204030204" pitchFamily="34" charset="0"/>
+                        </a:rPr>
+                        <a:t>Lab</a:t>
+                      </a:r>
+                      <a:endParaRPr lang="en-US" sz="1800" b="0" i="0" u="none" strike="noStrike" dirty="0">
+                        <a:solidFill>
+                          <a:srgbClr val="000000"/>
+                        </a:solidFill>
+                        <a:effectLst/>
+                        <a:latin typeface="Calibri" panose="020F0502020204030204" pitchFamily="34" charset="0"/>
+                      </a:endParaRPr>
+                    </a:p>
+                  </a:txBody>
+                  <a:tcPr marL="8776" marR="8776" marT="9525" marB="0" anchor="b"/>
+                </a:tc>
+                <a:extLst>
+                  <a:ext uri="{0D108BD9-81ED-4DB2-BD59-A6C34878D82A}">
+                    <a16:rowId xmlns:a16="http://schemas.microsoft.com/office/drawing/2014/main" xmlns="" val="10008"/>
+                  </a:ext>
+                </a:extLst>
+              </a:tr>
+            </a:tbl>
+          </a:graphicData>
+        </a:graphic>
+      </p:graphicFrame>
+      <p:sp>
+        <p:nvSpPr>
+          <p:cNvPr id="5" name="Date Placeholder 4"/>
+          <p:cNvSpPr>
+            <a:spLocks noGrp="1"/>
+          </p:cNvSpPr>
+          <p:nvPr>
+            <p:ph type="dt" sz="half" idx="10"/>
+          </p:nvPr>
+        </p:nvSpPr>
+        <p:spPr/>
+        <p:txBody>
+          <a:bodyPr/>
+          <a:lstStyle/>
+          <a:p>
+            <a:fld id="{9B19E99B-5349-415A-8E56-8E989211A366}" type="datetime1">
+              <a:rPr lang="en-US" smtClean="0"/>
+              <a:t>6/19/2019</a:t>
+            </a:fld>
+            <a:endParaRPr lang="en-US"/>
+          </a:p>
+        </p:txBody>
+      </p:sp>
+      <p:sp>
+        <p:nvSpPr>
+          <p:cNvPr id="6" name="Footer Placeholder 5"/>
+          <p:cNvSpPr>
+            <a:spLocks noGrp="1"/>
+          </p:cNvSpPr>
+          <p:nvPr>
+            <p:ph type="ftr" sz="quarter" idx="3"/>
+          </p:nvPr>
+        </p:nvSpPr>
+        <p:spPr/>
+        <p:txBody>
+          <a:bodyPr/>
+          <a:lstStyle/>
+          <a:p>
+            <a:r>
+              <a:rPr lang="en-US" dirty="0"/>
+              <a:t>Kwartler</a:t>
+            </a:r>
+          </a:p>
+        </p:txBody>
+      </p:sp>
+      <p:sp>
+        <p:nvSpPr>
+          <p:cNvPr id="7" name="Slide Number Placeholder 6"/>
+          <p:cNvSpPr>
+            <a:spLocks noGrp="1"/>
+          </p:cNvSpPr>
+          <p:nvPr>
+            <p:ph type="sldNum" sz="quarter" idx="4"/>
+          </p:nvPr>
+        </p:nvSpPr>
+        <p:spPr/>
+        <p:txBody>
+          <a:bodyPr/>
+          <a:lstStyle/>
+          <a:p>
+            <a:fld id="{37290FF7-652B-4475-AEAB-8B1A5D23AE09}" type="slidenum">
+              <a:rPr lang="en-US" smtClean="0"/>
+              <a:t>2</a:t>
+            </a:fld>
+            <a:endParaRPr lang="en-US" dirty="0"/>
+          </a:p>
+        </p:txBody>
+      </p:sp>
+    </p:spTree>
+    <p:extLst>
+      <p:ext uri="{BB962C8B-B14F-4D97-AF65-F5344CB8AC3E}">
+        <p14:creationId xmlns:p14="http://schemas.microsoft.com/office/powerpoint/2010/main" val="3124903167"/>
+      </p:ext>
+    </p:extLst>
+  </p:cSld>
+  <p:clrMapOvr>
+    <a:masterClrMapping/>
+  </p:clrMapOvr>
+</p:sld>
+</file>
+
+<file path=ppt/slides/slide20.xml><?xml version="1.0" encoding="utf-8"?>
+<p:sld xmlns:a="http://schemas.openxmlformats.org/drawingml/2006/main" xmlns:r="http://schemas.openxmlformats.org/officeDocument/2006/relationships" xmlns:p="http://schemas.openxmlformats.org/presentationml/2006/main">
+  <p:cSld>
+    <p:spTree>
+      <p:nvGrpSpPr>
+        <p:cNvPr id="1" name=""/>
+        <p:cNvGrpSpPr/>
+        <p:nvPr/>
+      </p:nvGrpSpPr>
+      <p:grpSpPr>
+        <a:xfrm>
+          <a:off x="0" y="0"/>
+          <a:ext cx="0" cy="0"/>
+          <a:chOff x="0" y="0"/>
+          <a:chExt cx="0" cy="0"/>
+        </a:xfrm>
+      </p:grpSpPr>
+      <p:sp>
+        <p:nvSpPr>
+          <p:cNvPr id="2" name="Date Placeholder 1"/>
+          <p:cNvSpPr>
+            <a:spLocks noGrp="1"/>
+          </p:cNvSpPr>
+          <p:nvPr>
+            <p:ph type="dt" sz="half" idx="10"/>
+          </p:nvPr>
+        </p:nvSpPr>
+        <p:spPr/>
+        <p:txBody>
+          <a:bodyPr/>
+          <a:lstStyle/>
+          <a:p>
+            <a:fld id="{6700A58B-DD98-43D0-B791-721480A02982}" type="datetime1">
+              <a:rPr lang="en-US" smtClean="0"/>
+              <a:pPr/>
+              <a:t>6/19/2019</a:t>
+            </a:fld>
+            <a:endParaRPr lang="en-US"/>
+          </a:p>
+        </p:txBody>
+      </p:sp>
+      <p:sp>
+        <p:nvSpPr>
+          <p:cNvPr id="3" name="Title 2"/>
+          <p:cNvSpPr>
+            <a:spLocks noGrp="1"/>
+          </p:cNvSpPr>
+          <p:nvPr>
+            <p:ph type="title"/>
+          </p:nvPr>
+        </p:nvSpPr>
+        <p:spPr/>
+        <p:txBody>
+          <a:bodyPr/>
+          <a:lstStyle/>
+          <a:p>
+            <a:r>
+              <a:rPr lang="en-US" dirty="0"/>
+              <a:t>MSFT Tay</a:t>
+            </a:r>
+          </a:p>
+        </p:txBody>
+      </p:sp>
+      <p:sp>
+        <p:nvSpPr>
+          <p:cNvPr id="4" name="Slide Number Placeholder 3"/>
+          <p:cNvSpPr>
+            <a:spLocks noGrp="1"/>
+          </p:cNvSpPr>
+          <p:nvPr>
+            <p:ph type="sldNum" sz="quarter" idx="4"/>
+          </p:nvPr>
+        </p:nvSpPr>
+        <p:spPr/>
+        <p:txBody>
+          <a:bodyPr/>
+          <a:lstStyle/>
+          <a:p>
+            <a:fld id="{37290FF7-652B-4475-AEAB-8B1A5D23AE09}" type="slidenum">
+              <a:rPr lang="en-US" smtClean="0"/>
+              <a:pPr/>
+              <a:t>20</a:t>
+            </a:fld>
+            <a:endParaRPr lang="en-US"/>
+          </a:p>
+        </p:txBody>
+      </p:sp>
+      <p:pic>
+        <p:nvPicPr>
+          <p:cNvPr id="5122" name="Picture 2" descr="Image result for twitter logo"/>
+          <p:cNvPicPr>
+            <a:picLocks noChangeAspect="1" noChangeArrowheads="1"/>
+          </p:cNvPicPr>
+          <p:nvPr/>
+        </p:nvPicPr>
+        <p:blipFill>
+          <a:blip r:embed="rId2" cstate="print">
+            <a:extLst>
+              <a:ext uri="{28A0092B-C50C-407E-A947-70E740481C1C}">
+                <a14:useLocalDpi xmlns:a14="http://schemas.microsoft.com/office/drawing/2010/main" val="0"/>
+              </a:ext>
+            </a:extLst>
+          </a:blip>
+          <a:srcRect/>
+          <a:stretch>
+            <a:fillRect/>
+          </a:stretch>
+        </p:blipFill>
+        <p:spPr bwMode="auto">
+          <a:xfrm>
+            <a:off x="2884026" y="2111935"/>
+            <a:ext cx="2926837" cy="2926837"/>
+          </a:xfrm>
+          <a:prstGeom prst="rect">
+            <a:avLst/>
+          </a:prstGeom>
+          <a:noFill/>
+          <a:extLst>
+            <a:ext uri="{909E8E84-426E-40DD-AFC4-6F175D3DCCD1}">
+              <a14:hiddenFill xmlns:a14="http://schemas.microsoft.com/office/drawing/2010/main">
+                <a:solidFill>
+                  <a:srgbClr val="FFFFFF"/>
+                </a:solidFill>
+              </a14:hiddenFill>
+            </a:ext>
+          </a:extLst>
+        </p:spPr>
+      </p:pic>
+      <p:sp>
+        <p:nvSpPr>
+          <p:cNvPr id="9" name="Rectangle 8"/>
+          <p:cNvSpPr/>
+          <p:nvPr/>
+        </p:nvSpPr>
+        <p:spPr>
+          <a:xfrm>
+            <a:off x="423858" y="5332491"/>
+            <a:ext cx="8086725" cy="739696"/>
+          </a:xfrm>
+          <a:prstGeom prst="rect">
+            <a:avLst/>
+          </a:prstGeom>
+          <a:solidFill>
+            <a:schemeClr val="accent2"/>
+          </a:solidFill>
+          <a:ln>
+            <a:noFill/>
+          </a:ln>
+        </p:spPr>
+        <p:style>
+          <a:lnRef idx="2">
+            <a:schemeClr val="accent1">
+              <a:shade val="50000"/>
+            </a:schemeClr>
+          </a:lnRef>
+          <a:fillRef idx="1">
+            <a:schemeClr val="accent1"/>
+          </a:fillRef>
+          <a:effectRef idx="0">
+            <a:schemeClr val="accent1"/>
+          </a:effectRef>
+          <a:fontRef idx="minor">
+            <a:schemeClr val="lt1"/>
+          </a:fontRef>
+        </p:style>
+        <p:txBody>
+          <a:bodyPr rtlCol="0" anchor="ctr"/>
+          <a:lstStyle/>
+          <a:p>
+            <a:pPr algn="ctr"/>
+            <a:r>
+              <a:rPr lang="en-US" sz="1600" dirty="0"/>
+              <a:t>Harmless marketing stunt that turned ugly?  </a:t>
+            </a:r>
+            <a:r>
+              <a:rPr lang="en-US" sz="1600" dirty="0" smtClean="0"/>
+              <a:t>As practitioners if </a:t>
+            </a:r>
+            <a:r>
+              <a:rPr lang="en-US" sz="1600" dirty="0" smtClean="0"/>
+              <a:t>we </a:t>
+            </a:r>
+            <a:r>
+              <a:rPr lang="en-US" sz="1600" dirty="0"/>
+              <a:t>have to filter the training data and provide guardrails do we invite censorship &amp; bias?  </a:t>
+            </a:r>
+          </a:p>
+        </p:txBody>
+      </p:sp>
+      <p:sp>
+        <p:nvSpPr>
+          <p:cNvPr id="16" name="Footer Placeholder 5">
+            <a:extLst>
+              <a:ext uri="{FF2B5EF4-FFF2-40B4-BE49-F238E27FC236}">
+                <a16:creationId xmlns:a16="http://schemas.microsoft.com/office/drawing/2014/main" xmlns="" id="{35C4EC0D-BE2F-4C7C-86BB-1170018A5983}"/>
+              </a:ext>
+            </a:extLst>
+          </p:cNvPr>
+          <p:cNvSpPr>
+            <a:spLocks noGrp="1"/>
+          </p:cNvSpPr>
+          <p:nvPr>
+            <p:ph type="ftr" sz="quarter" idx="3"/>
+          </p:nvPr>
+        </p:nvSpPr>
+        <p:spPr>
+          <a:xfrm>
+            <a:off x="3028950" y="6356351"/>
+            <a:ext cx="3086100" cy="365125"/>
+          </a:xfrm>
+        </p:spPr>
+        <p:txBody>
+          <a:bodyPr/>
+          <a:lstStyle/>
+          <a:p>
+            <a:r>
+              <a:rPr lang="en-US" dirty="0"/>
+              <a:t>Kwartler</a:t>
+            </a:r>
+          </a:p>
+        </p:txBody>
+      </p:sp>
+    </p:spTree>
+    <p:extLst>
+      <p:ext uri="{BB962C8B-B14F-4D97-AF65-F5344CB8AC3E}">
+        <p14:creationId xmlns:p14="http://schemas.microsoft.com/office/powerpoint/2010/main" val="3959883329"/>
+      </p:ext>
+    </p:extLst>
+  </p:cSld>
+  <p:clrMapOvr>
+    <a:masterClrMapping/>
+  </p:clrMapOvr>
+</p:sld>
+</file>
+
+<file path=ppt/slides/slide21.xml><?xml version="1.0" encoding="utf-8"?>
+<p:sld xmlns:a="http://schemas.openxmlformats.org/drawingml/2006/main" xmlns:r="http://schemas.openxmlformats.org/officeDocument/2006/relationships" xmlns:p="http://schemas.openxmlformats.org/presentationml/2006/main">
+  <p:cSld>
+    <p:spTree>
+      <p:nvGrpSpPr>
+        <p:cNvPr id="1" name=""/>
+        <p:cNvGrpSpPr/>
+        <p:nvPr/>
+      </p:nvGrpSpPr>
+      <p:grpSpPr>
+        <a:xfrm>
+          <a:off x="0" y="0"/>
+          <a:ext cx="0" cy="0"/>
+          <a:chOff x="0" y="0"/>
+          <a:chExt cx="0" cy="0"/>
+        </a:xfrm>
+      </p:grpSpPr>
+      <p:sp>
+        <p:nvSpPr>
+          <p:cNvPr id="2" name="Date Placeholder 1"/>
+          <p:cNvSpPr>
+            <a:spLocks noGrp="1"/>
+          </p:cNvSpPr>
+          <p:nvPr>
+            <p:ph type="dt" sz="half" idx="10"/>
+          </p:nvPr>
+        </p:nvSpPr>
+        <p:spPr/>
+        <p:txBody>
+          <a:bodyPr/>
+          <a:lstStyle/>
+          <a:p>
+            <a:fld id="{6700A58B-DD98-43D0-B791-721480A02982}" type="datetime1">
+              <a:rPr lang="en-US" smtClean="0"/>
+              <a:pPr/>
+              <a:t>6/19/2019</a:t>
+            </a:fld>
+            <a:endParaRPr lang="en-US"/>
+          </a:p>
+        </p:txBody>
+      </p:sp>
+      <p:sp>
+        <p:nvSpPr>
+          <p:cNvPr id="3" name="Title 2"/>
+          <p:cNvSpPr>
+            <a:spLocks noGrp="1"/>
+          </p:cNvSpPr>
+          <p:nvPr>
+            <p:ph type="title"/>
+          </p:nvPr>
+        </p:nvSpPr>
+        <p:spPr/>
+        <p:txBody>
+          <a:bodyPr/>
+          <a:lstStyle/>
+          <a:p>
+            <a:r>
+              <a:rPr lang="en-US" dirty="0"/>
+              <a:t>MSFT Tay</a:t>
+            </a:r>
+          </a:p>
+        </p:txBody>
+      </p:sp>
+      <p:sp>
+        <p:nvSpPr>
+          <p:cNvPr id="4" name="Slide Number Placeholder 3"/>
+          <p:cNvSpPr>
+            <a:spLocks noGrp="1"/>
+          </p:cNvSpPr>
+          <p:nvPr>
+            <p:ph type="sldNum" sz="quarter" idx="4"/>
+          </p:nvPr>
+        </p:nvSpPr>
+        <p:spPr/>
+        <p:txBody>
+          <a:bodyPr/>
+          <a:lstStyle/>
+          <a:p>
+            <a:fld id="{37290FF7-652B-4475-AEAB-8B1A5D23AE09}" type="slidenum">
+              <a:rPr lang="en-US" smtClean="0"/>
+              <a:pPr/>
+              <a:t>21</a:t>
+            </a:fld>
+            <a:endParaRPr lang="en-US"/>
+          </a:p>
+        </p:txBody>
+      </p:sp>
+      <p:pic>
+        <p:nvPicPr>
+          <p:cNvPr id="5122" name="Picture 2" descr="Image result for twitter logo"/>
+          <p:cNvPicPr>
+            <a:picLocks noChangeAspect="1" noChangeArrowheads="1"/>
+          </p:cNvPicPr>
+          <p:nvPr/>
+        </p:nvPicPr>
+        <p:blipFill>
+          <a:blip r:embed="rId2" cstate="print">
+            <a:extLst>
+              <a:ext uri="{28A0092B-C50C-407E-A947-70E740481C1C}">
+                <a14:useLocalDpi xmlns:a14="http://schemas.microsoft.com/office/drawing/2010/main" val="0"/>
+              </a:ext>
+            </a:extLst>
+          </a:blip>
+          <a:srcRect/>
+          <a:stretch>
+            <a:fillRect/>
+          </a:stretch>
+        </p:blipFill>
+        <p:spPr bwMode="auto">
+          <a:xfrm>
+            <a:off x="2884026" y="2111935"/>
+            <a:ext cx="2926837" cy="2926837"/>
+          </a:xfrm>
+          <a:prstGeom prst="rect">
+            <a:avLst/>
+          </a:prstGeom>
+          <a:noFill/>
+          <a:extLst>
+            <a:ext uri="{909E8E84-426E-40DD-AFC4-6F175D3DCCD1}">
+              <a14:hiddenFill xmlns:a14="http://schemas.microsoft.com/office/drawing/2010/main">
+                <a:solidFill>
+                  <a:srgbClr val="FFFFFF"/>
+                </a:solidFill>
+              </a14:hiddenFill>
+            </a:ext>
+          </a:extLst>
+        </p:spPr>
+      </p:pic>
       <p:sp>
         <p:nvSpPr>
           <p:cNvPr id="9" name="Rectangle 8"/>
@@ -6255,8 +8335,13 @@
             <a:pPr algn="ctr"/>
             <a:r>
               <a:rPr lang="en-US" sz="1600" dirty="0"/>
-              <a:t> What if Tay was supposed to make cancer recommendations,  pick stocks for your retirement, recommend purchases, or schedule an appointment?  </a:t>
+              <a:t> What if Tay was supposed to make cancer recommendations,  pick stocks for your retirement, recommend purchases, or schedule </a:t>
             </a:r>
+            <a:r>
+              <a:rPr lang="en-US" sz="1600" dirty="0" smtClean="0"/>
+              <a:t>an important appointment?</a:t>
+            </a:r>
+            <a:endParaRPr lang="en-US" sz="1600" dirty="0"/>
           </a:p>
         </p:txBody>
       </p:sp>
@@ -6265,7 +8350,7 @@
           <p:cNvPr id="16" name="Footer Placeholder 5">
             <a:extLst>
               <a:ext uri="{FF2B5EF4-FFF2-40B4-BE49-F238E27FC236}">
-                <a16:creationId xmlns="" xmlns:a16="http://schemas.microsoft.com/office/drawing/2014/main" id="{2A6E8A58-D68B-4D4F-B2A2-9BC1A623C42A}"/>
+                <a16:creationId xmlns:a16="http://schemas.microsoft.com/office/drawing/2014/main" xmlns="" id="{2A6E8A58-D68B-4D4F-B2A2-9BC1A623C42A}"/>
               </a:ext>
             </a:extLst>
           </p:cNvPr>
@@ -6306,7 +8391,7 @@
 </p:sld>
 </file>
 
-<file path=ppt/slides/slide16.xml><?xml version="1.0" encoding="utf-8"?>
+<file path=ppt/slides/slide22.xml><?xml version="1.0" encoding="utf-8"?>
 <p:sld xmlns:a="http://schemas.openxmlformats.org/drawingml/2006/main" xmlns:r="http://schemas.openxmlformats.org/officeDocument/2006/relationships" xmlns:p="http://schemas.openxmlformats.org/presentationml/2006/main">
   <p:cSld>
     <p:spTree>
@@ -6341,7 +8426,7 @@
             <a:fld id="{6700A58B-DD98-43D0-B791-721480A02982}" type="datetime1">
               <a:rPr lang="en-US" smtClean="0"/>
               <a:pPr/>
-              <a:t>6/6/2019</a:t>
+              <a:t>6/19/2019</a:t>
             </a:fld>
             <a:endParaRPr lang="en-US"/>
           </a:p>
@@ -6387,7 +8472,7 @@
             <a:fld id="{37290FF7-652B-4475-AEAB-8B1A5D23AE09}" type="slidenum">
               <a:rPr lang="en-US" smtClean="0"/>
               <a:pPr/>
-              <a:t>16</a:t>
+              <a:t>22</a:t>
             </a:fld>
             <a:endParaRPr lang="en-US"/>
           </a:p>
@@ -6541,7 +8626,23 @@
             <a:pPr algn="ctr"/>
             <a:r>
               <a:rPr lang="en-US" sz="1600" dirty="0"/>
-              <a:t>Letting it loose with public info allowed the technology to be corrupted almost immediately.  However, once the scientist applies limitations to inputs, bias is introduced.</a:t>
+              <a:t>Letting it loose with public info allowed the technology to be corrupted almost immediately.  However, once the </a:t>
+            </a:r>
+            <a:r>
+              <a:rPr lang="en-US" sz="1600" dirty="0" smtClean="0"/>
+              <a:t>researcher/</a:t>
+            </a:r>
+            <a:r>
+              <a:rPr lang="en-US" sz="1600" dirty="0" smtClean="0"/>
+              <a:t>data </a:t>
+            </a:r>
+            <a:r>
+              <a:rPr lang="en-US" sz="1600" dirty="0" smtClean="0"/>
+              <a:t>scientist </a:t>
+            </a:r>
+            <a:r>
+              <a:rPr lang="en-US" sz="1600" dirty="0"/>
+              <a:t>applies limitations to inputs, bias is introduced.</a:t>
             </a:r>
           </a:p>
         </p:txBody>
@@ -6551,7 +8652,7 @@
           <p:cNvPr id="16" name="Footer Placeholder 5">
             <a:extLst>
               <a:ext uri="{FF2B5EF4-FFF2-40B4-BE49-F238E27FC236}">
-                <a16:creationId xmlns="" xmlns:a16="http://schemas.microsoft.com/office/drawing/2014/main" id="{E5E2CF44-7F02-47A7-9C96-18C1087D33EC}"/>
+                <a16:creationId xmlns:a16="http://schemas.microsoft.com/office/drawing/2014/main" xmlns="" id="{E5E2CF44-7F02-47A7-9C96-18C1087D33EC}"/>
               </a:ext>
             </a:extLst>
           </p:cNvPr>
@@ -6592,7 +8693,7 @@
 </p:sld>
 </file>
 
-<file path=ppt/slides/slide17.xml><?xml version="1.0" encoding="utf-8"?>
+<file path=ppt/slides/slide23.xml><?xml version="1.0" encoding="utf-8"?>
 <p:sld xmlns:a="http://schemas.openxmlformats.org/drawingml/2006/main" xmlns:r="http://schemas.openxmlformats.org/officeDocument/2006/relationships" xmlns:p="http://schemas.openxmlformats.org/presentationml/2006/main">
   <p:cSld>
     <p:spTree>
@@ -6614,7 +8715,7 @@
           <p:cNvPr id="2" name="Date Placeholder 1">
             <a:extLst>
               <a:ext uri="{FF2B5EF4-FFF2-40B4-BE49-F238E27FC236}">
-                <a16:creationId xmlns="" xmlns:a16="http://schemas.microsoft.com/office/drawing/2014/main" id="{F5B2D573-BCA0-417E-8B5F-B395AA11029D}"/>
+                <a16:creationId xmlns:a16="http://schemas.microsoft.com/office/drawing/2014/main" xmlns="" id="{F5B2D573-BCA0-417E-8B5F-B395AA11029D}"/>
               </a:ext>
             </a:extLst>
           </p:cNvPr>
@@ -6681,7 +8782,7 @@
                 <a:tabLst/>
                 <a:defRPr/>
               </a:pPr>
-              <a:t>6/6/2019</a:t>
+              <a:t>6/19/2019</a:t>
             </a:fld>
             <a:endParaRPr kumimoji="0" lang="en-US" sz="900" b="0" i="0" u="none" strike="noStrike" kern="1200" cap="none" spc="0" normalizeH="0" baseline="0" noProof="0">
               <a:ln>
@@ -6707,7 +8808,7 @@
           <p:cNvPr id="3" name="Title 2">
             <a:extLst>
               <a:ext uri="{FF2B5EF4-FFF2-40B4-BE49-F238E27FC236}">
-                <a16:creationId xmlns="" xmlns:a16="http://schemas.microsoft.com/office/drawing/2014/main" id="{CAC4D537-8506-450A-834E-A352DA5B24FE}"/>
+                <a16:creationId xmlns:a16="http://schemas.microsoft.com/office/drawing/2014/main" xmlns="" id="{CAC4D537-8506-450A-834E-A352DA5B24FE}"/>
               </a:ext>
             </a:extLst>
           </p:cNvPr>
@@ -6735,7 +8836,7 @@
           <p:cNvPr id="4" name="Footer Placeholder 3">
             <a:extLst>
               <a:ext uri="{FF2B5EF4-FFF2-40B4-BE49-F238E27FC236}">
-                <a16:creationId xmlns="" xmlns:a16="http://schemas.microsoft.com/office/drawing/2014/main" id="{8596963A-E8BA-49A8-B52F-79164B65F517}"/>
+                <a16:creationId xmlns:a16="http://schemas.microsoft.com/office/drawing/2014/main" xmlns="" id="{8596963A-E8BA-49A8-B52F-79164B65F517}"/>
               </a:ext>
             </a:extLst>
           </p:cNvPr>
@@ -6811,7 +8912,7 @@
           <p:cNvPr id="5" name="Slide Number Placeholder 4">
             <a:extLst>
               <a:ext uri="{FF2B5EF4-FFF2-40B4-BE49-F238E27FC236}">
-                <a16:creationId xmlns="" xmlns:a16="http://schemas.microsoft.com/office/drawing/2014/main" id="{02EC2459-A410-4ACC-837E-1A38F4139AB3}"/>
+                <a16:creationId xmlns:a16="http://schemas.microsoft.com/office/drawing/2014/main" xmlns="" id="{02EC2459-A410-4ACC-837E-1A38F4139AB3}"/>
               </a:ext>
             </a:extLst>
           </p:cNvPr>
@@ -6878,7 +8979,7 @@
                 <a:tabLst/>
                 <a:defRPr/>
               </a:pPr>
-              <a:t>17</a:t>
+              <a:t>23</a:t>
             </a:fld>
             <a:endParaRPr kumimoji="0" lang="en-US" sz="900" b="0" i="0" u="none" strike="noStrike" kern="1200" cap="none" spc="0" normalizeH="0" baseline="0" noProof="0" dirty="0">
               <a:ln>
@@ -6899,12 +9000,59 @@
           </a:p>
         </p:txBody>
       </p:sp>
+      <p:pic>
+        <p:nvPicPr>
+          <p:cNvPr id="2050" name="Picture 2" descr="Image result for alexa">
+            <a:extLst>
+              <a:ext uri="{FF2B5EF4-FFF2-40B4-BE49-F238E27FC236}">
+                <a16:creationId xmlns:a16="http://schemas.microsoft.com/office/drawing/2014/main" xmlns="" id="{34AD15EB-9CDD-44A0-B557-1B01C270B225}"/>
+              </a:ext>
+            </a:extLst>
+          </p:cNvPr>
+          <p:cNvPicPr>
+            <a:picLocks noChangeAspect="1" noChangeArrowheads="1"/>
+          </p:cNvPicPr>
+          <p:nvPr/>
+        </p:nvPicPr>
+        <p:blipFill>
+          <a:blip r:embed="rId2" cstate="print">
+            <a:extLst>
+              <a:ext uri="{28A0092B-C50C-407E-A947-70E740481C1C}">
+                <a14:useLocalDpi xmlns:a14="http://schemas.microsoft.com/office/drawing/2010/main" val="0"/>
+              </a:ext>
+            </a:extLst>
+          </a:blip>
+          <a:srcRect/>
+          <a:stretch>
+            <a:fillRect/>
+          </a:stretch>
+        </p:blipFill>
+        <p:spPr bwMode="auto">
+          <a:xfrm>
+            <a:off x="3878941" y="2735941"/>
+            <a:ext cx="1386119" cy="1386119"/>
+          </a:xfrm>
+          <a:prstGeom prst="rect">
+            <a:avLst/>
+          </a:prstGeom>
+          <a:noFill/>
+          <a:extLst>
+            <a:ext uri="{909E8E84-426E-40DD-AFC4-6F175D3DCCD1}">
+              <a14:hiddenFill xmlns:a14="http://schemas.microsoft.com/office/drawing/2010/main">
+                <a:solidFill>
+                  <a:srgbClr val="FFFFFF"/>
+                </a:solidFill>
+              </a14:hiddenFill>
+            </a:ext>
+          </a:extLst>
+        </p:spPr>
+      </p:pic>
       <p:sp>
         <p:nvSpPr>
-          <p:cNvPr id="7" name="Rectangle 6">
+          <p:cNvPr id="12" name="Rectangle 11">
             <a:extLst>
               <a:ext uri="{FF2B5EF4-FFF2-40B4-BE49-F238E27FC236}">
-                <a16:creationId xmlns="" xmlns:a16="http://schemas.microsoft.com/office/drawing/2014/main" id="{3A7551EC-DCF7-406E-9D4F-F6E0900C20D5}"/>
+                <a16:creationId xmlns:a16="http://schemas.microsoft.com/office/drawing/2014/main" xmlns="" id="{3A7551EC-DCF7-406E-9D4F-F6E0900C20D5}"/>
               </a:ext>
             </a:extLst>
           </p:cNvPr>
@@ -6964,6 +9112,505 @@
               <a:defRPr/>
             </a:pPr>
             <a:r>
+              <a:rPr kumimoji="0" lang="en-US" sz="1800" b="0" i="0" u="none" strike="noStrike" kern="1200" cap="none" spc="0" normalizeH="0" baseline="0" noProof="0" dirty="0" smtClean="0">
+                <a:ln>
+                  <a:noFill/>
+                </a:ln>
+                <a:solidFill>
+                  <a:prstClr val="white"/>
+                </a:solidFill>
+                <a:effectLst/>
+                <a:uLnTx/>
+                <a:uFillTx/>
+                <a:latin typeface="Calibri" panose="020F0502020204030204"/>
+                <a:ea typeface="+mn-ea"/>
+                <a:cs typeface="+mn-cs"/>
+              </a:rPr>
+              <a:t>What is </a:t>
+            </a:r>
+            <a:r>
+              <a:rPr kumimoji="0" lang="en-US" sz="1800" b="0" i="0" u="none" strike="noStrike" kern="1200" cap="none" spc="0" normalizeH="0" baseline="0" noProof="0" dirty="0" err="1" smtClean="0">
+                <a:ln>
+                  <a:noFill/>
+                </a:ln>
+                <a:solidFill>
+                  <a:prstClr val="white"/>
+                </a:solidFill>
+                <a:effectLst/>
+                <a:uLnTx/>
+                <a:uFillTx/>
+                <a:latin typeface="Calibri" panose="020F0502020204030204"/>
+                <a:ea typeface="+mn-ea"/>
+                <a:cs typeface="+mn-cs"/>
+              </a:rPr>
+              <a:t>alexa</a:t>
+            </a:r>
+            <a:r>
+              <a:rPr kumimoji="0" lang="en-US" sz="1800" b="0" i="0" u="none" strike="noStrike" kern="1200" cap="none" spc="0" normalizeH="0" baseline="0" noProof="0" dirty="0" smtClean="0">
+                <a:ln>
+                  <a:noFill/>
+                </a:ln>
+                <a:solidFill>
+                  <a:prstClr val="white"/>
+                </a:solidFill>
+                <a:effectLst/>
+                <a:uLnTx/>
+                <a:uFillTx/>
+                <a:latin typeface="Calibri" panose="020F0502020204030204"/>
+                <a:ea typeface="+mn-ea"/>
+                <a:cs typeface="+mn-cs"/>
+              </a:rPr>
+              <a:t>?</a:t>
+            </a:r>
+            <a:endParaRPr kumimoji="0" lang="en-US" sz="1800" b="0" i="0" u="none" strike="noStrike" kern="1200" cap="none" spc="0" normalizeH="0" baseline="0" noProof="0" dirty="0">
+              <a:ln>
+                <a:noFill/>
+              </a:ln>
+              <a:solidFill>
+                <a:prstClr val="white"/>
+              </a:solidFill>
+              <a:effectLst/>
+              <a:uLnTx/>
+              <a:uFillTx/>
+              <a:latin typeface="Calibri" panose="020F0502020204030204"/>
+              <a:ea typeface="+mn-ea"/>
+              <a:cs typeface="+mn-cs"/>
+            </a:endParaRPr>
+          </a:p>
+        </p:txBody>
+      </p:sp>
+      <p:sp>
+        <p:nvSpPr>
+          <p:cNvPr id="9" name="TextBox 8"/>
+          <p:cNvSpPr txBox="1"/>
+          <p:nvPr/>
+        </p:nvSpPr>
+        <p:spPr>
+          <a:xfrm>
+            <a:off x="3214706" y="5782590"/>
+            <a:ext cx="2714589" cy="369332"/>
+          </a:xfrm>
+          <a:prstGeom prst="rect">
+            <a:avLst/>
+          </a:prstGeom>
+          <a:noFill/>
+        </p:spPr>
+        <p:txBody>
+          <a:bodyPr wrap="none" rtlCol="0">
+            <a:spAutoFit/>
+          </a:bodyPr>
+          <a:lstStyle/>
+          <a:p>
+            <a:r>
+              <a:rPr lang="en-US" dirty="0" smtClean="0"/>
+              <a:t>Is the technology helpful?  </a:t>
+            </a:r>
+            <a:endParaRPr lang="en-US" dirty="0"/>
+          </a:p>
+        </p:txBody>
+      </p:sp>
+    </p:spTree>
+    <p:extLst>
+      <p:ext uri="{BB962C8B-B14F-4D97-AF65-F5344CB8AC3E}">
+        <p14:creationId xmlns:p14="http://schemas.microsoft.com/office/powerpoint/2010/main" val="2816254896"/>
+      </p:ext>
+    </p:extLst>
+  </p:cSld>
+  <p:clrMapOvr>
+    <a:masterClrMapping/>
+  </p:clrMapOvr>
+</p:sld>
+</file>
+
+<file path=ppt/slides/slide24.xml><?xml version="1.0" encoding="utf-8"?>
+<p:sld xmlns:a="http://schemas.openxmlformats.org/drawingml/2006/main" xmlns:r="http://schemas.openxmlformats.org/officeDocument/2006/relationships" xmlns:p="http://schemas.openxmlformats.org/presentationml/2006/main">
+  <p:cSld>
+    <p:spTree>
+      <p:nvGrpSpPr>
+        <p:cNvPr id="1" name=""/>
+        <p:cNvGrpSpPr/>
+        <p:nvPr/>
+      </p:nvGrpSpPr>
+      <p:grpSpPr>
+        <a:xfrm>
+          <a:off x="0" y="0"/>
+          <a:ext cx="0" cy="0"/>
+          <a:chOff x="0" y="0"/>
+          <a:chExt cx="0" cy="0"/>
+        </a:xfrm>
+      </p:grpSpPr>
+      <p:sp>
+        <p:nvSpPr>
+          <p:cNvPr id="2" name="Date Placeholder 1">
+            <a:extLst>
+              <a:ext uri="{FF2B5EF4-FFF2-40B4-BE49-F238E27FC236}">
+                <a16:creationId xmlns:a16="http://schemas.microsoft.com/office/drawing/2014/main" xmlns="" id="{F5B2D573-BCA0-417E-8B5F-B395AA11029D}"/>
+              </a:ext>
+            </a:extLst>
+          </p:cNvPr>
+          <p:cNvSpPr>
+            <a:spLocks noGrp="1"/>
+          </p:cNvSpPr>
+          <p:nvPr>
+            <p:ph type="dt" sz="half" idx="10"/>
+          </p:nvPr>
+        </p:nvSpPr>
+        <p:spPr/>
+        <p:txBody>
+          <a:bodyPr/>
+          <a:lstStyle/>
+          <a:p>
+            <a:pPr marL="0" marR="0" lvl="0" indent="0" algn="l" defTabSz="914400" rtl="0" eaLnBrk="1" fontAlgn="auto" latinLnBrk="0" hangingPunct="1">
+              <a:lnSpc>
+                <a:spcPct val="100000"/>
+              </a:lnSpc>
+              <a:spcBef>
+                <a:spcPts val="0"/>
+              </a:spcBef>
+              <a:spcAft>
+                <a:spcPts val="0"/>
+              </a:spcAft>
+              <a:buClrTx/>
+              <a:buSzTx/>
+              <a:buFontTx/>
+              <a:buNone/>
+              <a:tabLst/>
+              <a:defRPr/>
+            </a:pPr>
+            <a:fld id="{6700A58B-DD98-43D0-B791-721480A02982}" type="datetime1">
+              <a:rPr kumimoji="0" lang="en-US" sz="900" b="0" i="0" u="none" strike="noStrike" kern="1200" cap="none" spc="0" normalizeH="0" baseline="0" noProof="0" smtClean="0">
+                <a:ln>
+                  <a:noFill/>
+                </a:ln>
+                <a:solidFill>
+                  <a:prstClr val="black">
+                    <a:tint val="75000"/>
+                  </a:prstClr>
+                </a:solidFill>
+                <a:effectLst/>
+                <a:uLnTx/>
+                <a:uFillTx/>
+                <a:latin typeface="Calibri" panose="020F0502020204030204"/>
+                <a:ea typeface="+mn-ea"/>
+                <a:cs typeface="+mn-cs"/>
+              </a:rPr>
+              <a:pPr marL="0" marR="0" lvl="0" indent="0" algn="l" defTabSz="914400" rtl="0" eaLnBrk="1" fontAlgn="auto" latinLnBrk="0" hangingPunct="1">
+                <a:lnSpc>
+                  <a:spcPct val="100000"/>
+                </a:lnSpc>
+                <a:spcBef>
+                  <a:spcPts val="0"/>
+                </a:spcBef>
+                <a:spcAft>
+                  <a:spcPts val="0"/>
+                </a:spcAft>
+                <a:buClrTx/>
+                <a:buSzTx/>
+                <a:buFontTx/>
+                <a:buNone/>
+                <a:tabLst/>
+                <a:defRPr/>
+              </a:pPr>
+              <a:t>6/19/2019</a:t>
+            </a:fld>
+            <a:endParaRPr kumimoji="0" lang="en-US" sz="900" b="0" i="0" u="none" strike="noStrike" kern="1200" cap="none" spc="0" normalizeH="0" baseline="0" noProof="0">
+              <a:ln>
+                <a:noFill/>
+              </a:ln>
+              <a:solidFill>
+                <a:prstClr val="black">
+                  <a:tint val="75000"/>
+                </a:prstClr>
+              </a:solidFill>
+              <a:effectLst/>
+              <a:uLnTx/>
+              <a:uFillTx/>
+              <a:latin typeface="Calibri" panose="020F0502020204030204"/>
+              <a:ea typeface="+mn-ea"/>
+              <a:cs typeface="+mn-cs"/>
+            </a:endParaRPr>
+          </a:p>
+        </p:txBody>
+      </p:sp>
+      <p:sp>
+        <p:nvSpPr>
+          <p:cNvPr id="3" name="Title 2">
+            <a:extLst>
+              <a:ext uri="{FF2B5EF4-FFF2-40B4-BE49-F238E27FC236}">
+                <a16:creationId xmlns:a16="http://schemas.microsoft.com/office/drawing/2014/main" xmlns="" id="{CAC4D537-8506-450A-834E-A352DA5B24FE}"/>
+              </a:ext>
+            </a:extLst>
+          </p:cNvPr>
+          <p:cNvSpPr>
+            <a:spLocks noGrp="1"/>
+          </p:cNvSpPr>
+          <p:nvPr>
+            <p:ph type="title"/>
+          </p:nvPr>
+        </p:nvSpPr>
+        <p:spPr/>
+        <p:txBody>
+          <a:bodyPr/>
+          <a:lstStyle/>
+          <a:p>
+            <a:r>
+              <a:rPr lang="en-US" dirty="0"/>
+              <a:t>AMZN Alexa</a:t>
+            </a:r>
+          </a:p>
+        </p:txBody>
+      </p:sp>
+      <p:sp>
+        <p:nvSpPr>
+          <p:cNvPr id="4" name="Footer Placeholder 3">
+            <a:extLst>
+              <a:ext uri="{FF2B5EF4-FFF2-40B4-BE49-F238E27FC236}">
+                <a16:creationId xmlns:a16="http://schemas.microsoft.com/office/drawing/2014/main" xmlns="" id="{8596963A-E8BA-49A8-B52F-79164B65F517}"/>
+              </a:ext>
+            </a:extLst>
+          </p:cNvPr>
+          <p:cNvSpPr>
+            <a:spLocks noGrp="1"/>
+          </p:cNvSpPr>
+          <p:nvPr>
+            <p:ph type="ftr" sz="quarter" idx="3"/>
+          </p:nvPr>
+        </p:nvSpPr>
+        <p:spPr/>
+        <p:txBody>
+          <a:bodyPr/>
+          <a:lstStyle/>
+          <a:p>
+            <a:pPr marL="0" marR="0" lvl="0" indent="0" algn="ctr" defTabSz="914400" rtl="0" eaLnBrk="1" fontAlgn="auto" latinLnBrk="0" hangingPunct="1">
+              <a:lnSpc>
+                <a:spcPct val="100000"/>
+              </a:lnSpc>
+              <a:spcBef>
+                <a:spcPts val="0"/>
+              </a:spcBef>
+              <a:spcAft>
+                <a:spcPts val="0"/>
+              </a:spcAft>
+              <a:buClrTx/>
+              <a:buSzTx/>
+              <a:buFontTx/>
+              <a:buNone/>
+              <a:tabLst/>
+              <a:defRPr/>
+            </a:pPr>
+            <a:r>
+              <a:rPr kumimoji="0" lang="en-US" sz="900" b="0" i="0" u="none" strike="noStrike" kern="1200" cap="none" spc="0" normalizeH="0" baseline="0" noProof="0">
+                <a:ln>
+                  <a:noFill/>
+                </a:ln>
+                <a:solidFill>
+                  <a:prstClr val="black">
+                    <a:tint val="75000"/>
+                  </a:prstClr>
+                </a:solidFill>
+                <a:effectLst/>
+                <a:uLnTx/>
+                <a:uFillTx/>
+                <a:latin typeface="Calibri" panose="020F0502020204030204"/>
+                <a:ea typeface="+mn-ea"/>
+                <a:cs typeface="+mn-cs"/>
+              </a:rPr>
+              <a:t>Kwartler</a:t>
+            </a:r>
+            <a:endParaRPr kumimoji="0" lang="en-US" sz="900" b="0" i="0" u="none" strike="noStrike" kern="1200" cap="none" spc="0" normalizeH="0" baseline="0" noProof="0" dirty="0">
+              <a:ln>
+                <a:noFill/>
+              </a:ln>
+              <a:solidFill>
+                <a:prstClr val="black">
+                  <a:tint val="75000"/>
+                </a:prstClr>
+              </a:solidFill>
+              <a:effectLst/>
+              <a:uLnTx/>
+              <a:uFillTx/>
+              <a:latin typeface="Calibri" panose="020F0502020204030204"/>
+              <a:ea typeface="+mn-ea"/>
+              <a:cs typeface="+mn-cs"/>
+            </a:endParaRPr>
+          </a:p>
+        </p:txBody>
+      </p:sp>
+      <p:sp>
+        <p:nvSpPr>
+          <p:cNvPr id="5" name="Slide Number Placeholder 4">
+            <a:extLst>
+              <a:ext uri="{FF2B5EF4-FFF2-40B4-BE49-F238E27FC236}">
+                <a16:creationId xmlns:a16="http://schemas.microsoft.com/office/drawing/2014/main" xmlns="" id="{02EC2459-A410-4ACC-837E-1A38F4139AB3}"/>
+              </a:ext>
+            </a:extLst>
+          </p:cNvPr>
+          <p:cNvSpPr>
+            <a:spLocks noGrp="1"/>
+          </p:cNvSpPr>
+          <p:nvPr>
+            <p:ph type="sldNum" sz="quarter" idx="4"/>
+          </p:nvPr>
+        </p:nvSpPr>
+        <p:spPr/>
+        <p:txBody>
+          <a:bodyPr/>
+          <a:lstStyle/>
+          <a:p>
+            <a:pPr marL="0" marR="0" lvl="0" indent="0" algn="l" defTabSz="914400" rtl="0" eaLnBrk="1" fontAlgn="auto" latinLnBrk="0" hangingPunct="1">
+              <a:lnSpc>
+                <a:spcPct val="200000"/>
+              </a:lnSpc>
+              <a:spcBef>
+                <a:spcPts val="0"/>
+              </a:spcBef>
+              <a:spcAft>
+                <a:spcPts val="0"/>
+              </a:spcAft>
+              <a:buClrTx/>
+              <a:buSzTx/>
+              <a:buFontTx/>
+              <a:buNone/>
+              <a:tabLst/>
+              <a:defRPr/>
+            </a:pPr>
+            <a:fld id="{37290FF7-652B-4475-AEAB-8B1A5D23AE09}" type="slidenum">
+              <a:rPr kumimoji="0" lang="en-US" sz="900" b="0" i="0" u="none" strike="noStrike" kern="1200" cap="none" spc="0" normalizeH="0" baseline="0" noProof="0" smtClean="0">
+                <a:ln>
+                  <a:noFill/>
+                </a:ln>
+                <a:solidFill>
+                  <a:prstClr val="black">
+                    <a:tint val="75000"/>
+                  </a:prstClr>
+                </a:solidFill>
+                <a:effectLst/>
+                <a:uLnTx/>
+                <a:uFillTx/>
+                <a:latin typeface="Calibri" panose="020F0502020204030204"/>
+                <a:ea typeface="+mn-ea"/>
+                <a:cs typeface="+mn-cs"/>
+              </a:rPr>
+              <a:pPr marL="0" marR="0" lvl="0" indent="0" algn="l" defTabSz="914400" rtl="0" eaLnBrk="1" fontAlgn="auto" latinLnBrk="0" hangingPunct="1">
+                <a:lnSpc>
+                  <a:spcPct val="200000"/>
+                </a:lnSpc>
+                <a:spcBef>
+                  <a:spcPts val="0"/>
+                </a:spcBef>
+                <a:spcAft>
+                  <a:spcPts val="0"/>
+                </a:spcAft>
+                <a:buClrTx/>
+                <a:buSzTx/>
+                <a:buFontTx/>
+                <a:buNone/>
+                <a:tabLst/>
+                <a:defRPr/>
+              </a:pPr>
+              <a:t>24</a:t>
+            </a:fld>
+            <a:endParaRPr kumimoji="0" lang="en-US" sz="900" b="0" i="0" u="none" strike="noStrike" kern="1200" cap="none" spc="0" normalizeH="0" baseline="0" noProof="0" dirty="0">
+              <a:ln>
+                <a:noFill/>
+              </a:ln>
+              <a:solidFill>
+                <a:prstClr val="black">
+                  <a:tint val="75000"/>
+                </a:prstClr>
+              </a:solidFill>
+              <a:effectLst/>
+              <a:uLnTx/>
+              <a:uFillTx/>
+              <a:latin typeface="Calibri" panose="020F0502020204030204"/>
+              <a:ea typeface="+mn-ea"/>
+              <a:cs typeface="+mn-cs"/>
+            </a:endParaRPr>
+          </a:p>
+        </p:txBody>
+      </p:sp>
+      <p:sp>
+        <p:nvSpPr>
+          <p:cNvPr id="7" name="Rectangle 6">
+            <a:extLst>
+              <a:ext uri="{FF2B5EF4-FFF2-40B4-BE49-F238E27FC236}">
+                <a16:creationId xmlns:a16="http://schemas.microsoft.com/office/drawing/2014/main" xmlns="" id="{3A7551EC-DCF7-406E-9D4F-F6E0900C20D5}"/>
+              </a:ext>
+            </a:extLst>
+          </p:cNvPr>
+          <p:cNvSpPr/>
+          <p:nvPr/>
+        </p:nvSpPr>
+        <p:spPr>
+          <a:xfrm>
+            <a:off x="500064" y="1171570"/>
+            <a:ext cx="8086725" cy="885825"/>
+          </a:xfrm>
+          <a:prstGeom prst="rect">
+            <a:avLst/>
+          </a:prstGeom>
+          <a:solidFill>
+            <a:schemeClr val="accent6"/>
+          </a:solidFill>
+          <a:ln>
+            <a:noFill/>
+          </a:ln>
+        </p:spPr>
+        <p:style>
+          <a:lnRef idx="2">
+            <a:schemeClr val="accent1">
+              <a:shade val="50000"/>
+            </a:schemeClr>
+          </a:lnRef>
+          <a:fillRef idx="1">
+            <a:schemeClr val="accent1"/>
+          </a:fillRef>
+          <a:effectRef idx="0">
+            <a:schemeClr val="accent1"/>
+          </a:effectRef>
+          <a:fontRef idx="minor">
+            <a:schemeClr val="lt1"/>
+          </a:fontRef>
+        </p:style>
+        <p:txBody>
+          <a:bodyPr rtlCol="0" anchor="ctr"/>
+          <a:lstStyle/>
+          <a:p>
+            <a:pPr marL="0" marR="0" lvl="0" indent="0" algn="ctr" defTabSz="914400" rtl="0" eaLnBrk="1" fontAlgn="auto" latinLnBrk="0" hangingPunct="1">
+              <a:lnSpc>
+                <a:spcPct val="100000"/>
+              </a:lnSpc>
+              <a:spcBef>
+                <a:spcPts val="0"/>
+              </a:spcBef>
+              <a:spcAft>
+                <a:spcPts val="0"/>
+              </a:spcAft>
+              <a:buClrTx/>
+              <a:buSzTx/>
+              <a:buFontTx/>
+              <a:buNone/>
+              <a:tabLst/>
+              <a:defRPr/>
+            </a:pPr>
+            <a:r>
+              <a:rPr kumimoji="0" lang="en-US" sz="1800" b="0" i="0" u="none" strike="noStrike" kern="1200" cap="none" spc="0" normalizeH="0" baseline="0" noProof="0" dirty="0" smtClean="0">
+                <a:ln>
+                  <a:noFill/>
+                </a:ln>
+                <a:solidFill>
+                  <a:prstClr val="white"/>
+                </a:solidFill>
+                <a:effectLst/>
+                <a:uLnTx/>
+                <a:uFillTx/>
+                <a:latin typeface="Calibri" panose="020F0502020204030204"/>
+                <a:ea typeface="+mn-ea"/>
+                <a:cs typeface="+mn-cs"/>
+              </a:rPr>
+              <a:t>In some cases, real </a:t>
+            </a:r>
+            <a:r>
               <a:rPr kumimoji="0" lang="en-US" sz="1800" b="0" i="0" u="none" strike="noStrike" kern="1200" cap="none" spc="0" normalizeH="0" baseline="0" noProof="0" dirty="0">
                 <a:ln>
                   <a:noFill/>
@@ -6978,7 +9625,41 @@
                 <a:ea typeface="+mn-ea"/>
                 <a:cs typeface="+mn-cs"/>
               </a:rPr>
-              <a:t>Real humans are listening in some cases to Alexa utterances…</a:t>
+              <a:t>humans are listening </a:t>
+            </a:r>
+            <a:r>
+              <a:rPr kumimoji="0" lang="en-US" sz="1800" b="0" i="0" u="none" strike="noStrike" kern="1200" cap="none" spc="0" normalizeH="0" baseline="0" noProof="0" dirty="0" smtClean="0">
+                <a:ln>
+                  <a:noFill/>
+                </a:ln>
+                <a:solidFill>
+                  <a:prstClr val="white"/>
+                </a:solidFill>
+                <a:effectLst/>
+                <a:uLnTx/>
+                <a:uFillTx/>
+                <a:latin typeface="Calibri" panose="020F0502020204030204"/>
+                <a:ea typeface="+mn-ea"/>
+                <a:cs typeface="+mn-cs"/>
+              </a:rPr>
+              <a:t>to </a:t>
+            </a:r>
+            <a:r>
+              <a:rPr kumimoji="0" lang="en-US" sz="1800" b="0" i="0" u="none" strike="noStrike" kern="1200" cap="none" spc="0" normalizeH="0" baseline="0" noProof="0" dirty="0">
+                <a:ln>
+                  <a:noFill/>
+                </a:ln>
+                <a:solidFill>
+                  <a:prstClr val="white"/>
+                </a:solidFill>
+                <a:effectLst/>
+                <a:uLnTx/>
+                <a:uFillTx/>
+                <a:latin typeface="Calibri" panose="020F0502020204030204"/>
+                <a:ea typeface="+mn-ea"/>
+                <a:cs typeface="+mn-cs"/>
+              </a:rPr>
+              <a:t>Alexa utterances…</a:t>
             </a:r>
           </a:p>
         </p:txBody>
@@ -6988,7 +9669,7 @@
           <p:cNvPr id="10" name="Group 9">
             <a:extLst>
               <a:ext uri="{FF2B5EF4-FFF2-40B4-BE49-F238E27FC236}">
-                <a16:creationId xmlns="" xmlns:a16="http://schemas.microsoft.com/office/drawing/2014/main" id="{A43C0CF9-0477-431C-993E-DBAD1CC81D3E}"/>
+                <a16:creationId xmlns:a16="http://schemas.microsoft.com/office/drawing/2014/main" xmlns="" id="{A43C0CF9-0477-431C-993E-DBAD1CC81D3E}"/>
               </a:ext>
             </a:extLst>
           </p:cNvPr>
@@ -7008,7 +9689,7 @@
             <p:cNvPr id="2050" name="Picture 2" descr="Image result for alexa">
               <a:extLst>
                 <a:ext uri="{FF2B5EF4-FFF2-40B4-BE49-F238E27FC236}">
-                  <a16:creationId xmlns="" xmlns:a16="http://schemas.microsoft.com/office/drawing/2014/main" id="{34AD15EB-9CDD-44A0-B557-1B01C270B225}"/>
+                  <a16:creationId xmlns:a16="http://schemas.microsoft.com/office/drawing/2014/main" xmlns="" id="{34AD15EB-9CDD-44A0-B557-1B01C270B225}"/>
                 </a:ext>
               </a:extLst>
             </p:cNvPr>
@@ -7055,7 +9736,7 @@
             <p:cNvPr id="8" name="Freeform 32">
               <a:extLst>
                 <a:ext uri="{FF2B5EF4-FFF2-40B4-BE49-F238E27FC236}">
-                  <a16:creationId xmlns="" xmlns:a16="http://schemas.microsoft.com/office/drawing/2014/main" id="{785DFD1F-904E-4014-9E49-331FB58CF803}"/>
+                  <a16:creationId xmlns:a16="http://schemas.microsoft.com/office/drawing/2014/main" xmlns="" id="{785DFD1F-904E-4014-9E49-331FB58CF803}"/>
                 </a:ext>
               </a:extLst>
             </p:cNvPr>
@@ -7326,7 +10007,7 @@
             <p:cNvPr id="6" name="Speech Bubble: Rectangle with Corners Rounded 5">
               <a:extLst>
                 <a:ext uri="{FF2B5EF4-FFF2-40B4-BE49-F238E27FC236}">
-                  <a16:creationId xmlns="" xmlns:a16="http://schemas.microsoft.com/office/drawing/2014/main" id="{AAFE54FA-7E4A-403F-B265-462E42414671}"/>
+                  <a16:creationId xmlns:a16="http://schemas.microsoft.com/office/drawing/2014/main" xmlns="" id="{AAFE54FA-7E4A-403F-B265-462E42414671}"/>
                 </a:ext>
               </a:extLst>
             </p:cNvPr>
@@ -7385,7 +10066,7 @@
             <p:cNvPr id="11" name="Speech Bubble: Rectangle with Corners Rounded 10">
               <a:extLst>
                 <a:ext uri="{FF2B5EF4-FFF2-40B4-BE49-F238E27FC236}">
-                  <a16:creationId xmlns="" xmlns:a16="http://schemas.microsoft.com/office/drawing/2014/main" id="{2EFDFC29-D8E1-4615-AB05-9E62451FFD2E}"/>
+                  <a16:creationId xmlns:a16="http://schemas.microsoft.com/office/drawing/2014/main" xmlns="" id="{2EFDFC29-D8E1-4615-AB05-9E62451FFD2E}"/>
                 </a:ext>
               </a:extLst>
             </p:cNvPr>
@@ -7440,6 +10121,36 @@
           </p:txBody>
         </p:sp>
       </p:grpSp>
+      <p:sp>
+        <p:nvSpPr>
+          <p:cNvPr id="12" name="TextBox 11"/>
+          <p:cNvSpPr txBox="1"/>
+          <p:nvPr/>
+        </p:nvSpPr>
+        <p:spPr>
+          <a:xfrm>
+            <a:off x="3596669" y="5782590"/>
+            <a:ext cx="1950662" cy="369332"/>
+          </a:xfrm>
+          <a:prstGeom prst="rect">
+            <a:avLst/>
+          </a:prstGeom>
+          <a:noFill/>
+        </p:spPr>
+        <p:txBody>
+          <a:bodyPr wrap="none" rtlCol="0">
+            <a:spAutoFit/>
+          </a:bodyPr>
+          <a:lstStyle/>
+          <a:p>
+            <a:r>
+              <a:rPr lang="en-US" dirty="0" smtClean="0"/>
+              <a:t>Is this a problem?  </a:t>
+            </a:r>
+            <a:endParaRPr lang="en-US" dirty="0"/>
+          </a:p>
+        </p:txBody>
+      </p:sp>
     </p:spTree>
     <p:extLst>
       <p:ext uri="{BB962C8B-B14F-4D97-AF65-F5344CB8AC3E}">
@@ -7453,7 +10164,7 @@
 </p:sld>
 </file>
 
-<file path=ppt/slides/slide18.xml><?xml version="1.0" encoding="utf-8"?>
+<file path=ppt/slides/slide25.xml><?xml version="1.0" encoding="utf-8"?>
 <p:sld xmlns:a="http://schemas.openxmlformats.org/drawingml/2006/main" xmlns:r="http://schemas.openxmlformats.org/officeDocument/2006/relationships" xmlns:p="http://schemas.openxmlformats.org/presentationml/2006/main">
   <p:cSld>
     <p:spTree>
@@ -7475,7 +10186,7 @@
           <p:cNvPr id="2" name="Date Placeholder 1">
             <a:extLst>
               <a:ext uri="{FF2B5EF4-FFF2-40B4-BE49-F238E27FC236}">
-                <a16:creationId xmlns="" xmlns:a16="http://schemas.microsoft.com/office/drawing/2014/main" id="{F5B2D573-BCA0-417E-8B5F-B395AA11029D}"/>
+                <a16:creationId xmlns:a16="http://schemas.microsoft.com/office/drawing/2014/main" xmlns="" id="{F5B2D573-BCA0-417E-8B5F-B395AA11029D}"/>
               </a:ext>
             </a:extLst>
           </p:cNvPr>
@@ -7542,7 +10253,7 @@
                 <a:tabLst/>
                 <a:defRPr/>
               </a:pPr>
-              <a:t>6/6/2019</a:t>
+              <a:t>6/19/2019</a:t>
             </a:fld>
             <a:endParaRPr kumimoji="0" lang="en-US" sz="900" b="0" i="0" u="none" strike="noStrike" kern="1200" cap="none" spc="0" normalizeH="0" baseline="0" noProof="0">
               <a:ln>
@@ -7568,7 +10279,7 @@
           <p:cNvPr id="3" name="Title 2">
             <a:extLst>
               <a:ext uri="{FF2B5EF4-FFF2-40B4-BE49-F238E27FC236}">
-                <a16:creationId xmlns="" xmlns:a16="http://schemas.microsoft.com/office/drawing/2014/main" id="{CAC4D537-8506-450A-834E-A352DA5B24FE}"/>
+                <a16:creationId xmlns:a16="http://schemas.microsoft.com/office/drawing/2014/main" xmlns="" id="{CAC4D537-8506-450A-834E-A352DA5B24FE}"/>
               </a:ext>
             </a:extLst>
           </p:cNvPr>
@@ -7596,7 +10307,7 @@
           <p:cNvPr id="4" name="Footer Placeholder 3">
             <a:extLst>
               <a:ext uri="{FF2B5EF4-FFF2-40B4-BE49-F238E27FC236}">
-                <a16:creationId xmlns="" xmlns:a16="http://schemas.microsoft.com/office/drawing/2014/main" id="{8596963A-E8BA-49A8-B52F-79164B65F517}"/>
+                <a16:creationId xmlns:a16="http://schemas.microsoft.com/office/drawing/2014/main" xmlns="" id="{8596963A-E8BA-49A8-B52F-79164B65F517}"/>
               </a:ext>
             </a:extLst>
           </p:cNvPr>
@@ -7672,7 +10383,7 @@
           <p:cNvPr id="5" name="Slide Number Placeholder 4">
             <a:extLst>
               <a:ext uri="{FF2B5EF4-FFF2-40B4-BE49-F238E27FC236}">
-                <a16:creationId xmlns="" xmlns:a16="http://schemas.microsoft.com/office/drawing/2014/main" id="{02EC2459-A410-4ACC-837E-1A38F4139AB3}"/>
+                <a16:creationId xmlns:a16="http://schemas.microsoft.com/office/drawing/2014/main" xmlns="" id="{02EC2459-A410-4ACC-837E-1A38F4139AB3}"/>
               </a:ext>
             </a:extLst>
           </p:cNvPr>
@@ -7739,7 +10450,7 @@
                 <a:tabLst/>
                 <a:defRPr/>
               </a:pPr>
-              <a:t>18</a:t>
+              <a:t>25</a:t>
             </a:fld>
             <a:endParaRPr kumimoji="0" lang="en-US" sz="900" b="0" i="0" u="none" strike="noStrike" kern="1200" cap="none" spc="0" normalizeH="0" baseline="0" noProof="0" dirty="0">
               <a:ln>
@@ -7760,96 +10471,12 @@
           </a:p>
         </p:txBody>
       </p:sp>
-      <p:sp>
-        <p:nvSpPr>
-          <p:cNvPr id="7" name="Rectangle 6">
-            <a:extLst>
-              <a:ext uri="{FF2B5EF4-FFF2-40B4-BE49-F238E27FC236}">
-                <a16:creationId xmlns="" xmlns:a16="http://schemas.microsoft.com/office/drawing/2014/main" id="{3A7551EC-DCF7-406E-9D4F-F6E0900C20D5}"/>
-              </a:ext>
-            </a:extLst>
-          </p:cNvPr>
-          <p:cNvSpPr/>
-          <p:nvPr/>
-        </p:nvSpPr>
-        <p:spPr>
-          <a:xfrm>
-            <a:off x="500064" y="1171570"/>
-            <a:ext cx="8086725" cy="885825"/>
-          </a:xfrm>
-          <a:prstGeom prst="rect">
-            <a:avLst/>
-          </a:prstGeom>
-          <a:solidFill>
-            <a:schemeClr val="accent6"/>
-          </a:solidFill>
-          <a:ln>
-            <a:noFill/>
-          </a:ln>
-        </p:spPr>
-        <p:style>
-          <a:lnRef idx="2">
-            <a:schemeClr val="accent1">
-              <a:shade val="50000"/>
-            </a:schemeClr>
-          </a:lnRef>
-          <a:fillRef idx="1">
-            <a:schemeClr val="accent1"/>
-          </a:fillRef>
-          <a:effectRef idx="0">
-            <a:schemeClr val="accent1"/>
-          </a:effectRef>
-          <a:fontRef idx="minor">
-            <a:schemeClr val="lt1"/>
-          </a:fontRef>
-        </p:style>
-        <p:txBody>
-          <a:bodyPr rtlCol="0" anchor="ctr"/>
-          <a:lstStyle/>
-          <a:p>
-            <a:pPr marL="0" marR="0" lvl="0" indent="0" algn="ctr" defTabSz="914400" rtl="0" eaLnBrk="1" fontAlgn="auto" latinLnBrk="0" hangingPunct="1">
-              <a:lnSpc>
-                <a:spcPct val="100000"/>
-              </a:lnSpc>
-              <a:spcBef>
-                <a:spcPts val="0"/>
-              </a:spcBef>
-              <a:spcAft>
-                <a:spcPts val="0"/>
-              </a:spcAft>
-              <a:buClrTx/>
-              <a:buSzTx/>
-              <a:buFontTx/>
-              <a:buNone/>
-              <a:tabLst/>
-              <a:defRPr/>
-            </a:pPr>
-            <a:r>
-              <a:rPr kumimoji="0" lang="en-US" sz="1800" b="0" i="0" u="none" strike="noStrike" kern="1200" cap="none" spc="0" normalizeH="0" baseline="0" noProof="0" dirty="0">
-                <a:ln>
-                  <a:noFill/>
-                </a:ln>
-                <a:solidFill>
-                  <a:prstClr val="white"/>
-                </a:solidFill>
-                <a:effectLst/>
-                <a:uLnTx/>
-                <a:uFillTx/>
-                <a:latin typeface="Calibri" panose="020F0502020204030204"/>
-                <a:ea typeface="+mn-ea"/>
-                <a:cs typeface="+mn-cs"/>
-              </a:rPr>
-              <a:t>Real humans are listening in some cases to Alexa utterances…</a:t>
-            </a:r>
-          </a:p>
-        </p:txBody>
-      </p:sp>
       <p:grpSp>
         <p:nvGrpSpPr>
           <p:cNvPr id="14" name="Group 13">
             <a:extLst>
               <a:ext uri="{FF2B5EF4-FFF2-40B4-BE49-F238E27FC236}">
-                <a16:creationId xmlns="" xmlns:a16="http://schemas.microsoft.com/office/drawing/2014/main" id="{7D3F7EDC-F0B0-43E9-9A29-F142DD878020}"/>
+                <a16:creationId xmlns:a16="http://schemas.microsoft.com/office/drawing/2014/main" xmlns="" id="{7D3F7EDC-F0B0-43E9-9A29-F142DD878020}"/>
               </a:ext>
             </a:extLst>
           </p:cNvPr>
@@ -7858,7 +10485,7 @@
         </p:nvGrpSpPr>
         <p:grpSpPr>
           <a:xfrm>
-            <a:off x="1008760" y="3086888"/>
+            <a:off x="1008760" y="2724275"/>
             <a:ext cx="1067040" cy="1303423"/>
             <a:chOff x="1416378" y="4134698"/>
             <a:chExt cx="1067040" cy="1303423"/>
@@ -7869,7 +10496,7 @@
             <p:cNvPr id="13" name="Freeform 33">
               <a:extLst>
                 <a:ext uri="{FF2B5EF4-FFF2-40B4-BE49-F238E27FC236}">
-                  <a16:creationId xmlns="" xmlns:a16="http://schemas.microsoft.com/office/drawing/2014/main" id="{E1552CDC-4587-4F02-AA4B-1E2053FF80B8}"/>
+                  <a16:creationId xmlns:a16="http://schemas.microsoft.com/office/drawing/2014/main" xmlns="" id="{E1552CDC-4587-4F02-AA4B-1E2053FF80B8}"/>
                 </a:ext>
               </a:extLst>
             </p:cNvPr>
@@ -9308,7 +11935,7 @@
             <p:cNvPr id="12" name="Rectangle 11">
               <a:extLst>
                 <a:ext uri="{FF2B5EF4-FFF2-40B4-BE49-F238E27FC236}">
-                  <a16:creationId xmlns="" xmlns:a16="http://schemas.microsoft.com/office/drawing/2014/main" id="{BD3C67CF-2D57-4C00-B68F-1BF31C151A8F}"/>
+                  <a16:creationId xmlns:a16="http://schemas.microsoft.com/office/drawing/2014/main" xmlns="" id="{BD3C67CF-2D57-4C00-B68F-1BF31C151A8F}"/>
                 </a:ext>
               </a:extLst>
             </p:cNvPr>
@@ -9360,7 +11987,7 @@
             <p:cNvPr id="15" name="Rectangle 14">
               <a:extLst>
                 <a:ext uri="{FF2B5EF4-FFF2-40B4-BE49-F238E27FC236}">
-                  <a16:creationId xmlns="" xmlns:a16="http://schemas.microsoft.com/office/drawing/2014/main" id="{D9AFC5A2-D2B0-4C68-9C07-2FD378AD278E}"/>
+                  <a16:creationId xmlns:a16="http://schemas.microsoft.com/office/drawing/2014/main" xmlns="" id="{D9AFC5A2-D2B0-4C68-9C07-2FD378AD278E}"/>
                 </a:ext>
               </a:extLst>
             </p:cNvPr>
@@ -9412,7 +12039,7 @@
             <p:cNvPr id="16" name="Rectangle 15">
               <a:extLst>
                 <a:ext uri="{FF2B5EF4-FFF2-40B4-BE49-F238E27FC236}">
-                  <a16:creationId xmlns="" xmlns:a16="http://schemas.microsoft.com/office/drawing/2014/main" id="{213DE83A-E563-458A-B3B1-11467EF68EC0}"/>
+                  <a16:creationId xmlns:a16="http://schemas.microsoft.com/office/drawing/2014/main" xmlns="" id="{213DE83A-E563-458A-B3B1-11467EF68EC0}"/>
                 </a:ext>
               </a:extLst>
             </p:cNvPr>
@@ -9465,7 +12092,7 @@
           <p:cNvPr id="10" name="Group 9">
             <a:extLst>
               <a:ext uri="{FF2B5EF4-FFF2-40B4-BE49-F238E27FC236}">
-                <a16:creationId xmlns="" xmlns:a16="http://schemas.microsoft.com/office/drawing/2014/main" id="{A43C0CF9-0477-431C-993E-DBAD1CC81D3E}"/>
+                <a16:creationId xmlns:a16="http://schemas.microsoft.com/office/drawing/2014/main" xmlns="" id="{A43C0CF9-0477-431C-993E-DBAD1CC81D3E}"/>
               </a:ext>
             </a:extLst>
           </p:cNvPr>
@@ -9474,7 +12101,7 @@
         </p:nvGrpSpPr>
         <p:grpSpPr>
           <a:xfrm>
-            <a:off x="585794" y="2945462"/>
+            <a:off x="585794" y="2582849"/>
             <a:ext cx="8001914" cy="1387875"/>
             <a:chOff x="-1050504" y="2945462"/>
             <a:chExt cx="8001914" cy="1387875"/>
@@ -9485,7 +12112,7 @@
             <p:cNvPr id="2050" name="Picture 2" descr="Image result for alexa">
               <a:extLst>
                 <a:ext uri="{FF2B5EF4-FFF2-40B4-BE49-F238E27FC236}">
-                  <a16:creationId xmlns="" xmlns:a16="http://schemas.microsoft.com/office/drawing/2014/main" id="{34AD15EB-9CDD-44A0-B557-1B01C270B225}"/>
+                  <a16:creationId xmlns:a16="http://schemas.microsoft.com/office/drawing/2014/main" xmlns="" id="{34AD15EB-9CDD-44A0-B557-1B01C270B225}"/>
                 </a:ext>
               </a:extLst>
             </p:cNvPr>
@@ -9532,7 +12159,7 @@
             <p:cNvPr id="11" name="Speech Bubble: Rectangle with Corners Rounded 10">
               <a:extLst>
                 <a:ext uri="{FF2B5EF4-FFF2-40B4-BE49-F238E27FC236}">
-                  <a16:creationId xmlns="" xmlns:a16="http://schemas.microsoft.com/office/drawing/2014/main" id="{2EFDFC29-D8E1-4615-AB05-9E62451FFD2E}"/>
+                  <a16:creationId xmlns:a16="http://schemas.microsoft.com/office/drawing/2014/main" xmlns="" id="{2EFDFC29-D8E1-4615-AB05-9E62451FFD2E}"/>
                 </a:ext>
               </a:extLst>
             </p:cNvPr>
@@ -9591,7 +12218,7 @@
             <p:cNvPr id="8" name="Freeform 32">
               <a:extLst>
                 <a:ext uri="{FF2B5EF4-FFF2-40B4-BE49-F238E27FC236}">
-                  <a16:creationId xmlns="" xmlns:a16="http://schemas.microsoft.com/office/drawing/2014/main" id="{785DFD1F-904E-4014-9E49-331FB58CF803}"/>
+                  <a16:creationId xmlns:a16="http://schemas.microsoft.com/office/drawing/2014/main" xmlns="" id="{785DFD1F-904E-4014-9E49-331FB58CF803}"/>
                 </a:ext>
               </a:extLst>
             </p:cNvPr>
@@ -9863,7 +12490,7 @@
           <p:cNvPr id="17" name="Rectangle 16">
             <a:extLst>
               <a:ext uri="{FF2B5EF4-FFF2-40B4-BE49-F238E27FC236}">
-                <a16:creationId xmlns="" xmlns:a16="http://schemas.microsoft.com/office/drawing/2014/main" id="{3662E5E9-BA6E-4DE9-BC5A-96FCF3826A63}"/>
+                <a16:creationId xmlns:a16="http://schemas.microsoft.com/office/drawing/2014/main" xmlns="" id="{3662E5E9-BA6E-4DE9-BC5A-96FCF3826A63}"/>
               </a:ext>
             </a:extLst>
           </p:cNvPr>
@@ -9872,8 +12499,8 @@
         </p:nvSpPr>
         <p:spPr>
           <a:xfrm>
-            <a:off x="500064" y="5686430"/>
-            <a:ext cx="8086725" cy="453006"/>
+            <a:off x="500064" y="5234152"/>
+            <a:ext cx="8086725" cy="905284"/>
           </a:xfrm>
           <a:prstGeom prst="rect">
             <a:avLst/>
@@ -9937,8 +12564,56 @@
                 <a:ea typeface="+mn-ea"/>
                 <a:cs typeface="+mn-cs"/>
               </a:rPr>
-              <a:t>Alexa is a natural language understanding problem.</a:t>
+              <a:t>Alexa is a natural language understanding </a:t>
             </a:r>
+            <a:r>
+              <a:rPr kumimoji="0" lang="en-US" sz="1800" b="0" i="0" u="none" strike="noStrike" kern="1200" cap="none" spc="0" normalizeH="0" baseline="0" noProof="0" dirty="0" smtClean="0">
+                <a:ln>
+                  <a:noFill/>
+                </a:ln>
+                <a:solidFill>
+                  <a:prstClr val="white"/>
+                </a:solidFill>
+                <a:effectLst/>
+                <a:uLnTx/>
+                <a:uFillTx/>
+                <a:latin typeface="Calibri" panose="020F0502020204030204"/>
+                <a:ea typeface="+mn-ea"/>
+                <a:cs typeface="+mn-cs"/>
+              </a:rPr>
+              <a:t>technology.  Although unclear, it is likely mapping phonemes to text</a:t>
+            </a:r>
+            <a:r>
+              <a:rPr kumimoji="0" lang="en-US" sz="1800" b="0" i="0" u="none" strike="noStrike" kern="1200" cap="none" spc="0" normalizeH="0" noProof="0" dirty="0" smtClean="0">
+                <a:ln>
+                  <a:noFill/>
+                </a:ln>
+                <a:solidFill>
+                  <a:prstClr val="white"/>
+                </a:solidFill>
+                <a:effectLst/>
+                <a:uLnTx/>
+                <a:uFillTx/>
+                <a:latin typeface="Calibri" panose="020F0502020204030204"/>
+                <a:ea typeface="+mn-ea"/>
+                <a:cs typeface="+mn-cs"/>
+              </a:rPr>
+              <a:t> (speech to text) or numeric representations mapping ultimately to customer intent.</a:t>
+            </a:r>
+            <a:endParaRPr kumimoji="0" lang="en-US" sz="1800" b="0" i="0" u="none" strike="noStrike" kern="1200" cap="none" spc="0" normalizeH="0" baseline="0" noProof="0" dirty="0">
+              <a:ln>
+                <a:noFill/>
+              </a:ln>
+              <a:solidFill>
+                <a:prstClr val="white"/>
+              </a:solidFill>
+              <a:effectLst/>
+              <a:uLnTx/>
+              <a:uFillTx/>
+              <a:latin typeface="Calibri" panose="020F0502020204030204"/>
+              <a:ea typeface="+mn-ea"/>
+              <a:cs typeface="+mn-cs"/>
+            </a:endParaRPr>
           </a:p>
         </p:txBody>
       </p:sp>
@@ -9947,7 +12622,7 @@
           <p:cNvPr id="18" name="Freeform 80">
             <a:extLst>
               <a:ext uri="{FF2B5EF4-FFF2-40B4-BE49-F238E27FC236}">
-                <a16:creationId xmlns="" xmlns:a16="http://schemas.microsoft.com/office/drawing/2014/main" id="{3FA60C8A-9948-4AB6-9FD3-6F9A2BD89E4D}"/>
+                <a16:creationId xmlns:a16="http://schemas.microsoft.com/office/drawing/2014/main" xmlns="" id="{3FA60C8A-9948-4AB6-9FD3-6F9A2BD89E4D}"/>
               </a:ext>
             </a:extLst>
           </p:cNvPr>
@@ -9958,7 +12633,7 @@
         </p:nvSpPr>
         <p:spPr bwMode="auto">
           <a:xfrm>
-            <a:off x="2750725" y="3344647"/>
+            <a:off x="2750725" y="2982034"/>
             <a:ext cx="1138341" cy="740828"/>
           </a:xfrm>
           <a:custGeom>
@@ -10108,7 +12783,7 @@
           <p:cNvPr id="19" name="TextBox 18">
             <a:extLst>
               <a:ext uri="{FF2B5EF4-FFF2-40B4-BE49-F238E27FC236}">
-                <a16:creationId xmlns="" xmlns:a16="http://schemas.microsoft.com/office/drawing/2014/main" id="{A5BE98AF-7066-4607-A4B7-C81E441FA032}"/>
+                <a16:creationId xmlns:a16="http://schemas.microsoft.com/office/drawing/2014/main" xmlns="" id="{A5BE98AF-7066-4607-A4B7-C81E441FA032}"/>
               </a:ext>
             </a:extLst>
           </p:cNvPr>
@@ -10117,7 +12792,7 @@
         </p:nvSpPr>
         <p:spPr>
           <a:xfrm>
-            <a:off x="736516" y="4421130"/>
+            <a:off x="736516" y="4058517"/>
             <a:ext cx="736099" cy="369332"/>
           </a:xfrm>
           <a:prstGeom prst="rect">
@@ -10143,7 +12818,7 @@
           <p:cNvPr id="21" name="TextBox 20">
             <a:extLst>
               <a:ext uri="{FF2B5EF4-FFF2-40B4-BE49-F238E27FC236}">
-                <a16:creationId xmlns="" xmlns:a16="http://schemas.microsoft.com/office/drawing/2014/main" id="{3870BA00-FCFC-4ABB-AFE1-47086F5B28EF}"/>
+                <a16:creationId xmlns:a16="http://schemas.microsoft.com/office/drawing/2014/main" xmlns="" id="{3870BA00-FCFC-4ABB-AFE1-47086F5B28EF}"/>
               </a:ext>
             </a:extLst>
           </p:cNvPr>
@@ -10152,7 +12827,7 @@
         </p:nvSpPr>
         <p:spPr>
           <a:xfrm>
-            <a:off x="2123766" y="4421130"/>
+            <a:off x="2123766" y="4058517"/>
             <a:ext cx="2392258" cy="738664"/>
           </a:xfrm>
           <a:prstGeom prst="rect">
@@ -10193,7 +12868,7 @@
           <p:cNvPr id="22" name="TextBox 21">
             <a:extLst>
               <a:ext uri="{FF2B5EF4-FFF2-40B4-BE49-F238E27FC236}">
-                <a16:creationId xmlns="" xmlns:a16="http://schemas.microsoft.com/office/drawing/2014/main" id="{EB72621D-273A-49AF-BD35-9B27590740AE}"/>
+                <a16:creationId xmlns:a16="http://schemas.microsoft.com/office/drawing/2014/main" xmlns="" id="{EB72621D-273A-49AF-BD35-9B27590740AE}"/>
               </a:ext>
             </a:extLst>
           </p:cNvPr>
@@ -10202,7 +12877,7 @@
         </p:nvSpPr>
         <p:spPr>
           <a:xfrm>
-            <a:off x="4862376" y="4421130"/>
+            <a:off x="4862376" y="4058517"/>
             <a:ext cx="1413207" cy="738664"/>
           </a:xfrm>
           <a:prstGeom prst="rect">
@@ -10248,7 +12923,7 @@
           <p:cNvPr id="23" name="TextBox 22">
             <a:extLst>
               <a:ext uri="{FF2B5EF4-FFF2-40B4-BE49-F238E27FC236}">
-                <a16:creationId xmlns="" xmlns:a16="http://schemas.microsoft.com/office/drawing/2014/main" id="{3EF45B34-9BA1-46A6-BAF6-00B3D92859E2}"/>
+                <a16:creationId xmlns:a16="http://schemas.microsoft.com/office/drawing/2014/main" xmlns="" id="{3EF45B34-9BA1-46A6-BAF6-00B3D92859E2}"/>
               </a:ext>
             </a:extLst>
           </p:cNvPr>
@@ -10257,7 +12932,7 @@
         </p:nvSpPr>
         <p:spPr>
           <a:xfrm>
-            <a:off x="7231534" y="4421130"/>
+            <a:off x="7231534" y="4058517"/>
             <a:ext cx="1353320" cy="307777"/>
           </a:xfrm>
           <a:prstGeom prst="rect">
@@ -10284,7 +12959,7 @@
           <p:cNvPr id="24" name="Freeform 29">
             <a:extLst>
               <a:ext uri="{FF2B5EF4-FFF2-40B4-BE49-F238E27FC236}">
-                <a16:creationId xmlns="" xmlns:a16="http://schemas.microsoft.com/office/drawing/2014/main" id="{2224EE83-C91C-4C21-8F6D-6B9F3BF00B46}"/>
+                <a16:creationId xmlns:a16="http://schemas.microsoft.com/office/drawing/2014/main" xmlns="" id="{2224EE83-C91C-4C21-8F6D-6B9F3BF00B46}"/>
               </a:ext>
             </a:extLst>
           </p:cNvPr>
@@ -10295,7 +12970,7 @@
         </p:nvSpPr>
         <p:spPr bwMode="auto">
           <a:xfrm>
-            <a:off x="5204887" y="3363990"/>
+            <a:off x="5204887" y="3001377"/>
             <a:ext cx="728184" cy="735809"/>
           </a:xfrm>
           <a:custGeom>
@@ -10589,6 +13264,141 @@
           </a:p>
         </p:txBody>
       </p:sp>
+      <p:sp>
+        <p:nvSpPr>
+          <p:cNvPr id="25" name="Rectangle 24">
+            <a:extLst>
+              <a:ext uri="{FF2B5EF4-FFF2-40B4-BE49-F238E27FC236}">
+                <a16:creationId xmlns:a16="http://schemas.microsoft.com/office/drawing/2014/main" xmlns="" id="{3A7551EC-DCF7-406E-9D4F-F6E0900C20D5}"/>
+              </a:ext>
+            </a:extLst>
+          </p:cNvPr>
+          <p:cNvSpPr/>
+          <p:nvPr/>
+        </p:nvSpPr>
+        <p:spPr>
+          <a:xfrm>
+            <a:off x="500064" y="1171570"/>
+            <a:ext cx="8086725" cy="885825"/>
+          </a:xfrm>
+          <a:prstGeom prst="rect">
+            <a:avLst/>
+          </a:prstGeom>
+          <a:solidFill>
+            <a:schemeClr val="accent6"/>
+          </a:solidFill>
+          <a:ln>
+            <a:noFill/>
+          </a:ln>
+        </p:spPr>
+        <p:style>
+          <a:lnRef idx="2">
+            <a:schemeClr val="accent1">
+              <a:shade val="50000"/>
+            </a:schemeClr>
+          </a:lnRef>
+          <a:fillRef idx="1">
+            <a:schemeClr val="accent1"/>
+          </a:fillRef>
+          <a:effectRef idx="0">
+            <a:schemeClr val="accent1"/>
+          </a:effectRef>
+          <a:fontRef idx="minor">
+            <a:schemeClr val="lt1"/>
+          </a:fontRef>
+        </p:style>
+        <p:txBody>
+          <a:bodyPr rtlCol="0" anchor="ctr"/>
+          <a:lstStyle/>
+          <a:p>
+            <a:pPr marL="0" marR="0" lvl="0" indent="0" algn="ctr" defTabSz="914400" rtl="0" eaLnBrk="1" fontAlgn="auto" latinLnBrk="0" hangingPunct="1">
+              <a:lnSpc>
+                <a:spcPct val="100000"/>
+              </a:lnSpc>
+              <a:spcBef>
+                <a:spcPts val="0"/>
+              </a:spcBef>
+              <a:spcAft>
+                <a:spcPts val="0"/>
+              </a:spcAft>
+              <a:buClrTx/>
+              <a:buSzTx/>
+              <a:buFontTx/>
+              <a:buNone/>
+              <a:tabLst/>
+              <a:defRPr/>
+            </a:pPr>
+            <a:r>
+              <a:rPr kumimoji="0" lang="en-US" sz="1800" b="0" i="0" u="none" strike="noStrike" kern="1200" cap="none" spc="0" normalizeH="0" baseline="0" noProof="0" dirty="0" smtClean="0">
+                <a:ln>
+                  <a:noFill/>
+                </a:ln>
+                <a:solidFill>
+                  <a:prstClr val="white"/>
+                </a:solidFill>
+                <a:effectLst/>
+                <a:uLnTx/>
+                <a:uFillTx/>
+                <a:latin typeface="Calibri" panose="020F0502020204030204"/>
+                <a:ea typeface="+mn-ea"/>
+                <a:cs typeface="+mn-cs"/>
+              </a:rPr>
+              <a:t>In some cases, real </a:t>
+            </a:r>
+            <a:r>
+              <a:rPr kumimoji="0" lang="en-US" sz="1800" b="0" i="0" u="none" strike="noStrike" kern="1200" cap="none" spc="0" normalizeH="0" baseline="0" noProof="0" dirty="0">
+                <a:ln>
+                  <a:noFill/>
+                </a:ln>
+                <a:solidFill>
+                  <a:prstClr val="white"/>
+                </a:solidFill>
+                <a:effectLst/>
+                <a:uLnTx/>
+                <a:uFillTx/>
+                <a:latin typeface="Calibri" panose="020F0502020204030204"/>
+                <a:ea typeface="+mn-ea"/>
+                <a:cs typeface="+mn-cs"/>
+              </a:rPr>
+              <a:t>humans are listening </a:t>
+            </a:r>
+            <a:r>
+              <a:rPr kumimoji="0" lang="en-US" sz="1800" b="0" i="0" u="none" strike="noStrike" kern="1200" cap="none" spc="0" normalizeH="0" baseline="0" noProof="0" dirty="0" smtClean="0">
+                <a:ln>
+                  <a:noFill/>
+                </a:ln>
+                <a:solidFill>
+                  <a:prstClr val="white"/>
+                </a:solidFill>
+                <a:effectLst/>
+                <a:uLnTx/>
+                <a:uFillTx/>
+                <a:latin typeface="Calibri" panose="020F0502020204030204"/>
+                <a:ea typeface="+mn-ea"/>
+                <a:cs typeface="+mn-cs"/>
+              </a:rPr>
+              <a:t>to </a:t>
+            </a:r>
+            <a:r>
+              <a:rPr kumimoji="0" lang="en-US" sz="1800" b="0" i="0" u="none" strike="noStrike" kern="1200" cap="none" spc="0" normalizeH="0" baseline="0" noProof="0" dirty="0">
+                <a:ln>
+                  <a:noFill/>
+                </a:ln>
+                <a:solidFill>
+                  <a:prstClr val="white"/>
+                </a:solidFill>
+                <a:effectLst/>
+                <a:uLnTx/>
+                <a:uFillTx/>
+                <a:latin typeface="Calibri" panose="020F0502020204030204"/>
+                <a:ea typeface="+mn-ea"/>
+                <a:cs typeface="+mn-cs"/>
+              </a:rPr>
+              <a:t>Alexa utterances…</a:t>
+            </a:r>
+          </a:p>
+        </p:txBody>
+      </p:sp>
     </p:spTree>
     <p:extLst>
       <p:ext uri="{BB962C8B-B14F-4D97-AF65-F5344CB8AC3E}">
@@ -10602,7 +13412,7 @@
 </p:sld>
 </file>
 
-<file path=ppt/slides/slide19.xml><?xml version="1.0" encoding="utf-8"?>
+<file path=ppt/slides/slide26.xml><?xml version="1.0" encoding="utf-8"?>
 <p:sld xmlns:a="http://schemas.openxmlformats.org/drawingml/2006/main" xmlns:r="http://schemas.openxmlformats.org/officeDocument/2006/relationships" xmlns:p="http://schemas.openxmlformats.org/presentationml/2006/main">
   <p:cSld>
     <p:spTree>
@@ -10624,7 +13434,7 @@
           <p:cNvPr id="15" name="Group 14">
             <a:extLst>
               <a:ext uri="{FF2B5EF4-FFF2-40B4-BE49-F238E27FC236}">
-                <a16:creationId xmlns="" xmlns:a16="http://schemas.microsoft.com/office/drawing/2014/main" id="{DA129DAD-B6A4-4128-9FD4-7FB188E97030}"/>
+                <a16:creationId xmlns:a16="http://schemas.microsoft.com/office/drawing/2014/main" xmlns="" id="{DA129DAD-B6A4-4128-9FD4-7FB188E97030}"/>
               </a:ext>
             </a:extLst>
           </p:cNvPr>
@@ -10644,7 +13454,7 @@
             <p:cNvPr id="16" name="Freeform 33">
               <a:extLst>
                 <a:ext uri="{FF2B5EF4-FFF2-40B4-BE49-F238E27FC236}">
-                  <a16:creationId xmlns="" xmlns:a16="http://schemas.microsoft.com/office/drawing/2014/main" id="{0D26BC9A-862F-4632-BB4C-970DC48EFF57}"/>
+                  <a16:creationId xmlns:a16="http://schemas.microsoft.com/office/drawing/2014/main" xmlns="" id="{0D26BC9A-862F-4632-BB4C-970DC48EFF57}"/>
                 </a:ext>
               </a:extLst>
             </p:cNvPr>
@@ -12083,7 +14893,7 @@
             <p:cNvPr id="17" name="Rectangle 16">
               <a:extLst>
                 <a:ext uri="{FF2B5EF4-FFF2-40B4-BE49-F238E27FC236}">
-                  <a16:creationId xmlns="" xmlns:a16="http://schemas.microsoft.com/office/drawing/2014/main" id="{76F5699F-419D-4868-A1B6-505779740044}"/>
+                  <a16:creationId xmlns:a16="http://schemas.microsoft.com/office/drawing/2014/main" xmlns="" id="{76F5699F-419D-4868-A1B6-505779740044}"/>
                 </a:ext>
               </a:extLst>
             </p:cNvPr>
@@ -12135,7 +14945,7 @@
             <p:cNvPr id="18" name="Rectangle 17">
               <a:extLst>
                 <a:ext uri="{FF2B5EF4-FFF2-40B4-BE49-F238E27FC236}">
-                  <a16:creationId xmlns="" xmlns:a16="http://schemas.microsoft.com/office/drawing/2014/main" id="{710A304D-6E48-4B62-8EF6-EC192A217461}"/>
+                  <a16:creationId xmlns:a16="http://schemas.microsoft.com/office/drawing/2014/main" xmlns="" id="{710A304D-6E48-4B62-8EF6-EC192A217461}"/>
                 </a:ext>
               </a:extLst>
             </p:cNvPr>
@@ -12187,7 +14997,7 @@
             <p:cNvPr id="19" name="Rectangle 18">
               <a:extLst>
                 <a:ext uri="{FF2B5EF4-FFF2-40B4-BE49-F238E27FC236}">
-                  <a16:creationId xmlns="" xmlns:a16="http://schemas.microsoft.com/office/drawing/2014/main" id="{98CFFA92-CA80-4EA1-9152-C731FCA346FA}"/>
+                  <a16:creationId xmlns:a16="http://schemas.microsoft.com/office/drawing/2014/main" xmlns="" id="{98CFFA92-CA80-4EA1-9152-C731FCA346FA}"/>
                 </a:ext>
               </a:extLst>
             </p:cNvPr>
@@ -12240,7 +15050,7 @@
           <p:cNvPr id="2" name="Date Placeholder 1">
             <a:extLst>
               <a:ext uri="{FF2B5EF4-FFF2-40B4-BE49-F238E27FC236}">
-                <a16:creationId xmlns="" xmlns:a16="http://schemas.microsoft.com/office/drawing/2014/main" id="{F5B2D573-BCA0-417E-8B5F-B395AA11029D}"/>
+                <a16:creationId xmlns:a16="http://schemas.microsoft.com/office/drawing/2014/main" xmlns="" id="{F5B2D573-BCA0-417E-8B5F-B395AA11029D}"/>
               </a:ext>
             </a:extLst>
           </p:cNvPr>
@@ -12307,7 +15117,7 @@
                 <a:tabLst/>
                 <a:defRPr/>
               </a:pPr>
-              <a:t>6/6/2019</a:t>
+              <a:t>6/19/2019</a:t>
             </a:fld>
             <a:endParaRPr kumimoji="0" lang="en-US" sz="900" b="0" i="0" u="none" strike="noStrike" kern="1200" cap="none" spc="0" normalizeH="0" baseline="0" noProof="0">
               <a:ln>
@@ -12333,7 +15143,7 @@
           <p:cNvPr id="3" name="Title 2">
             <a:extLst>
               <a:ext uri="{FF2B5EF4-FFF2-40B4-BE49-F238E27FC236}">
-                <a16:creationId xmlns="" xmlns:a16="http://schemas.microsoft.com/office/drawing/2014/main" id="{CAC4D537-8506-450A-834E-A352DA5B24FE}"/>
+                <a16:creationId xmlns:a16="http://schemas.microsoft.com/office/drawing/2014/main" xmlns="" id="{CAC4D537-8506-450A-834E-A352DA5B24FE}"/>
               </a:ext>
             </a:extLst>
           </p:cNvPr>
@@ -12361,7 +15171,7 @@
           <p:cNvPr id="4" name="Footer Placeholder 3">
             <a:extLst>
               <a:ext uri="{FF2B5EF4-FFF2-40B4-BE49-F238E27FC236}">
-                <a16:creationId xmlns="" xmlns:a16="http://schemas.microsoft.com/office/drawing/2014/main" id="{8596963A-E8BA-49A8-B52F-79164B65F517}"/>
+                <a16:creationId xmlns:a16="http://schemas.microsoft.com/office/drawing/2014/main" xmlns="" id="{8596963A-E8BA-49A8-B52F-79164B65F517}"/>
               </a:ext>
             </a:extLst>
           </p:cNvPr>
@@ -12437,7 +15247,7 @@
           <p:cNvPr id="5" name="Slide Number Placeholder 4">
             <a:extLst>
               <a:ext uri="{FF2B5EF4-FFF2-40B4-BE49-F238E27FC236}">
-                <a16:creationId xmlns="" xmlns:a16="http://schemas.microsoft.com/office/drawing/2014/main" id="{02EC2459-A410-4ACC-837E-1A38F4139AB3}"/>
+                <a16:creationId xmlns:a16="http://schemas.microsoft.com/office/drawing/2014/main" xmlns="" id="{02EC2459-A410-4ACC-837E-1A38F4139AB3}"/>
               </a:ext>
             </a:extLst>
           </p:cNvPr>
@@ -12504,7 +15314,7 @@
                 <a:tabLst/>
                 <a:defRPr/>
               </a:pPr>
-              <a:t>19</a:t>
+              <a:t>26</a:t>
             </a:fld>
             <a:endParaRPr kumimoji="0" lang="en-US" sz="900" b="0" i="0" u="none" strike="noStrike" kern="1200" cap="none" spc="0" normalizeH="0" baseline="0" noProof="0" dirty="0">
               <a:ln>
@@ -12530,7 +15340,7 @@
           <p:cNvPr id="7" name="Rectangle 6">
             <a:extLst>
               <a:ext uri="{FF2B5EF4-FFF2-40B4-BE49-F238E27FC236}">
-                <a16:creationId xmlns="" xmlns:a16="http://schemas.microsoft.com/office/drawing/2014/main" id="{3A7551EC-DCF7-406E-9D4F-F6E0900C20D5}"/>
+                <a16:creationId xmlns:a16="http://schemas.microsoft.com/office/drawing/2014/main" xmlns="" id="{3A7551EC-DCF7-406E-9D4F-F6E0900C20D5}"/>
               </a:ext>
             </a:extLst>
           </p:cNvPr>
@@ -12614,7 +15424,7 @@
           <p:cNvPr id="2050" name="Picture 2" descr="Image result for alexa">
             <a:extLst>
               <a:ext uri="{FF2B5EF4-FFF2-40B4-BE49-F238E27FC236}">
-                <a16:creationId xmlns="" xmlns:a16="http://schemas.microsoft.com/office/drawing/2014/main" id="{34AD15EB-9CDD-44A0-B557-1B01C270B225}"/>
+                <a16:creationId xmlns:a16="http://schemas.microsoft.com/office/drawing/2014/main" xmlns="" id="{34AD15EB-9CDD-44A0-B557-1B01C270B225}"/>
               </a:ext>
             </a:extLst>
           </p:cNvPr>
@@ -12661,7 +15471,7 @@
           <p:cNvPr id="8" name="Freeform 32">
             <a:extLst>
               <a:ext uri="{FF2B5EF4-FFF2-40B4-BE49-F238E27FC236}">
-                <a16:creationId xmlns="" xmlns:a16="http://schemas.microsoft.com/office/drawing/2014/main" id="{785DFD1F-904E-4014-9E49-331FB58CF803}"/>
+                <a16:creationId xmlns:a16="http://schemas.microsoft.com/office/drawing/2014/main" xmlns="" id="{785DFD1F-904E-4014-9E49-331FB58CF803}"/>
               </a:ext>
             </a:extLst>
           </p:cNvPr>
@@ -12932,7 +15742,7 @@
           <p:cNvPr id="6" name="Speech Bubble: Rectangle with Corners Rounded 5">
             <a:extLst>
               <a:ext uri="{FF2B5EF4-FFF2-40B4-BE49-F238E27FC236}">
-                <a16:creationId xmlns="" xmlns:a16="http://schemas.microsoft.com/office/drawing/2014/main" id="{AAFE54FA-7E4A-403F-B265-462E42414671}"/>
+                <a16:creationId xmlns:a16="http://schemas.microsoft.com/office/drawing/2014/main" xmlns="" id="{AAFE54FA-7E4A-403F-B265-462E42414671}"/>
               </a:ext>
             </a:extLst>
           </p:cNvPr>
@@ -12991,7 +15801,7 @@
           <p:cNvPr id="11" name="Speech Bubble: Rectangle with Corners Rounded 10">
             <a:extLst>
               <a:ext uri="{FF2B5EF4-FFF2-40B4-BE49-F238E27FC236}">
-                <a16:creationId xmlns="" xmlns:a16="http://schemas.microsoft.com/office/drawing/2014/main" id="{2EFDFC29-D8E1-4615-AB05-9E62451FFD2E}"/>
+                <a16:creationId xmlns:a16="http://schemas.microsoft.com/office/drawing/2014/main" xmlns="" id="{2EFDFC29-D8E1-4615-AB05-9E62451FFD2E}"/>
               </a:ext>
             </a:extLst>
           </p:cNvPr>
@@ -13050,7 +15860,7 @@
           <p:cNvPr id="12" name="Speech Bubble: Rectangle with Corners Rounded 11">
             <a:extLst>
               <a:ext uri="{FF2B5EF4-FFF2-40B4-BE49-F238E27FC236}">
-                <a16:creationId xmlns="" xmlns:a16="http://schemas.microsoft.com/office/drawing/2014/main" id="{DA7F7A5E-F4CE-4108-B358-24BEDE3EFE69}"/>
+                <a16:creationId xmlns:a16="http://schemas.microsoft.com/office/drawing/2014/main" xmlns="" id="{DA7F7A5E-F4CE-4108-B358-24BEDE3EFE69}"/>
               </a:ext>
             </a:extLst>
           </p:cNvPr>
@@ -13109,7 +15919,7 @@
           <p:cNvPr id="13" name="Freeform 80">
             <a:extLst>
               <a:ext uri="{FF2B5EF4-FFF2-40B4-BE49-F238E27FC236}">
-                <a16:creationId xmlns="" xmlns:a16="http://schemas.microsoft.com/office/drawing/2014/main" id="{3737A588-28C3-4864-9927-8FDE72CE2141}"/>
+                <a16:creationId xmlns:a16="http://schemas.microsoft.com/office/drawing/2014/main" xmlns="" id="{3737A588-28C3-4864-9927-8FDE72CE2141}"/>
               </a:ext>
             </a:extLst>
           </p:cNvPr>
@@ -13270,7 +16080,7 @@
           <p:cNvPr id="14" name="TextBox 13">
             <a:extLst>
               <a:ext uri="{FF2B5EF4-FFF2-40B4-BE49-F238E27FC236}">
-                <a16:creationId xmlns="" xmlns:a16="http://schemas.microsoft.com/office/drawing/2014/main" id="{8CC35E6A-D5DB-4D14-A06D-ADB760AD5B64}"/>
+                <a16:creationId xmlns:a16="http://schemas.microsoft.com/office/drawing/2014/main" xmlns="" id="{8CC35E6A-D5DB-4D14-A06D-ADB760AD5B64}"/>
               </a:ext>
             </a:extLst>
           </p:cNvPr>
@@ -13318,7 +16128,7 @@
           <p:cNvPr id="21" name="Freeform 5">
             <a:extLst>
               <a:ext uri="{FF2B5EF4-FFF2-40B4-BE49-F238E27FC236}">
-                <a16:creationId xmlns="" xmlns:a16="http://schemas.microsoft.com/office/drawing/2014/main" id="{0A82FC7E-843A-4211-BD28-8C85049D393E}"/>
+                <a16:creationId xmlns:a16="http://schemas.microsoft.com/office/drawing/2014/main" xmlns="" id="{0A82FC7E-843A-4211-BD28-8C85049D393E}"/>
               </a:ext>
             </a:extLst>
           </p:cNvPr>
@@ -13961,7 +16771,7 @@
           <p:cNvPr id="22" name="TextBox 21">
             <a:extLst>
               <a:ext uri="{FF2B5EF4-FFF2-40B4-BE49-F238E27FC236}">
-                <a16:creationId xmlns="" xmlns:a16="http://schemas.microsoft.com/office/drawing/2014/main" id="{13D48823-7ABB-44C6-87DB-612FAE11926B}"/>
+                <a16:creationId xmlns:a16="http://schemas.microsoft.com/office/drawing/2014/main" xmlns="" id="{13D48823-7ABB-44C6-87DB-612FAE11926B}"/>
               </a:ext>
             </a:extLst>
           </p:cNvPr>
@@ -13971,7 +16781,7 @@
         <p:spPr>
           <a:xfrm>
             <a:off x="5492154" y="4333336"/>
-            <a:ext cx="1020441" cy="600164"/>
+            <a:ext cx="1020441" cy="769441"/>
           </a:xfrm>
           <a:prstGeom prst="rect">
             <a:avLst/>
@@ -13986,9 +16796,10 @@
           <a:p>
             <a:pPr algn="ctr"/>
             <a:r>
-              <a:rPr lang="en-US" sz="1100" dirty="0"/>
-              <a:t>annotations</a:t>
+              <a:rPr lang="en-US" sz="1100" dirty="0" smtClean="0"/>
+              <a:t>Text annotations</a:t>
             </a:r>
+            <a:endParaRPr lang="en-US" sz="1100" dirty="0"/>
           </a:p>
           <a:p>
             <a:pPr algn="ctr"/>
@@ -14004,7 +16815,7 @@
           <p:cNvPr id="23" name="TextBox 22">
             <a:extLst>
               <a:ext uri="{FF2B5EF4-FFF2-40B4-BE49-F238E27FC236}">
-                <a16:creationId xmlns="" xmlns:a16="http://schemas.microsoft.com/office/drawing/2014/main" id="{CF7CFCAD-2E96-4AC2-AF21-07A7E1687B27}"/>
+                <a16:creationId xmlns:a16="http://schemas.microsoft.com/office/drawing/2014/main" xmlns="" id="{CF7CFCAD-2E96-4AC2-AF21-07A7E1687B27}"/>
               </a:ext>
             </a:extLst>
           </p:cNvPr>
@@ -14039,7 +16850,7 @@
           <p:cNvPr id="24" name="Freeform 5">
             <a:extLst>
               <a:ext uri="{FF2B5EF4-FFF2-40B4-BE49-F238E27FC236}">
-                <a16:creationId xmlns="" xmlns:a16="http://schemas.microsoft.com/office/drawing/2014/main" id="{3CF8E1E4-0E00-4224-A8D1-025F9766546F}"/>
+                <a16:creationId xmlns:a16="http://schemas.microsoft.com/office/drawing/2014/main" xmlns="" id="{3CF8E1E4-0E00-4224-A8D1-025F9766546F}"/>
               </a:ext>
             </a:extLst>
           </p:cNvPr>
@@ -14682,7 +17493,7 @@
           <p:cNvPr id="25" name="TextBox 24">
             <a:extLst>
               <a:ext uri="{FF2B5EF4-FFF2-40B4-BE49-F238E27FC236}">
-                <a16:creationId xmlns="" xmlns:a16="http://schemas.microsoft.com/office/drawing/2014/main" id="{3E8CA4DA-64AC-4A33-8151-6202DF5E2C5A}"/>
+                <a16:creationId xmlns:a16="http://schemas.microsoft.com/office/drawing/2014/main" xmlns="" id="{3E8CA4DA-64AC-4A33-8151-6202DF5E2C5A}"/>
               </a:ext>
             </a:extLst>
           </p:cNvPr>
@@ -14718,7 +17529,7 @@
           <p:cNvPr id="9" name="Arrow: Right 8">
             <a:extLst>
               <a:ext uri="{FF2B5EF4-FFF2-40B4-BE49-F238E27FC236}">
-                <a16:creationId xmlns="" xmlns:a16="http://schemas.microsoft.com/office/drawing/2014/main" id="{CC363AF6-6959-45F0-9AE4-B3CC287175D6}"/>
+                <a16:creationId xmlns:a16="http://schemas.microsoft.com/office/drawing/2014/main" xmlns="" id="{CC363AF6-6959-45F0-9AE4-B3CC287175D6}"/>
               </a:ext>
             </a:extLst>
           </p:cNvPr>
@@ -14770,7 +17581,7 @@
           <p:cNvPr id="26" name="Flowchart: Magnetic Disk 25">
             <a:extLst>
               <a:ext uri="{FF2B5EF4-FFF2-40B4-BE49-F238E27FC236}">
-                <a16:creationId xmlns="" xmlns:a16="http://schemas.microsoft.com/office/drawing/2014/main" id="{28823080-8432-41C3-95F6-CD81BA123FD1}"/>
+                <a16:creationId xmlns:a16="http://schemas.microsoft.com/office/drawing/2014/main" xmlns="" id="{28823080-8432-41C3-95F6-CD81BA123FD1}"/>
               </a:ext>
             </a:extLst>
           </p:cNvPr>
@@ -14827,7 +17638,7 @@
           <p:cNvPr id="28" name="Arrow: Right 27">
             <a:extLst>
               <a:ext uri="{FF2B5EF4-FFF2-40B4-BE49-F238E27FC236}">
-                <a16:creationId xmlns="" xmlns:a16="http://schemas.microsoft.com/office/drawing/2014/main" id="{4D1D5287-B8C2-40C9-A096-065ACE22F5EB}"/>
+                <a16:creationId xmlns:a16="http://schemas.microsoft.com/office/drawing/2014/main" xmlns="" id="{4D1D5287-B8C2-40C9-A096-065ACE22F5EB}"/>
               </a:ext>
             </a:extLst>
           </p:cNvPr>
@@ -14879,7 +17690,7 @@
           <p:cNvPr id="29" name="TextBox 28">
             <a:extLst>
               <a:ext uri="{FF2B5EF4-FFF2-40B4-BE49-F238E27FC236}">
-                <a16:creationId xmlns="" xmlns:a16="http://schemas.microsoft.com/office/drawing/2014/main" id="{1E51654C-757C-4ABD-8BA6-6DF94BADD0A0}"/>
+                <a16:creationId xmlns:a16="http://schemas.microsoft.com/office/drawing/2014/main" xmlns="" id="{1E51654C-757C-4ABD-8BA6-6DF94BADD0A0}"/>
               </a:ext>
             </a:extLst>
           </p:cNvPr>
@@ -14915,7 +17726,7 @@
           <p:cNvPr id="30" name="TextBox 29">
             <a:extLst>
               <a:ext uri="{FF2B5EF4-FFF2-40B4-BE49-F238E27FC236}">
-                <a16:creationId xmlns="" xmlns:a16="http://schemas.microsoft.com/office/drawing/2014/main" id="{BA21CFEC-C217-4B23-ACCD-49890DCD63B3}"/>
+                <a16:creationId xmlns:a16="http://schemas.microsoft.com/office/drawing/2014/main" xmlns="" id="{BA21CFEC-C217-4B23-ACCD-49890DCD63B3}"/>
               </a:ext>
             </a:extLst>
           </p:cNvPr>
@@ -14950,7 +17761,7 @@
           <p:cNvPr id="31" name="Rectangle 30">
             <a:extLst>
               <a:ext uri="{FF2B5EF4-FFF2-40B4-BE49-F238E27FC236}">
-                <a16:creationId xmlns="" xmlns:a16="http://schemas.microsoft.com/office/drawing/2014/main" id="{97170DDC-CB38-4A2F-8B2E-69FD7F55BDA7}"/>
+                <a16:creationId xmlns:a16="http://schemas.microsoft.com/office/drawing/2014/main" xmlns="" id="{97170DDC-CB38-4A2F-8B2E-69FD7F55BDA7}"/>
               </a:ext>
             </a:extLst>
           </p:cNvPr>
@@ -15042,995 +17853,7 @@
 </p:sld>
 </file>
 
-<file path=ppt/slides/slide2.xml><?xml version="1.0" encoding="utf-8"?>
-<p:sld xmlns:a="http://schemas.openxmlformats.org/drawingml/2006/main" xmlns:r="http://schemas.openxmlformats.org/officeDocument/2006/relationships" xmlns:p="http://schemas.openxmlformats.org/presentationml/2006/main">
-  <p:cSld>
-    <p:spTree>
-      <p:nvGrpSpPr>
-        <p:cNvPr id="1" name=""/>
-        <p:cNvGrpSpPr/>
-        <p:nvPr/>
-      </p:nvGrpSpPr>
-      <p:grpSpPr>
-        <a:xfrm>
-          <a:off x="0" y="0"/>
-          <a:ext cx="0" cy="0"/>
-          <a:chOff x="0" y="0"/>
-          <a:chExt cx="0" cy="0"/>
-        </a:xfrm>
-      </p:grpSpPr>
-      <p:sp>
-        <p:nvSpPr>
-          <p:cNvPr id="2" name="Title 1"/>
-          <p:cNvSpPr>
-            <a:spLocks noGrp="1"/>
-          </p:cNvSpPr>
-          <p:nvPr>
-            <p:ph type="title"/>
-          </p:nvPr>
-        </p:nvSpPr>
-        <p:spPr/>
-        <p:txBody>
-          <a:bodyPr/>
-          <a:lstStyle/>
-          <a:p>
-            <a:r>
-              <a:rPr lang="en-US"/>
-              <a:t>Agenda </a:t>
-            </a:r>
-            <a:r>
-              <a:rPr lang="en-US" i="1"/>
-              <a:t>– all times are suggested</a:t>
-            </a:r>
-            <a:endParaRPr lang="en-US" dirty="0"/>
-          </a:p>
-        </p:txBody>
-      </p:sp>
-      <p:graphicFrame>
-        <p:nvGraphicFramePr>
-          <p:cNvPr id="4" name="Content Placeholder 3"/>
-          <p:cNvGraphicFramePr>
-            <a:graphicFrameLocks noGrp="1"/>
-          </p:cNvGraphicFramePr>
-          <p:nvPr>
-            <p:ph idx="1"/>
-            <p:extLst>
-              <p:ext uri="{D42A27DB-BD31-4B8C-83A1-F6EECF244321}">
-                <p14:modId xmlns:p14="http://schemas.microsoft.com/office/powerpoint/2010/main" val="963765968"/>
-              </p:ext>
-            </p:extLst>
-          </p:nvPr>
-        </p:nvGraphicFramePr>
-        <p:xfrm>
-          <a:off x="628650" y="1111250"/>
-          <a:ext cx="7887506" cy="2971165"/>
-        </p:xfrm>
-        <a:graphic>
-          <a:graphicData uri="http://schemas.openxmlformats.org/drawingml/2006/table">
-            <a:tbl>
-              <a:tblPr firstRow="1" bandRow="1">
-                <a:tableStyleId>{F5AB1C69-6EDB-4FF4-983F-18BD219EF322}</a:tableStyleId>
-              </a:tblPr>
-              <a:tblGrid>
-                <a:gridCol w="1238445">
-                  <a:extLst>
-                    <a:ext uri="{9D8B030D-6E8A-4147-A177-3AD203B41FA5}">
-                      <a16:colId xmlns="" xmlns:a16="http://schemas.microsoft.com/office/drawing/2014/main" val="20000"/>
-                    </a:ext>
-                  </a:extLst>
-                </a:gridCol>
-                <a:gridCol w="858274">
-                  <a:extLst>
-                    <a:ext uri="{9D8B030D-6E8A-4147-A177-3AD203B41FA5}">
-                      <a16:colId xmlns="" xmlns:a16="http://schemas.microsoft.com/office/drawing/2014/main" val="20001"/>
-                    </a:ext>
-                  </a:extLst>
-                </a:gridCol>
-                <a:gridCol w="5790787">
-                  <a:extLst>
-                    <a:ext uri="{9D8B030D-6E8A-4147-A177-3AD203B41FA5}">
-                      <a16:colId xmlns="" xmlns:a16="http://schemas.microsoft.com/office/drawing/2014/main" val="20002"/>
-                    </a:ext>
-                  </a:extLst>
-                </a:gridCol>
-              </a:tblGrid>
-              <a:tr h="370840">
-                <a:tc>
-                  <a:txBody>
-                    <a:bodyPr/>
-                    <a:lstStyle/>
-                    <a:p>
-                      <a:pPr algn="ctr" fontAlgn="ctr"/>
-                      <a:r>
-                        <a:rPr lang="en-US" sz="2400" b="0" i="0" u="none" strike="noStrike" dirty="0">
-                          <a:solidFill>
-                            <a:schemeClr val="bg1"/>
-                          </a:solidFill>
-                          <a:effectLst/>
-                          <a:latin typeface="Calibri" panose="020F0502020204030204" pitchFamily="34" charset="0"/>
-                        </a:rPr>
-                        <a:t>Start</a:t>
-                      </a:r>
-                    </a:p>
-                  </a:txBody>
-                  <a:tcPr marL="8776" marR="8776" marT="9525" marB="0" anchor="ctr">
-                    <a:lnL w="12700" cap="flat" cmpd="sng" algn="ctr">
-                      <a:solidFill>
-                        <a:schemeClr val="tx1"/>
-                      </a:solidFill>
-                      <a:prstDash val="solid"/>
-                      <a:round/>
-                      <a:headEnd type="none" w="med" len="med"/>
-                      <a:tailEnd type="none" w="med" len="med"/>
-                    </a:lnL>
-                    <a:lnR w="12700" cap="flat" cmpd="sng" algn="ctr">
-                      <a:solidFill>
-                        <a:schemeClr val="tx1"/>
-                      </a:solidFill>
-                      <a:prstDash val="solid"/>
-                      <a:round/>
-                      <a:headEnd type="none" w="med" len="med"/>
-                      <a:tailEnd type="none" w="med" len="med"/>
-                    </a:lnR>
-                    <a:lnT w="12700" cap="flat" cmpd="sng" algn="ctr">
-                      <a:solidFill>
-                        <a:schemeClr val="tx1"/>
-                      </a:solidFill>
-                      <a:prstDash val="solid"/>
-                      <a:round/>
-                      <a:headEnd type="none" w="med" len="med"/>
-                      <a:tailEnd type="none" w="med" len="med"/>
-                    </a:lnT>
-                    <a:lnB w="12700" cap="flat" cmpd="sng" algn="ctr">
-                      <a:solidFill>
-                        <a:schemeClr val="tx1"/>
-                      </a:solidFill>
-                      <a:prstDash val="solid"/>
-                      <a:round/>
-                      <a:headEnd type="none" w="med" len="med"/>
-                      <a:tailEnd type="none" w="med" len="med"/>
-                    </a:lnB>
-                    <a:lnTlToBr w="12700" cmpd="sng">
-                      <a:noFill/>
-                      <a:prstDash val="solid"/>
-                    </a:lnTlToBr>
-                    <a:lnBlToTr w="12700" cmpd="sng">
-                      <a:noFill/>
-                      <a:prstDash val="solid"/>
-                    </a:lnBlToTr>
-                    <a:solidFill>
-                      <a:srgbClr val="FFC000"/>
-                    </a:solidFill>
-                  </a:tcPr>
-                </a:tc>
-                <a:tc>
-                  <a:txBody>
-                    <a:bodyPr/>
-                    <a:lstStyle/>
-                    <a:p>
-                      <a:pPr algn="ctr" fontAlgn="ctr"/>
-                      <a:r>
-                        <a:rPr lang="en-US" sz="2400" b="0" i="0" u="none" strike="noStrike">
-                          <a:solidFill>
-                            <a:schemeClr val="bg1"/>
-                          </a:solidFill>
-                          <a:effectLst/>
-                          <a:latin typeface="Calibri" panose="020F0502020204030204" pitchFamily="34" charset="0"/>
-                        </a:rPr>
-                        <a:t>End</a:t>
-                      </a:r>
-                    </a:p>
-                  </a:txBody>
-                  <a:tcPr marL="8776" marR="8776" marT="9525" marB="0" anchor="ctr">
-                    <a:lnL w="12700" cap="flat" cmpd="sng" algn="ctr">
-                      <a:solidFill>
-                        <a:schemeClr val="tx1"/>
-                      </a:solidFill>
-                      <a:prstDash val="solid"/>
-                      <a:round/>
-                      <a:headEnd type="none" w="med" len="med"/>
-                      <a:tailEnd type="none" w="med" len="med"/>
-                    </a:lnL>
-                    <a:lnR w="12700" cap="flat" cmpd="sng" algn="ctr">
-                      <a:solidFill>
-                        <a:schemeClr val="tx1"/>
-                      </a:solidFill>
-                      <a:prstDash val="solid"/>
-                      <a:round/>
-                      <a:headEnd type="none" w="med" len="med"/>
-                      <a:tailEnd type="none" w="med" len="med"/>
-                    </a:lnR>
-                    <a:lnT w="12700" cap="flat" cmpd="sng" algn="ctr">
-                      <a:solidFill>
-                        <a:schemeClr val="tx1"/>
-                      </a:solidFill>
-                      <a:prstDash val="solid"/>
-                      <a:round/>
-                      <a:headEnd type="none" w="med" len="med"/>
-                      <a:tailEnd type="none" w="med" len="med"/>
-                    </a:lnT>
-                    <a:lnB w="12700" cap="flat" cmpd="sng" algn="ctr">
-                      <a:solidFill>
-                        <a:schemeClr val="tx1"/>
-                      </a:solidFill>
-                      <a:prstDash val="solid"/>
-                      <a:round/>
-                      <a:headEnd type="none" w="med" len="med"/>
-                      <a:tailEnd type="none" w="med" len="med"/>
-                    </a:lnB>
-                    <a:lnTlToBr w="12700" cmpd="sng">
-                      <a:noFill/>
-                      <a:prstDash val="solid"/>
-                    </a:lnTlToBr>
-                    <a:lnBlToTr w="12700" cmpd="sng">
-                      <a:noFill/>
-                      <a:prstDash val="solid"/>
-                    </a:lnBlToTr>
-                    <a:solidFill>
-                      <a:srgbClr val="FFC000"/>
-                    </a:solidFill>
-                  </a:tcPr>
-                </a:tc>
-                <a:tc>
-                  <a:txBody>
-                    <a:bodyPr/>
-                    <a:lstStyle/>
-                    <a:p>
-                      <a:pPr algn="l" fontAlgn="b"/>
-                      <a:r>
-                        <a:rPr lang="en-US" sz="2400" b="0" i="0" u="none" strike="noStrike" dirty="0" smtClean="0">
-                          <a:solidFill>
-                            <a:schemeClr val="bg1"/>
-                          </a:solidFill>
-                          <a:effectLst/>
-                          <a:latin typeface="Calibri" panose="020F0502020204030204" pitchFamily="34" charset="0"/>
-                        </a:rPr>
-                        <a:t>Thursday- </a:t>
-                      </a:r>
-                      <a:r>
-                        <a:rPr lang="en-US" sz="2400" b="0" i="0" u="none" strike="noStrike" dirty="0">
-                          <a:solidFill>
-                            <a:schemeClr val="bg1"/>
-                          </a:solidFill>
-                          <a:effectLst/>
-                          <a:latin typeface="Calibri" panose="020F0502020204030204" pitchFamily="34" charset="0"/>
-                        </a:rPr>
-                        <a:t>June </a:t>
-                      </a:r>
-                      <a:r>
-                        <a:rPr lang="en-US" sz="2400" b="0" i="0" u="none" strike="noStrike" dirty="0" smtClean="0">
-                          <a:solidFill>
-                            <a:schemeClr val="bg1"/>
-                          </a:solidFill>
-                          <a:effectLst/>
-                          <a:latin typeface="Calibri" panose="020F0502020204030204" pitchFamily="34" charset="0"/>
-                        </a:rPr>
-                        <a:t>20</a:t>
-                      </a:r>
-                      <a:endParaRPr lang="en-US" sz="2400" b="0" i="0" u="none" strike="noStrike" dirty="0">
-                        <a:solidFill>
-                          <a:schemeClr val="bg1"/>
-                        </a:solidFill>
-                        <a:effectLst/>
-                        <a:latin typeface="Calibri" panose="020F0502020204030204" pitchFamily="34" charset="0"/>
-                      </a:endParaRPr>
-                    </a:p>
-                  </a:txBody>
-                  <a:tcPr marL="8776" marR="8776" marT="9525" marB="0" anchor="ctr">
-                    <a:lnL w="12700" cap="flat" cmpd="sng" algn="ctr">
-                      <a:solidFill>
-                        <a:schemeClr val="tx1"/>
-                      </a:solidFill>
-                      <a:prstDash val="solid"/>
-                      <a:round/>
-                      <a:headEnd type="none" w="med" len="med"/>
-                      <a:tailEnd type="none" w="med" len="med"/>
-                    </a:lnL>
-                    <a:lnR w="12700" cap="flat" cmpd="sng" algn="ctr">
-                      <a:solidFill>
-                        <a:schemeClr val="tx1"/>
-                      </a:solidFill>
-                      <a:prstDash val="solid"/>
-                      <a:round/>
-                      <a:headEnd type="none" w="med" len="med"/>
-                      <a:tailEnd type="none" w="med" len="med"/>
-                    </a:lnR>
-                    <a:lnT w="12700" cap="flat" cmpd="sng" algn="ctr">
-                      <a:solidFill>
-                        <a:schemeClr val="tx1"/>
-                      </a:solidFill>
-                      <a:prstDash val="solid"/>
-                      <a:round/>
-                      <a:headEnd type="none" w="med" len="med"/>
-                      <a:tailEnd type="none" w="med" len="med"/>
-                    </a:lnT>
-                    <a:lnB w="12700" cap="flat" cmpd="sng" algn="ctr">
-                      <a:solidFill>
-                        <a:schemeClr val="tx1"/>
-                      </a:solidFill>
-                      <a:prstDash val="solid"/>
-                      <a:round/>
-                      <a:headEnd type="none" w="med" len="med"/>
-                      <a:tailEnd type="none" w="med" len="med"/>
-                    </a:lnB>
-                    <a:lnTlToBr w="12700" cmpd="sng">
-                      <a:noFill/>
-                      <a:prstDash val="solid"/>
-                    </a:lnTlToBr>
-                    <a:lnBlToTr w="12700" cmpd="sng">
-                      <a:noFill/>
-                      <a:prstDash val="solid"/>
-                    </a:lnBlToTr>
-                    <a:solidFill>
-                      <a:srgbClr val="FFC000"/>
-                    </a:solidFill>
-                  </a:tcPr>
-                </a:tc>
-                <a:extLst>
-                  <a:ext uri="{0D108BD9-81ED-4DB2-BD59-A6C34878D82A}">
-                    <a16:rowId xmlns="" xmlns:a16="http://schemas.microsoft.com/office/drawing/2014/main" val="10000"/>
-                  </a:ext>
-                </a:extLst>
-              </a:tr>
-              <a:tr h="370840">
-                <a:tc>
-                  <a:txBody>
-                    <a:bodyPr/>
-                    <a:lstStyle/>
-                    <a:p>
-                      <a:pPr algn="ctr" fontAlgn="ctr"/>
-                      <a:r>
-                        <a:rPr lang="en-US" sz="1800" b="0" i="0" u="none" strike="noStrike" baseline="0">
-                          <a:solidFill>
-                            <a:srgbClr val="000000"/>
-                          </a:solidFill>
-                          <a:effectLst/>
-                          <a:latin typeface="Calibri" panose="020F0502020204030204" pitchFamily="34" charset="0"/>
-                        </a:rPr>
-                        <a:t>8:45</a:t>
-                      </a:r>
-                    </a:p>
-                  </a:txBody>
-                  <a:tcPr marL="8776" marR="8776" marT="9525" marB="0" anchor="ctr">
-                    <a:lnT w="12700" cap="flat" cmpd="sng" algn="ctr">
-                      <a:solidFill>
-                        <a:schemeClr val="tx1"/>
-                      </a:solidFill>
-                      <a:prstDash val="solid"/>
-                      <a:round/>
-                      <a:headEnd type="none" w="med" len="med"/>
-                      <a:tailEnd type="none" w="med" len="med"/>
-                    </a:lnT>
-                  </a:tcPr>
-                </a:tc>
-                <a:tc>
-                  <a:txBody>
-                    <a:bodyPr/>
-                    <a:lstStyle/>
-                    <a:p>
-                      <a:pPr algn="ctr" fontAlgn="ctr"/>
-                      <a:r>
-                        <a:rPr lang="en-US" sz="1800" b="0" i="0" u="none" strike="noStrike" baseline="0">
-                          <a:solidFill>
-                            <a:srgbClr val="000000"/>
-                          </a:solidFill>
-                          <a:effectLst/>
-                          <a:latin typeface="Calibri" panose="020F0502020204030204" pitchFamily="34" charset="0"/>
-                        </a:rPr>
-                        <a:t>9:15</a:t>
-                      </a:r>
-                    </a:p>
-                  </a:txBody>
-                  <a:tcPr marL="8776" marR="8776" marT="9525" marB="0" anchor="ctr">
-                    <a:lnT w="12700" cap="flat" cmpd="sng" algn="ctr">
-                      <a:solidFill>
-                        <a:schemeClr val="tx1"/>
-                      </a:solidFill>
-                      <a:prstDash val="solid"/>
-                      <a:round/>
-                      <a:headEnd type="none" w="med" len="med"/>
-                      <a:tailEnd type="none" w="med" len="med"/>
-                    </a:lnT>
-                  </a:tcPr>
-                </a:tc>
-                <a:tc>
-                  <a:txBody>
-                    <a:bodyPr/>
-                    <a:lstStyle/>
-                    <a:p>
-                      <a:pPr algn="l" fontAlgn="b"/>
-                      <a:r>
-                        <a:rPr lang="en-US" sz="1800" b="0" i="0" u="none" strike="noStrike" baseline="0" dirty="0">
-                          <a:solidFill>
-                            <a:srgbClr val="000000"/>
-                          </a:solidFill>
-                          <a:effectLst/>
-                          <a:latin typeface="Calibri" panose="020F0502020204030204" pitchFamily="34" charset="0"/>
-                        </a:rPr>
-                        <a:t>Coffee</a:t>
-                      </a:r>
-                    </a:p>
-                  </a:txBody>
-                  <a:tcPr marL="8776" marR="8776" marT="9525" marB="0" anchor="b">
-                    <a:lnT w="12700" cap="flat" cmpd="sng" algn="ctr">
-                      <a:solidFill>
-                        <a:schemeClr val="tx1"/>
-                      </a:solidFill>
-                      <a:prstDash val="solid"/>
-                      <a:round/>
-                      <a:headEnd type="none" w="med" len="med"/>
-                      <a:tailEnd type="none" w="med" len="med"/>
-                    </a:lnT>
-                  </a:tcPr>
-                </a:tc>
-                <a:extLst>
-                  <a:ext uri="{0D108BD9-81ED-4DB2-BD59-A6C34878D82A}">
-                    <a16:rowId xmlns="" xmlns:a16="http://schemas.microsoft.com/office/drawing/2014/main" val="10001"/>
-                  </a:ext>
-                </a:extLst>
-              </a:tr>
-              <a:tr h="370840">
-                <a:tc>
-                  <a:txBody>
-                    <a:bodyPr/>
-                    <a:lstStyle/>
-                    <a:p>
-                      <a:pPr algn="ctr" fontAlgn="ctr"/>
-                      <a:r>
-                        <a:rPr lang="en-US" sz="1800" b="0" i="0" u="none" strike="noStrike" baseline="0">
-                          <a:solidFill>
-                            <a:srgbClr val="000000"/>
-                          </a:solidFill>
-                          <a:effectLst/>
-                          <a:latin typeface="Calibri" panose="020F0502020204030204" pitchFamily="34" charset="0"/>
-                        </a:rPr>
-                        <a:t>9:15</a:t>
-                      </a:r>
-                    </a:p>
-                  </a:txBody>
-                  <a:tcPr marL="8776" marR="8776" marT="9525" marB="0" anchor="ctr"/>
-                </a:tc>
-                <a:tc>
-                  <a:txBody>
-                    <a:bodyPr/>
-                    <a:lstStyle/>
-                    <a:p>
-                      <a:pPr algn="ctr" fontAlgn="ctr"/>
-                      <a:r>
-                        <a:rPr lang="en-US" sz="1800" b="0" i="0" u="none" strike="noStrike" baseline="0" dirty="0">
-                          <a:solidFill>
-                            <a:srgbClr val="000000"/>
-                          </a:solidFill>
-                          <a:effectLst/>
-                          <a:latin typeface="Calibri" panose="020F0502020204030204" pitchFamily="34" charset="0"/>
-                        </a:rPr>
-                        <a:t>10:15</a:t>
-                      </a:r>
-                    </a:p>
-                  </a:txBody>
-                  <a:tcPr marL="8776" marR="8776" marT="9525" marB="0" anchor="ctr"/>
-                </a:tc>
-                <a:tc>
-                  <a:txBody>
-                    <a:bodyPr/>
-                    <a:lstStyle/>
-                    <a:p>
-                      <a:pPr algn="l" fontAlgn="b"/>
-                      <a:r>
-                        <a:rPr lang="pt-BR" sz="1800" b="0" i="0" u="none" strike="noStrike" baseline="0" dirty="0">
-                          <a:solidFill>
-                            <a:srgbClr val="000000"/>
-                          </a:solidFill>
-                          <a:effectLst/>
-                          <a:latin typeface="Calibri" panose="020F0502020204030204" pitchFamily="34" charset="0"/>
-                        </a:rPr>
-                        <a:t>Ethics</a:t>
-                      </a:r>
-                    </a:p>
-                  </a:txBody>
-                  <a:tcPr marL="8776" marR="8776" marT="9525" marB="0" anchor="b"/>
-                </a:tc>
-                <a:extLst>
-                  <a:ext uri="{0D108BD9-81ED-4DB2-BD59-A6C34878D82A}">
-                    <a16:rowId xmlns="" xmlns:a16="http://schemas.microsoft.com/office/drawing/2014/main" val="10002"/>
-                  </a:ext>
-                </a:extLst>
-              </a:tr>
-              <a:tr h="370840">
-                <a:tc>
-                  <a:txBody>
-                    <a:bodyPr/>
-                    <a:lstStyle/>
-                    <a:p>
-                      <a:pPr algn="ctr" fontAlgn="ctr"/>
-                      <a:r>
-                        <a:rPr lang="en-US" sz="1800" b="0" i="0" u="none" strike="noStrike" baseline="0" dirty="0">
-                          <a:solidFill>
-                            <a:srgbClr val="000000"/>
-                          </a:solidFill>
-                          <a:effectLst/>
-                          <a:latin typeface="Calibri" panose="020F0502020204030204" pitchFamily="34" charset="0"/>
-                        </a:rPr>
-                        <a:t>10:15</a:t>
-                      </a:r>
-                    </a:p>
-                  </a:txBody>
-                  <a:tcPr marL="8776" marR="8776" marT="9525" marB="0" anchor="ctr"/>
-                </a:tc>
-                <a:tc>
-                  <a:txBody>
-                    <a:bodyPr/>
-                    <a:lstStyle/>
-                    <a:p>
-                      <a:pPr algn="ctr" fontAlgn="ctr"/>
-                      <a:r>
-                        <a:rPr lang="en-US" sz="1800" b="0" i="0" u="none" strike="noStrike" baseline="0" dirty="0">
-                          <a:solidFill>
-                            <a:srgbClr val="000000"/>
-                          </a:solidFill>
-                          <a:effectLst/>
-                          <a:latin typeface="Calibri" panose="020F0502020204030204" pitchFamily="34" charset="0"/>
-                        </a:rPr>
-                        <a:t>10:45</a:t>
-                      </a:r>
-                    </a:p>
-                  </a:txBody>
-                  <a:tcPr marL="8776" marR="8776" marT="9525" marB="0" anchor="ctr"/>
-                </a:tc>
-                <a:tc>
-                  <a:txBody>
-                    <a:bodyPr/>
-                    <a:lstStyle/>
-                    <a:p>
-                      <a:pPr algn="l" fontAlgn="b"/>
-                      <a:r>
-                        <a:rPr lang="en-US" sz="1800" b="0" i="0" u="none" strike="noStrike" baseline="0" dirty="0">
-                          <a:solidFill>
-                            <a:srgbClr val="000000"/>
-                          </a:solidFill>
-                          <a:effectLst/>
-                          <a:latin typeface="Calibri" panose="020F0502020204030204" pitchFamily="34" charset="0"/>
-                        </a:rPr>
-                        <a:t>Personal Reflection Time </a:t>
-                      </a:r>
-                      <a:r>
-                        <a:rPr lang="en-US" sz="1800" b="0" i="1" u="none" strike="noStrike" baseline="0" dirty="0">
-                          <a:solidFill>
-                            <a:srgbClr val="000000"/>
-                          </a:solidFill>
-                          <a:effectLst/>
-                          <a:latin typeface="Calibri" panose="020F0502020204030204" pitchFamily="34" charset="0"/>
-                        </a:rPr>
-                        <a:t>– start your reflection paper</a:t>
-                      </a:r>
-                    </a:p>
-                  </a:txBody>
-                  <a:tcPr marL="8776" marR="8776" marT="9525" marB="0" anchor="b"/>
-                </a:tc>
-                <a:extLst>
-                  <a:ext uri="{0D108BD9-81ED-4DB2-BD59-A6C34878D82A}">
-                    <a16:rowId xmlns="" xmlns:a16="http://schemas.microsoft.com/office/drawing/2014/main" val="10003"/>
-                  </a:ext>
-                </a:extLst>
-              </a:tr>
-              <a:tr h="370840">
-                <a:tc>
-                  <a:txBody>
-                    <a:bodyPr/>
-                    <a:lstStyle/>
-                    <a:p>
-                      <a:pPr algn="ctr" fontAlgn="ctr"/>
-                      <a:r>
-                        <a:rPr lang="en-US" sz="1800" b="0" i="0" u="none" strike="noStrike" dirty="0">
-                          <a:solidFill>
-                            <a:srgbClr val="000000"/>
-                          </a:solidFill>
-                          <a:effectLst/>
-                          <a:latin typeface="Calibri" panose="020F0502020204030204" pitchFamily="34" charset="0"/>
-                        </a:rPr>
-                        <a:t>10:45</a:t>
-                      </a:r>
-                    </a:p>
-                  </a:txBody>
-                  <a:tcPr marL="8776" marR="8776" marT="9525" marB="0" anchor="ctr"/>
-                </a:tc>
-                <a:tc>
-                  <a:txBody>
-                    <a:bodyPr/>
-                    <a:lstStyle/>
-                    <a:p>
-                      <a:pPr algn="ctr" fontAlgn="ctr"/>
-                      <a:r>
-                        <a:rPr lang="en-US" sz="1800" b="0" i="0" u="none" strike="noStrike" dirty="0" smtClean="0">
-                          <a:solidFill>
-                            <a:srgbClr val="000000"/>
-                          </a:solidFill>
-                          <a:effectLst/>
-                          <a:latin typeface="Calibri" panose="020F0502020204030204" pitchFamily="34" charset="0"/>
-                        </a:rPr>
-                        <a:t>12:00</a:t>
-                      </a:r>
-                      <a:endParaRPr lang="en-US" sz="1800" b="0" i="0" u="none" strike="noStrike" dirty="0">
-                        <a:solidFill>
-                          <a:srgbClr val="000000"/>
-                        </a:solidFill>
-                        <a:effectLst/>
-                        <a:latin typeface="Calibri" panose="020F0502020204030204" pitchFamily="34" charset="0"/>
-                      </a:endParaRPr>
-                    </a:p>
-                  </a:txBody>
-                  <a:tcPr marL="8776" marR="8776" marT="9525" marB="0" anchor="ctr"/>
-                </a:tc>
-                <a:tc>
-                  <a:txBody>
-                    <a:bodyPr/>
-                    <a:lstStyle/>
-                    <a:p>
-                      <a:pPr algn="l" fontAlgn="b"/>
-                      <a:r>
-                        <a:rPr lang="en-US" sz="1800" b="0" i="0" u="none" strike="noStrike" dirty="0" smtClean="0">
-                          <a:solidFill>
-                            <a:srgbClr val="000000"/>
-                          </a:solidFill>
-                          <a:effectLst/>
-                          <a:latin typeface="Calibri" panose="020F0502020204030204" pitchFamily="34" charset="0"/>
-                        </a:rPr>
-                        <a:t>Regression</a:t>
-                      </a:r>
-                      <a:endParaRPr lang="en-US" sz="1800" b="0" i="0" u="none" strike="noStrike" dirty="0">
-                        <a:solidFill>
-                          <a:srgbClr val="000000"/>
-                        </a:solidFill>
-                        <a:effectLst/>
-                        <a:latin typeface="Calibri" panose="020F0502020204030204" pitchFamily="34" charset="0"/>
-                      </a:endParaRPr>
-                    </a:p>
-                  </a:txBody>
-                  <a:tcPr marL="8776" marR="8776" marT="9525" marB="0" anchor="b"/>
-                </a:tc>
-                <a:extLst>
-                  <a:ext uri="{0D108BD9-81ED-4DB2-BD59-A6C34878D82A}">
-                    <a16:rowId xmlns="" xmlns:a16="http://schemas.microsoft.com/office/drawing/2014/main" val="10004"/>
-                  </a:ext>
-                </a:extLst>
-              </a:tr>
-              <a:tr h="370840">
-                <a:tc>
-                  <a:txBody>
-                    <a:bodyPr/>
-                    <a:lstStyle/>
-                    <a:p>
-                      <a:pPr algn="ctr" fontAlgn="ctr"/>
-                      <a:r>
-                        <a:rPr lang="en-US" sz="1800" b="0" i="0" u="none" strike="noStrike" dirty="0">
-                          <a:solidFill>
-                            <a:srgbClr val="000000"/>
-                          </a:solidFill>
-                          <a:effectLst/>
-                          <a:latin typeface="Calibri" panose="020F0502020204030204" pitchFamily="34" charset="0"/>
-                        </a:rPr>
-                        <a:t>12:00</a:t>
-                      </a:r>
-                    </a:p>
-                  </a:txBody>
-                  <a:tcPr marL="8776" marR="8776" marT="9525" marB="0" anchor="ctr"/>
-                </a:tc>
-                <a:tc>
-                  <a:txBody>
-                    <a:bodyPr/>
-                    <a:lstStyle/>
-                    <a:p>
-                      <a:pPr algn="ctr" fontAlgn="ctr"/>
-                      <a:r>
-                        <a:rPr lang="en-US" sz="1800" b="0" i="0" u="none" strike="noStrike" dirty="0">
-                          <a:solidFill>
-                            <a:srgbClr val="000000"/>
-                          </a:solidFill>
-                          <a:effectLst/>
-                          <a:latin typeface="Calibri" panose="020F0502020204030204" pitchFamily="34" charset="0"/>
-                        </a:rPr>
-                        <a:t>1:30</a:t>
-                      </a:r>
-                    </a:p>
-                  </a:txBody>
-                  <a:tcPr marL="8776" marR="8776" marT="9525" marB="0" anchor="ctr"/>
-                </a:tc>
-                <a:tc>
-                  <a:txBody>
-                    <a:bodyPr/>
-                    <a:lstStyle/>
-                    <a:p>
-                      <a:pPr algn="l" fontAlgn="b"/>
-                      <a:r>
-                        <a:rPr lang="en-US" sz="1800" b="0" i="0" u="none" strike="noStrike" dirty="0">
-                          <a:solidFill>
-                            <a:srgbClr val="000000"/>
-                          </a:solidFill>
-                          <a:effectLst/>
-                          <a:latin typeface="Calibri" panose="020F0502020204030204" pitchFamily="34" charset="0"/>
-                        </a:rPr>
-                        <a:t>Lunch</a:t>
-                      </a:r>
-                    </a:p>
-                  </a:txBody>
-                  <a:tcPr marL="8776" marR="8776" marT="9525" marB="0" anchor="b"/>
-                </a:tc>
-                <a:extLst>
-                  <a:ext uri="{0D108BD9-81ED-4DB2-BD59-A6C34878D82A}">
-                    <a16:rowId xmlns="" xmlns:a16="http://schemas.microsoft.com/office/drawing/2014/main" val="10006"/>
-                  </a:ext>
-                </a:extLst>
-              </a:tr>
-              <a:tr h="370840">
-                <a:tc>
-                  <a:txBody>
-                    <a:bodyPr/>
-                    <a:lstStyle/>
-                    <a:p>
-                      <a:pPr algn="ctr" fontAlgn="ctr"/>
-                      <a:r>
-                        <a:rPr lang="en-US" sz="1800" b="0" i="0" u="none" strike="noStrike" dirty="0">
-                          <a:solidFill>
-                            <a:srgbClr val="000000"/>
-                          </a:solidFill>
-                          <a:effectLst/>
-                          <a:latin typeface="Calibri" panose="020F0502020204030204" pitchFamily="34" charset="0"/>
-                        </a:rPr>
-                        <a:t>1:30</a:t>
-                      </a:r>
-                    </a:p>
-                  </a:txBody>
-                  <a:tcPr marL="8776" marR="8776" marT="9525" marB="0" anchor="ctr"/>
-                </a:tc>
-                <a:tc>
-                  <a:txBody>
-                    <a:bodyPr/>
-                    <a:lstStyle/>
-                    <a:p>
-                      <a:pPr algn="ctr" fontAlgn="ctr"/>
-                      <a:r>
-                        <a:rPr lang="en-US" sz="1800" b="0" i="0" u="none" strike="noStrike" dirty="0">
-                          <a:solidFill>
-                            <a:srgbClr val="000000"/>
-                          </a:solidFill>
-                          <a:effectLst/>
-                          <a:latin typeface="Calibri" panose="020F0502020204030204" pitchFamily="34" charset="0"/>
-                        </a:rPr>
-                        <a:t>2:30</a:t>
-                      </a:r>
-                    </a:p>
-                  </a:txBody>
-                  <a:tcPr marL="8776" marR="8776" marT="9525" marB="0" anchor="ctr"/>
-                </a:tc>
-                <a:tc>
-                  <a:txBody>
-                    <a:bodyPr/>
-                    <a:lstStyle/>
-                    <a:p>
-                      <a:pPr marL="0" marR="0" lvl="0" indent="0" algn="l" defTabSz="685800" rtl="0" eaLnBrk="1" fontAlgn="b" latinLnBrk="0" hangingPunct="1">
-                        <a:lnSpc>
-                          <a:spcPct val="100000"/>
-                        </a:lnSpc>
-                        <a:spcBef>
-                          <a:spcPts val="0"/>
-                        </a:spcBef>
-                        <a:spcAft>
-                          <a:spcPts val="0"/>
-                        </a:spcAft>
-                        <a:buClrTx/>
-                        <a:buSzTx/>
-                        <a:buFontTx/>
-                        <a:buNone/>
-                        <a:tabLst/>
-                        <a:defRPr/>
-                      </a:pPr>
-                      <a:r>
-                        <a:rPr lang="en-US" sz="1800" b="0" i="0" u="none" strike="noStrike" dirty="0" smtClean="0">
-                          <a:solidFill>
-                            <a:srgbClr val="000000"/>
-                          </a:solidFill>
-                          <a:effectLst/>
-                          <a:latin typeface="Calibri" panose="020F0502020204030204" pitchFamily="34" charset="0"/>
-                        </a:rPr>
-                        <a:t>Classification</a:t>
-                      </a:r>
-                      <a:r>
-                        <a:rPr lang="en-US" sz="1800" b="0" i="0" u="none" strike="noStrike" baseline="0" dirty="0" smtClean="0">
-                          <a:solidFill>
-                            <a:srgbClr val="000000"/>
-                          </a:solidFill>
-                          <a:effectLst/>
-                          <a:latin typeface="Calibri" panose="020F0502020204030204" pitchFamily="34" charset="0"/>
-                        </a:rPr>
-                        <a:t>s methods for </a:t>
-                      </a:r>
-                      <a:r>
-                        <a:rPr lang="en-US" sz="1800" b="0" i="0" u="none" strike="noStrike" baseline="0" dirty="0" smtClean="0">
-                          <a:solidFill>
-                            <a:srgbClr val="000000"/>
-                          </a:solidFill>
-                          <a:effectLst/>
-                          <a:latin typeface="Calibri" panose="020F0502020204030204" pitchFamily="34" charset="0"/>
-                        </a:rPr>
-                        <a:t>text</a:t>
-                      </a:r>
-                      <a:endParaRPr lang="en-US" sz="1800" b="0" i="0" u="none" strike="noStrike" dirty="0" smtClean="0">
-                        <a:solidFill>
-                          <a:srgbClr val="000000"/>
-                        </a:solidFill>
-                        <a:effectLst/>
-                        <a:latin typeface="Calibri" panose="020F0502020204030204" pitchFamily="34" charset="0"/>
-                      </a:endParaRPr>
-                    </a:p>
-                  </a:txBody>
-                  <a:tcPr marL="8776" marR="8776" marT="9525" marB="0" anchor="b"/>
-                </a:tc>
-                <a:extLst>
-                  <a:ext uri="{0D108BD9-81ED-4DB2-BD59-A6C34878D82A}">
-                    <a16:rowId xmlns="" xmlns:a16="http://schemas.microsoft.com/office/drawing/2014/main" val="10007"/>
-                  </a:ext>
-                </a:extLst>
-              </a:tr>
-              <a:tr h="370840">
-                <a:tc>
-                  <a:txBody>
-                    <a:bodyPr/>
-                    <a:lstStyle/>
-                    <a:p>
-                      <a:pPr algn="ctr" fontAlgn="ctr"/>
-                      <a:r>
-                        <a:rPr lang="en-US" sz="1800" b="0" i="0" u="none" strike="noStrike" dirty="0">
-                          <a:solidFill>
-                            <a:srgbClr val="000000"/>
-                          </a:solidFill>
-                          <a:effectLst/>
-                          <a:latin typeface="Calibri" panose="020F0502020204030204" pitchFamily="34" charset="0"/>
-                        </a:rPr>
-                        <a:t>2:30</a:t>
-                      </a:r>
-                    </a:p>
-                  </a:txBody>
-                  <a:tcPr marL="8776" marR="8776" marT="9525" marB="0" anchor="ctr"/>
-                </a:tc>
-                <a:tc>
-                  <a:txBody>
-                    <a:bodyPr/>
-                    <a:lstStyle/>
-                    <a:p>
-                      <a:pPr algn="ctr" fontAlgn="ctr"/>
-                      <a:r>
-                        <a:rPr lang="en-US" sz="1800" b="0" i="0" u="none" strike="noStrike" dirty="0">
-                          <a:solidFill>
-                            <a:srgbClr val="000000"/>
-                          </a:solidFill>
-                          <a:effectLst/>
-                          <a:latin typeface="Calibri" panose="020F0502020204030204" pitchFamily="34" charset="0"/>
-                        </a:rPr>
-                        <a:t>3:15</a:t>
-                      </a:r>
-                    </a:p>
-                  </a:txBody>
-                  <a:tcPr marL="8776" marR="8776" marT="9525" marB="0" anchor="ctr"/>
-                </a:tc>
-                <a:tc>
-                  <a:txBody>
-                    <a:bodyPr/>
-                    <a:lstStyle/>
-                    <a:p>
-                      <a:pPr algn="l" fontAlgn="b"/>
-                      <a:r>
-                        <a:rPr lang="en-US" sz="1800" b="0" i="0" u="none" strike="noStrike" dirty="0" smtClean="0">
-                          <a:solidFill>
-                            <a:srgbClr val="000000"/>
-                          </a:solidFill>
-                          <a:effectLst/>
-                          <a:latin typeface="Calibri" panose="020F0502020204030204" pitchFamily="34" charset="0"/>
-                        </a:rPr>
-                        <a:t>Lab</a:t>
-                      </a:r>
-                      <a:endParaRPr lang="en-US" sz="1800" b="0" i="0" u="none" strike="noStrike" dirty="0">
-                        <a:solidFill>
-                          <a:srgbClr val="000000"/>
-                        </a:solidFill>
-                        <a:effectLst/>
-                        <a:latin typeface="Calibri" panose="020F0502020204030204" pitchFamily="34" charset="0"/>
-                      </a:endParaRPr>
-                    </a:p>
-                  </a:txBody>
-                  <a:tcPr marL="8776" marR="8776" marT="9525" marB="0" anchor="b"/>
-                </a:tc>
-                <a:extLst>
-                  <a:ext uri="{0D108BD9-81ED-4DB2-BD59-A6C34878D82A}">
-                    <a16:rowId xmlns="" xmlns:a16="http://schemas.microsoft.com/office/drawing/2014/main" val="10008"/>
-                  </a:ext>
-                </a:extLst>
-              </a:tr>
-            </a:tbl>
-          </a:graphicData>
-        </a:graphic>
-      </p:graphicFrame>
-      <p:sp>
-        <p:nvSpPr>
-          <p:cNvPr id="5" name="Date Placeholder 4"/>
-          <p:cNvSpPr>
-            <a:spLocks noGrp="1"/>
-          </p:cNvSpPr>
-          <p:nvPr>
-            <p:ph type="dt" sz="half" idx="10"/>
-          </p:nvPr>
-        </p:nvSpPr>
-        <p:spPr/>
-        <p:txBody>
-          <a:bodyPr/>
-          <a:lstStyle/>
-          <a:p>
-            <a:fld id="{9B19E99B-5349-415A-8E56-8E989211A366}" type="datetime1">
-              <a:rPr lang="en-US" smtClean="0"/>
-              <a:t>6/6/2019</a:t>
-            </a:fld>
-            <a:endParaRPr lang="en-US"/>
-          </a:p>
-        </p:txBody>
-      </p:sp>
-      <p:sp>
-        <p:nvSpPr>
-          <p:cNvPr id="6" name="Footer Placeholder 5"/>
-          <p:cNvSpPr>
-            <a:spLocks noGrp="1"/>
-          </p:cNvSpPr>
-          <p:nvPr>
-            <p:ph type="ftr" sz="quarter" idx="3"/>
-          </p:nvPr>
-        </p:nvSpPr>
-        <p:spPr/>
-        <p:txBody>
-          <a:bodyPr/>
-          <a:lstStyle/>
-          <a:p>
-            <a:r>
-              <a:rPr lang="en-US" dirty="0"/>
-              <a:t>Kwartler</a:t>
-            </a:r>
-          </a:p>
-        </p:txBody>
-      </p:sp>
-      <p:sp>
-        <p:nvSpPr>
-          <p:cNvPr id="7" name="Slide Number Placeholder 6"/>
-          <p:cNvSpPr>
-            <a:spLocks noGrp="1"/>
-          </p:cNvSpPr>
-          <p:nvPr>
-            <p:ph type="sldNum" sz="quarter" idx="4"/>
-          </p:nvPr>
-        </p:nvSpPr>
-        <p:spPr/>
-        <p:txBody>
-          <a:bodyPr/>
-          <a:lstStyle/>
-          <a:p>
-            <a:fld id="{37290FF7-652B-4475-AEAB-8B1A5D23AE09}" type="slidenum">
-              <a:rPr lang="en-US" smtClean="0"/>
-              <a:t>2</a:t>
-            </a:fld>
-            <a:endParaRPr lang="en-US" dirty="0"/>
-          </a:p>
-        </p:txBody>
-      </p:sp>
-    </p:spTree>
-    <p:extLst>
-      <p:ext uri="{BB962C8B-B14F-4D97-AF65-F5344CB8AC3E}">
-        <p14:creationId xmlns:p14="http://schemas.microsoft.com/office/powerpoint/2010/main" val="3124903167"/>
-      </p:ext>
-    </p:extLst>
-  </p:cSld>
-  <p:clrMapOvr>
-    <a:masterClrMapping/>
-  </p:clrMapOvr>
-</p:sld>
-</file>
-
-<file path=ppt/slides/slide20.xml><?xml version="1.0" encoding="utf-8"?>
+<file path=ppt/slides/slide27.xml><?xml version="1.0" encoding="utf-8"?>
 <p:sld xmlns:a="http://schemas.openxmlformats.org/drawingml/2006/main" xmlns:r="http://schemas.openxmlformats.org/officeDocument/2006/relationships" xmlns:p="http://schemas.openxmlformats.org/presentationml/2006/main">
   <p:cSld>
     <p:spTree>
@@ -16052,7 +17875,7 @@
           <p:cNvPr id="38" name="Freeform 7">
             <a:extLst>
               <a:ext uri="{FF2B5EF4-FFF2-40B4-BE49-F238E27FC236}">
-                <a16:creationId xmlns="" xmlns:a16="http://schemas.microsoft.com/office/drawing/2014/main" id="{9C8E0813-2E88-477D-B0C4-C9CD54B8856C}"/>
+                <a16:creationId xmlns:a16="http://schemas.microsoft.com/office/drawing/2014/main" xmlns="" id="{9C8E0813-2E88-477D-B0C4-C9CD54B8856C}"/>
               </a:ext>
             </a:extLst>
           </p:cNvPr>
@@ -16634,7 +18457,7 @@
           <p:cNvPr id="2" name="Date Placeholder 1">
             <a:extLst>
               <a:ext uri="{FF2B5EF4-FFF2-40B4-BE49-F238E27FC236}">
-                <a16:creationId xmlns="" xmlns:a16="http://schemas.microsoft.com/office/drawing/2014/main" id="{5FB56E88-E4D3-44ED-B0BE-48DBFC8C6624}"/>
+                <a16:creationId xmlns:a16="http://schemas.microsoft.com/office/drawing/2014/main" xmlns="" id="{5FB56E88-E4D3-44ED-B0BE-48DBFC8C6624}"/>
               </a:ext>
             </a:extLst>
           </p:cNvPr>
@@ -16652,7 +18475,7 @@
           <a:p>
             <a:fld id="{6700A58B-DD98-43D0-B791-721480A02982}" type="datetime1">
               <a:rPr lang="en-US" smtClean="0"/>
-              <a:t>6/6/2019</a:t>
+              <a:t>6/19/2019</a:t>
             </a:fld>
             <a:endParaRPr lang="en-US"/>
           </a:p>
@@ -16663,7 +18486,7 @@
           <p:cNvPr id="3" name="Title 2">
             <a:extLst>
               <a:ext uri="{FF2B5EF4-FFF2-40B4-BE49-F238E27FC236}">
-                <a16:creationId xmlns="" xmlns:a16="http://schemas.microsoft.com/office/drawing/2014/main" id="{FF7E47BA-5606-47DC-A056-C21C8A5D1727}"/>
+                <a16:creationId xmlns:a16="http://schemas.microsoft.com/office/drawing/2014/main" xmlns="" id="{FF7E47BA-5606-47DC-A056-C21C8A5D1727}"/>
               </a:ext>
             </a:extLst>
           </p:cNvPr>
@@ -16691,7 +18514,7 @@
           <p:cNvPr id="4" name="Footer Placeholder 3">
             <a:extLst>
               <a:ext uri="{FF2B5EF4-FFF2-40B4-BE49-F238E27FC236}">
-                <a16:creationId xmlns="" xmlns:a16="http://schemas.microsoft.com/office/drawing/2014/main" id="{27935381-85EF-47CB-AFD8-E04E538ED33C}"/>
+                <a16:creationId xmlns:a16="http://schemas.microsoft.com/office/drawing/2014/main" xmlns="" id="{27935381-85EF-47CB-AFD8-E04E538ED33C}"/>
               </a:ext>
             </a:extLst>
           </p:cNvPr>
@@ -16720,7 +18543,7 @@
           <p:cNvPr id="5" name="Slide Number Placeholder 4">
             <a:extLst>
               <a:ext uri="{FF2B5EF4-FFF2-40B4-BE49-F238E27FC236}">
-                <a16:creationId xmlns="" xmlns:a16="http://schemas.microsoft.com/office/drawing/2014/main" id="{A14BC590-39B4-448C-AE6A-0254FB78192C}"/>
+                <a16:creationId xmlns:a16="http://schemas.microsoft.com/office/drawing/2014/main" xmlns="" id="{A14BC590-39B4-448C-AE6A-0254FB78192C}"/>
               </a:ext>
             </a:extLst>
           </p:cNvPr>
@@ -16739,7 +18562,7 @@
             <a:fld id="{37290FF7-652B-4475-AEAB-8B1A5D23AE09}" type="slidenum">
               <a:rPr lang="en-US" smtClean="0"/>
               <a:pPr/>
-              <a:t>20</a:t>
+              <a:t>27</a:t>
             </a:fld>
             <a:endParaRPr lang="en-US" dirty="0"/>
           </a:p>
@@ -16750,7 +18573,7 @@
           <p:cNvPr id="6" name="Freeform 181">
             <a:extLst>
               <a:ext uri="{FF2B5EF4-FFF2-40B4-BE49-F238E27FC236}">
-                <a16:creationId xmlns="" xmlns:a16="http://schemas.microsoft.com/office/drawing/2014/main" id="{2231FEE8-515F-443F-A000-1CF4D8643519}"/>
+                <a16:creationId xmlns:a16="http://schemas.microsoft.com/office/drawing/2014/main" xmlns="" id="{2231FEE8-515F-443F-A000-1CF4D8643519}"/>
               </a:ext>
             </a:extLst>
           </p:cNvPr>
@@ -16923,7 +18746,7 @@
           <p:cNvPr id="7" name="Freeform 182">
             <a:extLst>
               <a:ext uri="{FF2B5EF4-FFF2-40B4-BE49-F238E27FC236}">
-                <a16:creationId xmlns="" xmlns:a16="http://schemas.microsoft.com/office/drawing/2014/main" id="{37A4C6F3-4D66-478A-AEEC-F8E1C0F88D22}"/>
+                <a16:creationId xmlns:a16="http://schemas.microsoft.com/office/drawing/2014/main" xmlns="" id="{37A4C6F3-4D66-478A-AEEC-F8E1C0F88D22}"/>
               </a:ext>
             </a:extLst>
           </p:cNvPr>
@@ -17072,7 +18895,7 @@
           <p:cNvPr id="8" name="Freeform 184">
             <a:extLst>
               <a:ext uri="{FF2B5EF4-FFF2-40B4-BE49-F238E27FC236}">
-                <a16:creationId xmlns="" xmlns:a16="http://schemas.microsoft.com/office/drawing/2014/main" id="{82E50900-1B5C-4AE0-AC3B-67C5F78150BC}"/>
+                <a16:creationId xmlns:a16="http://schemas.microsoft.com/office/drawing/2014/main" xmlns="" id="{82E50900-1B5C-4AE0-AC3B-67C5F78150BC}"/>
               </a:ext>
             </a:extLst>
           </p:cNvPr>
@@ -17293,7 +19116,7 @@
           <p:cNvPr id="9" name="Freeform 185">
             <a:extLst>
               <a:ext uri="{FF2B5EF4-FFF2-40B4-BE49-F238E27FC236}">
-                <a16:creationId xmlns="" xmlns:a16="http://schemas.microsoft.com/office/drawing/2014/main" id="{838B901B-7E5D-48C4-9D1B-82CF15615029}"/>
+                <a16:creationId xmlns:a16="http://schemas.microsoft.com/office/drawing/2014/main" xmlns="" id="{838B901B-7E5D-48C4-9D1B-82CF15615029}"/>
               </a:ext>
             </a:extLst>
           </p:cNvPr>
@@ -17838,7 +19661,7 @@
           <p:cNvPr id="10" name="Freeform 186">
             <a:extLst>
               <a:ext uri="{FF2B5EF4-FFF2-40B4-BE49-F238E27FC236}">
-                <a16:creationId xmlns="" xmlns:a16="http://schemas.microsoft.com/office/drawing/2014/main" id="{408635E5-BF4E-4711-AC2C-3A5FD7430C41}"/>
+                <a16:creationId xmlns:a16="http://schemas.microsoft.com/office/drawing/2014/main" xmlns="" id="{408635E5-BF4E-4711-AC2C-3A5FD7430C41}"/>
               </a:ext>
             </a:extLst>
           </p:cNvPr>
@@ -18018,7 +19841,7 @@
           <p:cNvPr id="11" name="Freeform 187">
             <a:extLst>
               <a:ext uri="{FF2B5EF4-FFF2-40B4-BE49-F238E27FC236}">
-                <a16:creationId xmlns="" xmlns:a16="http://schemas.microsoft.com/office/drawing/2014/main" id="{34DBA75F-FA45-4BC3-BDC2-985CD2509AF9}"/>
+                <a16:creationId xmlns:a16="http://schemas.microsoft.com/office/drawing/2014/main" xmlns="" id="{34DBA75F-FA45-4BC3-BDC2-985CD2509AF9}"/>
               </a:ext>
             </a:extLst>
           </p:cNvPr>
@@ -18306,7 +20129,7 @@
           <p:cNvPr id="12" name="Group 11">
             <a:extLst>
               <a:ext uri="{FF2B5EF4-FFF2-40B4-BE49-F238E27FC236}">
-                <a16:creationId xmlns="" xmlns:a16="http://schemas.microsoft.com/office/drawing/2014/main" id="{72AADD22-DEF9-4E6F-B213-4FFA78B52EAA}"/>
+                <a16:creationId xmlns:a16="http://schemas.microsoft.com/office/drawing/2014/main" xmlns="" id="{72AADD22-DEF9-4E6F-B213-4FFA78B52EAA}"/>
               </a:ext>
             </a:extLst>
           </p:cNvPr>
@@ -18331,7 +20154,7 @@
             <p:cNvPr id="13" name="Freeform 188">
               <a:extLst>
                 <a:ext uri="{FF2B5EF4-FFF2-40B4-BE49-F238E27FC236}">
-                  <a16:creationId xmlns="" xmlns:a16="http://schemas.microsoft.com/office/drawing/2014/main" id="{63DFA5AF-71A7-4094-8E60-4B7E249E6DD7}"/>
+                  <a16:creationId xmlns:a16="http://schemas.microsoft.com/office/drawing/2014/main" xmlns="" id="{63DFA5AF-71A7-4094-8E60-4B7E249E6DD7}"/>
                 </a:ext>
               </a:extLst>
             </p:cNvPr>
@@ -18488,7 +20311,7 @@
             <p:cNvPr id="14" name="Freeform 189">
               <a:extLst>
                 <a:ext uri="{FF2B5EF4-FFF2-40B4-BE49-F238E27FC236}">
-                  <a16:creationId xmlns="" xmlns:a16="http://schemas.microsoft.com/office/drawing/2014/main" id="{5F244291-BAF4-4D0D-BE36-848A4260483E}"/>
+                  <a16:creationId xmlns:a16="http://schemas.microsoft.com/office/drawing/2014/main" xmlns="" id="{5F244291-BAF4-4D0D-BE36-848A4260483E}"/>
                 </a:ext>
               </a:extLst>
             </p:cNvPr>
@@ -18707,7 +20530,7 @@
           <p:cNvPr id="15" name="Freeform 190">
             <a:extLst>
               <a:ext uri="{FF2B5EF4-FFF2-40B4-BE49-F238E27FC236}">
-                <a16:creationId xmlns="" xmlns:a16="http://schemas.microsoft.com/office/drawing/2014/main" id="{3F9B4A63-C252-48CA-9AC4-9A4364FE05B9}"/>
+                <a16:creationId xmlns:a16="http://schemas.microsoft.com/office/drawing/2014/main" xmlns="" id="{3F9B4A63-C252-48CA-9AC4-9A4364FE05B9}"/>
               </a:ext>
             </a:extLst>
           </p:cNvPr>
@@ -19199,7 +21022,7 @@
           <p:cNvPr id="16" name="Freeform 191">
             <a:extLst>
               <a:ext uri="{FF2B5EF4-FFF2-40B4-BE49-F238E27FC236}">
-                <a16:creationId xmlns="" xmlns:a16="http://schemas.microsoft.com/office/drawing/2014/main" id="{EE8C6ABB-000B-4384-B166-65FA7FA934E1}"/>
+                <a16:creationId xmlns:a16="http://schemas.microsoft.com/office/drawing/2014/main" xmlns="" id="{EE8C6ABB-000B-4384-B166-65FA7FA934E1}"/>
               </a:ext>
             </a:extLst>
           </p:cNvPr>
@@ -19831,7 +21654,7 @@
           <p:cNvPr id="17" name="Freeform 192">
             <a:extLst>
               <a:ext uri="{FF2B5EF4-FFF2-40B4-BE49-F238E27FC236}">
-                <a16:creationId xmlns="" xmlns:a16="http://schemas.microsoft.com/office/drawing/2014/main" id="{053D0ED3-57E7-4084-8CF1-43D0A9B59FC8}"/>
+                <a16:creationId xmlns:a16="http://schemas.microsoft.com/office/drawing/2014/main" xmlns="" id="{053D0ED3-57E7-4084-8CF1-43D0A9B59FC8}"/>
               </a:ext>
             </a:extLst>
           </p:cNvPr>
@@ -20176,7 +21999,7 @@
           <p:cNvPr id="18" name="Freeform 193">
             <a:extLst>
               <a:ext uri="{FF2B5EF4-FFF2-40B4-BE49-F238E27FC236}">
-                <a16:creationId xmlns="" xmlns:a16="http://schemas.microsoft.com/office/drawing/2014/main" id="{3AAAEBD3-6D39-4C2C-94AC-8A120E5AE8EF}"/>
+                <a16:creationId xmlns:a16="http://schemas.microsoft.com/office/drawing/2014/main" xmlns="" id="{3AAAEBD3-6D39-4C2C-94AC-8A120E5AE8EF}"/>
               </a:ext>
             </a:extLst>
           </p:cNvPr>
@@ -20370,7 +22193,7 @@
           <p:cNvPr id="19" name="Freeform 194">
             <a:extLst>
               <a:ext uri="{FF2B5EF4-FFF2-40B4-BE49-F238E27FC236}">
-                <a16:creationId xmlns="" xmlns:a16="http://schemas.microsoft.com/office/drawing/2014/main" id="{67CDD8B7-745E-4389-A7E4-C03F0BC67E67}"/>
+                <a16:creationId xmlns:a16="http://schemas.microsoft.com/office/drawing/2014/main" xmlns="" id="{67CDD8B7-745E-4389-A7E4-C03F0BC67E67}"/>
               </a:ext>
             </a:extLst>
           </p:cNvPr>
@@ -20837,7 +22660,7 @@
           <p:cNvPr id="20" name="Freeform 195">
             <a:extLst>
               <a:ext uri="{FF2B5EF4-FFF2-40B4-BE49-F238E27FC236}">
-                <a16:creationId xmlns="" xmlns:a16="http://schemas.microsoft.com/office/drawing/2014/main" id="{DEADBD28-04BF-4C9A-9317-149412569CD6}"/>
+                <a16:creationId xmlns:a16="http://schemas.microsoft.com/office/drawing/2014/main" xmlns="" id="{DEADBD28-04BF-4C9A-9317-149412569CD6}"/>
               </a:ext>
             </a:extLst>
           </p:cNvPr>
@@ -21139,7 +22962,7 @@
           <p:cNvPr id="21" name="Freeform 196">
             <a:extLst>
               <a:ext uri="{FF2B5EF4-FFF2-40B4-BE49-F238E27FC236}">
-                <a16:creationId xmlns="" xmlns:a16="http://schemas.microsoft.com/office/drawing/2014/main" id="{829EB93D-E6D4-45B1-84E3-578432F7B570}"/>
+                <a16:creationId xmlns:a16="http://schemas.microsoft.com/office/drawing/2014/main" xmlns="" id="{829EB93D-E6D4-45B1-84E3-578432F7B570}"/>
               </a:ext>
             </a:extLst>
           </p:cNvPr>
@@ -21560,7 +23383,7 @@
           <p:cNvPr id="22" name="Freeform 197">
             <a:extLst>
               <a:ext uri="{FF2B5EF4-FFF2-40B4-BE49-F238E27FC236}">
-                <a16:creationId xmlns="" xmlns:a16="http://schemas.microsoft.com/office/drawing/2014/main" id="{E95A8F1D-21ED-42C9-A25B-50A379DE94CA}"/>
+                <a16:creationId xmlns:a16="http://schemas.microsoft.com/office/drawing/2014/main" xmlns="" id="{E95A8F1D-21ED-42C9-A25B-50A379DE94CA}"/>
               </a:ext>
             </a:extLst>
           </p:cNvPr>
@@ -22155,7 +23978,7 @@
           <p:cNvPr id="23" name="Freeform 198">
             <a:extLst>
               <a:ext uri="{FF2B5EF4-FFF2-40B4-BE49-F238E27FC236}">
-                <a16:creationId xmlns="" xmlns:a16="http://schemas.microsoft.com/office/drawing/2014/main" id="{86F60C3E-6AE7-42DC-9135-13AADAA77CFF}"/>
+                <a16:creationId xmlns:a16="http://schemas.microsoft.com/office/drawing/2014/main" xmlns="" id="{86F60C3E-6AE7-42DC-9135-13AADAA77CFF}"/>
               </a:ext>
             </a:extLst>
           </p:cNvPr>
@@ -22542,7 +24365,7 @@
           <p:cNvPr id="24" name="Freeform 199">
             <a:extLst>
               <a:ext uri="{FF2B5EF4-FFF2-40B4-BE49-F238E27FC236}">
-                <a16:creationId xmlns="" xmlns:a16="http://schemas.microsoft.com/office/drawing/2014/main" id="{CF1800AE-C35E-4E1C-B13C-A1EEB871425A}"/>
+                <a16:creationId xmlns:a16="http://schemas.microsoft.com/office/drawing/2014/main" xmlns="" id="{CF1800AE-C35E-4E1C-B13C-A1EEB871425A}"/>
               </a:ext>
             </a:extLst>
           </p:cNvPr>
@@ -22938,7 +24761,7 @@
           <p:cNvPr id="25" name="Freeform 83">
             <a:extLst>
               <a:ext uri="{FF2B5EF4-FFF2-40B4-BE49-F238E27FC236}">
-                <a16:creationId xmlns="" xmlns:a16="http://schemas.microsoft.com/office/drawing/2014/main" id="{7D04151F-336E-4CAA-AE5A-BE628B09AE1A}"/>
+                <a16:creationId xmlns:a16="http://schemas.microsoft.com/office/drawing/2014/main" xmlns="" id="{7D04151F-336E-4CAA-AE5A-BE628B09AE1A}"/>
               </a:ext>
             </a:extLst>
           </p:cNvPr>
@@ -23170,7 +24993,7 @@
           <p:cNvPr id="26" name="Freeform 171">
             <a:extLst>
               <a:ext uri="{FF2B5EF4-FFF2-40B4-BE49-F238E27FC236}">
-                <a16:creationId xmlns="" xmlns:a16="http://schemas.microsoft.com/office/drawing/2014/main" id="{7E56E5D5-8995-4691-8066-7986FBBBFB46}"/>
+                <a16:creationId xmlns:a16="http://schemas.microsoft.com/office/drawing/2014/main" xmlns="" id="{7E56E5D5-8995-4691-8066-7986FBBBFB46}"/>
               </a:ext>
             </a:extLst>
           </p:cNvPr>
@@ -23515,7 +25338,7 @@
           <p:cNvPr id="27" name="Freeform 172">
             <a:extLst>
               <a:ext uri="{FF2B5EF4-FFF2-40B4-BE49-F238E27FC236}">
-                <a16:creationId xmlns="" xmlns:a16="http://schemas.microsoft.com/office/drawing/2014/main" id="{71191A1B-1C2B-4968-969D-B4251D10162A}"/>
+                <a16:creationId xmlns:a16="http://schemas.microsoft.com/office/drawing/2014/main" xmlns="" id="{71191A1B-1C2B-4968-969D-B4251D10162A}"/>
               </a:ext>
             </a:extLst>
           </p:cNvPr>
@@ -23833,7 +25656,7 @@
           <p:cNvPr id="28" name="Freeform 173">
             <a:extLst>
               <a:ext uri="{FF2B5EF4-FFF2-40B4-BE49-F238E27FC236}">
-                <a16:creationId xmlns="" xmlns:a16="http://schemas.microsoft.com/office/drawing/2014/main" id="{6AB34B48-861F-4B4D-9F08-E3C81FF894A9}"/>
+                <a16:creationId xmlns:a16="http://schemas.microsoft.com/office/drawing/2014/main" xmlns="" id="{6AB34B48-861F-4B4D-9F08-E3C81FF894A9}"/>
               </a:ext>
             </a:extLst>
           </p:cNvPr>
@@ -24033,7 +25856,7 @@
           <p:cNvPr id="29" name="Freeform 174">
             <a:extLst>
               <a:ext uri="{FF2B5EF4-FFF2-40B4-BE49-F238E27FC236}">
-                <a16:creationId xmlns="" xmlns:a16="http://schemas.microsoft.com/office/drawing/2014/main" id="{EDBF8775-110C-4757-B4C5-346D98E1C6BA}"/>
+                <a16:creationId xmlns:a16="http://schemas.microsoft.com/office/drawing/2014/main" xmlns="" id="{EDBF8775-110C-4757-B4C5-346D98E1C6BA}"/>
               </a:ext>
             </a:extLst>
           </p:cNvPr>
@@ -24409,7 +26232,7 @@
           <p:cNvPr id="30" name="Freeform 175">
             <a:extLst>
               <a:ext uri="{FF2B5EF4-FFF2-40B4-BE49-F238E27FC236}">
-                <a16:creationId xmlns="" xmlns:a16="http://schemas.microsoft.com/office/drawing/2014/main" id="{16895527-A354-43DC-B294-61BC13B11774}"/>
+                <a16:creationId xmlns:a16="http://schemas.microsoft.com/office/drawing/2014/main" xmlns="" id="{16895527-A354-43DC-B294-61BC13B11774}"/>
               </a:ext>
             </a:extLst>
           </p:cNvPr>
@@ -24899,7 +26722,7 @@
           <p:cNvPr id="31" name="Freeform 176">
             <a:extLst>
               <a:ext uri="{FF2B5EF4-FFF2-40B4-BE49-F238E27FC236}">
-                <a16:creationId xmlns="" xmlns:a16="http://schemas.microsoft.com/office/drawing/2014/main" id="{DB77B68C-035E-4499-BD3B-9588968F70FB}"/>
+                <a16:creationId xmlns:a16="http://schemas.microsoft.com/office/drawing/2014/main" xmlns="" id="{DB77B68C-035E-4499-BD3B-9588968F70FB}"/>
               </a:ext>
             </a:extLst>
           </p:cNvPr>
@@ -25267,7 +27090,7 @@
           <p:cNvPr id="32" name="Group 31">
             <a:extLst>
               <a:ext uri="{FF2B5EF4-FFF2-40B4-BE49-F238E27FC236}">
-                <a16:creationId xmlns="" xmlns:a16="http://schemas.microsoft.com/office/drawing/2014/main" id="{C7D2DB93-8644-4294-B58F-FFE92A564A42}"/>
+                <a16:creationId xmlns:a16="http://schemas.microsoft.com/office/drawing/2014/main" xmlns="" id="{C7D2DB93-8644-4294-B58F-FFE92A564A42}"/>
               </a:ext>
             </a:extLst>
           </p:cNvPr>
@@ -25292,7 +27115,7 @@
             <p:cNvPr id="33" name="Freeform 177">
               <a:extLst>
                 <a:ext uri="{FF2B5EF4-FFF2-40B4-BE49-F238E27FC236}">
-                  <a16:creationId xmlns="" xmlns:a16="http://schemas.microsoft.com/office/drawing/2014/main" id="{3CDEA777-9BB1-43F6-B8E6-C13CB2B16C8D}"/>
+                  <a16:creationId xmlns:a16="http://schemas.microsoft.com/office/drawing/2014/main" xmlns="" id="{3CDEA777-9BB1-43F6-B8E6-C13CB2B16C8D}"/>
                 </a:ext>
               </a:extLst>
             </p:cNvPr>
@@ -25641,7 +27464,7 @@
             <p:cNvPr id="34" name="Freeform 178">
               <a:extLst>
                 <a:ext uri="{FF2B5EF4-FFF2-40B4-BE49-F238E27FC236}">
-                  <a16:creationId xmlns="" xmlns:a16="http://schemas.microsoft.com/office/drawing/2014/main" id="{5E0E3FB3-CC9B-4542-8F4E-3BD0F475B90D}"/>
+                  <a16:creationId xmlns:a16="http://schemas.microsoft.com/office/drawing/2014/main" xmlns="" id="{5E0E3FB3-CC9B-4542-8F4E-3BD0F475B90D}"/>
                 </a:ext>
               </a:extLst>
             </p:cNvPr>
@@ -25752,7 +27575,7 @@
           <p:cNvPr id="35" name="Freeform 179">
             <a:extLst>
               <a:ext uri="{FF2B5EF4-FFF2-40B4-BE49-F238E27FC236}">
-                <a16:creationId xmlns="" xmlns:a16="http://schemas.microsoft.com/office/drawing/2014/main" id="{4446E083-184A-43D3-B878-FE19F4BF8918}"/>
+                <a16:creationId xmlns:a16="http://schemas.microsoft.com/office/drawing/2014/main" xmlns="" id="{4446E083-184A-43D3-B878-FE19F4BF8918}"/>
               </a:ext>
             </a:extLst>
           </p:cNvPr>
@@ -26077,7 +27900,7 @@
           <p:cNvPr id="36" name="Freeform 180">
             <a:extLst>
               <a:ext uri="{FF2B5EF4-FFF2-40B4-BE49-F238E27FC236}">
-                <a16:creationId xmlns="" xmlns:a16="http://schemas.microsoft.com/office/drawing/2014/main" id="{5E717D27-3BA5-4578-82BE-C72A07D92D9B}"/>
+                <a16:creationId xmlns:a16="http://schemas.microsoft.com/office/drawing/2014/main" xmlns="" id="{5E717D27-3BA5-4578-82BE-C72A07D92D9B}"/>
               </a:ext>
             </a:extLst>
           </p:cNvPr>
@@ -26482,7 +28305,7 @@
           <p:cNvPr id="37" name="Freeform 183">
             <a:extLst>
               <a:ext uri="{FF2B5EF4-FFF2-40B4-BE49-F238E27FC236}">
-                <a16:creationId xmlns="" xmlns:a16="http://schemas.microsoft.com/office/drawing/2014/main" id="{29AA7E78-9629-4C0C-B3AB-6978895BEB85}"/>
+                <a16:creationId xmlns:a16="http://schemas.microsoft.com/office/drawing/2014/main" xmlns="" id="{29AA7E78-9629-4C0C-B3AB-6978895BEB85}"/>
               </a:ext>
             </a:extLst>
           </p:cNvPr>
@@ -26760,7 +28583,7 @@
 </p:sld>
 </file>
 
-<file path=ppt/slides/slide21.xml><?xml version="1.0" encoding="utf-8"?>
+<file path=ppt/slides/slide28.xml><?xml version="1.0" encoding="utf-8"?>
 <p:sld xmlns:a="http://schemas.openxmlformats.org/drawingml/2006/main" xmlns:r="http://schemas.openxmlformats.org/officeDocument/2006/relationships" xmlns:p="http://schemas.openxmlformats.org/presentationml/2006/main">
   <p:cSld>
     <p:spTree>
@@ -26782,7 +28605,7 @@
           <p:cNvPr id="2" name="Date Placeholder 1">
             <a:extLst>
               <a:ext uri="{FF2B5EF4-FFF2-40B4-BE49-F238E27FC236}">
-                <a16:creationId xmlns="" xmlns:a16="http://schemas.microsoft.com/office/drawing/2014/main" id="{A91FB931-F997-46A7-93DE-9A3EE17467E3}"/>
+                <a16:creationId xmlns:a16="http://schemas.microsoft.com/office/drawing/2014/main" xmlns="" id="{A91FB931-F997-46A7-93DE-9A3EE17467E3}"/>
               </a:ext>
             </a:extLst>
           </p:cNvPr>
@@ -26800,7 +28623,7 @@
           <a:p>
             <a:fld id="{6700A58B-DD98-43D0-B791-721480A02982}" type="datetime1">
               <a:rPr lang="en-US" smtClean="0"/>
-              <a:t>6/6/2019</a:t>
+              <a:t>6/19/2019</a:t>
             </a:fld>
             <a:endParaRPr lang="en-US"/>
           </a:p>
@@ -26811,7 +28634,7 @@
           <p:cNvPr id="3" name="Title 2">
             <a:extLst>
               <a:ext uri="{FF2B5EF4-FFF2-40B4-BE49-F238E27FC236}">
-                <a16:creationId xmlns="" xmlns:a16="http://schemas.microsoft.com/office/drawing/2014/main" id="{CB9ADBA8-E110-4FE6-8A76-79A4A67FD1B9}"/>
+                <a16:creationId xmlns:a16="http://schemas.microsoft.com/office/drawing/2014/main" xmlns="" id="{CB9ADBA8-E110-4FE6-8A76-79A4A67FD1B9}"/>
               </a:ext>
             </a:extLst>
           </p:cNvPr>
@@ -26839,7 +28662,7 @@
           <p:cNvPr id="4" name="Footer Placeholder 3">
             <a:extLst>
               <a:ext uri="{FF2B5EF4-FFF2-40B4-BE49-F238E27FC236}">
-                <a16:creationId xmlns="" xmlns:a16="http://schemas.microsoft.com/office/drawing/2014/main" id="{50FF3FD3-ADE3-47F9-AA41-38FF76CFF456}"/>
+                <a16:creationId xmlns:a16="http://schemas.microsoft.com/office/drawing/2014/main" xmlns="" id="{50FF3FD3-ADE3-47F9-AA41-38FF76CFF456}"/>
               </a:ext>
             </a:extLst>
           </p:cNvPr>
@@ -26868,7 +28691,7 @@
           <p:cNvPr id="5" name="Slide Number Placeholder 4">
             <a:extLst>
               <a:ext uri="{FF2B5EF4-FFF2-40B4-BE49-F238E27FC236}">
-                <a16:creationId xmlns="" xmlns:a16="http://schemas.microsoft.com/office/drawing/2014/main" id="{24C91A25-B311-4041-859E-BEF818329BFF}"/>
+                <a16:creationId xmlns:a16="http://schemas.microsoft.com/office/drawing/2014/main" xmlns="" id="{24C91A25-B311-4041-859E-BEF818329BFF}"/>
               </a:ext>
             </a:extLst>
           </p:cNvPr>
@@ -26887,7 +28710,7 @@
             <a:fld id="{37290FF7-652B-4475-AEAB-8B1A5D23AE09}" type="slidenum">
               <a:rPr lang="en-US" smtClean="0"/>
               <a:pPr/>
-              <a:t>21</a:t>
+              <a:t>28</a:t>
             </a:fld>
             <a:endParaRPr lang="en-US" dirty="0"/>
           </a:p>
@@ -26898,7 +28721,7 @@
           <p:cNvPr id="6" name="Picture 5">
             <a:extLst>
               <a:ext uri="{FF2B5EF4-FFF2-40B4-BE49-F238E27FC236}">
-                <a16:creationId xmlns="" xmlns:a16="http://schemas.microsoft.com/office/drawing/2014/main" id="{4A12B022-21E3-42A7-92E9-EDC2AD50781B}"/>
+                <a16:creationId xmlns:a16="http://schemas.microsoft.com/office/drawing/2014/main" xmlns="" id="{4A12B022-21E3-42A7-92E9-EDC2AD50781B}"/>
               </a:ext>
             </a:extLst>
           </p:cNvPr>
@@ -26928,7 +28751,7 @@
           <p:cNvPr id="7" name="Picture 6">
             <a:extLst>
               <a:ext uri="{FF2B5EF4-FFF2-40B4-BE49-F238E27FC236}">
-                <a16:creationId xmlns="" xmlns:a16="http://schemas.microsoft.com/office/drawing/2014/main" id="{164CED04-C4EE-4670-917C-509E2A73366B}"/>
+                <a16:creationId xmlns:a16="http://schemas.microsoft.com/office/drawing/2014/main" xmlns="" id="{164CED04-C4EE-4670-917C-509E2A73366B}"/>
               </a:ext>
             </a:extLst>
           </p:cNvPr>
@@ -26958,7 +28781,7 @@
           <p:cNvPr id="8" name="Rectangle 7">
             <a:extLst>
               <a:ext uri="{FF2B5EF4-FFF2-40B4-BE49-F238E27FC236}">
-                <a16:creationId xmlns="" xmlns:a16="http://schemas.microsoft.com/office/drawing/2014/main" id="{267279BA-F8E3-425D-8675-F75C7973865A}"/>
+                <a16:creationId xmlns:a16="http://schemas.microsoft.com/office/drawing/2014/main" xmlns="" id="{267279BA-F8E3-425D-8675-F75C7973865A}"/>
               </a:ext>
             </a:extLst>
           </p:cNvPr>
@@ -27042,7 +28865,7 @@
           <p:cNvPr id="9" name="Freeform 183">
             <a:extLst>
               <a:ext uri="{FF2B5EF4-FFF2-40B4-BE49-F238E27FC236}">
-                <a16:creationId xmlns="" xmlns:a16="http://schemas.microsoft.com/office/drawing/2014/main" id="{1AA04D65-B8D2-4923-B60C-5DF9E6C56841}"/>
+                <a16:creationId xmlns:a16="http://schemas.microsoft.com/office/drawing/2014/main" xmlns="" id="{1AA04D65-B8D2-4923-B60C-5DF9E6C56841}"/>
               </a:ext>
             </a:extLst>
           </p:cNvPr>
@@ -27320,7 +29143,7 @@
 </p:sld>
 </file>
 
-<file path=ppt/slides/slide22.xml><?xml version="1.0" encoding="utf-8"?>
+<file path=ppt/slides/slide29.xml><?xml version="1.0" encoding="utf-8"?>
 <p:sld xmlns:a="http://schemas.openxmlformats.org/drawingml/2006/main" xmlns:r="http://schemas.openxmlformats.org/officeDocument/2006/relationships" xmlns:p="http://schemas.openxmlformats.org/presentationml/2006/main">
   <p:cSld>
     <p:spTree>
@@ -27342,7 +29165,7 @@
           <p:cNvPr id="2" name="Date Placeholder 1">
             <a:extLst>
               <a:ext uri="{FF2B5EF4-FFF2-40B4-BE49-F238E27FC236}">
-                <a16:creationId xmlns="" xmlns:a16="http://schemas.microsoft.com/office/drawing/2014/main" id="{5760E709-04B5-4B6E-AEBF-5F946CF99CD9}"/>
+                <a16:creationId xmlns:a16="http://schemas.microsoft.com/office/drawing/2014/main" xmlns="" id="{5760E709-04B5-4B6E-AEBF-5F946CF99CD9}"/>
               </a:ext>
             </a:extLst>
           </p:cNvPr>
@@ -27360,7 +29183,7 @@
           <a:p>
             <a:fld id="{6700A58B-DD98-43D0-B791-721480A02982}" type="datetime1">
               <a:rPr lang="en-US" smtClean="0"/>
-              <a:t>6/6/2019</a:t>
+              <a:t>6/19/2019</a:t>
             </a:fld>
             <a:endParaRPr lang="en-US"/>
           </a:p>
@@ -27371,7 +29194,7 @@
           <p:cNvPr id="3" name="Title 2">
             <a:extLst>
               <a:ext uri="{FF2B5EF4-FFF2-40B4-BE49-F238E27FC236}">
-                <a16:creationId xmlns="" xmlns:a16="http://schemas.microsoft.com/office/drawing/2014/main" id="{5E3A13F0-F177-4DC1-82CE-70C14FA19C26}"/>
+                <a16:creationId xmlns:a16="http://schemas.microsoft.com/office/drawing/2014/main" xmlns="" id="{5E3A13F0-F177-4DC1-82CE-70C14FA19C26}"/>
               </a:ext>
             </a:extLst>
           </p:cNvPr>
@@ -27399,7 +29222,7 @@
           <p:cNvPr id="4" name="Footer Placeholder 3">
             <a:extLst>
               <a:ext uri="{FF2B5EF4-FFF2-40B4-BE49-F238E27FC236}">
-                <a16:creationId xmlns="" xmlns:a16="http://schemas.microsoft.com/office/drawing/2014/main" id="{B5894009-A226-40D3-9F1B-30557AFAAD30}"/>
+                <a16:creationId xmlns:a16="http://schemas.microsoft.com/office/drawing/2014/main" xmlns="" id="{B5894009-A226-40D3-9F1B-30557AFAAD30}"/>
               </a:ext>
             </a:extLst>
           </p:cNvPr>
@@ -27428,7 +29251,7 @@
           <p:cNvPr id="5" name="Slide Number Placeholder 4">
             <a:extLst>
               <a:ext uri="{FF2B5EF4-FFF2-40B4-BE49-F238E27FC236}">
-                <a16:creationId xmlns="" xmlns:a16="http://schemas.microsoft.com/office/drawing/2014/main" id="{687B5AED-77A3-48F9-845B-CAD51BC2DA08}"/>
+                <a16:creationId xmlns:a16="http://schemas.microsoft.com/office/drawing/2014/main" xmlns="" id="{687B5AED-77A3-48F9-845B-CAD51BC2DA08}"/>
               </a:ext>
             </a:extLst>
           </p:cNvPr>
@@ -27447,7 +29270,7 @@
             <a:fld id="{37290FF7-652B-4475-AEAB-8B1A5D23AE09}" type="slidenum">
               <a:rPr lang="en-US" smtClean="0"/>
               <a:pPr/>
-              <a:t>22</a:t>
+              <a:t>29</a:t>
             </a:fld>
             <a:endParaRPr lang="en-US" dirty="0"/>
           </a:p>
@@ -27458,7 +29281,7 @@
           <p:cNvPr id="6" name="TextBox 5">
             <a:extLst>
               <a:ext uri="{FF2B5EF4-FFF2-40B4-BE49-F238E27FC236}">
-                <a16:creationId xmlns="" xmlns:a16="http://schemas.microsoft.com/office/drawing/2014/main" id="{ADBB203A-3342-4BB0-B915-AD10CFD27B57}"/>
+                <a16:creationId xmlns:a16="http://schemas.microsoft.com/office/drawing/2014/main" xmlns="" id="{ADBB203A-3342-4BB0-B915-AD10CFD27B57}"/>
               </a:ext>
             </a:extLst>
           </p:cNvPr>
@@ -27468,7 +29291,7 @@
         <p:spPr>
           <a:xfrm>
             <a:off x="5344" y="1789471"/>
-            <a:ext cx="8097649" cy="2308324"/>
+            <a:ext cx="8097649" cy="2585323"/>
           </a:xfrm>
           <a:prstGeom prst="rect">
             <a:avLst/>
@@ -27521,8 +29344,13 @@
             </a:pPr>
             <a:r>
               <a:rPr lang="en-US" dirty="0"/>
-              <a:t>Author context/Safety: “public” figures, at-risk populations (LGBTQ), protester</a:t>
+              <a:t>Author context/Safety: “public” figures, at-risk populations (LGBTQ), </a:t>
             </a:r>
+            <a:r>
+              <a:rPr lang="en-US" dirty="0" smtClean="0"/>
+              <a:t>political protesters</a:t>
+            </a:r>
+            <a:endParaRPr lang="en-US" dirty="0"/>
           </a:p>
           <a:p>
             <a:pPr marL="285750" indent="-285750">
@@ -27548,7 +29376,7 @@
           <p:cNvPr id="7" name="Rectangle 6">
             <a:extLst>
               <a:ext uri="{FF2B5EF4-FFF2-40B4-BE49-F238E27FC236}">
-                <a16:creationId xmlns="" xmlns:a16="http://schemas.microsoft.com/office/drawing/2014/main" id="{434FEFBB-0471-4C3A-B8AA-674A9D6D37A3}"/>
+                <a16:creationId xmlns:a16="http://schemas.microsoft.com/office/drawing/2014/main" xmlns="" id="{434FEFBB-0471-4C3A-B8AA-674A9D6D37A3}"/>
               </a:ext>
             </a:extLst>
           </p:cNvPr>
@@ -27666,7 +29494,254 @@
 </p:sld>
 </file>
 
-<file path=ppt/slides/slide23.xml><?xml version="1.0" encoding="utf-8"?>
+<file path=ppt/slides/slide3.xml><?xml version="1.0" encoding="utf-8"?>
+<p:sld xmlns:a="http://schemas.openxmlformats.org/drawingml/2006/main" xmlns:r="http://schemas.openxmlformats.org/officeDocument/2006/relationships" xmlns:p="http://schemas.openxmlformats.org/presentationml/2006/main">
+  <p:cSld>
+    <p:spTree>
+      <p:nvGrpSpPr>
+        <p:cNvPr id="1" name=""/>
+        <p:cNvGrpSpPr/>
+        <p:nvPr/>
+      </p:nvGrpSpPr>
+      <p:grpSpPr>
+        <a:xfrm>
+          <a:off x="0" y="0"/>
+          <a:ext cx="0" cy="0"/>
+          <a:chOff x="0" y="0"/>
+          <a:chExt cx="0" cy="0"/>
+        </a:xfrm>
+      </p:grpSpPr>
+      <p:sp>
+        <p:nvSpPr>
+          <p:cNvPr id="2" name="Date Placeholder 1">
+            <a:extLst>
+              <a:ext uri="{FF2B5EF4-FFF2-40B4-BE49-F238E27FC236}">
+                <a16:creationId xmlns:a16="http://schemas.microsoft.com/office/drawing/2014/main" xmlns="" id="{1A1AFFF3-89B0-4769-AEDD-2363802213A3}"/>
+              </a:ext>
+            </a:extLst>
+          </p:cNvPr>
+          <p:cNvSpPr>
+            <a:spLocks noGrp="1"/>
+          </p:cNvSpPr>
+          <p:nvPr>
+            <p:ph type="dt" sz="half" idx="10"/>
+          </p:nvPr>
+        </p:nvSpPr>
+        <p:spPr/>
+        <p:txBody>
+          <a:bodyPr/>
+          <a:lstStyle/>
+          <a:p>
+            <a:fld id="{6700A58B-DD98-43D0-B791-721480A02982}" type="datetime1">
+              <a:rPr lang="en-US" smtClean="0"/>
+              <a:t>6/19/2019</a:t>
+            </a:fld>
+            <a:endParaRPr lang="en-US"/>
+          </a:p>
+        </p:txBody>
+      </p:sp>
+      <p:sp>
+        <p:nvSpPr>
+          <p:cNvPr id="3" name="Title 2">
+            <a:extLst>
+              <a:ext uri="{FF2B5EF4-FFF2-40B4-BE49-F238E27FC236}">
+                <a16:creationId xmlns:a16="http://schemas.microsoft.com/office/drawing/2014/main" xmlns="" id="{11B8BB4E-D859-4F83-A200-38256CB97197}"/>
+              </a:ext>
+            </a:extLst>
+          </p:cNvPr>
+          <p:cNvSpPr>
+            <a:spLocks noGrp="1"/>
+          </p:cNvSpPr>
+          <p:nvPr>
+            <p:ph type="title"/>
+          </p:nvPr>
+        </p:nvSpPr>
+        <p:spPr/>
+        <p:txBody>
+          <a:bodyPr/>
+          <a:lstStyle/>
+          <a:p>
+            <a:r>
+              <a:rPr lang="en-US" dirty="0"/>
+              <a:t>Definition of Ethics</a:t>
+            </a:r>
+          </a:p>
+        </p:txBody>
+      </p:sp>
+      <p:sp>
+        <p:nvSpPr>
+          <p:cNvPr id="4" name="Footer Placeholder 3">
+            <a:extLst>
+              <a:ext uri="{FF2B5EF4-FFF2-40B4-BE49-F238E27FC236}">
+                <a16:creationId xmlns:a16="http://schemas.microsoft.com/office/drawing/2014/main" xmlns="" id="{BB795DCA-1B54-498D-B310-4CEF8F52823E}"/>
+              </a:ext>
+            </a:extLst>
+          </p:cNvPr>
+          <p:cNvSpPr>
+            <a:spLocks noGrp="1"/>
+          </p:cNvSpPr>
+          <p:nvPr>
+            <p:ph type="ftr" sz="quarter" idx="3"/>
+          </p:nvPr>
+        </p:nvSpPr>
+        <p:spPr/>
+        <p:txBody>
+          <a:bodyPr/>
+          <a:lstStyle/>
+          <a:p>
+            <a:r>
+              <a:rPr lang="en-US"/>
+              <a:t>Kwartler</a:t>
+            </a:r>
+            <a:endParaRPr lang="en-US" dirty="0"/>
+          </a:p>
+        </p:txBody>
+      </p:sp>
+      <p:sp>
+        <p:nvSpPr>
+          <p:cNvPr id="5" name="Slide Number Placeholder 4">
+            <a:extLst>
+              <a:ext uri="{FF2B5EF4-FFF2-40B4-BE49-F238E27FC236}">
+                <a16:creationId xmlns:a16="http://schemas.microsoft.com/office/drawing/2014/main" xmlns="" id="{03625913-91B2-404C-9E72-F4A2B48A2285}"/>
+              </a:ext>
+            </a:extLst>
+          </p:cNvPr>
+          <p:cNvSpPr>
+            <a:spLocks noGrp="1"/>
+          </p:cNvSpPr>
+          <p:nvPr>
+            <p:ph type="sldNum" sz="quarter" idx="4"/>
+          </p:nvPr>
+        </p:nvSpPr>
+        <p:spPr/>
+        <p:txBody>
+          <a:bodyPr/>
+          <a:lstStyle/>
+          <a:p>
+            <a:fld id="{37290FF7-652B-4475-AEAB-8B1A5D23AE09}" type="slidenum">
+              <a:rPr lang="en-US" smtClean="0"/>
+              <a:pPr/>
+              <a:t>3</a:t>
+            </a:fld>
+            <a:endParaRPr lang="en-US" dirty="0"/>
+          </a:p>
+        </p:txBody>
+      </p:sp>
+      <p:sp>
+        <p:nvSpPr>
+          <p:cNvPr id="6" name="TextBox 5">
+            <a:extLst>
+              <a:ext uri="{FF2B5EF4-FFF2-40B4-BE49-F238E27FC236}">
+                <a16:creationId xmlns:a16="http://schemas.microsoft.com/office/drawing/2014/main" xmlns="" id="{513EF94E-0454-43B6-B5BC-D17A1FA86ED8}"/>
+              </a:ext>
+            </a:extLst>
+          </p:cNvPr>
+          <p:cNvSpPr txBox="1"/>
+          <p:nvPr/>
+        </p:nvSpPr>
+        <p:spPr>
+          <a:xfrm>
+            <a:off x="318565" y="2828836"/>
+            <a:ext cx="8506870" cy="1200329"/>
+          </a:xfrm>
+          <a:prstGeom prst="rect">
+            <a:avLst/>
+          </a:prstGeom>
+          <a:noFill/>
+        </p:spPr>
+        <p:txBody>
+          <a:bodyPr wrap="square" rtlCol="0">
+            <a:spAutoFit/>
+          </a:bodyPr>
+          <a:lstStyle/>
+          <a:p>
+            <a:pPr fontAlgn="base"/>
+            <a:r>
+              <a:rPr lang="en-US" b="1" dirty="0"/>
+              <a:t>ethics</a:t>
+            </a:r>
+            <a:r>
+              <a:rPr lang="en-US" i="1" dirty="0"/>
+              <a:t> plural in form but singular or plural in construction</a:t>
+            </a:r>
+            <a:r>
+              <a:rPr lang="en-US" dirty="0"/>
+              <a:t> </a:t>
+            </a:r>
+            <a:r>
+              <a:rPr lang="en-US" b="1" dirty="0"/>
+              <a:t>: </a:t>
+            </a:r>
+            <a:r>
+              <a:rPr lang="en-US" dirty="0">
+                <a:highlight>
+                  <a:srgbClr val="FFFF00"/>
+                </a:highlight>
+              </a:rPr>
+              <a:t>the discipline dealing with what is good and bad and with moral duty and obligation; a guiding philosophy</a:t>
+            </a:r>
+          </a:p>
+          <a:p>
+            <a:pPr fontAlgn="base"/>
+            <a:endParaRPr lang="en-US" dirty="0"/>
+          </a:p>
+          <a:p>
+            <a:endParaRPr lang="en-US" dirty="0"/>
+          </a:p>
+        </p:txBody>
+      </p:sp>
+      <p:sp>
+        <p:nvSpPr>
+          <p:cNvPr id="7" name="TextBox 6">
+            <a:extLst>
+              <a:ext uri="{FF2B5EF4-FFF2-40B4-BE49-F238E27FC236}">
+                <a16:creationId xmlns:a16="http://schemas.microsoft.com/office/drawing/2014/main" xmlns="" id="{B0BB00E4-CA90-43C0-9FA4-DB3021015AF6}"/>
+              </a:ext>
+            </a:extLst>
+          </p:cNvPr>
+          <p:cNvSpPr txBox="1"/>
+          <p:nvPr/>
+        </p:nvSpPr>
+        <p:spPr>
+          <a:xfrm>
+            <a:off x="119909" y="6229393"/>
+            <a:ext cx="3074881" cy="253916"/>
+          </a:xfrm>
+          <a:prstGeom prst="rect">
+            <a:avLst/>
+          </a:prstGeom>
+          <a:noFill/>
+        </p:spPr>
+        <p:txBody>
+          <a:bodyPr wrap="none" rtlCol="0">
+            <a:spAutoFit/>
+          </a:bodyPr>
+          <a:lstStyle/>
+          <a:p>
+            <a:r>
+              <a:rPr lang="en-US" sz="1050" dirty="0">
+                <a:hlinkClick r:id="rId2"/>
+              </a:rPr>
+              <a:t>https://www.merriam-webster.com/dictionary/ethic</a:t>
+            </a:r>
+            <a:endParaRPr lang="en-US" sz="1050" dirty="0"/>
+          </a:p>
+        </p:txBody>
+      </p:sp>
+    </p:spTree>
+    <p:extLst>
+      <p:ext uri="{BB962C8B-B14F-4D97-AF65-F5344CB8AC3E}">
+        <p14:creationId xmlns:p14="http://schemas.microsoft.com/office/powerpoint/2010/main" val="3151054792"/>
+      </p:ext>
+    </p:extLst>
+  </p:cSld>
+  <p:clrMapOvr>
+    <a:masterClrMapping/>
+  </p:clrMapOvr>
+</p:sld>
+</file>
+
+<file path=ppt/slides/slide30.xml><?xml version="1.0" encoding="utf-8"?>
 <p:sld xmlns:a="http://schemas.openxmlformats.org/drawingml/2006/main" xmlns:r="http://schemas.openxmlformats.org/officeDocument/2006/relationships" xmlns:p="http://schemas.openxmlformats.org/presentationml/2006/main">
   <p:cSld>
     <p:spTree>
@@ -27707,28 +29782,28 @@
                 <a:gridCol w="1214439">
                   <a:extLst>
                     <a:ext uri="{9D8B030D-6E8A-4147-A177-3AD203B41FA5}">
-                      <a16:colId xmlns="" xmlns:a16="http://schemas.microsoft.com/office/drawing/2014/main" val="20000"/>
+                      <a16:colId xmlns:a16="http://schemas.microsoft.com/office/drawing/2014/main" xmlns="" val="20000"/>
                     </a:ext>
                   </a:extLst>
                 </a:gridCol>
                 <a:gridCol w="1243013">
                   <a:extLst>
                     <a:ext uri="{9D8B030D-6E8A-4147-A177-3AD203B41FA5}">
-                      <a16:colId xmlns="" xmlns:a16="http://schemas.microsoft.com/office/drawing/2014/main" val="20001"/>
+                      <a16:colId xmlns:a16="http://schemas.microsoft.com/office/drawing/2014/main" xmlns="" val="20001"/>
                     </a:ext>
                   </a:extLst>
                 </a:gridCol>
                 <a:gridCol w="2714625">
                   <a:extLst>
                     <a:ext uri="{9D8B030D-6E8A-4147-A177-3AD203B41FA5}">
-                      <a16:colId xmlns="" xmlns:a16="http://schemas.microsoft.com/office/drawing/2014/main" val="20002"/>
+                      <a16:colId xmlns:a16="http://schemas.microsoft.com/office/drawing/2014/main" xmlns="" val="20002"/>
                     </a:ext>
                   </a:extLst>
                 </a:gridCol>
                 <a:gridCol w="3314701">
                   <a:extLst>
                     <a:ext uri="{9D8B030D-6E8A-4147-A177-3AD203B41FA5}">
-                      <a16:colId xmlns="" xmlns:a16="http://schemas.microsoft.com/office/drawing/2014/main" val="20003"/>
+                      <a16:colId xmlns:a16="http://schemas.microsoft.com/office/drawing/2014/main" xmlns="" val="20003"/>
                     </a:ext>
                   </a:extLst>
                 </a:gridCol>
@@ -27788,7 +29863,7 @@
                 </a:tc>
                 <a:extLst>
                   <a:ext uri="{0D108BD9-81ED-4DB2-BD59-A6C34878D82A}">
-                    <a16:rowId xmlns="" xmlns:a16="http://schemas.microsoft.com/office/drawing/2014/main" val="10000"/>
+                    <a16:rowId xmlns:a16="http://schemas.microsoft.com/office/drawing/2014/main" xmlns="" val="10000"/>
                   </a:ext>
                 </a:extLst>
               </a:tr>
@@ -27865,7 +29940,7 @@
                 </a:tc>
                 <a:extLst>
                   <a:ext uri="{0D108BD9-81ED-4DB2-BD59-A6C34878D82A}">
-                    <a16:rowId xmlns="" xmlns:a16="http://schemas.microsoft.com/office/drawing/2014/main" val="10001"/>
+                    <a16:rowId xmlns:a16="http://schemas.microsoft.com/office/drawing/2014/main" xmlns="" val="10001"/>
                   </a:ext>
                 </a:extLst>
               </a:tr>
@@ -27891,7 +29966,7 @@
             <a:fld id="{6700A58B-DD98-43D0-B791-721480A02982}" type="datetime1">
               <a:rPr lang="en-US" smtClean="0"/>
               <a:pPr/>
-              <a:t>6/6/2019</a:t>
+              <a:t>6/19/2019</a:t>
             </a:fld>
             <a:endParaRPr lang="en-US"/>
           </a:p>
@@ -27938,7 +30013,7 @@
             <a:fld id="{37290FF7-652B-4475-AEAB-8B1A5D23AE09}" type="slidenum">
               <a:rPr lang="en-US" smtClean="0"/>
               <a:pPr/>
-              <a:t>23</a:t>
+              <a:t>30</a:t>
             </a:fld>
             <a:endParaRPr lang="en-US"/>
           </a:p>
@@ -27949,7 +30024,7 @@
           <p:cNvPr id="1026" name="Picture 2" descr="Image result for immanuel kant meme">
             <a:extLst>
               <a:ext uri="{FF2B5EF4-FFF2-40B4-BE49-F238E27FC236}">
-                <a16:creationId xmlns="" xmlns:a16="http://schemas.microsoft.com/office/drawing/2014/main" id="{BE394D6C-2838-4D91-9E93-4BE2E356967C}"/>
+                <a16:creationId xmlns:a16="http://schemas.microsoft.com/office/drawing/2014/main" xmlns="" id="{BE394D6C-2838-4D91-9E93-4BE2E356967C}"/>
               </a:ext>
             </a:extLst>
           </p:cNvPr>
@@ -27996,7 +30071,7 @@
           <p:cNvPr id="15" name="Footer Placeholder 5">
             <a:extLst>
               <a:ext uri="{FF2B5EF4-FFF2-40B4-BE49-F238E27FC236}">
-                <a16:creationId xmlns="" xmlns:a16="http://schemas.microsoft.com/office/drawing/2014/main" id="{915FD13C-8B11-48B9-AB7B-E0B6B6FC0E0D}"/>
+                <a16:creationId xmlns:a16="http://schemas.microsoft.com/office/drawing/2014/main" xmlns="" id="{915FD13C-8B11-48B9-AB7B-E0B6B6FC0E0D}"/>
               </a:ext>
             </a:extLst>
           </p:cNvPr>
@@ -28037,7 +30112,7 @@
 </p:sld>
 </file>
 
-<file path=ppt/slides/slide24.xml><?xml version="1.0" encoding="utf-8"?>
+<file path=ppt/slides/slide31.xml><?xml version="1.0" encoding="utf-8"?>
 <p:sld xmlns:a="http://schemas.openxmlformats.org/drawingml/2006/main" xmlns:r="http://schemas.openxmlformats.org/officeDocument/2006/relationships" xmlns:p="http://schemas.openxmlformats.org/presentationml/2006/main">
   <p:cSld>
     <p:spTree>
@@ -28078,28 +30153,28 @@
                 <a:gridCol w="1214439">
                   <a:extLst>
                     <a:ext uri="{9D8B030D-6E8A-4147-A177-3AD203B41FA5}">
-                      <a16:colId xmlns="" xmlns:a16="http://schemas.microsoft.com/office/drawing/2014/main" val="20000"/>
+                      <a16:colId xmlns:a16="http://schemas.microsoft.com/office/drawing/2014/main" xmlns="" val="20000"/>
                     </a:ext>
                   </a:extLst>
                 </a:gridCol>
                 <a:gridCol w="1243013">
                   <a:extLst>
                     <a:ext uri="{9D8B030D-6E8A-4147-A177-3AD203B41FA5}">
-                      <a16:colId xmlns="" xmlns:a16="http://schemas.microsoft.com/office/drawing/2014/main" val="20001"/>
+                      <a16:colId xmlns:a16="http://schemas.microsoft.com/office/drawing/2014/main" xmlns="" val="20001"/>
                     </a:ext>
                   </a:extLst>
                 </a:gridCol>
                 <a:gridCol w="2714625">
                   <a:extLst>
                     <a:ext uri="{9D8B030D-6E8A-4147-A177-3AD203B41FA5}">
-                      <a16:colId xmlns="" xmlns:a16="http://schemas.microsoft.com/office/drawing/2014/main" val="20002"/>
+                      <a16:colId xmlns:a16="http://schemas.microsoft.com/office/drawing/2014/main" xmlns="" val="20002"/>
                     </a:ext>
                   </a:extLst>
                 </a:gridCol>
                 <a:gridCol w="3314701">
                   <a:extLst>
                     <a:ext uri="{9D8B030D-6E8A-4147-A177-3AD203B41FA5}">
-                      <a16:colId xmlns="" xmlns:a16="http://schemas.microsoft.com/office/drawing/2014/main" val="20003"/>
+                      <a16:colId xmlns:a16="http://schemas.microsoft.com/office/drawing/2014/main" xmlns="" val="20003"/>
                     </a:ext>
                   </a:extLst>
                 </a:gridCol>
@@ -28159,7 +30234,7 @@
                 </a:tc>
                 <a:extLst>
                   <a:ext uri="{0D108BD9-81ED-4DB2-BD59-A6C34878D82A}">
-                    <a16:rowId xmlns="" xmlns:a16="http://schemas.microsoft.com/office/drawing/2014/main" val="10000"/>
+                    <a16:rowId xmlns:a16="http://schemas.microsoft.com/office/drawing/2014/main" xmlns="" val="10000"/>
                   </a:ext>
                 </a:extLst>
               </a:tr>
@@ -28223,7 +30298,7 @@
                 </a:tc>
                 <a:extLst>
                   <a:ext uri="{0D108BD9-81ED-4DB2-BD59-A6C34878D82A}">
-                    <a16:rowId xmlns="" xmlns:a16="http://schemas.microsoft.com/office/drawing/2014/main" val="10002"/>
+                    <a16:rowId xmlns:a16="http://schemas.microsoft.com/office/drawing/2014/main" xmlns="" val="10002"/>
                   </a:ext>
                 </a:extLst>
               </a:tr>
@@ -28249,7 +30324,7 @@
             <a:fld id="{6700A58B-DD98-43D0-B791-721480A02982}" type="datetime1">
               <a:rPr lang="en-US" smtClean="0"/>
               <a:pPr/>
-              <a:t>6/6/2019</a:t>
+              <a:t>6/19/2019</a:t>
             </a:fld>
             <a:endParaRPr lang="en-US"/>
           </a:p>
@@ -28296,7 +30371,7 @@
             <a:fld id="{37290FF7-652B-4475-AEAB-8B1A5D23AE09}" type="slidenum">
               <a:rPr lang="en-US" smtClean="0"/>
               <a:pPr/>
-              <a:t>24</a:t>
+              <a:t>31</a:t>
             </a:fld>
             <a:endParaRPr lang="en-US"/>
           </a:p>
@@ -28307,7 +30382,7 @@
           <p:cNvPr id="2050" name="Picture 2" descr="Image result for aristotle meme">
             <a:extLst>
               <a:ext uri="{FF2B5EF4-FFF2-40B4-BE49-F238E27FC236}">
-                <a16:creationId xmlns="" xmlns:a16="http://schemas.microsoft.com/office/drawing/2014/main" id="{CC754B6F-F4B5-4872-95BA-5A217B8716AE}"/>
+                <a16:creationId xmlns:a16="http://schemas.microsoft.com/office/drawing/2014/main" xmlns="" id="{CC754B6F-F4B5-4872-95BA-5A217B8716AE}"/>
               </a:ext>
             </a:extLst>
           </p:cNvPr>
@@ -28354,7 +30429,7 @@
           <p:cNvPr id="15" name="Footer Placeholder 5">
             <a:extLst>
               <a:ext uri="{FF2B5EF4-FFF2-40B4-BE49-F238E27FC236}">
-                <a16:creationId xmlns="" xmlns:a16="http://schemas.microsoft.com/office/drawing/2014/main" id="{AB207111-28FA-4D88-9181-45C9E98DA78A}"/>
+                <a16:creationId xmlns:a16="http://schemas.microsoft.com/office/drawing/2014/main" xmlns="" id="{AB207111-28FA-4D88-9181-45C9E98DA78A}"/>
               </a:ext>
             </a:extLst>
           </p:cNvPr>
@@ -28395,7 +30470,7 @@
 </p:sld>
 </file>
 
-<file path=ppt/slides/slide25.xml><?xml version="1.0" encoding="utf-8"?>
+<file path=ppt/slides/slide32.xml><?xml version="1.0" encoding="utf-8"?>
 <p:sld xmlns:a="http://schemas.openxmlformats.org/drawingml/2006/main" xmlns:r="http://schemas.openxmlformats.org/officeDocument/2006/relationships" xmlns:p="http://schemas.openxmlformats.org/presentationml/2006/main">
   <p:cSld>
     <p:spTree>
@@ -28436,28 +30511,28 @@
                 <a:gridCol w="1214439">
                   <a:extLst>
                     <a:ext uri="{9D8B030D-6E8A-4147-A177-3AD203B41FA5}">
-                      <a16:colId xmlns="" xmlns:a16="http://schemas.microsoft.com/office/drawing/2014/main" val="20000"/>
+                      <a16:colId xmlns:a16="http://schemas.microsoft.com/office/drawing/2014/main" xmlns="" val="20000"/>
                     </a:ext>
                   </a:extLst>
                 </a:gridCol>
                 <a:gridCol w="1243013">
                   <a:extLst>
                     <a:ext uri="{9D8B030D-6E8A-4147-A177-3AD203B41FA5}">
-                      <a16:colId xmlns="" xmlns:a16="http://schemas.microsoft.com/office/drawing/2014/main" val="20001"/>
+                      <a16:colId xmlns:a16="http://schemas.microsoft.com/office/drawing/2014/main" xmlns="" val="20001"/>
                     </a:ext>
                   </a:extLst>
                 </a:gridCol>
                 <a:gridCol w="2714625">
                   <a:extLst>
                     <a:ext uri="{9D8B030D-6E8A-4147-A177-3AD203B41FA5}">
-                      <a16:colId xmlns="" xmlns:a16="http://schemas.microsoft.com/office/drawing/2014/main" val="20002"/>
+                      <a16:colId xmlns:a16="http://schemas.microsoft.com/office/drawing/2014/main" xmlns="" val="20002"/>
                     </a:ext>
                   </a:extLst>
                 </a:gridCol>
                 <a:gridCol w="3314701">
                   <a:extLst>
                     <a:ext uri="{9D8B030D-6E8A-4147-A177-3AD203B41FA5}">
-                      <a16:colId xmlns="" xmlns:a16="http://schemas.microsoft.com/office/drawing/2014/main" val="20003"/>
+                      <a16:colId xmlns:a16="http://schemas.microsoft.com/office/drawing/2014/main" xmlns="" val="20003"/>
                     </a:ext>
                   </a:extLst>
                 </a:gridCol>
@@ -28517,7 +30592,7 @@
                 </a:tc>
                 <a:extLst>
                   <a:ext uri="{0D108BD9-81ED-4DB2-BD59-A6C34878D82A}">
-                    <a16:rowId xmlns="" xmlns:a16="http://schemas.microsoft.com/office/drawing/2014/main" val="10000"/>
+                    <a16:rowId xmlns:a16="http://schemas.microsoft.com/office/drawing/2014/main" xmlns="" val="10000"/>
                   </a:ext>
                 </a:extLst>
               </a:tr>
@@ -28637,7 +30712,7 @@
                 </a:tc>
                 <a:extLst>
                   <a:ext uri="{0D108BD9-81ED-4DB2-BD59-A6C34878D82A}">
-                    <a16:rowId xmlns="" xmlns:a16="http://schemas.microsoft.com/office/drawing/2014/main" val="10003"/>
+                    <a16:rowId xmlns:a16="http://schemas.microsoft.com/office/drawing/2014/main" xmlns="" val="10003"/>
                   </a:ext>
                 </a:extLst>
               </a:tr>
@@ -28663,7 +30738,7 @@
             <a:fld id="{6700A58B-DD98-43D0-B791-721480A02982}" type="datetime1">
               <a:rPr lang="en-US" smtClean="0"/>
               <a:pPr/>
-              <a:t>6/6/2019</a:t>
+              <a:t>6/19/2019</a:t>
             </a:fld>
             <a:endParaRPr lang="en-US"/>
           </a:p>
@@ -28710,7 +30785,7 @@
             <a:fld id="{37290FF7-652B-4475-AEAB-8B1A5D23AE09}" type="slidenum">
               <a:rPr lang="en-US" smtClean="0"/>
               <a:pPr/>
-              <a:t>25</a:t>
+              <a:t>32</a:t>
             </a:fld>
             <a:endParaRPr lang="en-US"/>
           </a:p>
@@ -28721,7 +30796,7 @@
           <p:cNvPr id="3074" name="Picture 2" descr="Image result for utilitarianism meme">
             <a:extLst>
               <a:ext uri="{FF2B5EF4-FFF2-40B4-BE49-F238E27FC236}">
-                <a16:creationId xmlns="" xmlns:a16="http://schemas.microsoft.com/office/drawing/2014/main" id="{40E72E3C-DD01-4152-9782-CB4F429EAFEA}"/>
+                <a16:creationId xmlns:a16="http://schemas.microsoft.com/office/drawing/2014/main" xmlns="" id="{40E72E3C-DD01-4152-9782-CB4F429EAFEA}"/>
               </a:ext>
             </a:extLst>
           </p:cNvPr>
@@ -28768,7 +30843,7 @@
           <p:cNvPr id="3076" name="Picture 4" descr="Image result for utilitarianism meme">
             <a:extLst>
               <a:ext uri="{FF2B5EF4-FFF2-40B4-BE49-F238E27FC236}">
-                <a16:creationId xmlns="" xmlns:a16="http://schemas.microsoft.com/office/drawing/2014/main" id="{89B3A293-572E-4065-A7A9-29027565381E}"/>
+                <a16:creationId xmlns:a16="http://schemas.microsoft.com/office/drawing/2014/main" xmlns="" id="{89B3A293-572E-4065-A7A9-29027565381E}"/>
               </a:ext>
             </a:extLst>
           </p:cNvPr>
@@ -28815,7 +30890,7 @@
           <p:cNvPr id="16" name="Footer Placeholder 5">
             <a:extLst>
               <a:ext uri="{FF2B5EF4-FFF2-40B4-BE49-F238E27FC236}">
-                <a16:creationId xmlns="" xmlns:a16="http://schemas.microsoft.com/office/drawing/2014/main" id="{0F12456C-D4E7-4493-989F-6060F4FF25F4}"/>
+                <a16:creationId xmlns:a16="http://schemas.microsoft.com/office/drawing/2014/main" xmlns="" id="{0F12456C-D4E7-4493-989F-6060F4FF25F4}"/>
               </a:ext>
             </a:extLst>
           </p:cNvPr>
@@ -28856,7 +30931,7 @@
 </p:sld>
 </file>
 
-<file path=ppt/slides/slide26.xml><?xml version="1.0" encoding="utf-8"?>
+<file path=ppt/slides/slide33.xml><?xml version="1.0" encoding="utf-8"?>
 <p:sld xmlns:a="http://schemas.openxmlformats.org/drawingml/2006/main" xmlns:r="http://schemas.openxmlformats.org/officeDocument/2006/relationships" xmlns:p="http://schemas.openxmlformats.org/presentationml/2006/main">
   <p:cSld>
     <p:spTree>
@@ -28880,12 +30955,16 @@
             <a:graphicFrameLocks noGrp="1"/>
           </p:cNvGraphicFramePr>
           <p:nvPr>
-            <p:extLst/>
+            <p:extLst>
+              <p:ext uri="{D42A27DB-BD31-4B8C-83A1-F6EECF244321}">
+                <p14:modId xmlns:p14="http://schemas.microsoft.com/office/powerpoint/2010/main" val="2149633556"/>
+              </p:ext>
+            </p:extLst>
           </p:nvPr>
         </p:nvGraphicFramePr>
         <p:xfrm>
           <a:off x="300036" y="1139817"/>
-          <a:ext cx="8486778" cy="1079500"/>
+          <a:ext cx="8486778" cy="1696720"/>
         </p:xfrm>
         <a:graphic>
           <a:graphicData uri="http://schemas.openxmlformats.org/drawingml/2006/table">
@@ -28897,28 +30976,28 @@
                 <a:gridCol w="1214439">
                   <a:extLst>
                     <a:ext uri="{9D8B030D-6E8A-4147-A177-3AD203B41FA5}">
-                      <a16:colId xmlns="" xmlns:a16="http://schemas.microsoft.com/office/drawing/2014/main" val="20000"/>
+                      <a16:colId xmlns:a16="http://schemas.microsoft.com/office/drawing/2014/main" xmlns="" val="20000"/>
                     </a:ext>
                   </a:extLst>
                 </a:gridCol>
                 <a:gridCol w="1243013">
                   <a:extLst>
                     <a:ext uri="{9D8B030D-6E8A-4147-A177-3AD203B41FA5}">
-                      <a16:colId xmlns="" xmlns:a16="http://schemas.microsoft.com/office/drawing/2014/main" val="20001"/>
+                      <a16:colId xmlns:a16="http://schemas.microsoft.com/office/drawing/2014/main" xmlns="" val="20001"/>
                     </a:ext>
                   </a:extLst>
                 </a:gridCol>
                 <a:gridCol w="2714625">
                   <a:extLst>
                     <a:ext uri="{9D8B030D-6E8A-4147-A177-3AD203B41FA5}">
-                      <a16:colId xmlns="" xmlns:a16="http://schemas.microsoft.com/office/drawing/2014/main" val="20002"/>
+                      <a16:colId xmlns:a16="http://schemas.microsoft.com/office/drawing/2014/main" xmlns="" val="20002"/>
                     </a:ext>
                   </a:extLst>
                 </a:gridCol>
                 <a:gridCol w="3314701">
                   <a:extLst>
                     <a:ext uri="{9D8B030D-6E8A-4147-A177-3AD203B41FA5}">
-                      <a16:colId xmlns="" xmlns:a16="http://schemas.microsoft.com/office/drawing/2014/main" val="20003"/>
+                      <a16:colId xmlns:a16="http://schemas.microsoft.com/office/drawing/2014/main" xmlns="" val="20003"/>
                     </a:ext>
                   </a:extLst>
                 </a:gridCol>
@@ -28978,7 +31057,7 @@
                 </a:tc>
                 <a:extLst>
                   <a:ext uri="{0D108BD9-81ED-4DB2-BD59-A6C34878D82A}">
-                    <a16:rowId xmlns="" xmlns:a16="http://schemas.microsoft.com/office/drawing/2014/main" val="10000"/>
+                    <a16:rowId xmlns:a16="http://schemas.microsoft.com/office/drawing/2014/main" xmlns="" val="10000"/>
                   </a:ext>
                 </a:extLst>
               </a:tr>
@@ -29034,7 +31113,23 @@
                     <a:p>
                       <a:r>
                         <a:rPr lang="en-US" dirty="0"/>
-                        <a:t>All human being have the right to dignity and other debated rights.  Does this extend to animals?  Conscience robots?</a:t>
+                        <a:t>All human being have the right to dignity and other debated rights.  Does this extend to </a:t>
+                      </a:r>
+                      <a:r>
+                        <a:rPr lang="en-US" dirty="0" smtClean="0"/>
+                        <a:t>animals (animal rights activists versus animal welfare proponents…free range chickens ?  Could</a:t>
+                      </a:r>
+                      <a:r>
+                        <a:rPr lang="en-US" baseline="0" dirty="0" smtClean="0"/>
+                        <a:t> this extend to technology like c</a:t>
+                      </a:r>
+                      <a:r>
+                        <a:rPr lang="en-US" dirty="0" smtClean="0"/>
+                        <a:t>onscience </a:t>
+                      </a:r>
+                      <a:r>
+                        <a:rPr lang="en-US" dirty="0"/>
+                        <a:t>robots?</a:t>
                       </a:r>
                     </a:p>
                   </a:txBody>
@@ -29042,7 +31137,7 @@
                 </a:tc>
                 <a:extLst>
                   <a:ext uri="{0D108BD9-81ED-4DB2-BD59-A6C34878D82A}">
-                    <a16:rowId xmlns="" xmlns:a16="http://schemas.microsoft.com/office/drawing/2014/main" val="10004"/>
+                    <a16:rowId xmlns:a16="http://schemas.microsoft.com/office/drawing/2014/main" xmlns="" val="10004"/>
                   </a:ext>
                 </a:extLst>
               </a:tr>
@@ -29068,7 +31163,7 @@
             <a:fld id="{6700A58B-DD98-43D0-B791-721480A02982}" type="datetime1">
               <a:rPr lang="en-US" smtClean="0"/>
               <a:pPr/>
-              <a:t>6/6/2019</a:t>
+              <a:t>6/19/2019</a:t>
             </a:fld>
             <a:endParaRPr lang="en-US"/>
           </a:p>
@@ -29115,7 +31210,7 @@
             <a:fld id="{37290FF7-652B-4475-AEAB-8B1A5D23AE09}" type="slidenum">
               <a:rPr lang="en-US" smtClean="0"/>
               <a:pPr/>
-              <a:t>26</a:t>
+              <a:t>33</a:t>
             </a:fld>
             <a:endParaRPr lang="en-US"/>
           </a:p>
@@ -29126,7 +31221,7 @@
           <p:cNvPr id="5122" name="Picture 2" descr="Image result for locke meme">
             <a:extLst>
               <a:ext uri="{FF2B5EF4-FFF2-40B4-BE49-F238E27FC236}">
-                <a16:creationId xmlns="" xmlns:a16="http://schemas.microsoft.com/office/drawing/2014/main" id="{C0A8D927-5BEC-4157-8A95-C82F35680D4F}"/>
+                <a16:creationId xmlns:a16="http://schemas.microsoft.com/office/drawing/2014/main" xmlns="" id="{C0A8D927-5BEC-4157-8A95-C82F35680D4F}"/>
               </a:ext>
             </a:extLst>
           </p:cNvPr>
@@ -29150,7 +31245,7 @@
         </p:blipFill>
         <p:spPr bwMode="auto">
           <a:xfrm>
-            <a:off x="357185" y="3007306"/>
+            <a:off x="2201750" y="3669461"/>
             <a:ext cx="2381250" cy="1666875"/>
           </a:xfrm>
           <a:prstGeom prst="rect">
@@ -29173,7 +31268,7 @@
           <p:cNvPr id="5124" name="Picture 4" descr="Image result for locke meme">
             <a:extLst>
               <a:ext uri="{FF2B5EF4-FFF2-40B4-BE49-F238E27FC236}">
-                <a16:creationId xmlns="" xmlns:a16="http://schemas.microsoft.com/office/drawing/2014/main" id="{DA0FA8E0-E054-4D51-8B6F-A70A317D6D9F}"/>
+                <a16:creationId xmlns:a16="http://schemas.microsoft.com/office/drawing/2014/main" xmlns="" id="{DA0FA8E0-E054-4D51-8B6F-A70A317D6D9F}"/>
               </a:ext>
             </a:extLst>
           </p:cNvPr>
@@ -29197,55 +31292,8 @@
         </p:blipFill>
         <p:spPr bwMode="auto">
           <a:xfrm>
-            <a:off x="6457950" y="3007306"/>
+            <a:off x="5007523" y="3637930"/>
             <a:ext cx="2381250" cy="1666875"/>
-          </a:xfrm>
-          <a:prstGeom prst="rect">
-            <a:avLst/>
-          </a:prstGeom>
-          <a:noFill/>
-          <a:extLst>
-            <a:ext uri="{909E8E84-426E-40DD-AFC4-6F175D3DCCD1}">
-              <a14:hiddenFill xmlns:a14="http://schemas.microsoft.com/office/drawing/2010/main">
-                <a:solidFill>
-                  <a:srgbClr val="FFFFFF"/>
-                </a:solidFill>
-              </a14:hiddenFill>
-            </a:ext>
-          </a:extLst>
-        </p:spPr>
-      </p:pic>
-      <p:pic>
-        <p:nvPicPr>
-          <p:cNvPr id="5126" name="Picture 6" descr="Image result for john locke meme">
-            <a:extLst>
-              <a:ext uri="{FF2B5EF4-FFF2-40B4-BE49-F238E27FC236}">
-                <a16:creationId xmlns="" xmlns:a16="http://schemas.microsoft.com/office/drawing/2014/main" id="{27FE87DB-80E7-4198-84C7-6F35B14665B9}"/>
-              </a:ext>
-            </a:extLst>
-          </p:cNvPr>
-          <p:cNvPicPr>
-            <a:picLocks noChangeAspect="1" noChangeArrowheads="1"/>
-          </p:cNvPicPr>
-          <p:nvPr/>
-        </p:nvPicPr>
-        <p:blipFill>
-          <a:blip r:embed="rId4">
-            <a:extLst>
-              <a:ext uri="{28A0092B-C50C-407E-A947-70E740481C1C}">
-                <a14:useLocalDpi xmlns:a14="http://schemas.microsoft.com/office/drawing/2010/main" val="0"/>
-              </a:ext>
-            </a:extLst>
-          </a:blip>
-          <a:srcRect/>
-          <a:stretch>
-            <a:fillRect/>
-          </a:stretch>
-        </p:blipFill>
-        <p:spPr bwMode="auto">
-          <a:xfrm>
-            <a:off x="3542767" y="2513562"/>
-            <a:ext cx="2110851" cy="2654363"/>
           </a:xfrm>
           <a:prstGeom prst="rect">
             <a:avLst/>
@@ -29267,7 +31315,7 @@
           <p:cNvPr id="17" name="Footer Placeholder 5">
             <a:extLst>
               <a:ext uri="{FF2B5EF4-FFF2-40B4-BE49-F238E27FC236}">
-                <a16:creationId xmlns="" xmlns:a16="http://schemas.microsoft.com/office/drawing/2014/main" id="{DBF6068C-0252-46FB-9FA7-33B0873C4F70}"/>
+                <a16:creationId xmlns:a16="http://schemas.microsoft.com/office/drawing/2014/main" xmlns="" id="{DBF6068C-0252-46FB-9FA7-33B0873C4F70}"/>
               </a:ext>
             </a:extLst>
           </p:cNvPr>
@@ -29308,7 +31356,415 @@
 </p:sld>
 </file>
 
-<file path=ppt/slides/slide27.xml><?xml version="1.0" encoding="utf-8"?>
+<file path=ppt/slides/slide34.xml><?xml version="1.0" encoding="utf-8"?>
+<p:sld xmlns:a="http://schemas.openxmlformats.org/drawingml/2006/main" xmlns:r="http://schemas.openxmlformats.org/officeDocument/2006/relationships" xmlns:p="http://schemas.openxmlformats.org/presentationml/2006/main">
+  <p:cSld>
+    <p:spTree>
+      <p:nvGrpSpPr>
+        <p:cNvPr id="1" name=""/>
+        <p:cNvGrpSpPr/>
+        <p:nvPr/>
+      </p:nvGrpSpPr>
+      <p:grpSpPr>
+        <a:xfrm>
+          <a:off x="0" y="0"/>
+          <a:ext cx="0" cy="0"/>
+          <a:chOff x="0" y="0"/>
+          <a:chExt cx="0" cy="0"/>
+        </a:xfrm>
+      </p:grpSpPr>
+      <p:graphicFrame>
+        <p:nvGraphicFramePr>
+          <p:cNvPr id="8" name="Table 7"/>
+          <p:cNvGraphicFramePr>
+            <a:graphicFrameLocks noGrp="1"/>
+          </p:cNvGraphicFramePr>
+          <p:nvPr>
+            <p:extLst>
+              <p:ext uri="{D42A27DB-BD31-4B8C-83A1-F6EECF244321}">
+                <p14:modId xmlns:p14="http://schemas.microsoft.com/office/powerpoint/2010/main" val="1796775590"/>
+              </p:ext>
+            </p:extLst>
+          </p:nvPr>
+        </p:nvGraphicFramePr>
+        <p:xfrm>
+          <a:off x="300036" y="1139817"/>
+          <a:ext cx="8486778" cy="2108200"/>
+        </p:xfrm>
+        <a:graphic>
+          <a:graphicData uri="http://schemas.openxmlformats.org/drawingml/2006/table">
+            <a:tbl>
+              <a:tblPr firstRow="1" bandRow="1">
+                <a:tableStyleId>{5C22544A-7EE6-4342-B048-85BDC9FD1C3A}</a:tableStyleId>
+              </a:tblPr>
+              <a:tblGrid>
+                <a:gridCol w="1214439">
+                  <a:extLst>
+                    <a:ext uri="{9D8B030D-6E8A-4147-A177-3AD203B41FA5}">
+                      <a16:colId xmlns:a16="http://schemas.microsoft.com/office/drawing/2014/main" xmlns="" val="20000"/>
+                    </a:ext>
+                  </a:extLst>
+                </a:gridCol>
+                <a:gridCol w="1243013">
+                  <a:extLst>
+                    <a:ext uri="{9D8B030D-6E8A-4147-A177-3AD203B41FA5}">
+                      <a16:colId xmlns:a16="http://schemas.microsoft.com/office/drawing/2014/main" xmlns="" val="20001"/>
+                    </a:ext>
+                  </a:extLst>
+                </a:gridCol>
+                <a:gridCol w="2714625">
+                  <a:extLst>
+                    <a:ext uri="{9D8B030D-6E8A-4147-A177-3AD203B41FA5}">
+                      <a16:colId xmlns:a16="http://schemas.microsoft.com/office/drawing/2014/main" xmlns="" val="20002"/>
+                    </a:ext>
+                  </a:extLst>
+                </a:gridCol>
+                <a:gridCol w="3314701">
+                  <a:extLst>
+                    <a:ext uri="{9D8B030D-6E8A-4147-A177-3AD203B41FA5}">
+                      <a16:colId xmlns:a16="http://schemas.microsoft.com/office/drawing/2014/main" xmlns="" val="20003"/>
+                    </a:ext>
+                  </a:extLst>
+                </a:gridCol>
+              </a:tblGrid>
+              <a:tr h="370840">
+                <a:tc>
+                  <a:txBody>
+                    <a:bodyPr/>
+                    <a:lstStyle/>
+                    <a:p>
+                      <a:r>
+                        <a:rPr lang="en-US" dirty="0"/>
+                        <a:t>Name</a:t>
+                      </a:r>
+                    </a:p>
+                  </a:txBody>
+                  <a:tcPr/>
+                </a:tc>
+                <a:tc>
+                  <a:txBody>
+                    <a:bodyPr/>
+                    <a:lstStyle/>
+                    <a:p>
+                      <a:r>
+                        <a:rPr lang="en-US" dirty="0"/>
+                        <a:t>Proponent</a:t>
+                      </a:r>
+                    </a:p>
+                  </a:txBody>
+                  <a:tcPr/>
+                </a:tc>
+                <a:tc>
+                  <a:txBody>
+                    <a:bodyPr/>
+                    <a:lstStyle/>
+                    <a:p>
+                      <a:r>
+                        <a:rPr lang="en-US" dirty="0"/>
+                        <a:t>Description</a:t>
+                      </a:r>
+                    </a:p>
+                  </a:txBody>
+                  <a:tcPr/>
+                </a:tc>
+                <a:tc>
+                  <a:txBody>
+                    <a:bodyPr/>
+                    <a:lstStyle/>
+                    <a:p>
+                      <a:r>
+                        <a:rPr lang="en-US" dirty="0"/>
+                        <a:t>Example</a:t>
+                      </a:r>
+                    </a:p>
+                  </a:txBody>
+                  <a:tcPr/>
+                </a:tc>
+                <a:extLst>
+                  <a:ext uri="{0D108BD9-81ED-4DB2-BD59-A6C34878D82A}">
+                    <a16:rowId xmlns:a16="http://schemas.microsoft.com/office/drawing/2014/main" xmlns="" val="10000"/>
+                  </a:ext>
+                </a:extLst>
+              </a:tr>
+              <a:tr h="370840">
+                <a:tc>
+                  <a:txBody>
+                    <a:bodyPr/>
+                    <a:lstStyle/>
+                    <a:p>
+                      <a:r>
+                        <a:rPr lang="en-US" dirty="0" smtClean="0"/>
+                        <a:t>Veil</a:t>
+                      </a:r>
+                      <a:r>
+                        <a:rPr lang="en-US" baseline="0" dirty="0" smtClean="0"/>
+                        <a:t> of Ignorance</a:t>
+                      </a:r>
+                      <a:endParaRPr lang="en-US" dirty="0"/>
+                    </a:p>
+                  </a:txBody>
+                  <a:tcPr/>
+                </a:tc>
+                <a:tc>
+                  <a:txBody>
+                    <a:bodyPr/>
+                    <a:lstStyle/>
+                    <a:p>
+                      <a:r>
+                        <a:rPr lang="en-US" dirty="0" smtClean="0"/>
+                        <a:t>Rawls</a:t>
+                      </a:r>
+                      <a:endParaRPr lang="en-US" dirty="0"/>
+                    </a:p>
+                  </a:txBody>
+                  <a:tcPr/>
+                </a:tc>
+                <a:tc>
+                  <a:txBody>
+                    <a:bodyPr/>
+                    <a:lstStyle/>
+                    <a:p>
+                      <a:r>
+                        <a:rPr lang="en-US" dirty="0" smtClean="0"/>
+                        <a:t>Moral decisions</a:t>
+                      </a:r>
+                      <a:r>
+                        <a:rPr lang="en-US" baseline="0" dirty="0" smtClean="0"/>
+                        <a:t> should be made with a “veil” so that you don’t know your own intellect, race,  gender etc.  The choice you make in this pretense is the moral obligation.  This veil lets you focus on the “least advantaged in society” (as opposed to greatest number).</a:t>
+                      </a:r>
+                      <a:endParaRPr lang="en-US" dirty="0"/>
+                    </a:p>
+                  </a:txBody>
+                  <a:tcPr/>
+                </a:tc>
+                <a:tc>
+                  <a:txBody>
+                    <a:bodyPr/>
+                    <a:lstStyle/>
+                    <a:p>
+                      <a:r>
+                        <a:rPr lang="en-US" dirty="0" smtClean="0"/>
+                        <a:t>When</a:t>
+                      </a:r>
+                      <a:r>
+                        <a:rPr lang="en-US" baseline="0" dirty="0" smtClean="0"/>
+                        <a:t> deciding wages for employees there is a veil so that ignoring gender and race are not factors, since they do not impact job performance.  This decision is made even if the decision make is a white male because their personal background is not a factor.</a:t>
+                      </a:r>
+                      <a:endParaRPr lang="en-US" dirty="0"/>
+                    </a:p>
+                  </a:txBody>
+                  <a:tcPr/>
+                </a:tc>
+                <a:extLst>
+                  <a:ext uri="{0D108BD9-81ED-4DB2-BD59-A6C34878D82A}">
+                    <a16:rowId xmlns:a16="http://schemas.microsoft.com/office/drawing/2014/main" xmlns="" val="10004"/>
+                  </a:ext>
+                </a:extLst>
+              </a:tr>
+            </a:tbl>
+          </a:graphicData>
+        </a:graphic>
+      </p:graphicFrame>
+      <p:sp>
+        <p:nvSpPr>
+          <p:cNvPr id="2" name="Date Placeholder 1"/>
+          <p:cNvSpPr>
+            <a:spLocks noGrp="1"/>
+          </p:cNvSpPr>
+          <p:nvPr>
+            <p:ph type="dt" sz="half" idx="10"/>
+          </p:nvPr>
+        </p:nvSpPr>
+        <p:spPr/>
+        <p:txBody>
+          <a:bodyPr/>
+          <a:lstStyle/>
+          <a:p>
+            <a:fld id="{6700A58B-DD98-43D0-B791-721480A02982}" type="datetime1">
+              <a:rPr lang="en-US" smtClean="0"/>
+              <a:pPr/>
+              <a:t>6/19/2019</a:t>
+            </a:fld>
+            <a:endParaRPr lang="en-US"/>
+          </a:p>
+        </p:txBody>
+      </p:sp>
+      <p:sp>
+        <p:nvSpPr>
+          <p:cNvPr id="3" name="Title 2"/>
+          <p:cNvSpPr>
+            <a:spLocks noGrp="1"/>
+          </p:cNvSpPr>
+          <p:nvPr>
+            <p:ph type="title"/>
+          </p:nvPr>
+        </p:nvSpPr>
+        <p:spPr/>
+        <p:txBody>
+          <a:bodyPr/>
+          <a:lstStyle/>
+          <a:p>
+            <a:r>
+              <a:rPr lang="en-US"/>
+              <a:t>Some Popular Ethical Paradigms</a:t>
+            </a:r>
+            <a:endParaRPr lang="en-US" dirty="0"/>
+          </a:p>
+        </p:txBody>
+      </p:sp>
+      <p:sp>
+        <p:nvSpPr>
+          <p:cNvPr id="4" name="Slide Number Placeholder 3"/>
+          <p:cNvSpPr>
+            <a:spLocks noGrp="1"/>
+          </p:cNvSpPr>
+          <p:nvPr>
+            <p:ph type="sldNum" sz="quarter" idx="4"/>
+          </p:nvPr>
+        </p:nvSpPr>
+        <p:spPr/>
+        <p:txBody>
+          <a:bodyPr/>
+          <a:lstStyle/>
+          <a:p>
+            <a:fld id="{37290FF7-652B-4475-AEAB-8B1A5D23AE09}" type="slidenum">
+              <a:rPr lang="en-US" smtClean="0"/>
+              <a:pPr/>
+              <a:t>34</a:t>
+            </a:fld>
+            <a:endParaRPr lang="en-US"/>
+          </a:p>
+        </p:txBody>
+      </p:sp>
+      <p:sp>
+        <p:nvSpPr>
+          <p:cNvPr id="17" name="Footer Placeholder 5">
+            <a:extLst>
+              <a:ext uri="{FF2B5EF4-FFF2-40B4-BE49-F238E27FC236}">
+                <a16:creationId xmlns:a16="http://schemas.microsoft.com/office/drawing/2014/main" xmlns="" id="{DBF6068C-0252-46FB-9FA7-33B0873C4F70}"/>
+              </a:ext>
+            </a:extLst>
+          </p:cNvPr>
+          <p:cNvSpPr>
+            <a:spLocks noGrp="1"/>
+          </p:cNvSpPr>
+          <p:nvPr>
+            <p:ph type="ftr" sz="quarter" idx="3"/>
+          </p:nvPr>
+        </p:nvSpPr>
+        <p:spPr>
+          <a:xfrm>
+            <a:off x="3028950" y="6356351"/>
+            <a:ext cx="3086100" cy="365125"/>
+          </a:xfrm>
+        </p:spPr>
+        <p:txBody>
+          <a:bodyPr/>
+          <a:lstStyle/>
+          <a:p>
+            <a:r>
+              <a:rPr lang="en-US" dirty="0"/>
+              <a:t>Kwartler</a:t>
+            </a:r>
+          </a:p>
+        </p:txBody>
+      </p:sp>
+      <p:pic>
+        <p:nvPicPr>
+          <p:cNvPr id="1026" name="Picture 2" descr="Image result for veil of ignorance meme"/>
+          <p:cNvPicPr>
+            <a:picLocks noChangeAspect="1" noChangeArrowheads="1"/>
+          </p:cNvPicPr>
+          <p:nvPr/>
+        </p:nvPicPr>
+        <p:blipFill>
+          <a:blip r:embed="rId2">
+            <a:extLst>
+              <a:ext uri="{28A0092B-C50C-407E-A947-70E740481C1C}">
+                <a14:useLocalDpi xmlns:a14="http://schemas.microsoft.com/office/drawing/2010/main" val="0"/>
+              </a:ext>
+            </a:extLst>
+          </a:blip>
+          <a:srcRect/>
+          <a:stretch>
+            <a:fillRect/>
+          </a:stretch>
+        </p:blipFill>
+        <p:spPr bwMode="auto">
+          <a:xfrm>
+            <a:off x="991148" y="3392364"/>
+            <a:ext cx="2177720" cy="2534867"/>
+          </a:xfrm>
+          <a:prstGeom prst="rect">
+            <a:avLst/>
+          </a:prstGeom>
+          <a:noFill/>
+          <a:extLst>
+            <a:ext uri="{909E8E84-426E-40DD-AFC4-6F175D3DCCD1}">
+              <a14:hiddenFill xmlns:a14="http://schemas.microsoft.com/office/drawing/2010/main">
+                <a:solidFill>
+                  <a:srgbClr val="FFFFFF"/>
+                </a:solidFill>
+              </a14:hiddenFill>
+            </a:ext>
+          </a:extLst>
+        </p:spPr>
+      </p:pic>
+      <p:pic>
+        <p:nvPicPr>
+          <p:cNvPr id="1028" name="Picture 4" descr="Image result for veil of ignorance meme"/>
+          <p:cNvPicPr>
+            <a:picLocks noChangeAspect="1" noChangeArrowheads="1"/>
+          </p:cNvPicPr>
+          <p:nvPr/>
+        </p:nvPicPr>
+        <p:blipFill>
+          <a:blip r:embed="rId3">
+            <a:extLst>
+              <a:ext uri="{28A0092B-C50C-407E-A947-70E740481C1C}">
+                <a14:useLocalDpi xmlns:a14="http://schemas.microsoft.com/office/drawing/2010/main" val="0"/>
+              </a:ext>
+            </a:extLst>
+          </a:blip>
+          <a:srcRect/>
+          <a:stretch>
+            <a:fillRect/>
+          </a:stretch>
+        </p:blipFill>
+        <p:spPr bwMode="auto">
+          <a:xfrm>
+            <a:off x="5027120" y="3475037"/>
+            <a:ext cx="3048000" cy="2286001"/>
+          </a:xfrm>
+          <a:prstGeom prst="rect">
+            <a:avLst/>
+          </a:prstGeom>
+          <a:noFill/>
+          <a:extLst>
+            <a:ext uri="{909E8E84-426E-40DD-AFC4-6F175D3DCCD1}">
+              <a14:hiddenFill xmlns:a14="http://schemas.microsoft.com/office/drawing/2010/main">
+                <a:solidFill>
+                  <a:srgbClr val="FFFFFF"/>
+                </a:solidFill>
+              </a14:hiddenFill>
+            </a:ext>
+          </a:extLst>
+        </p:spPr>
+      </p:pic>
+    </p:spTree>
+    <p:extLst>
+      <p:ext uri="{BB962C8B-B14F-4D97-AF65-F5344CB8AC3E}">
+        <p14:creationId xmlns:p14="http://schemas.microsoft.com/office/powerpoint/2010/main" val="854745626"/>
+      </p:ext>
+    </p:extLst>
+  </p:cSld>
+  <p:clrMapOvr>
+    <a:masterClrMapping/>
+  </p:clrMapOvr>
+</p:sld>
+</file>
+
+<file path=ppt/slides/slide35.xml><?xml version="1.0" encoding="utf-8"?>
 <p:sld xmlns:a="http://schemas.openxmlformats.org/drawingml/2006/main" xmlns:r="http://schemas.openxmlformats.org/officeDocument/2006/relationships" xmlns:p="http://schemas.openxmlformats.org/presentationml/2006/main">
   <p:cSld>
     <p:spTree>
@@ -29343,7 +31799,7 @@
             <a:fld id="{6700A58B-DD98-43D0-B791-721480A02982}" type="datetime1">
               <a:rPr lang="en-US" smtClean="0"/>
               <a:pPr/>
-              <a:t>6/6/2019</a:t>
+              <a:t>6/19/2019</a:t>
             </a:fld>
             <a:endParaRPr lang="en-US"/>
           </a:p>
@@ -29390,7 +31846,7 @@
             <a:fld id="{37290FF7-652B-4475-AEAB-8B1A5D23AE09}" type="slidenum">
               <a:rPr lang="en-US" smtClean="0"/>
               <a:pPr/>
-              <a:t>27</a:t>
+              <a:t>35</a:t>
             </a:fld>
             <a:endParaRPr lang="en-US"/>
           </a:p>
@@ -29401,7 +31857,7 @@
           <p:cNvPr id="9" name="Rectangle 8">
             <a:extLst>
               <a:ext uri="{FF2B5EF4-FFF2-40B4-BE49-F238E27FC236}">
-                <a16:creationId xmlns="" xmlns:a16="http://schemas.microsoft.com/office/drawing/2014/main" id="{461E3EC4-5611-4241-B153-0FD4799CC6FC}"/>
+                <a16:creationId xmlns:a16="http://schemas.microsoft.com/office/drawing/2014/main" xmlns="" id="{461E3EC4-5611-4241-B153-0FD4799CC6FC}"/>
               </a:ext>
             </a:extLst>
           </p:cNvPr>
@@ -29456,7 +31912,7 @@
           <p:cNvPr id="4098" name="Picture 2" descr="Image result for philosophy  meme">
             <a:extLst>
               <a:ext uri="{FF2B5EF4-FFF2-40B4-BE49-F238E27FC236}">
-                <a16:creationId xmlns="" xmlns:a16="http://schemas.microsoft.com/office/drawing/2014/main" id="{70EDCE4F-1B77-4CD6-8D40-AF9F8E20DF91}"/>
+                <a16:creationId xmlns:a16="http://schemas.microsoft.com/office/drawing/2014/main" xmlns="" id="{70EDCE4F-1B77-4CD6-8D40-AF9F8E20DF91}"/>
               </a:ext>
             </a:extLst>
           </p:cNvPr>
@@ -29503,7 +31959,7 @@
           <p:cNvPr id="4100" name="Picture 4" descr="Image result for philosophy  meme">
             <a:extLst>
               <a:ext uri="{FF2B5EF4-FFF2-40B4-BE49-F238E27FC236}">
-                <a16:creationId xmlns="" xmlns:a16="http://schemas.microsoft.com/office/drawing/2014/main" id="{AE371A6C-DE6B-4141-B9B9-4CC3A80BA68B}"/>
+                <a16:creationId xmlns:a16="http://schemas.microsoft.com/office/drawing/2014/main" xmlns="" id="{AE371A6C-DE6B-4141-B9B9-4CC3A80BA68B}"/>
               </a:ext>
             </a:extLst>
           </p:cNvPr>
@@ -29550,7 +32006,7 @@
           <p:cNvPr id="4102" name="Picture 6" descr="Image result for philosophy  meme">
             <a:extLst>
               <a:ext uri="{FF2B5EF4-FFF2-40B4-BE49-F238E27FC236}">
-                <a16:creationId xmlns="" xmlns:a16="http://schemas.microsoft.com/office/drawing/2014/main" id="{FA22FEE3-5F52-4CB5-9867-43D66C013A17}"/>
+                <a16:creationId xmlns:a16="http://schemas.microsoft.com/office/drawing/2014/main" xmlns="" id="{FA22FEE3-5F52-4CB5-9867-43D66C013A17}"/>
               </a:ext>
             </a:extLst>
           </p:cNvPr>
@@ -29597,7 +32053,7 @@
           <p:cNvPr id="4104" name="Picture 8" descr="Image result for philosophy  meme">
             <a:extLst>
               <a:ext uri="{FF2B5EF4-FFF2-40B4-BE49-F238E27FC236}">
-                <a16:creationId xmlns="" xmlns:a16="http://schemas.microsoft.com/office/drawing/2014/main" id="{A5BB52CE-B849-4DF1-A8F7-CE02563C5353}"/>
+                <a16:creationId xmlns:a16="http://schemas.microsoft.com/office/drawing/2014/main" xmlns="" id="{A5BB52CE-B849-4DF1-A8F7-CE02563C5353}"/>
               </a:ext>
             </a:extLst>
           </p:cNvPr>
@@ -29644,7 +32100,7 @@
           <p:cNvPr id="4106" name="Picture 10" descr="Image result for philosophy  meme">
             <a:extLst>
               <a:ext uri="{FF2B5EF4-FFF2-40B4-BE49-F238E27FC236}">
-                <a16:creationId xmlns="" xmlns:a16="http://schemas.microsoft.com/office/drawing/2014/main" id="{FE25D894-4569-4BB7-9CED-24D6E823F559}"/>
+                <a16:creationId xmlns:a16="http://schemas.microsoft.com/office/drawing/2014/main" xmlns="" id="{FE25D894-4569-4BB7-9CED-24D6E823F559}"/>
               </a:ext>
             </a:extLst>
           </p:cNvPr>
@@ -29691,7 +32147,7 @@
           <p:cNvPr id="4108" name="Picture 12" descr="Image result for philosophy  meme">
             <a:extLst>
               <a:ext uri="{FF2B5EF4-FFF2-40B4-BE49-F238E27FC236}">
-                <a16:creationId xmlns="" xmlns:a16="http://schemas.microsoft.com/office/drawing/2014/main" id="{005FC18C-7CB4-4673-A741-C7CF2050B348}"/>
+                <a16:creationId xmlns:a16="http://schemas.microsoft.com/office/drawing/2014/main" xmlns="" id="{005FC18C-7CB4-4673-A741-C7CF2050B348}"/>
               </a:ext>
             </a:extLst>
           </p:cNvPr>
@@ -29738,7 +32194,7 @@
           <p:cNvPr id="20" name="Footer Placeholder 5">
             <a:extLst>
               <a:ext uri="{FF2B5EF4-FFF2-40B4-BE49-F238E27FC236}">
-                <a16:creationId xmlns="" xmlns:a16="http://schemas.microsoft.com/office/drawing/2014/main" id="{951674F2-5FD2-40D2-9A66-C3AEC2473EAD}"/>
+                <a16:creationId xmlns:a16="http://schemas.microsoft.com/office/drawing/2014/main" xmlns="" id="{951674F2-5FD2-40D2-9A66-C3AEC2473EAD}"/>
               </a:ext>
             </a:extLst>
           </p:cNvPr>
@@ -29779,7 +32235,7 @@
 </p:sld>
 </file>
 
-<file path=ppt/slides/slide28.xml><?xml version="1.0" encoding="utf-8"?>
+<file path=ppt/slides/slide36.xml><?xml version="1.0" encoding="utf-8"?>
 <p:sld xmlns:a="http://schemas.openxmlformats.org/drawingml/2006/main" xmlns:r="http://schemas.openxmlformats.org/officeDocument/2006/relationships" xmlns:p="http://schemas.openxmlformats.org/presentationml/2006/main">
   <p:cSld>
     <p:spTree>
@@ -29814,7 +32270,240 @@
             <a:fld id="{6700A58B-DD98-43D0-B791-721480A02982}" type="datetime1">
               <a:rPr lang="en-US" smtClean="0"/>
               <a:pPr/>
-              <a:t>6/6/2019</a:t>
+              <a:t>6/19/2019</a:t>
+            </a:fld>
+            <a:endParaRPr lang="en-US"/>
+          </a:p>
+        </p:txBody>
+      </p:sp>
+      <p:sp>
+        <p:nvSpPr>
+          <p:cNvPr id="4" name="Slide Number Placeholder 3"/>
+          <p:cNvSpPr>
+            <a:spLocks noGrp="1"/>
+          </p:cNvSpPr>
+          <p:nvPr>
+            <p:ph type="sldNum" sz="quarter" idx="4"/>
+          </p:nvPr>
+        </p:nvSpPr>
+        <p:spPr/>
+        <p:txBody>
+          <a:bodyPr/>
+          <a:lstStyle/>
+          <a:p>
+            <a:fld id="{37290FF7-652B-4475-AEAB-8B1A5D23AE09}" type="slidenum">
+              <a:rPr lang="en-US" smtClean="0"/>
+              <a:pPr/>
+              <a:t>36</a:t>
+            </a:fld>
+            <a:endParaRPr lang="en-US"/>
+          </a:p>
+        </p:txBody>
+      </p:sp>
+      <p:pic>
+        <p:nvPicPr>
+          <p:cNvPr id="8" name="Picture 2" descr="Image result for ethics meme"/>
+          <p:cNvPicPr>
+            <a:picLocks noChangeAspect="1" noChangeArrowheads="1"/>
+          </p:cNvPicPr>
+          <p:nvPr/>
+        </p:nvPicPr>
+        <p:blipFill>
+          <a:blip r:embed="rId2">
+            <a:extLst>
+              <a:ext uri="{28A0092B-C50C-407E-A947-70E740481C1C}">
+                <a14:useLocalDpi xmlns:a14="http://schemas.microsoft.com/office/drawing/2010/main" val="0"/>
+              </a:ext>
+            </a:extLst>
+          </a:blip>
+          <a:srcRect/>
+          <a:stretch>
+            <a:fillRect/>
+          </a:stretch>
+        </p:blipFill>
+        <p:spPr bwMode="auto">
+          <a:xfrm>
+            <a:off x="2224087" y="1960008"/>
+            <a:ext cx="4662488" cy="2749884"/>
+          </a:xfrm>
+          <a:prstGeom prst="rect">
+            <a:avLst/>
+          </a:prstGeom>
+          <a:noFill/>
+          <a:extLst>
+            <a:ext uri="{909E8E84-426E-40DD-AFC4-6F175D3DCCD1}">
+              <a14:hiddenFill xmlns:a14="http://schemas.microsoft.com/office/drawing/2010/main">
+                <a:solidFill>
+                  <a:srgbClr val="FFFFFF"/>
+                </a:solidFill>
+              </a14:hiddenFill>
+            </a:ext>
+          </a:extLst>
+        </p:spPr>
+      </p:pic>
+      <p:sp>
+        <p:nvSpPr>
+          <p:cNvPr id="9" name="Rectangle 8"/>
+          <p:cNvSpPr/>
+          <p:nvPr/>
+        </p:nvSpPr>
+        <p:spPr>
+          <a:xfrm>
+            <a:off x="750092" y="5343522"/>
+            <a:ext cx="7386638" cy="919162"/>
+          </a:xfrm>
+          <a:prstGeom prst="rect">
+            <a:avLst/>
+          </a:prstGeom>
+          <a:solidFill>
+            <a:schemeClr val="accent2"/>
+          </a:solidFill>
+          <a:ln>
+            <a:noFill/>
+          </a:ln>
+        </p:spPr>
+        <p:style>
+          <a:lnRef idx="2">
+            <a:schemeClr val="accent1">
+              <a:shade val="50000"/>
+            </a:schemeClr>
+          </a:lnRef>
+          <a:fillRef idx="1">
+            <a:schemeClr val="accent1"/>
+          </a:fillRef>
+          <a:effectRef idx="0">
+            <a:schemeClr val="accent1"/>
+          </a:effectRef>
+          <a:fontRef idx="minor">
+            <a:schemeClr val="lt1"/>
+          </a:fontRef>
+        </p:style>
+        <p:txBody>
+          <a:bodyPr rtlCol="0" anchor="ctr"/>
+          <a:lstStyle/>
+          <a:p>
+            <a:r>
+              <a:rPr lang="en-US" dirty="0"/>
+              <a:t>Technology is a means to an end.  Stating data mining of any kind represents progress is misleading.  What </a:t>
+            </a:r>
+            <a:r>
+              <a:rPr lang="en-US" dirty="0" smtClean="0"/>
+              <a:t>end is ultimately achieved</a:t>
+            </a:r>
+            <a:r>
+              <a:rPr lang="en-US" dirty="0"/>
+              <a:t>?</a:t>
+            </a:r>
+          </a:p>
+        </p:txBody>
+      </p:sp>
+      <p:sp>
+        <p:nvSpPr>
+          <p:cNvPr id="15" name="Footer Placeholder 5">
+            <a:extLst>
+              <a:ext uri="{FF2B5EF4-FFF2-40B4-BE49-F238E27FC236}">
+                <a16:creationId xmlns:a16="http://schemas.microsoft.com/office/drawing/2014/main" xmlns="" id="{014FC933-BEAE-4714-81FB-6B6EFBB54C9B}"/>
+              </a:ext>
+            </a:extLst>
+          </p:cNvPr>
+          <p:cNvSpPr>
+            <a:spLocks noGrp="1"/>
+          </p:cNvSpPr>
+          <p:nvPr>
+            <p:ph type="ftr" sz="quarter" idx="3"/>
+          </p:nvPr>
+        </p:nvSpPr>
+        <p:spPr>
+          <a:xfrm>
+            <a:off x="3028950" y="6356351"/>
+            <a:ext cx="3086100" cy="365125"/>
+          </a:xfrm>
+        </p:spPr>
+        <p:txBody>
+          <a:bodyPr/>
+          <a:lstStyle/>
+          <a:p>
+            <a:r>
+              <a:rPr lang="en-US" dirty="0"/>
+              <a:t>Kwartler</a:t>
+            </a:r>
+          </a:p>
+        </p:txBody>
+      </p:sp>
+      <p:sp>
+        <p:nvSpPr>
+          <p:cNvPr id="17" name="Title 16">
+            <a:extLst>
+              <a:ext uri="{FF2B5EF4-FFF2-40B4-BE49-F238E27FC236}">
+                <a16:creationId xmlns:a16="http://schemas.microsoft.com/office/drawing/2014/main" xmlns="" id="{CCC681A3-63D3-4571-8E58-7BF9C6BBEE7A}"/>
+              </a:ext>
+            </a:extLst>
+          </p:cNvPr>
+          <p:cNvSpPr>
+            <a:spLocks noGrp="1"/>
+          </p:cNvSpPr>
+          <p:nvPr>
+            <p:ph type="title"/>
+          </p:nvPr>
+        </p:nvSpPr>
+        <p:spPr/>
+        <p:txBody>
+          <a:bodyPr/>
+          <a:lstStyle/>
+          <a:p>
+            <a:endParaRPr lang="en-US"/>
+          </a:p>
+        </p:txBody>
+      </p:sp>
+    </p:spTree>
+    <p:extLst>
+      <p:ext uri="{BB962C8B-B14F-4D97-AF65-F5344CB8AC3E}">
+        <p14:creationId xmlns:p14="http://schemas.microsoft.com/office/powerpoint/2010/main" val="3306772763"/>
+      </p:ext>
+    </p:extLst>
+  </p:cSld>
+  <p:clrMapOvr>
+    <a:masterClrMapping/>
+  </p:clrMapOvr>
+</p:sld>
+</file>
+
+<file path=ppt/slides/slide37.xml><?xml version="1.0" encoding="utf-8"?>
+<p:sld xmlns:a="http://schemas.openxmlformats.org/drawingml/2006/main" xmlns:r="http://schemas.openxmlformats.org/officeDocument/2006/relationships" xmlns:p="http://schemas.openxmlformats.org/presentationml/2006/main">
+  <p:cSld>
+    <p:spTree>
+      <p:nvGrpSpPr>
+        <p:cNvPr id="1" name=""/>
+        <p:cNvGrpSpPr/>
+        <p:nvPr/>
+      </p:nvGrpSpPr>
+      <p:grpSpPr>
+        <a:xfrm>
+          <a:off x="0" y="0"/>
+          <a:ext cx="0" cy="0"/>
+          <a:chOff x="0" y="0"/>
+          <a:chExt cx="0" cy="0"/>
+        </a:xfrm>
+      </p:grpSpPr>
+      <p:sp>
+        <p:nvSpPr>
+          <p:cNvPr id="2" name="Date Placeholder 1"/>
+          <p:cNvSpPr>
+            <a:spLocks noGrp="1"/>
+          </p:cNvSpPr>
+          <p:nvPr>
+            <p:ph type="dt" sz="half" idx="10"/>
+          </p:nvPr>
+        </p:nvSpPr>
+        <p:spPr/>
+        <p:txBody>
+          <a:bodyPr/>
+          <a:lstStyle/>
+          <a:p>
+            <a:fld id="{6700A58B-DD98-43D0-B791-721480A02982}" type="datetime1">
+              <a:rPr lang="en-US" smtClean="0"/>
+              <a:pPr/>
+              <a:t>6/19/2019</a:t>
             </a:fld>
             <a:endParaRPr lang="en-US"/>
           </a:p>
@@ -29861,7 +32550,7 @@
             <a:fld id="{37290FF7-652B-4475-AEAB-8B1A5D23AE09}" type="slidenum">
               <a:rPr lang="en-US" smtClean="0"/>
               <a:pPr/>
-              <a:t>28</a:t>
+              <a:t>37</a:t>
             </a:fld>
             <a:endParaRPr lang="en-US"/>
           </a:p>
@@ -29962,7 +32651,7 @@
           <p:cNvPr id="15" name="Footer Placeholder 5">
             <a:extLst>
               <a:ext uri="{FF2B5EF4-FFF2-40B4-BE49-F238E27FC236}">
-                <a16:creationId xmlns="" xmlns:a16="http://schemas.microsoft.com/office/drawing/2014/main" id="{2DB72CA9-F7AD-44D8-B42D-35731DF54CDC}"/>
+                <a16:creationId xmlns:a16="http://schemas.microsoft.com/office/drawing/2014/main" xmlns="" id="{2DB72CA9-F7AD-44D8-B42D-35731DF54CDC}"/>
               </a:ext>
             </a:extLst>
           </p:cNvPr>
@@ -29994,486 +32683,6 @@
     <p:extLst>
       <p:ext uri="{BB962C8B-B14F-4D97-AF65-F5344CB8AC3E}">
         <p14:creationId xmlns:p14="http://schemas.microsoft.com/office/powerpoint/2010/main" val="1978843058"/>
-      </p:ext>
-    </p:extLst>
-  </p:cSld>
-  <p:clrMapOvr>
-    <a:masterClrMapping/>
-  </p:clrMapOvr>
-</p:sld>
-</file>
-
-<file path=ppt/slides/slide29.xml><?xml version="1.0" encoding="utf-8"?>
-<p:sld xmlns:a="http://schemas.openxmlformats.org/drawingml/2006/main" xmlns:r="http://schemas.openxmlformats.org/officeDocument/2006/relationships" xmlns:p="http://schemas.openxmlformats.org/presentationml/2006/main">
-  <p:cSld>
-    <p:spTree>
-      <p:nvGrpSpPr>
-        <p:cNvPr id="1" name=""/>
-        <p:cNvGrpSpPr/>
-        <p:nvPr/>
-      </p:nvGrpSpPr>
-      <p:grpSpPr>
-        <a:xfrm>
-          <a:off x="0" y="0"/>
-          <a:ext cx="0" cy="0"/>
-          <a:chOff x="0" y="0"/>
-          <a:chExt cx="0" cy="0"/>
-        </a:xfrm>
-      </p:grpSpPr>
-      <p:sp>
-        <p:nvSpPr>
-          <p:cNvPr id="2" name="Date Placeholder 1"/>
-          <p:cNvSpPr>
-            <a:spLocks noGrp="1"/>
-          </p:cNvSpPr>
-          <p:nvPr>
-            <p:ph type="dt" sz="half" idx="10"/>
-          </p:nvPr>
-        </p:nvSpPr>
-        <p:spPr/>
-        <p:txBody>
-          <a:bodyPr/>
-          <a:lstStyle/>
-          <a:p>
-            <a:fld id="{6700A58B-DD98-43D0-B791-721480A02982}" type="datetime1">
-              <a:rPr lang="en-US" smtClean="0"/>
-              <a:pPr/>
-              <a:t>6/6/2019</a:t>
-            </a:fld>
-            <a:endParaRPr lang="en-US"/>
-          </a:p>
-        </p:txBody>
-      </p:sp>
-      <p:sp>
-        <p:nvSpPr>
-          <p:cNvPr id="4" name="Slide Number Placeholder 3"/>
-          <p:cNvSpPr>
-            <a:spLocks noGrp="1"/>
-          </p:cNvSpPr>
-          <p:nvPr>
-            <p:ph type="sldNum" sz="quarter" idx="4"/>
-          </p:nvPr>
-        </p:nvSpPr>
-        <p:spPr/>
-        <p:txBody>
-          <a:bodyPr/>
-          <a:lstStyle/>
-          <a:p>
-            <a:fld id="{37290FF7-652B-4475-AEAB-8B1A5D23AE09}" type="slidenum">
-              <a:rPr lang="en-US" smtClean="0"/>
-              <a:pPr/>
-              <a:t>29</a:t>
-            </a:fld>
-            <a:endParaRPr lang="en-US"/>
-          </a:p>
-        </p:txBody>
-      </p:sp>
-      <p:pic>
-        <p:nvPicPr>
-          <p:cNvPr id="8" name="Picture 2" descr="Image result for ethics meme"/>
-          <p:cNvPicPr>
-            <a:picLocks noChangeAspect="1" noChangeArrowheads="1"/>
-          </p:cNvPicPr>
-          <p:nvPr/>
-        </p:nvPicPr>
-        <p:blipFill>
-          <a:blip r:embed="rId2">
-            <a:extLst>
-              <a:ext uri="{28A0092B-C50C-407E-A947-70E740481C1C}">
-                <a14:useLocalDpi xmlns:a14="http://schemas.microsoft.com/office/drawing/2010/main" val="0"/>
-              </a:ext>
-            </a:extLst>
-          </a:blip>
-          <a:srcRect/>
-          <a:stretch>
-            <a:fillRect/>
-          </a:stretch>
-        </p:blipFill>
-        <p:spPr bwMode="auto">
-          <a:xfrm>
-            <a:off x="2224087" y="1960008"/>
-            <a:ext cx="4662488" cy="2749884"/>
-          </a:xfrm>
-          <a:prstGeom prst="rect">
-            <a:avLst/>
-          </a:prstGeom>
-          <a:noFill/>
-          <a:extLst>
-            <a:ext uri="{909E8E84-426E-40DD-AFC4-6F175D3DCCD1}">
-              <a14:hiddenFill xmlns:a14="http://schemas.microsoft.com/office/drawing/2010/main">
-                <a:solidFill>
-                  <a:srgbClr val="FFFFFF"/>
-                </a:solidFill>
-              </a14:hiddenFill>
-            </a:ext>
-          </a:extLst>
-        </p:spPr>
-      </p:pic>
-      <p:sp>
-        <p:nvSpPr>
-          <p:cNvPr id="9" name="Rectangle 8"/>
-          <p:cNvSpPr/>
-          <p:nvPr/>
-        </p:nvSpPr>
-        <p:spPr>
-          <a:xfrm>
-            <a:off x="750092" y="5343522"/>
-            <a:ext cx="7386638" cy="919162"/>
-          </a:xfrm>
-          <a:prstGeom prst="rect">
-            <a:avLst/>
-          </a:prstGeom>
-          <a:solidFill>
-            <a:schemeClr val="accent2"/>
-          </a:solidFill>
-          <a:ln>
-            <a:noFill/>
-          </a:ln>
-        </p:spPr>
-        <p:style>
-          <a:lnRef idx="2">
-            <a:schemeClr val="accent1">
-              <a:shade val="50000"/>
-            </a:schemeClr>
-          </a:lnRef>
-          <a:fillRef idx="1">
-            <a:schemeClr val="accent1"/>
-          </a:fillRef>
-          <a:effectRef idx="0">
-            <a:schemeClr val="accent1"/>
-          </a:effectRef>
-          <a:fontRef idx="minor">
-            <a:schemeClr val="lt1"/>
-          </a:fontRef>
-        </p:style>
-        <p:txBody>
-          <a:bodyPr rtlCol="0" anchor="ctr"/>
-          <a:lstStyle/>
-          <a:p>
-            <a:r>
-              <a:rPr lang="en-US" dirty="0"/>
-              <a:t>Technology is a means to an end.  Stating data mining of any kind represents progress is misleading.  What </a:t>
-            </a:r>
-            <a:r>
-              <a:rPr lang="en-US" dirty="0" smtClean="0"/>
-              <a:t>end is ultimately achieved</a:t>
-            </a:r>
-            <a:r>
-              <a:rPr lang="en-US" dirty="0"/>
-              <a:t>?</a:t>
-            </a:r>
-          </a:p>
-        </p:txBody>
-      </p:sp>
-      <p:sp>
-        <p:nvSpPr>
-          <p:cNvPr id="15" name="Footer Placeholder 5">
-            <a:extLst>
-              <a:ext uri="{FF2B5EF4-FFF2-40B4-BE49-F238E27FC236}">
-                <a16:creationId xmlns="" xmlns:a16="http://schemas.microsoft.com/office/drawing/2014/main" id="{014FC933-BEAE-4714-81FB-6B6EFBB54C9B}"/>
-              </a:ext>
-            </a:extLst>
-          </p:cNvPr>
-          <p:cNvSpPr>
-            <a:spLocks noGrp="1"/>
-          </p:cNvSpPr>
-          <p:nvPr>
-            <p:ph type="ftr" sz="quarter" idx="3"/>
-          </p:nvPr>
-        </p:nvSpPr>
-        <p:spPr>
-          <a:xfrm>
-            <a:off x="3028950" y="6356351"/>
-            <a:ext cx="3086100" cy="365125"/>
-          </a:xfrm>
-        </p:spPr>
-        <p:txBody>
-          <a:bodyPr/>
-          <a:lstStyle/>
-          <a:p>
-            <a:r>
-              <a:rPr lang="en-US" dirty="0"/>
-              <a:t>Kwartler</a:t>
-            </a:r>
-          </a:p>
-        </p:txBody>
-      </p:sp>
-      <p:sp>
-        <p:nvSpPr>
-          <p:cNvPr id="17" name="Title 16">
-            <a:extLst>
-              <a:ext uri="{FF2B5EF4-FFF2-40B4-BE49-F238E27FC236}">
-                <a16:creationId xmlns="" xmlns:a16="http://schemas.microsoft.com/office/drawing/2014/main" id="{CCC681A3-63D3-4571-8E58-7BF9C6BBEE7A}"/>
-              </a:ext>
-            </a:extLst>
-          </p:cNvPr>
-          <p:cNvSpPr>
-            <a:spLocks noGrp="1"/>
-          </p:cNvSpPr>
-          <p:nvPr>
-            <p:ph type="title"/>
-          </p:nvPr>
-        </p:nvSpPr>
-        <p:spPr/>
-        <p:txBody>
-          <a:bodyPr/>
-          <a:lstStyle/>
-          <a:p>
-            <a:endParaRPr lang="en-US"/>
-          </a:p>
-        </p:txBody>
-      </p:sp>
-    </p:spTree>
-    <p:extLst>
-      <p:ext uri="{BB962C8B-B14F-4D97-AF65-F5344CB8AC3E}">
-        <p14:creationId xmlns:p14="http://schemas.microsoft.com/office/powerpoint/2010/main" val="3306772763"/>
-      </p:ext>
-    </p:extLst>
-  </p:cSld>
-  <p:clrMapOvr>
-    <a:masterClrMapping/>
-  </p:clrMapOvr>
-</p:sld>
-</file>
-
-<file path=ppt/slides/slide3.xml><?xml version="1.0" encoding="utf-8"?>
-<p:sld xmlns:a="http://schemas.openxmlformats.org/drawingml/2006/main" xmlns:r="http://schemas.openxmlformats.org/officeDocument/2006/relationships" xmlns:p="http://schemas.openxmlformats.org/presentationml/2006/main">
-  <p:cSld>
-    <p:spTree>
-      <p:nvGrpSpPr>
-        <p:cNvPr id="1" name=""/>
-        <p:cNvGrpSpPr/>
-        <p:nvPr/>
-      </p:nvGrpSpPr>
-      <p:grpSpPr>
-        <a:xfrm>
-          <a:off x="0" y="0"/>
-          <a:ext cx="0" cy="0"/>
-          <a:chOff x="0" y="0"/>
-          <a:chExt cx="0" cy="0"/>
-        </a:xfrm>
-      </p:grpSpPr>
-      <p:sp>
-        <p:nvSpPr>
-          <p:cNvPr id="2" name="Date Placeholder 1">
-            <a:extLst>
-              <a:ext uri="{FF2B5EF4-FFF2-40B4-BE49-F238E27FC236}">
-                <a16:creationId xmlns="" xmlns:a16="http://schemas.microsoft.com/office/drawing/2014/main" id="{1A1AFFF3-89B0-4769-AEDD-2363802213A3}"/>
-              </a:ext>
-            </a:extLst>
-          </p:cNvPr>
-          <p:cNvSpPr>
-            <a:spLocks noGrp="1"/>
-          </p:cNvSpPr>
-          <p:nvPr>
-            <p:ph type="dt" sz="half" idx="10"/>
-          </p:nvPr>
-        </p:nvSpPr>
-        <p:spPr/>
-        <p:txBody>
-          <a:bodyPr/>
-          <a:lstStyle/>
-          <a:p>
-            <a:fld id="{6700A58B-DD98-43D0-B791-721480A02982}" type="datetime1">
-              <a:rPr lang="en-US" smtClean="0"/>
-              <a:t>6/6/2019</a:t>
-            </a:fld>
-            <a:endParaRPr lang="en-US"/>
-          </a:p>
-        </p:txBody>
-      </p:sp>
-      <p:sp>
-        <p:nvSpPr>
-          <p:cNvPr id="3" name="Title 2">
-            <a:extLst>
-              <a:ext uri="{FF2B5EF4-FFF2-40B4-BE49-F238E27FC236}">
-                <a16:creationId xmlns="" xmlns:a16="http://schemas.microsoft.com/office/drawing/2014/main" id="{11B8BB4E-D859-4F83-A200-38256CB97197}"/>
-              </a:ext>
-            </a:extLst>
-          </p:cNvPr>
-          <p:cNvSpPr>
-            <a:spLocks noGrp="1"/>
-          </p:cNvSpPr>
-          <p:nvPr>
-            <p:ph type="title"/>
-          </p:nvPr>
-        </p:nvSpPr>
-        <p:spPr/>
-        <p:txBody>
-          <a:bodyPr/>
-          <a:lstStyle/>
-          <a:p>
-            <a:r>
-              <a:rPr lang="en-US" dirty="0"/>
-              <a:t>Definition of Ethics</a:t>
-            </a:r>
-          </a:p>
-        </p:txBody>
-      </p:sp>
-      <p:sp>
-        <p:nvSpPr>
-          <p:cNvPr id="4" name="Footer Placeholder 3">
-            <a:extLst>
-              <a:ext uri="{FF2B5EF4-FFF2-40B4-BE49-F238E27FC236}">
-                <a16:creationId xmlns="" xmlns:a16="http://schemas.microsoft.com/office/drawing/2014/main" id="{BB795DCA-1B54-498D-B310-4CEF8F52823E}"/>
-              </a:ext>
-            </a:extLst>
-          </p:cNvPr>
-          <p:cNvSpPr>
-            <a:spLocks noGrp="1"/>
-          </p:cNvSpPr>
-          <p:nvPr>
-            <p:ph type="ftr" sz="quarter" idx="3"/>
-          </p:nvPr>
-        </p:nvSpPr>
-        <p:spPr/>
-        <p:txBody>
-          <a:bodyPr/>
-          <a:lstStyle/>
-          <a:p>
-            <a:r>
-              <a:rPr lang="en-US"/>
-              <a:t>Kwartler</a:t>
-            </a:r>
-            <a:endParaRPr lang="en-US" dirty="0"/>
-          </a:p>
-        </p:txBody>
-      </p:sp>
-      <p:sp>
-        <p:nvSpPr>
-          <p:cNvPr id="5" name="Slide Number Placeholder 4">
-            <a:extLst>
-              <a:ext uri="{FF2B5EF4-FFF2-40B4-BE49-F238E27FC236}">
-                <a16:creationId xmlns="" xmlns:a16="http://schemas.microsoft.com/office/drawing/2014/main" id="{03625913-91B2-404C-9E72-F4A2B48A2285}"/>
-              </a:ext>
-            </a:extLst>
-          </p:cNvPr>
-          <p:cNvSpPr>
-            <a:spLocks noGrp="1"/>
-          </p:cNvSpPr>
-          <p:nvPr>
-            <p:ph type="sldNum" sz="quarter" idx="4"/>
-          </p:nvPr>
-        </p:nvSpPr>
-        <p:spPr/>
-        <p:txBody>
-          <a:bodyPr/>
-          <a:lstStyle/>
-          <a:p>
-            <a:fld id="{37290FF7-652B-4475-AEAB-8B1A5D23AE09}" type="slidenum">
-              <a:rPr lang="en-US" smtClean="0"/>
-              <a:pPr/>
-              <a:t>3</a:t>
-            </a:fld>
-            <a:endParaRPr lang="en-US" dirty="0"/>
-          </a:p>
-        </p:txBody>
-      </p:sp>
-      <p:sp>
-        <p:nvSpPr>
-          <p:cNvPr id="6" name="TextBox 5">
-            <a:extLst>
-              <a:ext uri="{FF2B5EF4-FFF2-40B4-BE49-F238E27FC236}">
-                <a16:creationId xmlns="" xmlns:a16="http://schemas.microsoft.com/office/drawing/2014/main" id="{513EF94E-0454-43B6-B5BC-D17A1FA86ED8}"/>
-              </a:ext>
-            </a:extLst>
-          </p:cNvPr>
-          <p:cNvSpPr txBox="1"/>
-          <p:nvPr/>
-        </p:nvSpPr>
-        <p:spPr>
-          <a:xfrm>
-            <a:off x="318565" y="2828836"/>
-            <a:ext cx="8506870" cy="1200329"/>
-          </a:xfrm>
-          <a:prstGeom prst="rect">
-            <a:avLst/>
-          </a:prstGeom>
-          <a:noFill/>
-        </p:spPr>
-        <p:txBody>
-          <a:bodyPr wrap="square" rtlCol="0">
-            <a:spAutoFit/>
-          </a:bodyPr>
-          <a:lstStyle/>
-          <a:p>
-            <a:pPr fontAlgn="base"/>
-            <a:r>
-              <a:rPr lang="en-US" b="1" dirty="0"/>
-              <a:t>ethics</a:t>
-            </a:r>
-            <a:r>
-              <a:rPr lang="en-US" i="1" dirty="0"/>
-              <a:t> plural in form but singular or plural in construction</a:t>
-            </a:r>
-            <a:r>
-              <a:rPr lang="en-US" dirty="0"/>
-              <a:t> </a:t>
-            </a:r>
-            <a:r>
-              <a:rPr lang="en-US" b="1" dirty="0"/>
-              <a:t>: </a:t>
-            </a:r>
-            <a:r>
-              <a:rPr lang="en-US" dirty="0">
-                <a:highlight>
-                  <a:srgbClr val="FFFF00"/>
-                </a:highlight>
-              </a:rPr>
-              <a:t>the discipline dealing with what is good and bad and with moral duty and obligation; a guiding philosophy</a:t>
-            </a:r>
-          </a:p>
-          <a:p>
-            <a:pPr fontAlgn="base"/>
-            <a:endParaRPr lang="en-US" dirty="0"/>
-          </a:p>
-          <a:p>
-            <a:endParaRPr lang="en-US" dirty="0"/>
-          </a:p>
-        </p:txBody>
-      </p:sp>
-      <p:sp>
-        <p:nvSpPr>
-          <p:cNvPr id="7" name="TextBox 6">
-            <a:extLst>
-              <a:ext uri="{FF2B5EF4-FFF2-40B4-BE49-F238E27FC236}">
-                <a16:creationId xmlns="" xmlns:a16="http://schemas.microsoft.com/office/drawing/2014/main" id="{B0BB00E4-CA90-43C0-9FA4-DB3021015AF6}"/>
-              </a:ext>
-            </a:extLst>
-          </p:cNvPr>
-          <p:cNvSpPr txBox="1"/>
-          <p:nvPr/>
-        </p:nvSpPr>
-        <p:spPr>
-          <a:xfrm>
-            <a:off x="119909" y="6229393"/>
-            <a:ext cx="3074881" cy="253916"/>
-          </a:xfrm>
-          <a:prstGeom prst="rect">
-            <a:avLst/>
-          </a:prstGeom>
-          <a:noFill/>
-        </p:spPr>
-        <p:txBody>
-          <a:bodyPr wrap="none" rtlCol="0">
-            <a:spAutoFit/>
-          </a:bodyPr>
-          <a:lstStyle/>
-          <a:p>
-            <a:r>
-              <a:rPr lang="en-US" sz="1050" dirty="0">
-                <a:hlinkClick r:id="rId2"/>
-              </a:rPr>
-              <a:t>https://www.merriam-webster.com/dictionary/ethic</a:t>
-            </a:r>
-            <a:endParaRPr lang="en-US" sz="1050" dirty="0"/>
-          </a:p>
-        </p:txBody>
-      </p:sp>
-    </p:spTree>
-    <p:extLst>
-      <p:ext uri="{BB962C8B-B14F-4D97-AF65-F5344CB8AC3E}">
-        <p14:creationId xmlns:p14="http://schemas.microsoft.com/office/powerpoint/2010/main" val="3151054792"/>
       </p:ext>
     </p:extLst>
   </p:cSld>
@@ -30518,7 +32727,7 @@
             <a:fld id="{6700A58B-DD98-43D0-B791-721480A02982}" type="datetime1">
               <a:rPr lang="en-US" smtClean="0"/>
               <a:pPr/>
-              <a:t>6/6/2019</a:t>
+              <a:t>6/19/2019</a:t>
             </a:fld>
             <a:endParaRPr lang="en-US"/>
           </a:p>
@@ -30574,7 +32783,7 @@
         </p:blipFill>
         <p:spPr bwMode="auto">
           <a:xfrm>
-            <a:off x="3098800" y="1497012"/>
+            <a:off x="3090863" y="1947862"/>
             <a:ext cx="2962275" cy="2962276"/>
           </a:xfrm>
           <a:prstGeom prst="rect">
@@ -30594,71 +32803,10 @@
       </p:pic>
       <p:sp>
         <p:nvSpPr>
-          <p:cNvPr id="8" name="Rectangle 7"/>
-          <p:cNvSpPr/>
-          <p:nvPr/>
-        </p:nvSpPr>
-        <p:spPr>
-          <a:xfrm>
-            <a:off x="428626" y="5172075"/>
-            <a:ext cx="8086725" cy="885825"/>
-          </a:xfrm>
-          <a:prstGeom prst="rect">
-            <a:avLst/>
-          </a:prstGeom>
-          <a:solidFill>
-            <a:schemeClr val="accent6"/>
-          </a:solidFill>
-          <a:ln>
-            <a:noFill/>
-          </a:ln>
-        </p:spPr>
-        <p:style>
-          <a:lnRef idx="2">
-            <a:schemeClr val="accent1">
-              <a:shade val="50000"/>
-            </a:schemeClr>
-          </a:lnRef>
-          <a:fillRef idx="1">
-            <a:schemeClr val="accent1"/>
-          </a:fillRef>
-          <a:effectRef idx="0">
-            <a:schemeClr val="accent1"/>
-          </a:effectRef>
-          <a:fontRef idx="minor">
-            <a:schemeClr val="lt1"/>
-          </a:fontRef>
-        </p:style>
-        <p:txBody>
-          <a:bodyPr rtlCol="0" anchor="ctr"/>
-          <a:lstStyle/>
-          <a:p>
-            <a:pPr algn="ctr"/>
-            <a:r>
-              <a:rPr lang="en-US" dirty="0"/>
-              <a:t>In 1970, Milton Friedman famously argued that the only social responsibility of business was to maximize profits. </a:t>
-            </a:r>
-          </a:p>
-          <a:p>
-            <a:pPr algn="ctr"/>
-            <a:r>
-              <a:rPr lang="en-US" dirty="0"/>
-              <a:t>“The only business of business is business” -President </a:t>
-            </a:r>
-            <a:r>
-              <a:rPr lang="en-US" b="1" dirty="0"/>
-              <a:t>Calvin Coolidge</a:t>
-            </a:r>
-            <a:endParaRPr lang="en-US" dirty="0"/>
-          </a:p>
-        </p:txBody>
-      </p:sp>
-      <p:sp>
-        <p:nvSpPr>
           <p:cNvPr id="14" name="Footer Placeholder 5">
             <a:extLst>
               <a:ext uri="{FF2B5EF4-FFF2-40B4-BE49-F238E27FC236}">
-                <a16:creationId xmlns="" xmlns:a16="http://schemas.microsoft.com/office/drawing/2014/main" id="{2CE3D52C-7306-45AB-96D7-4AC1C08CB6F5}"/>
+                <a16:creationId xmlns:a16="http://schemas.microsoft.com/office/drawing/2014/main" xmlns="" id="{2CE3D52C-7306-45AB-96D7-4AC1C08CB6F5}"/>
               </a:ext>
             </a:extLst>
           </p:cNvPr>
@@ -30691,7 +32839,7 @@
           <p:cNvPr id="15" name="Slide Number Placeholder 6">
             <a:extLst>
               <a:ext uri="{FF2B5EF4-FFF2-40B4-BE49-F238E27FC236}">
-                <a16:creationId xmlns="" xmlns:a16="http://schemas.microsoft.com/office/drawing/2014/main" id="{6CE3B916-F6BB-4AE5-81B2-8A875577D085}"/>
+                <a16:creationId xmlns:a16="http://schemas.microsoft.com/office/drawing/2014/main" xmlns="" id="{6CE3B916-F6BB-4AE5-81B2-8A875577D085}"/>
               </a:ext>
             </a:extLst>
           </p:cNvPr>
@@ -30768,7 +32916,7 @@
             <a:fld id="{6700A58B-DD98-43D0-B791-721480A02982}" type="datetime1">
               <a:rPr lang="en-US" smtClean="0"/>
               <a:pPr/>
-              <a:t>6/6/2019</a:t>
+              <a:t>6/19/2019</a:t>
             </a:fld>
             <a:endParaRPr lang="en-US"/>
           </a:p>
@@ -30786,8 +32934,8 @@
         </p:nvSpPr>
         <p:spPr>
           <a:xfrm>
-            <a:off x="157316" y="365126"/>
-            <a:ext cx="8819536" cy="591477"/>
+            <a:off x="78657" y="365126"/>
+            <a:ext cx="8957187" cy="591477"/>
           </a:xfrm>
         </p:spPr>
         <p:txBody>
@@ -30796,21 +32944,21 @@
           <a:p>
             <a:r>
               <a:rPr lang="en-US" dirty="0"/>
-              <a:t>My definition…</a:t>
+              <a:t>Within a business context</a:t>
             </a:r>
           </a:p>
         </p:txBody>
       </p:sp>
       <p:sp>
         <p:nvSpPr>
-          <p:cNvPr id="9" name="Rectangle 8"/>
+          <p:cNvPr id="8" name="Rectangle 7"/>
           <p:cNvSpPr/>
           <p:nvPr/>
         </p:nvSpPr>
         <p:spPr>
           <a:xfrm>
-            <a:off x="542926" y="2971800"/>
-            <a:ext cx="8086725" cy="542925"/>
+            <a:off x="528638" y="2986088"/>
+            <a:ext cx="8086725" cy="885825"/>
           </a:xfrm>
           <a:prstGeom prst="rect">
             <a:avLst/>
@@ -30845,17 +32993,17 @@
             <a:pPr algn="ctr"/>
             <a:r>
               <a:rPr lang="en-US" dirty="0"/>
-              <a:t>A set of behavioral standards informing and justifying your actions while transacting business, performing duties etc.</a:t>
+              <a:t>In 1970, Milton Friedman famously argued that the only social responsibility of business was to maximize profits. </a:t>
             </a:r>
           </a:p>
         </p:txBody>
       </p:sp>
       <p:sp>
         <p:nvSpPr>
-          <p:cNvPr id="16" name="Footer Placeholder 5">
+          <p:cNvPr id="14" name="Footer Placeholder 5">
             <a:extLst>
               <a:ext uri="{FF2B5EF4-FFF2-40B4-BE49-F238E27FC236}">
-                <a16:creationId xmlns="" xmlns:a16="http://schemas.microsoft.com/office/drawing/2014/main" id="{3E7EDFEE-64DB-48E0-B12C-81A92F1C1B42}"/>
+                <a16:creationId xmlns:a16="http://schemas.microsoft.com/office/drawing/2014/main" xmlns="" id="{2CE3D52C-7306-45AB-96D7-4AC1C08CB6F5}"/>
               </a:ext>
             </a:extLst>
           </p:cNvPr>
@@ -30885,10 +33033,10 @@
       </p:sp>
       <p:sp>
         <p:nvSpPr>
-          <p:cNvPr id="17" name="Slide Number Placeholder 6">
+          <p:cNvPr id="15" name="Slide Number Placeholder 6">
             <a:extLst>
               <a:ext uri="{FF2B5EF4-FFF2-40B4-BE49-F238E27FC236}">
-                <a16:creationId xmlns="" xmlns:a16="http://schemas.microsoft.com/office/drawing/2014/main" id="{B404EE98-43BC-4A87-864C-FD85B435FCBC}"/>
+                <a16:creationId xmlns:a16="http://schemas.microsoft.com/office/drawing/2014/main" xmlns="" id="{6CE3B916-F6BB-4AE5-81B2-8A875577D085}"/>
               </a:ext>
             </a:extLst>
           </p:cNvPr>
@@ -30920,7 +33068,7 @@
     </p:spTree>
     <p:extLst>
       <p:ext uri="{BB962C8B-B14F-4D97-AF65-F5344CB8AC3E}">
-        <p14:creationId xmlns:p14="http://schemas.microsoft.com/office/powerpoint/2010/main" val="3238691261"/>
+        <p14:creationId xmlns:p14="http://schemas.microsoft.com/office/powerpoint/2010/main" val="4229940851"/>
       </p:ext>
     </p:extLst>
   </p:cSld>
@@ -30965,7 +33113,7 @@
             <a:fld id="{6700A58B-DD98-43D0-B791-721480A02982}" type="datetime1">
               <a:rPr lang="en-US" smtClean="0"/>
               <a:pPr/>
-              <a:t>6/6/2019</a:t>
+              <a:t>6/19/2019</a:t>
             </a:fld>
             <a:endParaRPr lang="en-US"/>
           </a:p>
@@ -30983,8 +33131,8 @@
         </p:nvSpPr>
         <p:spPr>
           <a:xfrm>
-            <a:off x="0" y="365126"/>
-            <a:ext cx="9144000" cy="591477"/>
+            <a:off x="78657" y="365126"/>
+            <a:ext cx="8957187" cy="591477"/>
           </a:xfrm>
         </p:spPr>
         <p:txBody>
@@ -30992,42 +33140,76 @@
           <a:lstStyle/>
           <a:p>
             <a:r>
-              <a:rPr lang="en-US" sz="2800" dirty="0"/>
-              <a:t>What about in the context of data, machine learning &amp; AI?</a:t>
+              <a:rPr lang="en-US" dirty="0"/>
+              <a:t>Within a business context</a:t>
             </a:r>
           </a:p>
         </p:txBody>
       </p:sp>
       <p:sp>
         <p:nvSpPr>
-          <p:cNvPr id="4" name="Slide Number Placeholder 3"/>
-          <p:cNvSpPr>
-            <a:spLocks noGrp="1"/>
-          </p:cNvSpPr>
-          <p:nvPr>
-            <p:ph type="sldNum" sz="quarter" idx="4"/>
-          </p:nvPr>
+          <p:cNvPr id="8" name="Rectangle 7"/>
+          <p:cNvSpPr/>
+          <p:nvPr/>
         </p:nvSpPr>
-        <p:spPr/>
+        <p:spPr>
+          <a:xfrm>
+            <a:off x="528638" y="2986088"/>
+            <a:ext cx="8086725" cy="885825"/>
+          </a:xfrm>
+          <a:prstGeom prst="rect">
+            <a:avLst/>
+          </a:prstGeom>
+          <a:solidFill>
+            <a:schemeClr val="accent6"/>
+          </a:solidFill>
+          <a:ln>
+            <a:noFill/>
+          </a:ln>
+        </p:spPr>
+        <p:style>
+          <a:lnRef idx="2">
+            <a:schemeClr val="accent1">
+              <a:shade val="50000"/>
+            </a:schemeClr>
+          </a:lnRef>
+          <a:fillRef idx="1">
+            <a:schemeClr val="accent1"/>
+          </a:fillRef>
+          <a:effectRef idx="0">
+            <a:schemeClr val="accent1"/>
+          </a:effectRef>
+          <a:fontRef idx="minor">
+            <a:schemeClr val="lt1"/>
+          </a:fontRef>
+        </p:style>
         <p:txBody>
-          <a:bodyPr/>
+          <a:bodyPr rtlCol="0" anchor="ctr"/>
           <a:lstStyle/>
           <a:p>
-            <a:fld id="{37290FF7-652B-4475-AEAB-8B1A5D23AE09}" type="slidenum">
-              <a:rPr lang="en-US" smtClean="0"/>
-              <a:pPr/>
-              <a:t>6</a:t>
-            </a:fld>
-            <a:endParaRPr lang="en-US"/>
+            <a:pPr algn="ctr"/>
+            <a:r>
+              <a:rPr lang="en-US" dirty="0" smtClean="0"/>
+              <a:t>“</a:t>
+            </a:r>
+            <a:r>
+              <a:rPr lang="en-US" dirty="0"/>
+              <a:t>The only business of business is business” -President </a:t>
+            </a:r>
+            <a:r>
+              <a:rPr lang="en-US" b="1" dirty="0"/>
+              <a:t>Calvin Coolidge</a:t>
+            </a:r>
+            <a:endParaRPr lang="en-US" dirty="0"/>
           </a:p>
         </p:txBody>
       </p:sp>
       <p:sp>
         <p:nvSpPr>
-          <p:cNvPr id="13" name="Footer Placeholder 5">
+          <p:cNvPr id="14" name="Footer Placeholder 5">
             <a:extLst>
               <a:ext uri="{FF2B5EF4-FFF2-40B4-BE49-F238E27FC236}">
-                <a16:creationId xmlns="" xmlns:a16="http://schemas.microsoft.com/office/drawing/2014/main" id="{F93B8616-1595-4D69-BFD7-9AA9B236622A}"/>
+                <a16:creationId xmlns:a16="http://schemas.microsoft.com/office/drawing/2014/main" xmlns="" id="{2CE3D52C-7306-45AB-96D7-4AC1C08CB6F5}"/>
               </a:ext>
             </a:extLst>
           </p:cNvPr>
@@ -31055,10 +33237,44 @@
           </a:p>
         </p:txBody>
       </p:sp>
+      <p:sp>
+        <p:nvSpPr>
+          <p:cNvPr id="15" name="Slide Number Placeholder 6">
+            <a:extLst>
+              <a:ext uri="{FF2B5EF4-FFF2-40B4-BE49-F238E27FC236}">
+                <a16:creationId xmlns:a16="http://schemas.microsoft.com/office/drawing/2014/main" xmlns="" id="{6CE3B916-F6BB-4AE5-81B2-8A875577D085}"/>
+              </a:ext>
+            </a:extLst>
+          </p:cNvPr>
+          <p:cNvSpPr>
+            <a:spLocks noGrp="1"/>
+          </p:cNvSpPr>
+          <p:nvPr>
+            <p:ph type="sldNum" sz="quarter" idx="4"/>
+          </p:nvPr>
+        </p:nvSpPr>
+        <p:spPr>
+          <a:xfrm>
+            <a:off x="7245743" y="6356351"/>
+            <a:ext cx="857250" cy="365125"/>
+          </a:xfrm>
+        </p:spPr>
+        <p:txBody>
+          <a:bodyPr/>
+          <a:lstStyle/>
+          <a:p>
+            <a:fld id="{37290FF7-652B-4475-AEAB-8B1A5D23AE09}" type="slidenum">
+              <a:rPr lang="en-US" smtClean="0"/>
+              <a:t>6</a:t>
+            </a:fld>
+            <a:endParaRPr lang="en-US" dirty="0"/>
+          </a:p>
+        </p:txBody>
+      </p:sp>
     </p:spTree>
     <p:extLst>
       <p:ext uri="{BB962C8B-B14F-4D97-AF65-F5344CB8AC3E}">
-        <p14:creationId xmlns:p14="http://schemas.microsoft.com/office/powerpoint/2010/main" val="4234175315"/>
+        <p14:creationId xmlns:p14="http://schemas.microsoft.com/office/powerpoint/2010/main" val="3730421202"/>
       </p:ext>
     </p:extLst>
   </p:cSld>
@@ -31103,9 +33319,36 @@
             <a:fld id="{6700A58B-DD98-43D0-B791-721480A02982}" type="datetime1">
               <a:rPr lang="en-US" smtClean="0"/>
               <a:pPr/>
-              <a:t>6/6/2019</a:t>
+              <a:t>6/19/2019</a:t>
             </a:fld>
             <a:endParaRPr lang="en-US"/>
+          </a:p>
+        </p:txBody>
+      </p:sp>
+      <p:sp>
+        <p:nvSpPr>
+          <p:cNvPr id="3" name="Title 2"/>
+          <p:cNvSpPr>
+            <a:spLocks noGrp="1"/>
+          </p:cNvSpPr>
+          <p:nvPr>
+            <p:ph type="title"/>
+          </p:nvPr>
+        </p:nvSpPr>
+        <p:spPr>
+          <a:xfrm>
+            <a:off x="0" y="365126"/>
+            <a:ext cx="9144000" cy="591477"/>
+          </a:xfrm>
+        </p:spPr>
+        <p:txBody>
+          <a:bodyPr/>
+          <a:lstStyle/>
+          <a:p>
+            <a:r>
+              <a:rPr lang="en-US" sz="2800" dirty="0"/>
+              <a:t>What about in the context of data, machine learning &amp; AI?</a:t>
+            </a:r>
           </a:p>
         </p:txBody>
       </p:sp>
@@ -31128,6 +33371,117 @@
               <a:rPr lang="en-US" smtClean="0"/>
               <a:pPr/>
               <a:t>7</a:t>
+            </a:fld>
+            <a:endParaRPr lang="en-US"/>
+          </a:p>
+        </p:txBody>
+      </p:sp>
+      <p:sp>
+        <p:nvSpPr>
+          <p:cNvPr id="13" name="Footer Placeholder 5">
+            <a:extLst>
+              <a:ext uri="{FF2B5EF4-FFF2-40B4-BE49-F238E27FC236}">
+                <a16:creationId xmlns:a16="http://schemas.microsoft.com/office/drawing/2014/main" xmlns="" id="{F93B8616-1595-4D69-BFD7-9AA9B236622A}"/>
+              </a:ext>
+            </a:extLst>
+          </p:cNvPr>
+          <p:cNvSpPr>
+            <a:spLocks noGrp="1"/>
+          </p:cNvSpPr>
+          <p:nvPr>
+            <p:ph type="ftr" sz="quarter" idx="3"/>
+          </p:nvPr>
+        </p:nvSpPr>
+        <p:spPr>
+          <a:xfrm>
+            <a:off x="3028950" y="6356351"/>
+            <a:ext cx="3086100" cy="365125"/>
+          </a:xfrm>
+        </p:spPr>
+        <p:txBody>
+          <a:bodyPr/>
+          <a:lstStyle/>
+          <a:p>
+            <a:r>
+              <a:rPr lang="en-US" dirty="0"/>
+              <a:t>Kwartler</a:t>
+            </a:r>
+          </a:p>
+        </p:txBody>
+      </p:sp>
+    </p:spTree>
+    <p:extLst>
+      <p:ext uri="{BB962C8B-B14F-4D97-AF65-F5344CB8AC3E}">
+        <p14:creationId xmlns:p14="http://schemas.microsoft.com/office/powerpoint/2010/main" val="4234175315"/>
+      </p:ext>
+    </p:extLst>
+  </p:cSld>
+  <p:clrMapOvr>
+    <a:masterClrMapping/>
+  </p:clrMapOvr>
+</p:sld>
+</file>
+
+<file path=ppt/slides/slide8.xml><?xml version="1.0" encoding="utf-8"?>
+<p:sld xmlns:a="http://schemas.openxmlformats.org/drawingml/2006/main" xmlns:r="http://schemas.openxmlformats.org/officeDocument/2006/relationships" xmlns:p="http://schemas.openxmlformats.org/presentationml/2006/main">
+  <p:cSld>
+    <p:spTree>
+      <p:nvGrpSpPr>
+        <p:cNvPr id="1" name=""/>
+        <p:cNvGrpSpPr/>
+        <p:nvPr/>
+      </p:nvGrpSpPr>
+      <p:grpSpPr>
+        <a:xfrm>
+          <a:off x="0" y="0"/>
+          <a:ext cx="0" cy="0"/>
+          <a:chOff x="0" y="0"/>
+          <a:chExt cx="0" cy="0"/>
+        </a:xfrm>
+      </p:grpSpPr>
+      <p:sp>
+        <p:nvSpPr>
+          <p:cNvPr id="2" name="Date Placeholder 1"/>
+          <p:cNvSpPr>
+            <a:spLocks noGrp="1"/>
+          </p:cNvSpPr>
+          <p:nvPr>
+            <p:ph type="dt" sz="half" idx="10"/>
+          </p:nvPr>
+        </p:nvSpPr>
+        <p:spPr/>
+        <p:txBody>
+          <a:bodyPr/>
+          <a:lstStyle/>
+          <a:p>
+            <a:fld id="{6700A58B-DD98-43D0-B791-721480A02982}" type="datetime1">
+              <a:rPr lang="en-US" smtClean="0"/>
+              <a:pPr/>
+              <a:t>6/19/2019</a:t>
+            </a:fld>
+            <a:endParaRPr lang="en-US"/>
+          </a:p>
+        </p:txBody>
+      </p:sp>
+      <p:sp>
+        <p:nvSpPr>
+          <p:cNvPr id="4" name="Slide Number Placeholder 3"/>
+          <p:cNvSpPr>
+            <a:spLocks noGrp="1"/>
+          </p:cNvSpPr>
+          <p:nvPr>
+            <p:ph type="sldNum" sz="quarter" idx="4"/>
+          </p:nvPr>
+        </p:nvSpPr>
+        <p:spPr/>
+        <p:txBody>
+          <a:bodyPr/>
+          <a:lstStyle/>
+          <a:p>
+            <a:fld id="{37290FF7-652B-4475-AEAB-8B1A5D23AE09}" type="slidenum">
+              <a:rPr lang="en-US" smtClean="0"/>
+              <a:pPr/>
+              <a:t>8</a:t>
             </a:fld>
             <a:endParaRPr lang="en-US"/>
           </a:p>
@@ -31177,7 +33531,15 @@
             <a:pPr algn="ctr"/>
             <a:r>
               <a:rPr lang="en-US" dirty="0"/>
-              <a:t>Does using data and algorithms justify all actions since the underlying operations are just math?  </a:t>
+              <a:t>Does using </a:t>
+            </a:r>
+            <a:r>
+              <a:rPr lang="en-US" dirty="0" smtClean="0"/>
+              <a:t>data, text analysis and machine learning algorithms </a:t>
+            </a:r>
+            <a:r>
+              <a:rPr lang="en-US" dirty="0"/>
+              <a:t>justify all actions since the underlying operations are just math?  </a:t>
             </a:r>
           </a:p>
         </p:txBody>
@@ -31187,7 +33549,7 @@
           <p:cNvPr id="14" name="Footer Placeholder 5">
             <a:extLst>
               <a:ext uri="{FF2B5EF4-FFF2-40B4-BE49-F238E27FC236}">
-                <a16:creationId xmlns="" xmlns:a16="http://schemas.microsoft.com/office/drawing/2014/main" id="{28B249F0-410F-4EFC-A4BE-5AD088F144A0}"/>
+                <a16:creationId xmlns:a16="http://schemas.microsoft.com/office/drawing/2014/main" xmlns="" id="{28B249F0-410F-4EFC-A4BE-5AD088F144A0}"/>
               </a:ext>
             </a:extLst>
           </p:cNvPr>
@@ -31220,7 +33582,7 @@
           <p:cNvPr id="18" name="Title 2">
             <a:extLst>
               <a:ext uri="{FF2B5EF4-FFF2-40B4-BE49-F238E27FC236}">
-                <a16:creationId xmlns="" xmlns:a16="http://schemas.microsoft.com/office/drawing/2014/main" id="{400ED130-B37C-4831-B8DF-169DB8A42585}"/>
+                <a16:creationId xmlns:a16="http://schemas.microsoft.com/office/drawing/2014/main" xmlns="" id="{400ED130-B37C-4831-B8DF-169DB8A42585}"/>
               </a:ext>
             </a:extLst>
           </p:cNvPr>
@@ -31261,7 +33623,7 @@
 </p:sld>
 </file>
 
-<file path=ppt/slides/slide8.xml><?xml version="1.0" encoding="utf-8"?>
+<file path=ppt/slides/slide9.xml><?xml version="1.0" encoding="utf-8"?>
 <p:sld xmlns:a="http://schemas.openxmlformats.org/drawingml/2006/main" xmlns:r="http://schemas.openxmlformats.org/officeDocument/2006/relationships" xmlns:p="http://schemas.openxmlformats.org/presentationml/2006/main">
   <p:cSld>
     <p:spTree>
@@ -31296,7 +33658,7 @@
             <a:fld id="{6700A58B-DD98-43D0-B791-721480A02982}" type="datetime1">
               <a:rPr lang="en-US" smtClean="0"/>
               <a:pPr/>
-              <a:t>6/6/2019</a:t>
+              <a:t>6/19/2019</a:t>
             </a:fld>
             <a:endParaRPr lang="en-US"/>
           </a:p>
@@ -31320,7 +33682,7 @@
             <a:fld id="{37290FF7-652B-4475-AEAB-8B1A5D23AE09}" type="slidenum">
               <a:rPr lang="en-US" smtClean="0"/>
               <a:pPr/>
-              <a:t>8</a:t>
+              <a:t>9</a:t>
             </a:fld>
             <a:endParaRPr lang="en-US"/>
           </a:p>
@@ -31370,7 +33732,15 @@
             <a:pPr algn="ctr"/>
             <a:r>
               <a:rPr lang="en-US" dirty="0"/>
-              <a:t>The use of data and mining approaches can be audited, so are the outcomes of those efforts justified?</a:t>
+              <a:t>The use of data and </a:t>
+            </a:r>
+            <a:r>
+              <a:rPr lang="en-US" dirty="0" smtClean="0"/>
+              <a:t>text mining </a:t>
+            </a:r>
+            <a:r>
+              <a:rPr lang="en-US" dirty="0"/>
+              <a:t>approaches can be audited, so are the outcomes of those efforts justified?</a:t>
             </a:r>
           </a:p>
         </p:txBody>
@@ -31380,7 +33750,7 @@
           <p:cNvPr id="14" name="Footer Placeholder 5">
             <a:extLst>
               <a:ext uri="{FF2B5EF4-FFF2-40B4-BE49-F238E27FC236}">
-                <a16:creationId xmlns="" xmlns:a16="http://schemas.microsoft.com/office/drawing/2014/main" id="{1BBFC74A-C2DF-4B22-BCD9-37D8C016CFE2}"/>
+                <a16:creationId xmlns:a16="http://schemas.microsoft.com/office/drawing/2014/main" xmlns="" id="{1BBFC74A-C2DF-4B22-BCD9-37D8C016CFE2}"/>
               </a:ext>
             </a:extLst>
           </p:cNvPr>
@@ -31413,7 +33783,7 @@
           <p:cNvPr id="17" name="Title 2">
             <a:extLst>
               <a:ext uri="{FF2B5EF4-FFF2-40B4-BE49-F238E27FC236}">
-                <a16:creationId xmlns="" xmlns:a16="http://schemas.microsoft.com/office/drawing/2014/main" id="{82B7B2F8-2046-431F-B851-C092063AB271}"/>
+                <a16:creationId xmlns:a16="http://schemas.microsoft.com/office/drawing/2014/main" xmlns="" id="{82B7B2F8-2046-431F-B851-C092063AB271}"/>
               </a:ext>
             </a:extLst>
           </p:cNvPr>
@@ -31445,191 +33815,6 @@
     <p:extLst>
       <p:ext uri="{BB962C8B-B14F-4D97-AF65-F5344CB8AC3E}">
         <p14:creationId xmlns:p14="http://schemas.microsoft.com/office/powerpoint/2010/main" val="3757570038"/>
-      </p:ext>
-    </p:extLst>
-  </p:cSld>
-  <p:clrMapOvr>
-    <a:masterClrMapping/>
-  </p:clrMapOvr>
-</p:sld>
-</file>
-
-<file path=ppt/slides/slide9.xml><?xml version="1.0" encoding="utf-8"?>
-<p:sld xmlns:a="http://schemas.openxmlformats.org/drawingml/2006/main" xmlns:r="http://schemas.openxmlformats.org/officeDocument/2006/relationships" xmlns:p="http://schemas.openxmlformats.org/presentationml/2006/main">
-  <p:cSld>
-    <p:spTree>
-      <p:nvGrpSpPr>
-        <p:cNvPr id="1" name=""/>
-        <p:cNvGrpSpPr/>
-        <p:nvPr/>
-      </p:nvGrpSpPr>
-      <p:grpSpPr>
-        <a:xfrm>
-          <a:off x="0" y="0"/>
-          <a:ext cx="0" cy="0"/>
-          <a:chOff x="0" y="0"/>
-          <a:chExt cx="0" cy="0"/>
-        </a:xfrm>
-      </p:grpSpPr>
-      <p:sp>
-        <p:nvSpPr>
-          <p:cNvPr id="2" name="Date Placeholder 1"/>
-          <p:cNvSpPr>
-            <a:spLocks noGrp="1"/>
-          </p:cNvSpPr>
-          <p:nvPr>
-            <p:ph type="dt" sz="half" idx="10"/>
-          </p:nvPr>
-        </p:nvSpPr>
-        <p:spPr/>
-        <p:txBody>
-          <a:bodyPr/>
-          <a:lstStyle/>
-          <a:p>
-            <a:fld id="{6700A58B-DD98-43D0-B791-721480A02982}" type="datetime1">
-              <a:rPr lang="en-US" smtClean="0"/>
-              <a:pPr/>
-              <a:t>6/6/2019</a:t>
-            </a:fld>
-            <a:endParaRPr lang="en-US"/>
-          </a:p>
-        </p:txBody>
-      </p:sp>
-      <p:sp>
-        <p:nvSpPr>
-          <p:cNvPr id="4" name="Slide Number Placeholder 3"/>
-          <p:cNvSpPr>
-            <a:spLocks noGrp="1"/>
-          </p:cNvSpPr>
-          <p:nvPr>
-            <p:ph type="sldNum" sz="quarter" idx="4"/>
-          </p:nvPr>
-        </p:nvSpPr>
-        <p:spPr/>
-        <p:txBody>
-          <a:bodyPr/>
-          <a:lstStyle/>
-          <a:p>
-            <a:fld id="{37290FF7-652B-4475-AEAB-8B1A5D23AE09}" type="slidenum">
-              <a:rPr lang="en-US" smtClean="0"/>
-              <a:pPr/>
-              <a:t>9</a:t>
-            </a:fld>
-            <a:endParaRPr lang="en-US"/>
-          </a:p>
-        </p:txBody>
-      </p:sp>
-      <p:pic>
-        <p:nvPicPr>
-          <p:cNvPr id="1026" name="Picture 2" descr="Image result for ethics meme"/>
-          <p:cNvPicPr>
-            <a:picLocks noChangeAspect="1" noChangeArrowheads="1"/>
-          </p:cNvPicPr>
-          <p:nvPr/>
-        </p:nvPicPr>
-        <p:blipFill>
-          <a:blip r:embed="rId2">
-            <a:extLst>
-              <a:ext uri="{28A0092B-C50C-407E-A947-70E740481C1C}">
-                <a14:useLocalDpi xmlns:a14="http://schemas.microsoft.com/office/drawing/2010/main" val="0"/>
-              </a:ext>
-            </a:extLst>
-          </a:blip>
-          <a:srcRect/>
-          <a:stretch>
-            <a:fillRect/>
-          </a:stretch>
-        </p:blipFill>
-        <p:spPr bwMode="auto">
-          <a:xfrm>
-            <a:off x="1004888" y="1290645"/>
-            <a:ext cx="7134225" cy="4762500"/>
-          </a:xfrm>
-          <a:prstGeom prst="rect">
-            <a:avLst/>
-          </a:prstGeom>
-          <a:noFill/>
-          <a:extLst>
-            <a:ext uri="{909E8E84-426E-40DD-AFC4-6F175D3DCCD1}">
-              <a14:hiddenFill xmlns:a14="http://schemas.microsoft.com/office/drawing/2010/main">
-                <a:solidFill>
-                  <a:srgbClr val="FFFFFF"/>
-                </a:solidFill>
-              </a14:hiddenFill>
-            </a:ext>
-          </a:extLst>
-        </p:spPr>
-      </p:pic>
-      <p:sp>
-        <p:nvSpPr>
-          <p:cNvPr id="14" name="Footer Placeholder 5">
-            <a:extLst>
-              <a:ext uri="{FF2B5EF4-FFF2-40B4-BE49-F238E27FC236}">
-                <a16:creationId xmlns="" xmlns:a16="http://schemas.microsoft.com/office/drawing/2014/main" id="{5538FB48-CAF0-460A-8AD3-294D5AFB4BB3}"/>
-              </a:ext>
-            </a:extLst>
-          </p:cNvPr>
-          <p:cNvSpPr>
-            <a:spLocks noGrp="1"/>
-          </p:cNvSpPr>
-          <p:nvPr>
-            <p:ph type="ftr" sz="quarter" idx="3"/>
-          </p:nvPr>
-        </p:nvSpPr>
-        <p:spPr>
-          <a:xfrm>
-            <a:off x="3028950" y="6356351"/>
-            <a:ext cx="3086100" cy="365125"/>
-          </a:xfrm>
-        </p:spPr>
-        <p:txBody>
-          <a:bodyPr/>
-          <a:lstStyle/>
-          <a:p>
-            <a:r>
-              <a:rPr lang="en-US" dirty="0"/>
-              <a:t>Kwartler</a:t>
-            </a:r>
-          </a:p>
-        </p:txBody>
-      </p:sp>
-      <p:sp>
-        <p:nvSpPr>
-          <p:cNvPr id="18" name="Title 2">
-            <a:extLst>
-              <a:ext uri="{FF2B5EF4-FFF2-40B4-BE49-F238E27FC236}">
-                <a16:creationId xmlns="" xmlns:a16="http://schemas.microsoft.com/office/drawing/2014/main" id="{612E0A65-AE20-41C0-83C4-BBFE25CFD99E}"/>
-              </a:ext>
-            </a:extLst>
-          </p:cNvPr>
-          <p:cNvSpPr>
-            <a:spLocks noGrp="1"/>
-          </p:cNvSpPr>
-          <p:nvPr>
-            <p:ph type="title"/>
-          </p:nvPr>
-        </p:nvSpPr>
-        <p:spPr>
-          <a:xfrm>
-            <a:off x="0" y="365126"/>
-            <a:ext cx="9144000" cy="591477"/>
-          </a:xfrm>
-        </p:spPr>
-        <p:txBody>
-          <a:bodyPr/>
-          <a:lstStyle/>
-          <a:p>
-            <a:r>
-              <a:rPr lang="en-US" sz="2800" dirty="0"/>
-              <a:t>What about in the context of data, machine learning &amp; AI?</a:t>
-            </a:r>
-          </a:p>
-        </p:txBody>
-      </p:sp>
-    </p:spTree>
-    <p:extLst>
-      <p:ext uri="{BB962C8B-B14F-4D97-AF65-F5344CB8AC3E}">
-        <p14:creationId xmlns:p14="http://schemas.microsoft.com/office/powerpoint/2010/main" val="263256100"/>
       </p:ext>
     </p:extLst>
   </p:cSld>

--- a/D_Thursday/GSERM_Thursday_Ethics.pptx
+++ b/D_Thursday/GSERM_Thursday_Ethics.pptx
@@ -250,7 +250,7 @@
           <a:p>
             <a:fld id="{B0C0A60C-850A-4EA4-9C14-A8FE98B94505}" type="datetimeFigureOut">
               <a:rPr lang="en-US" smtClean="0"/>
-              <a:t>6/19/2019</a:t>
+              <a:t>8/29/2019</a:t>
             </a:fld>
             <a:endParaRPr lang="en-US"/>
           </a:p>
@@ -733,7 +733,7 @@
           <a:p>
             <a:fld id="{5738B90E-0779-4C36-915C-6F05FCD89456}" type="datetime1">
               <a:rPr lang="en-US" smtClean="0"/>
-              <a:t>6/19/2019</a:t>
+              <a:t>8/29/2019</a:t>
             </a:fld>
             <a:endParaRPr lang="en-US"/>
           </a:p>
@@ -930,7 +930,7 @@
           <a:p>
             <a:fld id="{7B9EA29D-D431-42FE-B7B6-AAE4454C77D3}" type="datetime1">
               <a:rPr lang="en-US" smtClean="0"/>
-              <a:t>6/19/2019</a:t>
+              <a:t>8/29/2019</a:t>
             </a:fld>
             <a:endParaRPr lang="en-US"/>
           </a:p>
@@ -1285,7 +1285,7 @@
           <a:p>
             <a:fld id="{690D8A1E-EA8F-46C1-B891-AE0C00D9C314}" type="datetime1">
               <a:rPr lang="en-US" smtClean="0"/>
-              <a:t>6/19/2019</a:t>
+              <a:t>8/29/2019</a:t>
             </a:fld>
             <a:endParaRPr lang="en-US"/>
           </a:p>
@@ -1593,7 +1593,7 @@
           <a:p>
             <a:fld id="{D753EFC8-4232-4598-94F6-94C0EBAFC469}" type="datetime1">
               <a:rPr lang="en-US" smtClean="0"/>
-              <a:t>6/19/2019</a:t>
+              <a:t>8/29/2019</a:t>
             </a:fld>
             <a:endParaRPr lang="en-US"/>
           </a:p>
@@ -1922,7 +1922,7 @@
           <a:p>
             <a:fld id="{F3161074-1C18-4AE7-957D-F18524378C85}" type="datetime1">
               <a:rPr lang="en-US" smtClean="0"/>
-              <a:t>6/19/2019</a:t>
+              <a:t>8/29/2019</a:t>
             </a:fld>
             <a:endParaRPr lang="en-US"/>
           </a:p>
@@ -2175,7 +2175,7 @@
           <a:p>
             <a:fld id="{69BE256C-8D9A-4404-B47D-41A1AE514425}" type="datetime1">
               <a:rPr lang="en-US" smtClean="0"/>
-              <a:t>6/19/2019</a:t>
+              <a:t>8/29/2019</a:t>
             </a:fld>
             <a:endParaRPr lang="en-US"/>
           </a:p>
@@ -2623,7 +2623,7 @@
           <a:p>
             <a:fld id="{66CB2154-9035-4012-8189-BAAB61C5A5EE}" type="datetime1">
               <a:rPr lang="en-US" smtClean="0"/>
-              <a:t>6/19/2019</a:t>
+              <a:t>8/29/2019</a:t>
             </a:fld>
             <a:endParaRPr lang="en-US"/>
           </a:p>
@@ -2811,7 +2811,7 @@
           <a:p>
             <a:fld id="{6700A58B-DD98-43D0-B791-721480A02982}" type="datetime1">
               <a:rPr lang="en-US" smtClean="0"/>
-              <a:t>6/19/2019</a:t>
+              <a:t>8/29/2019</a:t>
             </a:fld>
             <a:endParaRPr lang="en-US"/>
           </a:p>
@@ -3017,7 +3017,7 @@
           <a:p>
             <a:fld id="{7DB6E382-4F61-4E24-BE1A-377EC83D0E3A}" type="datetime1">
               <a:rPr lang="en-US" smtClean="0"/>
-              <a:t>6/19/2019</a:t>
+              <a:t>8/29/2019</a:t>
             </a:fld>
             <a:endParaRPr lang="en-US"/>
           </a:p>
@@ -3423,7 +3423,7 @@
           <a:p>
             <a:fld id="{4142EED6-FC16-45B9-B8C4-2BC5DBA88325}" type="datetime1">
               <a:rPr lang="en-US" smtClean="0"/>
-              <a:t>6/19/2019</a:t>
+              <a:t>8/29/2019</a:t>
             </a:fld>
             <a:endParaRPr lang="en-US"/>
           </a:p>
@@ -3755,7 +3755,7 @@
           <a:p>
             <a:fld id="{DF59512B-4F1D-43D7-8819-2F53FEF69650}" type="datetime1">
               <a:rPr lang="en-US" smtClean="0"/>
-              <a:t>6/19/2019</a:t>
+              <a:t>8/29/2019</a:t>
             </a:fld>
             <a:endParaRPr lang="en-US"/>
           </a:p>
@@ -4045,7 +4045,7 @@
           <a:p>
             <a:fld id="{08437B94-E2BF-44DC-ADC5-B05FC9934E9D}" type="datetime1">
               <a:rPr lang="en-US" smtClean="0"/>
-              <a:t>6/19/2019</a:t>
+              <a:t>8/29/2019</a:t>
             </a:fld>
             <a:endParaRPr lang="en-US"/>
           </a:p>
@@ -4545,14 +4545,12 @@
           <a:lstStyle/>
           <a:p>
             <a:r>
-              <a:rPr lang="en-US" dirty="0"/>
-              <a:t>June 20, 2019</a:t>
+              <a:rPr lang="en-US" dirty="0" smtClean="0"/>
+              <a:t>Ted </a:t>
             </a:r>
-          </a:p>
-          <a:p>
             <a:r>
               <a:rPr lang="en-US" dirty="0"/>
-              <a:t> Ted Kwartler</a:t>
+              <a:t>Kwartler</a:t>
             </a:r>
           </a:p>
         </p:txBody>
@@ -4575,7 +4573,7 @@
             <a:fld id="{5738B90E-0779-4C36-915C-6F05FCD89456}" type="datetime1">
               <a:rPr lang="en-US" smtClean="0"/>
               <a:pPr/>
-              <a:t>6/19/2019</a:t>
+              <a:t>8/29/2019</a:t>
             </a:fld>
             <a:endParaRPr lang="en-US"/>
           </a:p>
@@ -4676,7 +4674,7 @@
             <a:fld id="{6700A58B-DD98-43D0-B791-721480A02982}" type="datetime1">
               <a:rPr lang="en-US" smtClean="0"/>
               <a:pPr/>
-              <a:t>6/19/2019</a:t>
+              <a:t>8/29/2019</a:t>
             </a:fld>
             <a:endParaRPr lang="en-US"/>
           </a:p>
@@ -4752,7 +4750,7 @@
           <p:cNvPr id="14" name="Footer Placeholder 5">
             <a:extLst>
               <a:ext uri="{FF2B5EF4-FFF2-40B4-BE49-F238E27FC236}">
-                <a16:creationId xmlns:a16="http://schemas.microsoft.com/office/drawing/2014/main" xmlns="" id="{5538FB48-CAF0-460A-8AD3-294D5AFB4BB3}"/>
+                <a16:creationId xmlns="" xmlns:a16="http://schemas.microsoft.com/office/drawing/2014/main" id="{5538FB48-CAF0-460A-8AD3-294D5AFB4BB3}"/>
               </a:ext>
             </a:extLst>
           </p:cNvPr>
@@ -4785,7 +4783,7 @@
           <p:cNvPr id="18" name="Title 2">
             <a:extLst>
               <a:ext uri="{FF2B5EF4-FFF2-40B4-BE49-F238E27FC236}">
-                <a16:creationId xmlns:a16="http://schemas.microsoft.com/office/drawing/2014/main" xmlns="" id="{612E0A65-AE20-41C0-83C4-BBFE25CFD99E}"/>
+                <a16:creationId xmlns="" xmlns:a16="http://schemas.microsoft.com/office/drawing/2014/main" id="{612E0A65-AE20-41C0-83C4-BBFE25CFD99E}"/>
               </a:ext>
             </a:extLst>
           </p:cNvPr>
@@ -4861,7 +4859,7 @@
             <a:fld id="{6700A58B-DD98-43D0-B791-721480A02982}" type="datetime1">
               <a:rPr lang="en-US" smtClean="0"/>
               <a:pPr/>
-              <a:t>6/19/2019</a:t>
+              <a:t>8/29/2019</a:t>
             </a:fld>
             <a:endParaRPr lang="en-US"/>
           </a:p>
@@ -5009,7 +5007,7 @@
           <p:cNvPr id="15" name="Footer Placeholder 5">
             <a:extLst>
               <a:ext uri="{FF2B5EF4-FFF2-40B4-BE49-F238E27FC236}">
-                <a16:creationId xmlns:a16="http://schemas.microsoft.com/office/drawing/2014/main" xmlns="" id="{02FF512D-7716-46E2-85E6-738C48EBB53F}"/>
+                <a16:creationId xmlns="" xmlns:a16="http://schemas.microsoft.com/office/drawing/2014/main" id="{02FF512D-7716-46E2-85E6-738C48EBB53F}"/>
               </a:ext>
             </a:extLst>
           </p:cNvPr>
@@ -5085,7 +5083,7 @@
             <a:fld id="{6700A58B-DD98-43D0-B791-721480A02982}" type="datetime1">
               <a:rPr lang="en-US" smtClean="0"/>
               <a:pPr/>
-              <a:t>6/19/2019</a:t>
+              <a:t>8/29/2019</a:t>
             </a:fld>
             <a:endParaRPr lang="en-US"/>
           </a:p>
@@ -5240,7 +5238,7 @@
           <p:cNvPr id="15" name="Footer Placeholder 5">
             <a:extLst>
               <a:ext uri="{FF2B5EF4-FFF2-40B4-BE49-F238E27FC236}">
-                <a16:creationId xmlns:a16="http://schemas.microsoft.com/office/drawing/2014/main" xmlns="" id="{02FF512D-7716-46E2-85E6-738C48EBB53F}"/>
+                <a16:creationId xmlns="" xmlns:a16="http://schemas.microsoft.com/office/drawing/2014/main" id="{02FF512D-7716-46E2-85E6-738C48EBB53F}"/>
               </a:ext>
             </a:extLst>
           </p:cNvPr>
@@ -5316,7 +5314,7 @@
             <a:fld id="{6700A58B-DD98-43D0-B791-721480A02982}" type="datetime1">
               <a:rPr lang="en-US" smtClean="0"/>
               <a:pPr/>
-              <a:t>6/19/2019</a:t>
+              <a:t>8/29/2019</a:t>
             </a:fld>
             <a:endParaRPr lang="en-US"/>
           </a:p>
@@ -5463,7 +5461,7 @@
           <p:cNvPr id="15" name="Footer Placeholder 5">
             <a:extLst>
               <a:ext uri="{FF2B5EF4-FFF2-40B4-BE49-F238E27FC236}">
-                <a16:creationId xmlns:a16="http://schemas.microsoft.com/office/drawing/2014/main" xmlns="" id="{A1551EBE-9A50-4CB3-B046-9FD4A5862458}"/>
+                <a16:creationId xmlns="" xmlns:a16="http://schemas.microsoft.com/office/drawing/2014/main" id="{A1551EBE-9A50-4CB3-B046-9FD4A5862458}"/>
               </a:ext>
             </a:extLst>
           </p:cNvPr>
@@ -5539,7 +5537,7 @@
             <a:fld id="{6700A58B-DD98-43D0-B791-721480A02982}" type="datetime1">
               <a:rPr lang="en-US" smtClean="0"/>
               <a:pPr/>
-              <a:t>6/19/2019</a:t>
+              <a:t>8/29/2019</a:t>
             </a:fld>
             <a:endParaRPr lang="en-US"/>
           </a:p>
@@ -5687,7 +5685,7 @@
           <p:cNvPr id="15" name="Footer Placeholder 5">
             <a:extLst>
               <a:ext uri="{FF2B5EF4-FFF2-40B4-BE49-F238E27FC236}">
-                <a16:creationId xmlns:a16="http://schemas.microsoft.com/office/drawing/2014/main" xmlns="" id="{A1551EBE-9A50-4CB3-B046-9FD4A5862458}"/>
+                <a16:creationId xmlns="" xmlns:a16="http://schemas.microsoft.com/office/drawing/2014/main" id="{A1551EBE-9A50-4CB3-B046-9FD4A5862458}"/>
               </a:ext>
             </a:extLst>
           </p:cNvPr>
@@ -5763,7 +5761,7 @@
             <a:fld id="{6700A58B-DD98-43D0-B791-721480A02982}" type="datetime1">
               <a:rPr lang="en-US" smtClean="0"/>
               <a:pPr/>
-              <a:t>6/19/2019</a:t>
+              <a:t>8/29/2019</a:t>
             </a:fld>
             <a:endParaRPr lang="en-US"/>
           </a:p>
@@ -5911,7 +5909,7 @@
           <p:cNvPr id="15" name="Footer Placeholder 5">
             <a:extLst>
               <a:ext uri="{FF2B5EF4-FFF2-40B4-BE49-F238E27FC236}">
-                <a16:creationId xmlns:a16="http://schemas.microsoft.com/office/drawing/2014/main" xmlns="" id="{A1551EBE-9A50-4CB3-B046-9FD4A5862458}"/>
+                <a16:creationId xmlns="" xmlns:a16="http://schemas.microsoft.com/office/drawing/2014/main" id="{A1551EBE-9A50-4CB3-B046-9FD4A5862458}"/>
               </a:ext>
             </a:extLst>
           </p:cNvPr>
@@ -5987,7 +5985,7 @@
             <a:fld id="{6700A58B-DD98-43D0-B791-721480A02982}" type="datetime1">
               <a:rPr lang="en-US" smtClean="0"/>
               <a:pPr/>
-              <a:t>6/19/2019</a:t>
+              <a:t>8/29/2019</a:t>
             </a:fld>
             <a:endParaRPr lang="en-US"/>
           </a:p>
@@ -6207,7 +6205,7 @@
           <p:cNvPr id="16" name="Footer Placeholder 5">
             <a:extLst>
               <a:ext uri="{FF2B5EF4-FFF2-40B4-BE49-F238E27FC236}">
-                <a16:creationId xmlns:a16="http://schemas.microsoft.com/office/drawing/2014/main" xmlns="" id="{B221EDD7-9063-4A19-AF11-D78825D64E52}"/>
+                <a16:creationId xmlns="" xmlns:a16="http://schemas.microsoft.com/office/drawing/2014/main" id="{B221EDD7-9063-4A19-AF11-D78825D64E52}"/>
               </a:ext>
             </a:extLst>
           </p:cNvPr>
@@ -6283,7 +6281,7 @@
             <a:fld id="{6700A58B-DD98-43D0-B791-721480A02982}" type="datetime1">
               <a:rPr lang="en-US" smtClean="0"/>
               <a:pPr/>
-              <a:t>6/19/2019</a:t>
+              <a:t>8/29/2019</a:t>
             </a:fld>
             <a:endParaRPr lang="en-US"/>
           </a:p>
@@ -6439,7 +6437,7 @@
           <p:cNvPr id="15" name="Footer Placeholder 5">
             <a:extLst>
               <a:ext uri="{FF2B5EF4-FFF2-40B4-BE49-F238E27FC236}">
-                <a16:creationId xmlns:a16="http://schemas.microsoft.com/office/drawing/2014/main" xmlns="" id="{1ADEA009-AD41-43CD-8E9D-E24FE0726111}"/>
+                <a16:creationId xmlns="" xmlns:a16="http://schemas.microsoft.com/office/drawing/2014/main" id="{1ADEA009-AD41-43CD-8E9D-E24FE0726111}"/>
               </a:ext>
             </a:extLst>
           </p:cNvPr>
@@ -6515,7 +6513,7 @@
             <a:fld id="{6700A58B-DD98-43D0-B791-721480A02982}" type="datetime1">
               <a:rPr lang="en-US" smtClean="0"/>
               <a:pPr/>
-              <a:t>6/19/2019</a:t>
+              <a:t>8/29/2019</a:t>
             </a:fld>
             <a:endParaRPr lang="en-US"/>
           </a:p>
@@ -6667,7 +6665,7 @@
           <p:cNvPr id="15" name="Footer Placeholder 5">
             <a:extLst>
               <a:ext uri="{FF2B5EF4-FFF2-40B4-BE49-F238E27FC236}">
-                <a16:creationId xmlns:a16="http://schemas.microsoft.com/office/drawing/2014/main" xmlns="" id="{1ADEA009-AD41-43CD-8E9D-E24FE0726111}"/>
+                <a16:creationId xmlns="" xmlns:a16="http://schemas.microsoft.com/office/drawing/2014/main" id="{1ADEA009-AD41-43CD-8E9D-E24FE0726111}"/>
               </a:ext>
             </a:extLst>
           </p:cNvPr>
@@ -6743,7 +6741,7 @@
             <a:fld id="{6700A58B-DD98-43D0-B791-721480A02982}" type="datetime1">
               <a:rPr lang="en-US" smtClean="0"/>
               <a:pPr/>
-              <a:t>6/19/2019</a:t>
+              <a:t>8/29/2019</a:t>
             </a:fld>
             <a:endParaRPr lang="en-US"/>
           </a:p>
@@ -6909,7 +6907,7 @@
           <p:cNvPr id="15" name="Footer Placeholder 5">
             <a:extLst>
               <a:ext uri="{FF2B5EF4-FFF2-40B4-BE49-F238E27FC236}">
-                <a16:creationId xmlns:a16="http://schemas.microsoft.com/office/drawing/2014/main" xmlns="" id="{1ADEA009-AD41-43CD-8E9D-E24FE0726111}"/>
+                <a16:creationId xmlns="" xmlns:a16="http://schemas.microsoft.com/office/drawing/2014/main" id="{1ADEA009-AD41-43CD-8E9D-E24FE0726111}"/>
               </a:ext>
             </a:extLst>
           </p:cNvPr>
@@ -7004,7 +7002,7 @@
             <p:ph idx="1"/>
             <p:extLst>
               <p:ext uri="{D42A27DB-BD31-4B8C-83A1-F6EECF244321}">
-                <p14:modId xmlns:p14="http://schemas.microsoft.com/office/powerpoint/2010/main" val="963765968"/>
+                <p14:modId xmlns:p14="http://schemas.microsoft.com/office/powerpoint/2010/main" val="3051179677"/>
               </p:ext>
             </p:extLst>
           </p:nvPr>
@@ -7023,21 +7021,21 @@
                 <a:gridCol w="1238445">
                   <a:extLst>
                     <a:ext uri="{9D8B030D-6E8A-4147-A177-3AD203B41FA5}">
-                      <a16:colId xmlns:a16="http://schemas.microsoft.com/office/drawing/2014/main" xmlns="" val="20000"/>
+                      <a16:colId xmlns="" xmlns:a16="http://schemas.microsoft.com/office/drawing/2014/main" val="20000"/>
                     </a:ext>
                   </a:extLst>
                 </a:gridCol>
                 <a:gridCol w="858274">
                   <a:extLst>
                     <a:ext uri="{9D8B030D-6E8A-4147-A177-3AD203B41FA5}">
-                      <a16:colId xmlns:a16="http://schemas.microsoft.com/office/drawing/2014/main" xmlns="" val="20001"/>
+                      <a16:colId xmlns="" xmlns:a16="http://schemas.microsoft.com/office/drawing/2014/main" val="20001"/>
                     </a:ext>
                   </a:extLst>
                 </a:gridCol>
                 <a:gridCol w="5790787">
                   <a:extLst>
                     <a:ext uri="{9D8B030D-6E8A-4147-A177-3AD203B41FA5}">
-                      <a16:colId xmlns:a16="http://schemas.microsoft.com/office/drawing/2014/main" xmlns="" val="20002"/>
+                      <a16:colId xmlns="" xmlns:a16="http://schemas.microsoft.com/office/drawing/2014/main" val="20002"/>
                     </a:ext>
                   </a:extLst>
                 </a:gridCol>
@@ -7193,27 +7191,7 @@
                           <a:effectLst/>
                           <a:latin typeface="Calibri" panose="020F0502020204030204" pitchFamily="34" charset="0"/>
                         </a:rPr>
-                        <a:t>Thursday- </a:t>
-                      </a:r>
-                      <a:r>
-                        <a:rPr lang="en-US" sz="2400" b="0" i="0" u="none" strike="noStrike" dirty="0">
-                          <a:solidFill>
-                            <a:schemeClr val="bg1"/>
-                          </a:solidFill>
-                          <a:effectLst/>
-                          <a:latin typeface="Calibri" panose="020F0502020204030204" pitchFamily="34" charset="0"/>
-                        </a:rPr>
-                        <a:t>June </a:t>
-                      </a:r>
-                      <a:r>
-                        <a:rPr lang="en-US" sz="2400" b="0" i="0" u="none" strike="noStrike" dirty="0" smtClean="0">
-                          <a:solidFill>
-                            <a:schemeClr val="bg1"/>
-                          </a:solidFill>
-                          <a:effectLst/>
-                          <a:latin typeface="Calibri" panose="020F0502020204030204" pitchFamily="34" charset="0"/>
-                        </a:rPr>
-                        <a:t>20</a:t>
+                        <a:t>Thursday</a:t>
                       </a:r>
                       <a:endParaRPr lang="en-US" sz="2400" b="0" i="0" u="none" strike="noStrike" dirty="0">
                         <a:solidFill>
@@ -7276,7 +7254,7 @@
                 </a:tc>
                 <a:extLst>
                   <a:ext uri="{0D108BD9-81ED-4DB2-BD59-A6C34878D82A}">
-                    <a16:rowId xmlns:a16="http://schemas.microsoft.com/office/drawing/2014/main" xmlns="" val="10000"/>
+                    <a16:rowId xmlns="" xmlns:a16="http://schemas.microsoft.com/office/drawing/2014/main" val="10000"/>
                   </a:ext>
                 </a:extLst>
               </a:tr>
@@ -7373,7 +7351,7 @@
                 </a:tc>
                 <a:extLst>
                   <a:ext uri="{0D108BD9-81ED-4DB2-BD59-A6C34878D82A}">
-                    <a16:rowId xmlns:a16="http://schemas.microsoft.com/office/drawing/2014/main" xmlns="" val="10001"/>
+                    <a16:rowId xmlns="" xmlns:a16="http://schemas.microsoft.com/office/drawing/2014/main" val="10001"/>
                   </a:ext>
                 </a:extLst>
               </a:tr>
@@ -7440,7 +7418,7 @@
                 </a:tc>
                 <a:extLst>
                   <a:ext uri="{0D108BD9-81ED-4DB2-BD59-A6C34878D82A}">
-                    <a16:rowId xmlns:a16="http://schemas.microsoft.com/office/drawing/2014/main" xmlns="" val="10002"/>
+                    <a16:rowId xmlns="" xmlns:a16="http://schemas.microsoft.com/office/drawing/2014/main" val="10002"/>
                   </a:ext>
                 </a:extLst>
               </a:tr>
@@ -7517,7 +7495,7 @@
                 </a:tc>
                 <a:extLst>
                   <a:ext uri="{0D108BD9-81ED-4DB2-BD59-A6C34878D82A}">
-                    <a16:rowId xmlns:a16="http://schemas.microsoft.com/office/drawing/2014/main" xmlns="" val="10003"/>
+                    <a16:rowId xmlns="" xmlns:a16="http://schemas.microsoft.com/office/drawing/2014/main" val="10003"/>
                   </a:ext>
                 </a:extLst>
               </a:tr>
@@ -7598,7 +7576,7 @@
                 </a:tc>
                 <a:extLst>
                   <a:ext uri="{0D108BD9-81ED-4DB2-BD59-A6C34878D82A}">
-                    <a16:rowId xmlns:a16="http://schemas.microsoft.com/office/drawing/2014/main" xmlns="" val="10004"/>
+                    <a16:rowId xmlns="" xmlns:a16="http://schemas.microsoft.com/office/drawing/2014/main" val="10004"/>
                   </a:ext>
                 </a:extLst>
               </a:tr>
@@ -7665,7 +7643,7 @@
                 </a:tc>
                 <a:extLst>
                   <a:ext uri="{0D108BD9-81ED-4DB2-BD59-A6C34878D82A}">
-                    <a16:rowId xmlns:a16="http://schemas.microsoft.com/office/drawing/2014/main" xmlns="" val="10006"/>
+                    <a16:rowId xmlns="" xmlns:a16="http://schemas.microsoft.com/office/drawing/2014/main" val="10006"/>
                   </a:ext>
                 </a:extLst>
               </a:tr>
@@ -7765,7 +7743,7 @@
                 </a:tc>
                 <a:extLst>
                   <a:ext uri="{0D108BD9-81ED-4DB2-BD59-A6C34878D82A}">
-                    <a16:rowId xmlns:a16="http://schemas.microsoft.com/office/drawing/2014/main" xmlns="" val="10007"/>
+                    <a16:rowId xmlns="" xmlns:a16="http://schemas.microsoft.com/office/drawing/2014/main" val="10007"/>
                   </a:ext>
                 </a:extLst>
               </a:tr>
@@ -7839,7 +7817,7 @@
                 </a:tc>
                 <a:extLst>
                   <a:ext uri="{0D108BD9-81ED-4DB2-BD59-A6C34878D82A}">
-                    <a16:rowId xmlns:a16="http://schemas.microsoft.com/office/drawing/2014/main" xmlns="" val="10008"/>
+                    <a16:rowId xmlns="" xmlns:a16="http://schemas.microsoft.com/office/drawing/2014/main" val="10008"/>
                   </a:ext>
                 </a:extLst>
               </a:tr>
@@ -7864,7 +7842,7 @@
           <a:p>
             <a:fld id="{9B19E99B-5349-415A-8E56-8E989211A366}" type="datetime1">
               <a:rPr lang="en-US" smtClean="0"/>
-              <a:t>6/19/2019</a:t>
+              <a:t>8/29/2019</a:t>
             </a:fld>
             <a:endParaRPr lang="en-US"/>
           </a:p>
@@ -7963,7 +7941,7 @@
             <a:fld id="{6700A58B-DD98-43D0-B791-721480A02982}" type="datetime1">
               <a:rPr lang="en-US" smtClean="0"/>
               <a:pPr/>
-              <a:t>6/19/2019</a:t>
+              <a:t>8/29/2019</a:t>
             </a:fld>
             <a:endParaRPr lang="en-US"/>
           </a:p>
@@ -8104,11 +8082,7 @@
             </a:r>
             <a:r>
               <a:rPr lang="en-US" sz="1600" dirty="0" smtClean="0"/>
-              <a:t>As practitioners if </a:t>
-            </a:r>
-            <a:r>
-              <a:rPr lang="en-US" sz="1600" dirty="0" smtClean="0"/>
-              <a:t>we </a:t>
+              <a:t>As practitioners if we </a:t>
             </a:r>
             <a:r>
               <a:rPr lang="en-US" sz="1600" dirty="0"/>
@@ -8122,7 +8096,7 @@
           <p:cNvPr id="16" name="Footer Placeholder 5">
             <a:extLst>
               <a:ext uri="{FF2B5EF4-FFF2-40B4-BE49-F238E27FC236}">
-                <a16:creationId xmlns:a16="http://schemas.microsoft.com/office/drawing/2014/main" xmlns="" id="{35C4EC0D-BE2F-4C7C-86BB-1170018A5983}"/>
+                <a16:creationId xmlns="" xmlns:a16="http://schemas.microsoft.com/office/drawing/2014/main" id="{35C4EC0D-BE2F-4C7C-86BB-1170018A5983}"/>
               </a:ext>
             </a:extLst>
           </p:cNvPr>
@@ -8198,7 +8172,7 @@
             <a:fld id="{6700A58B-DD98-43D0-B791-721480A02982}" type="datetime1">
               <a:rPr lang="en-US" smtClean="0"/>
               <a:pPr/>
-              <a:t>6/19/2019</a:t>
+              <a:t>8/29/2019</a:t>
             </a:fld>
             <a:endParaRPr lang="en-US"/>
           </a:p>
@@ -8350,7 +8324,7 @@
           <p:cNvPr id="16" name="Footer Placeholder 5">
             <a:extLst>
               <a:ext uri="{FF2B5EF4-FFF2-40B4-BE49-F238E27FC236}">
-                <a16:creationId xmlns:a16="http://schemas.microsoft.com/office/drawing/2014/main" xmlns="" id="{2A6E8A58-D68B-4D4F-B2A2-9BC1A623C42A}"/>
+                <a16:creationId xmlns="" xmlns:a16="http://schemas.microsoft.com/office/drawing/2014/main" id="{2A6E8A58-D68B-4D4F-B2A2-9BC1A623C42A}"/>
               </a:ext>
             </a:extLst>
           </p:cNvPr>
@@ -8426,7 +8400,7 @@
             <a:fld id="{6700A58B-DD98-43D0-B791-721480A02982}" type="datetime1">
               <a:rPr lang="en-US" smtClean="0"/>
               <a:pPr/>
-              <a:t>6/19/2019</a:t>
+              <a:t>8/29/2019</a:t>
             </a:fld>
             <a:endParaRPr lang="en-US"/>
           </a:p>
@@ -8630,15 +8604,7 @@
             </a:r>
             <a:r>
               <a:rPr lang="en-US" sz="1600" dirty="0" smtClean="0"/>
-              <a:t>researcher/</a:t>
-            </a:r>
-            <a:r>
-              <a:rPr lang="en-US" sz="1600" dirty="0" smtClean="0"/>
-              <a:t>data </a:t>
-            </a:r>
-            <a:r>
-              <a:rPr lang="en-US" sz="1600" dirty="0" smtClean="0"/>
-              <a:t>scientist </a:t>
+              <a:t>researcher/data scientist </a:t>
             </a:r>
             <a:r>
               <a:rPr lang="en-US" sz="1600" dirty="0"/>
@@ -8652,7 +8618,7 @@
           <p:cNvPr id="16" name="Footer Placeholder 5">
             <a:extLst>
               <a:ext uri="{FF2B5EF4-FFF2-40B4-BE49-F238E27FC236}">
-                <a16:creationId xmlns:a16="http://schemas.microsoft.com/office/drawing/2014/main" xmlns="" id="{E5E2CF44-7F02-47A7-9C96-18C1087D33EC}"/>
+                <a16:creationId xmlns="" xmlns:a16="http://schemas.microsoft.com/office/drawing/2014/main" id="{E5E2CF44-7F02-47A7-9C96-18C1087D33EC}"/>
               </a:ext>
             </a:extLst>
           </p:cNvPr>
@@ -8715,7 +8681,7 @@
           <p:cNvPr id="2" name="Date Placeholder 1">
             <a:extLst>
               <a:ext uri="{FF2B5EF4-FFF2-40B4-BE49-F238E27FC236}">
-                <a16:creationId xmlns:a16="http://schemas.microsoft.com/office/drawing/2014/main" xmlns="" id="{F5B2D573-BCA0-417E-8B5F-B395AA11029D}"/>
+                <a16:creationId xmlns="" xmlns:a16="http://schemas.microsoft.com/office/drawing/2014/main" id="{F5B2D573-BCA0-417E-8B5F-B395AA11029D}"/>
               </a:ext>
             </a:extLst>
           </p:cNvPr>
@@ -8782,7 +8748,7 @@
                 <a:tabLst/>
                 <a:defRPr/>
               </a:pPr>
-              <a:t>6/19/2019</a:t>
+              <a:t>8/29/2019</a:t>
             </a:fld>
             <a:endParaRPr kumimoji="0" lang="en-US" sz="900" b="0" i="0" u="none" strike="noStrike" kern="1200" cap="none" spc="0" normalizeH="0" baseline="0" noProof="0">
               <a:ln>
@@ -8808,7 +8774,7 @@
           <p:cNvPr id="3" name="Title 2">
             <a:extLst>
               <a:ext uri="{FF2B5EF4-FFF2-40B4-BE49-F238E27FC236}">
-                <a16:creationId xmlns:a16="http://schemas.microsoft.com/office/drawing/2014/main" xmlns="" id="{CAC4D537-8506-450A-834E-A352DA5B24FE}"/>
+                <a16:creationId xmlns="" xmlns:a16="http://schemas.microsoft.com/office/drawing/2014/main" id="{CAC4D537-8506-450A-834E-A352DA5B24FE}"/>
               </a:ext>
             </a:extLst>
           </p:cNvPr>
@@ -8836,7 +8802,7 @@
           <p:cNvPr id="4" name="Footer Placeholder 3">
             <a:extLst>
               <a:ext uri="{FF2B5EF4-FFF2-40B4-BE49-F238E27FC236}">
-                <a16:creationId xmlns:a16="http://schemas.microsoft.com/office/drawing/2014/main" xmlns="" id="{8596963A-E8BA-49A8-B52F-79164B65F517}"/>
+                <a16:creationId xmlns="" xmlns:a16="http://schemas.microsoft.com/office/drawing/2014/main" id="{8596963A-E8BA-49A8-B52F-79164B65F517}"/>
               </a:ext>
             </a:extLst>
           </p:cNvPr>
@@ -8912,7 +8878,7 @@
           <p:cNvPr id="5" name="Slide Number Placeholder 4">
             <a:extLst>
               <a:ext uri="{FF2B5EF4-FFF2-40B4-BE49-F238E27FC236}">
-                <a16:creationId xmlns:a16="http://schemas.microsoft.com/office/drawing/2014/main" xmlns="" id="{02EC2459-A410-4ACC-837E-1A38F4139AB3}"/>
+                <a16:creationId xmlns="" xmlns:a16="http://schemas.microsoft.com/office/drawing/2014/main" id="{02EC2459-A410-4ACC-837E-1A38F4139AB3}"/>
               </a:ext>
             </a:extLst>
           </p:cNvPr>
@@ -9005,7 +8971,7 @@
           <p:cNvPr id="2050" name="Picture 2" descr="Image result for alexa">
             <a:extLst>
               <a:ext uri="{FF2B5EF4-FFF2-40B4-BE49-F238E27FC236}">
-                <a16:creationId xmlns:a16="http://schemas.microsoft.com/office/drawing/2014/main" xmlns="" id="{34AD15EB-9CDD-44A0-B557-1B01C270B225}"/>
+                <a16:creationId xmlns="" xmlns:a16="http://schemas.microsoft.com/office/drawing/2014/main" id="{34AD15EB-9CDD-44A0-B557-1B01C270B225}"/>
               </a:ext>
             </a:extLst>
           </p:cNvPr>
@@ -9052,7 +9018,7 @@
           <p:cNvPr id="12" name="Rectangle 11">
             <a:extLst>
               <a:ext uri="{FF2B5EF4-FFF2-40B4-BE49-F238E27FC236}">
-                <a16:creationId xmlns:a16="http://schemas.microsoft.com/office/drawing/2014/main" xmlns="" id="{3A7551EC-DCF7-406E-9D4F-F6E0900C20D5}"/>
+                <a16:creationId xmlns="" xmlns:a16="http://schemas.microsoft.com/office/drawing/2014/main" id="{3A7551EC-DCF7-406E-9D4F-F6E0900C20D5}"/>
               </a:ext>
             </a:extLst>
           </p:cNvPr>
@@ -9244,7 +9210,7 @@
           <p:cNvPr id="2" name="Date Placeholder 1">
             <a:extLst>
               <a:ext uri="{FF2B5EF4-FFF2-40B4-BE49-F238E27FC236}">
-                <a16:creationId xmlns:a16="http://schemas.microsoft.com/office/drawing/2014/main" xmlns="" id="{F5B2D573-BCA0-417E-8B5F-B395AA11029D}"/>
+                <a16:creationId xmlns="" xmlns:a16="http://schemas.microsoft.com/office/drawing/2014/main" id="{F5B2D573-BCA0-417E-8B5F-B395AA11029D}"/>
               </a:ext>
             </a:extLst>
           </p:cNvPr>
@@ -9311,7 +9277,7 @@
                 <a:tabLst/>
                 <a:defRPr/>
               </a:pPr>
-              <a:t>6/19/2019</a:t>
+              <a:t>8/29/2019</a:t>
             </a:fld>
             <a:endParaRPr kumimoji="0" lang="en-US" sz="900" b="0" i="0" u="none" strike="noStrike" kern="1200" cap="none" spc="0" normalizeH="0" baseline="0" noProof="0">
               <a:ln>
@@ -9337,7 +9303,7 @@
           <p:cNvPr id="3" name="Title 2">
             <a:extLst>
               <a:ext uri="{FF2B5EF4-FFF2-40B4-BE49-F238E27FC236}">
-                <a16:creationId xmlns:a16="http://schemas.microsoft.com/office/drawing/2014/main" xmlns="" id="{CAC4D537-8506-450A-834E-A352DA5B24FE}"/>
+                <a16:creationId xmlns="" xmlns:a16="http://schemas.microsoft.com/office/drawing/2014/main" id="{CAC4D537-8506-450A-834E-A352DA5B24FE}"/>
               </a:ext>
             </a:extLst>
           </p:cNvPr>
@@ -9365,7 +9331,7 @@
           <p:cNvPr id="4" name="Footer Placeholder 3">
             <a:extLst>
               <a:ext uri="{FF2B5EF4-FFF2-40B4-BE49-F238E27FC236}">
-                <a16:creationId xmlns:a16="http://schemas.microsoft.com/office/drawing/2014/main" xmlns="" id="{8596963A-E8BA-49A8-B52F-79164B65F517}"/>
+                <a16:creationId xmlns="" xmlns:a16="http://schemas.microsoft.com/office/drawing/2014/main" id="{8596963A-E8BA-49A8-B52F-79164B65F517}"/>
               </a:ext>
             </a:extLst>
           </p:cNvPr>
@@ -9441,7 +9407,7 @@
           <p:cNvPr id="5" name="Slide Number Placeholder 4">
             <a:extLst>
               <a:ext uri="{FF2B5EF4-FFF2-40B4-BE49-F238E27FC236}">
-                <a16:creationId xmlns:a16="http://schemas.microsoft.com/office/drawing/2014/main" xmlns="" id="{02EC2459-A410-4ACC-837E-1A38F4139AB3}"/>
+                <a16:creationId xmlns="" xmlns:a16="http://schemas.microsoft.com/office/drawing/2014/main" id="{02EC2459-A410-4ACC-837E-1A38F4139AB3}"/>
               </a:ext>
             </a:extLst>
           </p:cNvPr>
@@ -9534,7 +9500,7 @@
           <p:cNvPr id="7" name="Rectangle 6">
             <a:extLst>
               <a:ext uri="{FF2B5EF4-FFF2-40B4-BE49-F238E27FC236}">
-                <a16:creationId xmlns:a16="http://schemas.microsoft.com/office/drawing/2014/main" xmlns="" id="{3A7551EC-DCF7-406E-9D4F-F6E0900C20D5}"/>
+                <a16:creationId xmlns="" xmlns:a16="http://schemas.microsoft.com/office/drawing/2014/main" id="{3A7551EC-DCF7-406E-9D4F-F6E0900C20D5}"/>
               </a:ext>
             </a:extLst>
           </p:cNvPr>
@@ -9669,7 +9635,7 @@
           <p:cNvPr id="10" name="Group 9">
             <a:extLst>
               <a:ext uri="{FF2B5EF4-FFF2-40B4-BE49-F238E27FC236}">
-                <a16:creationId xmlns:a16="http://schemas.microsoft.com/office/drawing/2014/main" xmlns="" id="{A43C0CF9-0477-431C-993E-DBAD1CC81D3E}"/>
+                <a16:creationId xmlns="" xmlns:a16="http://schemas.microsoft.com/office/drawing/2014/main" id="{A43C0CF9-0477-431C-993E-DBAD1CC81D3E}"/>
               </a:ext>
             </a:extLst>
           </p:cNvPr>
@@ -9689,7 +9655,7 @@
             <p:cNvPr id="2050" name="Picture 2" descr="Image result for alexa">
               <a:extLst>
                 <a:ext uri="{FF2B5EF4-FFF2-40B4-BE49-F238E27FC236}">
-                  <a16:creationId xmlns:a16="http://schemas.microsoft.com/office/drawing/2014/main" xmlns="" id="{34AD15EB-9CDD-44A0-B557-1B01C270B225}"/>
+                  <a16:creationId xmlns="" xmlns:a16="http://schemas.microsoft.com/office/drawing/2014/main" id="{34AD15EB-9CDD-44A0-B557-1B01C270B225}"/>
                 </a:ext>
               </a:extLst>
             </p:cNvPr>
@@ -9736,7 +9702,7 @@
             <p:cNvPr id="8" name="Freeform 32">
               <a:extLst>
                 <a:ext uri="{FF2B5EF4-FFF2-40B4-BE49-F238E27FC236}">
-                  <a16:creationId xmlns:a16="http://schemas.microsoft.com/office/drawing/2014/main" xmlns="" id="{785DFD1F-904E-4014-9E49-331FB58CF803}"/>
+                  <a16:creationId xmlns="" xmlns:a16="http://schemas.microsoft.com/office/drawing/2014/main" id="{785DFD1F-904E-4014-9E49-331FB58CF803}"/>
                 </a:ext>
               </a:extLst>
             </p:cNvPr>
@@ -10007,7 +9973,7 @@
             <p:cNvPr id="6" name="Speech Bubble: Rectangle with Corners Rounded 5">
               <a:extLst>
                 <a:ext uri="{FF2B5EF4-FFF2-40B4-BE49-F238E27FC236}">
-                  <a16:creationId xmlns:a16="http://schemas.microsoft.com/office/drawing/2014/main" xmlns="" id="{AAFE54FA-7E4A-403F-B265-462E42414671}"/>
+                  <a16:creationId xmlns="" xmlns:a16="http://schemas.microsoft.com/office/drawing/2014/main" id="{AAFE54FA-7E4A-403F-B265-462E42414671}"/>
                 </a:ext>
               </a:extLst>
             </p:cNvPr>
@@ -10066,7 +10032,7 @@
             <p:cNvPr id="11" name="Speech Bubble: Rectangle with Corners Rounded 10">
               <a:extLst>
                 <a:ext uri="{FF2B5EF4-FFF2-40B4-BE49-F238E27FC236}">
-                  <a16:creationId xmlns:a16="http://schemas.microsoft.com/office/drawing/2014/main" xmlns="" id="{2EFDFC29-D8E1-4615-AB05-9E62451FFD2E}"/>
+                  <a16:creationId xmlns="" xmlns:a16="http://schemas.microsoft.com/office/drawing/2014/main" id="{2EFDFC29-D8E1-4615-AB05-9E62451FFD2E}"/>
                 </a:ext>
               </a:extLst>
             </p:cNvPr>
@@ -10186,7 +10152,7 @@
           <p:cNvPr id="2" name="Date Placeholder 1">
             <a:extLst>
               <a:ext uri="{FF2B5EF4-FFF2-40B4-BE49-F238E27FC236}">
-                <a16:creationId xmlns:a16="http://schemas.microsoft.com/office/drawing/2014/main" xmlns="" id="{F5B2D573-BCA0-417E-8B5F-B395AA11029D}"/>
+                <a16:creationId xmlns="" xmlns:a16="http://schemas.microsoft.com/office/drawing/2014/main" id="{F5B2D573-BCA0-417E-8B5F-B395AA11029D}"/>
               </a:ext>
             </a:extLst>
           </p:cNvPr>
@@ -10253,7 +10219,7 @@
                 <a:tabLst/>
                 <a:defRPr/>
               </a:pPr>
-              <a:t>6/19/2019</a:t>
+              <a:t>8/29/2019</a:t>
             </a:fld>
             <a:endParaRPr kumimoji="0" lang="en-US" sz="900" b="0" i="0" u="none" strike="noStrike" kern="1200" cap="none" spc="0" normalizeH="0" baseline="0" noProof="0">
               <a:ln>
@@ -10279,7 +10245,7 @@
           <p:cNvPr id="3" name="Title 2">
             <a:extLst>
               <a:ext uri="{FF2B5EF4-FFF2-40B4-BE49-F238E27FC236}">
-                <a16:creationId xmlns:a16="http://schemas.microsoft.com/office/drawing/2014/main" xmlns="" id="{CAC4D537-8506-450A-834E-A352DA5B24FE}"/>
+                <a16:creationId xmlns="" xmlns:a16="http://schemas.microsoft.com/office/drawing/2014/main" id="{CAC4D537-8506-450A-834E-A352DA5B24FE}"/>
               </a:ext>
             </a:extLst>
           </p:cNvPr>
@@ -10307,7 +10273,7 @@
           <p:cNvPr id="4" name="Footer Placeholder 3">
             <a:extLst>
               <a:ext uri="{FF2B5EF4-FFF2-40B4-BE49-F238E27FC236}">
-                <a16:creationId xmlns:a16="http://schemas.microsoft.com/office/drawing/2014/main" xmlns="" id="{8596963A-E8BA-49A8-B52F-79164B65F517}"/>
+                <a16:creationId xmlns="" xmlns:a16="http://schemas.microsoft.com/office/drawing/2014/main" id="{8596963A-E8BA-49A8-B52F-79164B65F517}"/>
               </a:ext>
             </a:extLst>
           </p:cNvPr>
@@ -10383,7 +10349,7 @@
           <p:cNvPr id="5" name="Slide Number Placeholder 4">
             <a:extLst>
               <a:ext uri="{FF2B5EF4-FFF2-40B4-BE49-F238E27FC236}">
-                <a16:creationId xmlns:a16="http://schemas.microsoft.com/office/drawing/2014/main" xmlns="" id="{02EC2459-A410-4ACC-837E-1A38F4139AB3}"/>
+                <a16:creationId xmlns="" xmlns:a16="http://schemas.microsoft.com/office/drawing/2014/main" id="{02EC2459-A410-4ACC-837E-1A38F4139AB3}"/>
               </a:ext>
             </a:extLst>
           </p:cNvPr>
@@ -10476,7 +10442,7 @@
           <p:cNvPr id="14" name="Group 13">
             <a:extLst>
               <a:ext uri="{FF2B5EF4-FFF2-40B4-BE49-F238E27FC236}">
-                <a16:creationId xmlns:a16="http://schemas.microsoft.com/office/drawing/2014/main" xmlns="" id="{7D3F7EDC-F0B0-43E9-9A29-F142DD878020}"/>
+                <a16:creationId xmlns="" xmlns:a16="http://schemas.microsoft.com/office/drawing/2014/main" id="{7D3F7EDC-F0B0-43E9-9A29-F142DD878020}"/>
               </a:ext>
             </a:extLst>
           </p:cNvPr>
@@ -10496,7 +10462,7 @@
             <p:cNvPr id="13" name="Freeform 33">
               <a:extLst>
                 <a:ext uri="{FF2B5EF4-FFF2-40B4-BE49-F238E27FC236}">
-                  <a16:creationId xmlns:a16="http://schemas.microsoft.com/office/drawing/2014/main" xmlns="" id="{E1552CDC-4587-4F02-AA4B-1E2053FF80B8}"/>
+                  <a16:creationId xmlns="" xmlns:a16="http://schemas.microsoft.com/office/drawing/2014/main" id="{E1552CDC-4587-4F02-AA4B-1E2053FF80B8}"/>
                 </a:ext>
               </a:extLst>
             </p:cNvPr>
@@ -11935,7 +11901,7 @@
             <p:cNvPr id="12" name="Rectangle 11">
               <a:extLst>
                 <a:ext uri="{FF2B5EF4-FFF2-40B4-BE49-F238E27FC236}">
-                  <a16:creationId xmlns:a16="http://schemas.microsoft.com/office/drawing/2014/main" xmlns="" id="{BD3C67CF-2D57-4C00-B68F-1BF31C151A8F}"/>
+                  <a16:creationId xmlns="" xmlns:a16="http://schemas.microsoft.com/office/drawing/2014/main" id="{BD3C67CF-2D57-4C00-B68F-1BF31C151A8F}"/>
                 </a:ext>
               </a:extLst>
             </p:cNvPr>
@@ -11987,7 +11953,7 @@
             <p:cNvPr id="15" name="Rectangle 14">
               <a:extLst>
                 <a:ext uri="{FF2B5EF4-FFF2-40B4-BE49-F238E27FC236}">
-                  <a16:creationId xmlns:a16="http://schemas.microsoft.com/office/drawing/2014/main" xmlns="" id="{D9AFC5A2-D2B0-4C68-9C07-2FD378AD278E}"/>
+                  <a16:creationId xmlns="" xmlns:a16="http://schemas.microsoft.com/office/drawing/2014/main" id="{D9AFC5A2-D2B0-4C68-9C07-2FD378AD278E}"/>
                 </a:ext>
               </a:extLst>
             </p:cNvPr>
@@ -12039,7 +12005,7 @@
             <p:cNvPr id="16" name="Rectangle 15">
               <a:extLst>
                 <a:ext uri="{FF2B5EF4-FFF2-40B4-BE49-F238E27FC236}">
-                  <a16:creationId xmlns:a16="http://schemas.microsoft.com/office/drawing/2014/main" xmlns="" id="{213DE83A-E563-458A-B3B1-11467EF68EC0}"/>
+                  <a16:creationId xmlns="" xmlns:a16="http://schemas.microsoft.com/office/drawing/2014/main" id="{213DE83A-E563-458A-B3B1-11467EF68EC0}"/>
                 </a:ext>
               </a:extLst>
             </p:cNvPr>
@@ -12092,7 +12058,7 @@
           <p:cNvPr id="10" name="Group 9">
             <a:extLst>
               <a:ext uri="{FF2B5EF4-FFF2-40B4-BE49-F238E27FC236}">
-                <a16:creationId xmlns:a16="http://schemas.microsoft.com/office/drawing/2014/main" xmlns="" id="{A43C0CF9-0477-431C-993E-DBAD1CC81D3E}"/>
+                <a16:creationId xmlns="" xmlns:a16="http://schemas.microsoft.com/office/drawing/2014/main" id="{A43C0CF9-0477-431C-993E-DBAD1CC81D3E}"/>
               </a:ext>
             </a:extLst>
           </p:cNvPr>
@@ -12112,7 +12078,7 @@
             <p:cNvPr id="2050" name="Picture 2" descr="Image result for alexa">
               <a:extLst>
                 <a:ext uri="{FF2B5EF4-FFF2-40B4-BE49-F238E27FC236}">
-                  <a16:creationId xmlns:a16="http://schemas.microsoft.com/office/drawing/2014/main" xmlns="" id="{34AD15EB-9CDD-44A0-B557-1B01C270B225}"/>
+                  <a16:creationId xmlns="" xmlns:a16="http://schemas.microsoft.com/office/drawing/2014/main" id="{34AD15EB-9CDD-44A0-B557-1B01C270B225}"/>
                 </a:ext>
               </a:extLst>
             </p:cNvPr>
@@ -12159,7 +12125,7 @@
             <p:cNvPr id="11" name="Speech Bubble: Rectangle with Corners Rounded 10">
               <a:extLst>
                 <a:ext uri="{FF2B5EF4-FFF2-40B4-BE49-F238E27FC236}">
-                  <a16:creationId xmlns:a16="http://schemas.microsoft.com/office/drawing/2014/main" xmlns="" id="{2EFDFC29-D8E1-4615-AB05-9E62451FFD2E}"/>
+                  <a16:creationId xmlns="" xmlns:a16="http://schemas.microsoft.com/office/drawing/2014/main" id="{2EFDFC29-D8E1-4615-AB05-9E62451FFD2E}"/>
                 </a:ext>
               </a:extLst>
             </p:cNvPr>
@@ -12218,7 +12184,7 @@
             <p:cNvPr id="8" name="Freeform 32">
               <a:extLst>
                 <a:ext uri="{FF2B5EF4-FFF2-40B4-BE49-F238E27FC236}">
-                  <a16:creationId xmlns:a16="http://schemas.microsoft.com/office/drawing/2014/main" xmlns="" id="{785DFD1F-904E-4014-9E49-331FB58CF803}"/>
+                  <a16:creationId xmlns="" xmlns:a16="http://schemas.microsoft.com/office/drawing/2014/main" id="{785DFD1F-904E-4014-9E49-331FB58CF803}"/>
                 </a:ext>
               </a:extLst>
             </p:cNvPr>
@@ -12490,7 +12456,7 @@
           <p:cNvPr id="17" name="Rectangle 16">
             <a:extLst>
               <a:ext uri="{FF2B5EF4-FFF2-40B4-BE49-F238E27FC236}">
-                <a16:creationId xmlns:a16="http://schemas.microsoft.com/office/drawing/2014/main" xmlns="" id="{3662E5E9-BA6E-4DE9-BC5A-96FCF3826A63}"/>
+                <a16:creationId xmlns="" xmlns:a16="http://schemas.microsoft.com/office/drawing/2014/main" id="{3662E5E9-BA6E-4DE9-BC5A-96FCF3826A63}"/>
               </a:ext>
             </a:extLst>
           </p:cNvPr>
@@ -12622,7 +12588,7 @@
           <p:cNvPr id="18" name="Freeform 80">
             <a:extLst>
               <a:ext uri="{FF2B5EF4-FFF2-40B4-BE49-F238E27FC236}">
-                <a16:creationId xmlns:a16="http://schemas.microsoft.com/office/drawing/2014/main" xmlns="" id="{3FA60C8A-9948-4AB6-9FD3-6F9A2BD89E4D}"/>
+                <a16:creationId xmlns="" xmlns:a16="http://schemas.microsoft.com/office/drawing/2014/main" id="{3FA60C8A-9948-4AB6-9FD3-6F9A2BD89E4D}"/>
               </a:ext>
             </a:extLst>
           </p:cNvPr>
@@ -12783,7 +12749,7 @@
           <p:cNvPr id="19" name="TextBox 18">
             <a:extLst>
               <a:ext uri="{FF2B5EF4-FFF2-40B4-BE49-F238E27FC236}">
-                <a16:creationId xmlns:a16="http://schemas.microsoft.com/office/drawing/2014/main" xmlns="" id="{A5BE98AF-7066-4607-A4B7-C81E441FA032}"/>
+                <a16:creationId xmlns="" xmlns:a16="http://schemas.microsoft.com/office/drawing/2014/main" id="{A5BE98AF-7066-4607-A4B7-C81E441FA032}"/>
               </a:ext>
             </a:extLst>
           </p:cNvPr>
@@ -12818,7 +12784,7 @@
           <p:cNvPr id="21" name="TextBox 20">
             <a:extLst>
               <a:ext uri="{FF2B5EF4-FFF2-40B4-BE49-F238E27FC236}">
-                <a16:creationId xmlns:a16="http://schemas.microsoft.com/office/drawing/2014/main" xmlns="" id="{3870BA00-FCFC-4ABB-AFE1-47086F5B28EF}"/>
+                <a16:creationId xmlns="" xmlns:a16="http://schemas.microsoft.com/office/drawing/2014/main" id="{3870BA00-FCFC-4ABB-AFE1-47086F5B28EF}"/>
               </a:ext>
             </a:extLst>
           </p:cNvPr>
@@ -12868,7 +12834,7 @@
           <p:cNvPr id="22" name="TextBox 21">
             <a:extLst>
               <a:ext uri="{FF2B5EF4-FFF2-40B4-BE49-F238E27FC236}">
-                <a16:creationId xmlns:a16="http://schemas.microsoft.com/office/drawing/2014/main" xmlns="" id="{EB72621D-273A-49AF-BD35-9B27590740AE}"/>
+                <a16:creationId xmlns="" xmlns:a16="http://schemas.microsoft.com/office/drawing/2014/main" id="{EB72621D-273A-49AF-BD35-9B27590740AE}"/>
               </a:ext>
             </a:extLst>
           </p:cNvPr>
@@ -12923,7 +12889,7 @@
           <p:cNvPr id="23" name="TextBox 22">
             <a:extLst>
               <a:ext uri="{FF2B5EF4-FFF2-40B4-BE49-F238E27FC236}">
-                <a16:creationId xmlns:a16="http://schemas.microsoft.com/office/drawing/2014/main" xmlns="" id="{3EF45B34-9BA1-46A6-BAF6-00B3D92859E2}"/>
+                <a16:creationId xmlns="" xmlns:a16="http://schemas.microsoft.com/office/drawing/2014/main" id="{3EF45B34-9BA1-46A6-BAF6-00B3D92859E2}"/>
               </a:ext>
             </a:extLst>
           </p:cNvPr>
@@ -12959,7 +12925,7 @@
           <p:cNvPr id="24" name="Freeform 29">
             <a:extLst>
               <a:ext uri="{FF2B5EF4-FFF2-40B4-BE49-F238E27FC236}">
-                <a16:creationId xmlns:a16="http://schemas.microsoft.com/office/drawing/2014/main" xmlns="" id="{2224EE83-C91C-4C21-8F6D-6B9F3BF00B46}"/>
+                <a16:creationId xmlns="" xmlns:a16="http://schemas.microsoft.com/office/drawing/2014/main" id="{2224EE83-C91C-4C21-8F6D-6B9F3BF00B46}"/>
               </a:ext>
             </a:extLst>
           </p:cNvPr>
@@ -13269,7 +13235,7 @@
           <p:cNvPr id="25" name="Rectangle 24">
             <a:extLst>
               <a:ext uri="{FF2B5EF4-FFF2-40B4-BE49-F238E27FC236}">
-                <a16:creationId xmlns:a16="http://schemas.microsoft.com/office/drawing/2014/main" xmlns="" id="{3A7551EC-DCF7-406E-9D4F-F6E0900C20D5}"/>
+                <a16:creationId xmlns="" xmlns:a16="http://schemas.microsoft.com/office/drawing/2014/main" id="{3A7551EC-DCF7-406E-9D4F-F6E0900C20D5}"/>
               </a:ext>
             </a:extLst>
           </p:cNvPr>
@@ -13434,7 +13400,7 @@
           <p:cNvPr id="15" name="Group 14">
             <a:extLst>
               <a:ext uri="{FF2B5EF4-FFF2-40B4-BE49-F238E27FC236}">
-                <a16:creationId xmlns:a16="http://schemas.microsoft.com/office/drawing/2014/main" xmlns="" id="{DA129DAD-B6A4-4128-9FD4-7FB188E97030}"/>
+                <a16:creationId xmlns="" xmlns:a16="http://schemas.microsoft.com/office/drawing/2014/main" id="{DA129DAD-B6A4-4128-9FD4-7FB188E97030}"/>
               </a:ext>
             </a:extLst>
           </p:cNvPr>
@@ -13454,7 +13420,7 @@
             <p:cNvPr id="16" name="Freeform 33">
               <a:extLst>
                 <a:ext uri="{FF2B5EF4-FFF2-40B4-BE49-F238E27FC236}">
-                  <a16:creationId xmlns:a16="http://schemas.microsoft.com/office/drawing/2014/main" xmlns="" id="{0D26BC9A-862F-4632-BB4C-970DC48EFF57}"/>
+                  <a16:creationId xmlns="" xmlns:a16="http://schemas.microsoft.com/office/drawing/2014/main" id="{0D26BC9A-862F-4632-BB4C-970DC48EFF57}"/>
                 </a:ext>
               </a:extLst>
             </p:cNvPr>
@@ -14893,7 +14859,7 @@
             <p:cNvPr id="17" name="Rectangle 16">
               <a:extLst>
                 <a:ext uri="{FF2B5EF4-FFF2-40B4-BE49-F238E27FC236}">
-                  <a16:creationId xmlns:a16="http://schemas.microsoft.com/office/drawing/2014/main" xmlns="" id="{76F5699F-419D-4868-A1B6-505779740044}"/>
+                  <a16:creationId xmlns="" xmlns:a16="http://schemas.microsoft.com/office/drawing/2014/main" id="{76F5699F-419D-4868-A1B6-505779740044}"/>
                 </a:ext>
               </a:extLst>
             </p:cNvPr>
@@ -14945,7 +14911,7 @@
             <p:cNvPr id="18" name="Rectangle 17">
               <a:extLst>
                 <a:ext uri="{FF2B5EF4-FFF2-40B4-BE49-F238E27FC236}">
-                  <a16:creationId xmlns:a16="http://schemas.microsoft.com/office/drawing/2014/main" xmlns="" id="{710A304D-6E48-4B62-8EF6-EC192A217461}"/>
+                  <a16:creationId xmlns="" xmlns:a16="http://schemas.microsoft.com/office/drawing/2014/main" id="{710A304D-6E48-4B62-8EF6-EC192A217461}"/>
                 </a:ext>
               </a:extLst>
             </p:cNvPr>
@@ -14997,7 +14963,7 @@
             <p:cNvPr id="19" name="Rectangle 18">
               <a:extLst>
                 <a:ext uri="{FF2B5EF4-FFF2-40B4-BE49-F238E27FC236}">
-                  <a16:creationId xmlns:a16="http://schemas.microsoft.com/office/drawing/2014/main" xmlns="" id="{98CFFA92-CA80-4EA1-9152-C731FCA346FA}"/>
+                  <a16:creationId xmlns="" xmlns:a16="http://schemas.microsoft.com/office/drawing/2014/main" id="{98CFFA92-CA80-4EA1-9152-C731FCA346FA}"/>
                 </a:ext>
               </a:extLst>
             </p:cNvPr>
@@ -15050,7 +15016,7 @@
           <p:cNvPr id="2" name="Date Placeholder 1">
             <a:extLst>
               <a:ext uri="{FF2B5EF4-FFF2-40B4-BE49-F238E27FC236}">
-                <a16:creationId xmlns:a16="http://schemas.microsoft.com/office/drawing/2014/main" xmlns="" id="{F5B2D573-BCA0-417E-8B5F-B395AA11029D}"/>
+                <a16:creationId xmlns="" xmlns:a16="http://schemas.microsoft.com/office/drawing/2014/main" id="{F5B2D573-BCA0-417E-8B5F-B395AA11029D}"/>
               </a:ext>
             </a:extLst>
           </p:cNvPr>
@@ -15117,7 +15083,7 @@
                 <a:tabLst/>
                 <a:defRPr/>
               </a:pPr>
-              <a:t>6/19/2019</a:t>
+              <a:t>8/29/2019</a:t>
             </a:fld>
             <a:endParaRPr kumimoji="0" lang="en-US" sz="900" b="0" i="0" u="none" strike="noStrike" kern="1200" cap="none" spc="0" normalizeH="0" baseline="0" noProof="0">
               <a:ln>
@@ -15143,7 +15109,7 @@
           <p:cNvPr id="3" name="Title 2">
             <a:extLst>
               <a:ext uri="{FF2B5EF4-FFF2-40B4-BE49-F238E27FC236}">
-                <a16:creationId xmlns:a16="http://schemas.microsoft.com/office/drawing/2014/main" xmlns="" id="{CAC4D537-8506-450A-834E-A352DA5B24FE}"/>
+                <a16:creationId xmlns="" xmlns:a16="http://schemas.microsoft.com/office/drawing/2014/main" id="{CAC4D537-8506-450A-834E-A352DA5B24FE}"/>
               </a:ext>
             </a:extLst>
           </p:cNvPr>
@@ -15171,7 +15137,7 @@
           <p:cNvPr id="4" name="Footer Placeholder 3">
             <a:extLst>
               <a:ext uri="{FF2B5EF4-FFF2-40B4-BE49-F238E27FC236}">
-                <a16:creationId xmlns:a16="http://schemas.microsoft.com/office/drawing/2014/main" xmlns="" id="{8596963A-E8BA-49A8-B52F-79164B65F517}"/>
+                <a16:creationId xmlns="" xmlns:a16="http://schemas.microsoft.com/office/drawing/2014/main" id="{8596963A-E8BA-49A8-B52F-79164B65F517}"/>
               </a:ext>
             </a:extLst>
           </p:cNvPr>
@@ -15247,7 +15213,7 @@
           <p:cNvPr id="5" name="Slide Number Placeholder 4">
             <a:extLst>
               <a:ext uri="{FF2B5EF4-FFF2-40B4-BE49-F238E27FC236}">
-                <a16:creationId xmlns:a16="http://schemas.microsoft.com/office/drawing/2014/main" xmlns="" id="{02EC2459-A410-4ACC-837E-1A38F4139AB3}"/>
+                <a16:creationId xmlns="" xmlns:a16="http://schemas.microsoft.com/office/drawing/2014/main" id="{02EC2459-A410-4ACC-837E-1A38F4139AB3}"/>
               </a:ext>
             </a:extLst>
           </p:cNvPr>
@@ -15340,7 +15306,7 @@
           <p:cNvPr id="7" name="Rectangle 6">
             <a:extLst>
               <a:ext uri="{FF2B5EF4-FFF2-40B4-BE49-F238E27FC236}">
-                <a16:creationId xmlns:a16="http://schemas.microsoft.com/office/drawing/2014/main" xmlns="" id="{3A7551EC-DCF7-406E-9D4F-F6E0900C20D5}"/>
+                <a16:creationId xmlns="" xmlns:a16="http://schemas.microsoft.com/office/drawing/2014/main" id="{3A7551EC-DCF7-406E-9D4F-F6E0900C20D5}"/>
               </a:ext>
             </a:extLst>
           </p:cNvPr>
@@ -15424,7 +15390,7 @@
           <p:cNvPr id="2050" name="Picture 2" descr="Image result for alexa">
             <a:extLst>
               <a:ext uri="{FF2B5EF4-FFF2-40B4-BE49-F238E27FC236}">
-                <a16:creationId xmlns:a16="http://schemas.microsoft.com/office/drawing/2014/main" xmlns="" id="{34AD15EB-9CDD-44A0-B557-1B01C270B225}"/>
+                <a16:creationId xmlns="" xmlns:a16="http://schemas.microsoft.com/office/drawing/2014/main" id="{34AD15EB-9CDD-44A0-B557-1B01C270B225}"/>
               </a:ext>
             </a:extLst>
           </p:cNvPr>
@@ -15471,7 +15437,7 @@
           <p:cNvPr id="8" name="Freeform 32">
             <a:extLst>
               <a:ext uri="{FF2B5EF4-FFF2-40B4-BE49-F238E27FC236}">
-                <a16:creationId xmlns:a16="http://schemas.microsoft.com/office/drawing/2014/main" xmlns="" id="{785DFD1F-904E-4014-9E49-331FB58CF803}"/>
+                <a16:creationId xmlns="" xmlns:a16="http://schemas.microsoft.com/office/drawing/2014/main" id="{785DFD1F-904E-4014-9E49-331FB58CF803}"/>
               </a:ext>
             </a:extLst>
           </p:cNvPr>
@@ -15742,7 +15708,7 @@
           <p:cNvPr id="6" name="Speech Bubble: Rectangle with Corners Rounded 5">
             <a:extLst>
               <a:ext uri="{FF2B5EF4-FFF2-40B4-BE49-F238E27FC236}">
-                <a16:creationId xmlns:a16="http://schemas.microsoft.com/office/drawing/2014/main" xmlns="" id="{AAFE54FA-7E4A-403F-B265-462E42414671}"/>
+                <a16:creationId xmlns="" xmlns:a16="http://schemas.microsoft.com/office/drawing/2014/main" id="{AAFE54FA-7E4A-403F-B265-462E42414671}"/>
               </a:ext>
             </a:extLst>
           </p:cNvPr>
@@ -15801,7 +15767,7 @@
           <p:cNvPr id="11" name="Speech Bubble: Rectangle with Corners Rounded 10">
             <a:extLst>
               <a:ext uri="{FF2B5EF4-FFF2-40B4-BE49-F238E27FC236}">
-                <a16:creationId xmlns:a16="http://schemas.microsoft.com/office/drawing/2014/main" xmlns="" id="{2EFDFC29-D8E1-4615-AB05-9E62451FFD2E}"/>
+                <a16:creationId xmlns="" xmlns:a16="http://schemas.microsoft.com/office/drawing/2014/main" id="{2EFDFC29-D8E1-4615-AB05-9E62451FFD2E}"/>
               </a:ext>
             </a:extLst>
           </p:cNvPr>
@@ -15860,7 +15826,7 @@
           <p:cNvPr id="12" name="Speech Bubble: Rectangle with Corners Rounded 11">
             <a:extLst>
               <a:ext uri="{FF2B5EF4-FFF2-40B4-BE49-F238E27FC236}">
-                <a16:creationId xmlns:a16="http://schemas.microsoft.com/office/drawing/2014/main" xmlns="" id="{DA7F7A5E-F4CE-4108-B358-24BEDE3EFE69}"/>
+                <a16:creationId xmlns="" xmlns:a16="http://schemas.microsoft.com/office/drawing/2014/main" id="{DA7F7A5E-F4CE-4108-B358-24BEDE3EFE69}"/>
               </a:ext>
             </a:extLst>
           </p:cNvPr>
@@ -15919,7 +15885,7 @@
           <p:cNvPr id="13" name="Freeform 80">
             <a:extLst>
               <a:ext uri="{FF2B5EF4-FFF2-40B4-BE49-F238E27FC236}">
-                <a16:creationId xmlns:a16="http://schemas.microsoft.com/office/drawing/2014/main" xmlns="" id="{3737A588-28C3-4864-9927-8FDE72CE2141}"/>
+                <a16:creationId xmlns="" xmlns:a16="http://schemas.microsoft.com/office/drawing/2014/main" id="{3737A588-28C3-4864-9927-8FDE72CE2141}"/>
               </a:ext>
             </a:extLst>
           </p:cNvPr>
@@ -16080,7 +16046,7 @@
           <p:cNvPr id="14" name="TextBox 13">
             <a:extLst>
               <a:ext uri="{FF2B5EF4-FFF2-40B4-BE49-F238E27FC236}">
-                <a16:creationId xmlns:a16="http://schemas.microsoft.com/office/drawing/2014/main" xmlns="" id="{8CC35E6A-D5DB-4D14-A06D-ADB760AD5B64}"/>
+                <a16:creationId xmlns="" xmlns:a16="http://schemas.microsoft.com/office/drawing/2014/main" id="{8CC35E6A-D5DB-4D14-A06D-ADB760AD5B64}"/>
               </a:ext>
             </a:extLst>
           </p:cNvPr>
@@ -16128,7 +16094,7 @@
           <p:cNvPr id="21" name="Freeform 5">
             <a:extLst>
               <a:ext uri="{FF2B5EF4-FFF2-40B4-BE49-F238E27FC236}">
-                <a16:creationId xmlns:a16="http://schemas.microsoft.com/office/drawing/2014/main" xmlns="" id="{0A82FC7E-843A-4211-BD28-8C85049D393E}"/>
+                <a16:creationId xmlns="" xmlns:a16="http://schemas.microsoft.com/office/drawing/2014/main" id="{0A82FC7E-843A-4211-BD28-8C85049D393E}"/>
               </a:ext>
             </a:extLst>
           </p:cNvPr>
@@ -16771,7 +16737,7 @@
           <p:cNvPr id="22" name="TextBox 21">
             <a:extLst>
               <a:ext uri="{FF2B5EF4-FFF2-40B4-BE49-F238E27FC236}">
-                <a16:creationId xmlns:a16="http://schemas.microsoft.com/office/drawing/2014/main" xmlns="" id="{13D48823-7ABB-44C6-87DB-612FAE11926B}"/>
+                <a16:creationId xmlns="" xmlns:a16="http://schemas.microsoft.com/office/drawing/2014/main" id="{13D48823-7ABB-44C6-87DB-612FAE11926B}"/>
               </a:ext>
             </a:extLst>
           </p:cNvPr>
@@ -16815,7 +16781,7 @@
           <p:cNvPr id="23" name="TextBox 22">
             <a:extLst>
               <a:ext uri="{FF2B5EF4-FFF2-40B4-BE49-F238E27FC236}">
-                <a16:creationId xmlns:a16="http://schemas.microsoft.com/office/drawing/2014/main" xmlns="" id="{CF7CFCAD-2E96-4AC2-AF21-07A7E1687B27}"/>
+                <a16:creationId xmlns="" xmlns:a16="http://schemas.microsoft.com/office/drawing/2014/main" id="{CF7CFCAD-2E96-4AC2-AF21-07A7E1687B27}"/>
               </a:ext>
             </a:extLst>
           </p:cNvPr>
@@ -16850,7 +16816,7 @@
           <p:cNvPr id="24" name="Freeform 5">
             <a:extLst>
               <a:ext uri="{FF2B5EF4-FFF2-40B4-BE49-F238E27FC236}">
-                <a16:creationId xmlns:a16="http://schemas.microsoft.com/office/drawing/2014/main" xmlns="" id="{3CF8E1E4-0E00-4224-A8D1-025F9766546F}"/>
+                <a16:creationId xmlns="" xmlns:a16="http://schemas.microsoft.com/office/drawing/2014/main" id="{3CF8E1E4-0E00-4224-A8D1-025F9766546F}"/>
               </a:ext>
             </a:extLst>
           </p:cNvPr>
@@ -17493,7 +17459,7 @@
           <p:cNvPr id="25" name="TextBox 24">
             <a:extLst>
               <a:ext uri="{FF2B5EF4-FFF2-40B4-BE49-F238E27FC236}">
-                <a16:creationId xmlns:a16="http://schemas.microsoft.com/office/drawing/2014/main" xmlns="" id="{3E8CA4DA-64AC-4A33-8151-6202DF5E2C5A}"/>
+                <a16:creationId xmlns="" xmlns:a16="http://schemas.microsoft.com/office/drawing/2014/main" id="{3E8CA4DA-64AC-4A33-8151-6202DF5E2C5A}"/>
               </a:ext>
             </a:extLst>
           </p:cNvPr>
@@ -17529,7 +17495,7 @@
           <p:cNvPr id="9" name="Arrow: Right 8">
             <a:extLst>
               <a:ext uri="{FF2B5EF4-FFF2-40B4-BE49-F238E27FC236}">
-                <a16:creationId xmlns:a16="http://schemas.microsoft.com/office/drawing/2014/main" xmlns="" id="{CC363AF6-6959-45F0-9AE4-B3CC287175D6}"/>
+                <a16:creationId xmlns="" xmlns:a16="http://schemas.microsoft.com/office/drawing/2014/main" id="{CC363AF6-6959-45F0-9AE4-B3CC287175D6}"/>
               </a:ext>
             </a:extLst>
           </p:cNvPr>
@@ -17581,7 +17547,7 @@
           <p:cNvPr id="26" name="Flowchart: Magnetic Disk 25">
             <a:extLst>
               <a:ext uri="{FF2B5EF4-FFF2-40B4-BE49-F238E27FC236}">
-                <a16:creationId xmlns:a16="http://schemas.microsoft.com/office/drawing/2014/main" xmlns="" id="{28823080-8432-41C3-95F6-CD81BA123FD1}"/>
+                <a16:creationId xmlns="" xmlns:a16="http://schemas.microsoft.com/office/drawing/2014/main" id="{28823080-8432-41C3-95F6-CD81BA123FD1}"/>
               </a:ext>
             </a:extLst>
           </p:cNvPr>
@@ -17638,7 +17604,7 @@
           <p:cNvPr id="28" name="Arrow: Right 27">
             <a:extLst>
               <a:ext uri="{FF2B5EF4-FFF2-40B4-BE49-F238E27FC236}">
-                <a16:creationId xmlns:a16="http://schemas.microsoft.com/office/drawing/2014/main" xmlns="" id="{4D1D5287-B8C2-40C9-A096-065ACE22F5EB}"/>
+                <a16:creationId xmlns="" xmlns:a16="http://schemas.microsoft.com/office/drawing/2014/main" id="{4D1D5287-B8C2-40C9-A096-065ACE22F5EB}"/>
               </a:ext>
             </a:extLst>
           </p:cNvPr>
@@ -17690,7 +17656,7 @@
           <p:cNvPr id="29" name="TextBox 28">
             <a:extLst>
               <a:ext uri="{FF2B5EF4-FFF2-40B4-BE49-F238E27FC236}">
-                <a16:creationId xmlns:a16="http://schemas.microsoft.com/office/drawing/2014/main" xmlns="" id="{1E51654C-757C-4ABD-8BA6-6DF94BADD0A0}"/>
+                <a16:creationId xmlns="" xmlns:a16="http://schemas.microsoft.com/office/drawing/2014/main" id="{1E51654C-757C-4ABD-8BA6-6DF94BADD0A0}"/>
               </a:ext>
             </a:extLst>
           </p:cNvPr>
@@ -17726,7 +17692,7 @@
           <p:cNvPr id="30" name="TextBox 29">
             <a:extLst>
               <a:ext uri="{FF2B5EF4-FFF2-40B4-BE49-F238E27FC236}">
-                <a16:creationId xmlns:a16="http://schemas.microsoft.com/office/drawing/2014/main" xmlns="" id="{BA21CFEC-C217-4B23-ACCD-49890DCD63B3}"/>
+                <a16:creationId xmlns="" xmlns:a16="http://schemas.microsoft.com/office/drawing/2014/main" id="{BA21CFEC-C217-4B23-ACCD-49890DCD63B3}"/>
               </a:ext>
             </a:extLst>
           </p:cNvPr>
@@ -17761,7 +17727,7 @@
           <p:cNvPr id="31" name="Rectangle 30">
             <a:extLst>
               <a:ext uri="{FF2B5EF4-FFF2-40B4-BE49-F238E27FC236}">
-                <a16:creationId xmlns:a16="http://schemas.microsoft.com/office/drawing/2014/main" xmlns="" id="{97170DDC-CB38-4A2F-8B2E-69FD7F55BDA7}"/>
+                <a16:creationId xmlns="" xmlns:a16="http://schemas.microsoft.com/office/drawing/2014/main" id="{97170DDC-CB38-4A2F-8B2E-69FD7F55BDA7}"/>
               </a:ext>
             </a:extLst>
           </p:cNvPr>
@@ -17875,7 +17841,7 @@
           <p:cNvPr id="38" name="Freeform 7">
             <a:extLst>
               <a:ext uri="{FF2B5EF4-FFF2-40B4-BE49-F238E27FC236}">
-                <a16:creationId xmlns:a16="http://schemas.microsoft.com/office/drawing/2014/main" xmlns="" id="{9C8E0813-2E88-477D-B0C4-C9CD54B8856C}"/>
+                <a16:creationId xmlns="" xmlns:a16="http://schemas.microsoft.com/office/drawing/2014/main" id="{9C8E0813-2E88-477D-B0C4-C9CD54B8856C}"/>
               </a:ext>
             </a:extLst>
           </p:cNvPr>
@@ -18457,7 +18423,7 @@
           <p:cNvPr id="2" name="Date Placeholder 1">
             <a:extLst>
               <a:ext uri="{FF2B5EF4-FFF2-40B4-BE49-F238E27FC236}">
-                <a16:creationId xmlns:a16="http://schemas.microsoft.com/office/drawing/2014/main" xmlns="" id="{5FB56E88-E4D3-44ED-B0BE-48DBFC8C6624}"/>
+                <a16:creationId xmlns="" xmlns:a16="http://schemas.microsoft.com/office/drawing/2014/main" id="{5FB56E88-E4D3-44ED-B0BE-48DBFC8C6624}"/>
               </a:ext>
             </a:extLst>
           </p:cNvPr>
@@ -18475,7 +18441,7 @@
           <a:p>
             <a:fld id="{6700A58B-DD98-43D0-B791-721480A02982}" type="datetime1">
               <a:rPr lang="en-US" smtClean="0"/>
-              <a:t>6/19/2019</a:t>
+              <a:t>8/29/2019</a:t>
             </a:fld>
             <a:endParaRPr lang="en-US"/>
           </a:p>
@@ -18486,7 +18452,7 @@
           <p:cNvPr id="3" name="Title 2">
             <a:extLst>
               <a:ext uri="{FF2B5EF4-FFF2-40B4-BE49-F238E27FC236}">
-                <a16:creationId xmlns:a16="http://schemas.microsoft.com/office/drawing/2014/main" xmlns="" id="{FF7E47BA-5606-47DC-A056-C21C8A5D1727}"/>
+                <a16:creationId xmlns="" xmlns:a16="http://schemas.microsoft.com/office/drawing/2014/main" id="{FF7E47BA-5606-47DC-A056-C21C8A5D1727}"/>
               </a:ext>
             </a:extLst>
           </p:cNvPr>
@@ -18514,7 +18480,7 @@
           <p:cNvPr id="4" name="Footer Placeholder 3">
             <a:extLst>
               <a:ext uri="{FF2B5EF4-FFF2-40B4-BE49-F238E27FC236}">
-                <a16:creationId xmlns:a16="http://schemas.microsoft.com/office/drawing/2014/main" xmlns="" id="{27935381-85EF-47CB-AFD8-E04E538ED33C}"/>
+                <a16:creationId xmlns="" xmlns:a16="http://schemas.microsoft.com/office/drawing/2014/main" id="{27935381-85EF-47CB-AFD8-E04E538ED33C}"/>
               </a:ext>
             </a:extLst>
           </p:cNvPr>
@@ -18543,7 +18509,7 @@
           <p:cNvPr id="5" name="Slide Number Placeholder 4">
             <a:extLst>
               <a:ext uri="{FF2B5EF4-FFF2-40B4-BE49-F238E27FC236}">
-                <a16:creationId xmlns:a16="http://schemas.microsoft.com/office/drawing/2014/main" xmlns="" id="{A14BC590-39B4-448C-AE6A-0254FB78192C}"/>
+                <a16:creationId xmlns="" xmlns:a16="http://schemas.microsoft.com/office/drawing/2014/main" id="{A14BC590-39B4-448C-AE6A-0254FB78192C}"/>
               </a:ext>
             </a:extLst>
           </p:cNvPr>
@@ -18573,7 +18539,7 @@
           <p:cNvPr id="6" name="Freeform 181">
             <a:extLst>
               <a:ext uri="{FF2B5EF4-FFF2-40B4-BE49-F238E27FC236}">
-                <a16:creationId xmlns:a16="http://schemas.microsoft.com/office/drawing/2014/main" xmlns="" id="{2231FEE8-515F-443F-A000-1CF4D8643519}"/>
+                <a16:creationId xmlns="" xmlns:a16="http://schemas.microsoft.com/office/drawing/2014/main" id="{2231FEE8-515F-443F-A000-1CF4D8643519}"/>
               </a:ext>
             </a:extLst>
           </p:cNvPr>
@@ -18746,7 +18712,7 @@
           <p:cNvPr id="7" name="Freeform 182">
             <a:extLst>
               <a:ext uri="{FF2B5EF4-FFF2-40B4-BE49-F238E27FC236}">
-                <a16:creationId xmlns:a16="http://schemas.microsoft.com/office/drawing/2014/main" xmlns="" id="{37A4C6F3-4D66-478A-AEEC-F8E1C0F88D22}"/>
+                <a16:creationId xmlns="" xmlns:a16="http://schemas.microsoft.com/office/drawing/2014/main" id="{37A4C6F3-4D66-478A-AEEC-F8E1C0F88D22}"/>
               </a:ext>
             </a:extLst>
           </p:cNvPr>
@@ -18895,7 +18861,7 @@
           <p:cNvPr id="8" name="Freeform 184">
             <a:extLst>
               <a:ext uri="{FF2B5EF4-FFF2-40B4-BE49-F238E27FC236}">
-                <a16:creationId xmlns:a16="http://schemas.microsoft.com/office/drawing/2014/main" xmlns="" id="{82E50900-1B5C-4AE0-AC3B-67C5F78150BC}"/>
+                <a16:creationId xmlns="" xmlns:a16="http://schemas.microsoft.com/office/drawing/2014/main" id="{82E50900-1B5C-4AE0-AC3B-67C5F78150BC}"/>
               </a:ext>
             </a:extLst>
           </p:cNvPr>
@@ -19116,7 +19082,7 @@
           <p:cNvPr id="9" name="Freeform 185">
             <a:extLst>
               <a:ext uri="{FF2B5EF4-FFF2-40B4-BE49-F238E27FC236}">
-                <a16:creationId xmlns:a16="http://schemas.microsoft.com/office/drawing/2014/main" xmlns="" id="{838B901B-7E5D-48C4-9D1B-82CF15615029}"/>
+                <a16:creationId xmlns="" xmlns:a16="http://schemas.microsoft.com/office/drawing/2014/main" id="{838B901B-7E5D-48C4-9D1B-82CF15615029}"/>
               </a:ext>
             </a:extLst>
           </p:cNvPr>
@@ -19661,7 +19627,7 @@
           <p:cNvPr id="10" name="Freeform 186">
             <a:extLst>
               <a:ext uri="{FF2B5EF4-FFF2-40B4-BE49-F238E27FC236}">
-                <a16:creationId xmlns:a16="http://schemas.microsoft.com/office/drawing/2014/main" xmlns="" id="{408635E5-BF4E-4711-AC2C-3A5FD7430C41}"/>
+                <a16:creationId xmlns="" xmlns:a16="http://schemas.microsoft.com/office/drawing/2014/main" id="{408635E5-BF4E-4711-AC2C-3A5FD7430C41}"/>
               </a:ext>
             </a:extLst>
           </p:cNvPr>
@@ -19841,7 +19807,7 @@
           <p:cNvPr id="11" name="Freeform 187">
             <a:extLst>
               <a:ext uri="{FF2B5EF4-FFF2-40B4-BE49-F238E27FC236}">
-                <a16:creationId xmlns:a16="http://schemas.microsoft.com/office/drawing/2014/main" xmlns="" id="{34DBA75F-FA45-4BC3-BDC2-985CD2509AF9}"/>
+                <a16:creationId xmlns="" xmlns:a16="http://schemas.microsoft.com/office/drawing/2014/main" id="{34DBA75F-FA45-4BC3-BDC2-985CD2509AF9}"/>
               </a:ext>
             </a:extLst>
           </p:cNvPr>
@@ -20129,7 +20095,7 @@
           <p:cNvPr id="12" name="Group 11">
             <a:extLst>
               <a:ext uri="{FF2B5EF4-FFF2-40B4-BE49-F238E27FC236}">
-                <a16:creationId xmlns:a16="http://schemas.microsoft.com/office/drawing/2014/main" xmlns="" id="{72AADD22-DEF9-4E6F-B213-4FFA78B52EAA}"/>
+                <a16:creationId xmlns="" xmlns:a16="http://schemas.microsoft.com/office/drawing/2014/main" id="{72AADD22-DEF9-4E6F-B213-4FFA78B52EAA}"/>
               </a:ext>
             </a:extLst>
           </p:cNvPr>
@@ -20154,7 +20120,7 @@
             <p:cNvPr id="13" name="Freeform 188">
               <a:extLst>
                 <a:ext uri="{FF2B5EF4-FFF2-40B4-BE49-F238E27FC236}">
-                  <a16:creationId xmlns:a16="http://schemas.microsoft.com/office/drawing/2014/main" xmlns="" id="{63DFA5AF-71A7-4094-8E60-4B7E249E6DD7}"/>
+                  <a16:creationId xmlns="" xmlns:a16="http://schemas.microsoft.com/office/drawing/2014/main" id="{63DFA5AF-71A7-4094-8E60-4B7E249E6DD7}"/>
                 </a:ext>
               </a:extLst>
             </p:cNvPr>
@@ -20311,7 +20277,7 @@
             <p:cNvPr id="14" name="Freeform 189">
               <a:extLst>
                 <a:ext uri="{FF2B5EF4-FFF2-40B4-BE49-F238E27FC236}">
-                  <a16:creationId xmlns:a16="http://schemas.microsoft.com/office/drawing/2014/main" xmlns="" id="{5F244291-BAF4-4D0D-BE36-848A4260483E}"/>
+                  <a16:creationId xmlns="" xmlns:a16="http://schemas.microsoft.com/office/drawing/2014/main" id="{5F244291-BAF4-4D0D-BE36-848A4260483E}"/>
                 </a:ext>
               </a:extLst>
             </p:cNvPr>
@@ -20530,7 +20496,7 @@
           <p:cNvPr id="15" name="Freeform 190">
             <a:extLst>
               <a:ext uri="{FF2B5EF4-FFF2-40B4-BE49-F238E27FC236}">
-                <a16:creationId xmlns:a16="http://schemas.microsoft.com/office/drawing/2014/main" xmlns="" id="{3F9B4A63-C252-48CA-9AC4-9A4364FE05B9}"/>
+                <a16:creationId xmlns="" xmlns:a16="http://schemas.microsoft.com/office/drawing/2014/main" id="{3F9B4A63-C252-48CA-9AC4-9A4364FE05B9}"/>
               </a:ext>
             </a:extLst>
           </p:cNvPr>
@@ -21022,7 +20988,7 @@
           <p:cNvPr id="16" name="Freeform 191">
             <a:extLst>
               <a:ext uri="{FF2B5EF4-FFF2-40B4-BE49-F238E27FC236}">
-                <a16:creationId xmlns:a16="http://schemas.microsoft.com/office/drawing/2014/main" xmlns="" id="{EE8C6ABB-000B-4384-B166-65FA7FA934E1}"/>
+                <a16:creationId xmlns="" xmlns:a16="http://schemas.microsoft.com/office/drawing/2014/main" id="{EE8C6ABB-000B-4384-B166-65FA7FA934E1}"/>
               </a:ext>
             </a:extLst>
           </p:cNvPr>
@@ -21654,7 +21620,7 @@
           <p:cNvPr id="17" name="Freeform 192">
             <a:extLst>
               <a:ext uri="{FF2B5EF4-FFF2-40B4-BE49-F238E27FC236}">
-                <a16:creationId xmlns:a16="http://schemas.microsoft.com/office/drawing/2014/main" xmlns="" id="{053D0ED3-57E7-4084-8CF1-43D0A9B59FC8}"/>
+                <a16:creationId xmlns="" xmlns:a16="http://schemas.microsoft.com/office/drawing/2014/main" id="{053D0ED3-57E7-4084-8CF1-43D0A9B59FC8}"/>
               </a:ext>
             </a:extLst>
           </p:cNvPr>
@@ -21999,7 +21965,7 @@
           <p:cNvPr id="18" name="Freeform 193">
             <a:extLst>
               <a:ext uri="{FF2B5EF4-FFF2-40B4-BE49-F238E27FC236}">
-                <a16:creationId xmlns:a16="http://schemas.microsoft.com/office/drawing/2014/main" xmlns="" id="{3AAAEBD3-6D39-4C2C-94AC-8A120E5AE8EF}"/>
+                <a16:creationId xmlns="" xmlns:a16="http://schemas.microsoft.com/office/drawing/2014/main" id="{3AAAEBD3-6D39-4C2C-94AC-8A120E5AE8EF}"/>
               </a:ext>
             </a:extLst>
           </p:cNvPr>
@@ -22193,7 +22159,7 @@
           <p:cNvPr id="19" name="Freeform 194">
             <a:extLst>
               <a:ext uri="{FF2B5EF4-FFF2-40B4-BE49-F238E27FC236}">
-                <a16:creationId xmlns:a16="http://schemas.microsoft.com/office/drawing/2014/main" xmlns="" id="{67CDD8B7-745E-4389-A7E4-C03F0BC67E67}"/>
+                <a16:creationId xmlns="" xmlns:a16="http://schemas.microsoft.com/office/drawing/2014/main" id="{67CDD8B7-745E-4389-A7E4-C03F0BC67E67}"/>
               </a:ext>
             </a:extLst>
           </p:cNvPr>
@@ -22660,7 +22626,7 @@
           <p:cNvPr id="20" name="Freeform 195">
             <a:extLst>
               <a:ext uri="{FF2B5EF4-FFF2-40B4-BE49-F238E27FC236}">
-                <a16:creationId xmlns:a16="http://schemas.microsoft.com/office/drawing/2014/main" xmlns="" id="{DEADBD28-04BF-4C9A-9317-149412569CD6}"/>
+                <a16:creationId xmlns="" xmlns:a16="http://schemas.microsoft.com/office/drawing/2014/main" id="{DEADBD28-04BF-4C9A-9317-149412569CD6}"/>
               </a:ext>
             </a:extLst>
           </p:cNvPr>
@@ -22962,7 +22928,7 @@
           <p:cNvPr id="21" name="Freeform 196">
             <a:extLst>
               <a:ext uri="{FF2B5EF4-FFF2-40B4-BE49-F238E27FC236}">
-                <a16:creationId xmlns:a16="http://schemas.microsoft.com/office/drawing/2014/main" xmlns="" id="{829EB93D-E6D4-45B1-84E3-578432F7B570}"/>
+                <a16:creationId xmlns="" xmlns:a16="http://schemas.microsoft.com/office/drawing/2014/main" id="{829EB93D-E6D4-45B1-84E3-578432F7B570}"/>
               </a:ext>
             </a:extLst>
           </p:cNvPr>
@@ -23383,7 +23349,7 @@
           <p:cNvPr id="22" name="Freeform 197">
             <a:extLst>
               <a:ext uri="{FF2B5EF4-FFF2-40B4-BE49-F238E27FC236}">
-                <a16:creationId xmlns:a16="http://schemas.microsoft.com/office/drawing/2014/main" xmlns="" id="{E95A8F1D-21ED-42C9-A25B-50A379DE94CA}"/>
+                <a16:creationId xmlns="" xmlns:a16="http://schemas.microsoft.com/office/drawing/2014/main" id="{E95A8F1D-21ED-42C9-A25B-50A379DE94CA}"/>
               </a:ext>
             </a:extLst>
           </p:cNvPr>
@@ -23978,7 +23944,7 @@
           <p:cNvPr id="23" name="Freeform 198">
             <a:extLst>
               <a:ext uri="{FF2B5EF4-FFF2-40B4-BE49-F238E27FC236}">
-                <a16:creationId xmlns:a16="http://schemas.microsoft.com/office/drawing/2014/main" xmlns="" id="{86F60C3E-6AE7-42DC-9135-13AADAA77CFF}"/>
+                <a16:creationId xmlns="" xmlns:a16="http://schemas.microsoft.com/office/drawing/2014/main" id="{86F60C3E-6AE7-42DC-9135-13AADAA77CFF}"/>
               </a:ext>
             </a:extLst>
           </p:cNvPr>
@@ -24365,7 +24331,7 @@
           <p:cNvPr id="24" name="Freeform 199">
             <a:extLst>
               <a:ext uri="{FF2B5EF4-FFF2-40B4-BE49-F238E27FC236}">
-                <a16:creationId xmlns:a16="http://schemas.microsoft.com/office/drawing/2014/main" xmlns="" id="{CF1800AE-C35E-4E1C-B13C-A1EEB871425A}"/>
+                <a16:creationId xmlns="" xmlns:a16="http://schemas.microsoft.com/office/drawing/2014/main" id="{CF1800AE-C35E-4E1C-B13C-A1EEB871425A}"/>
               </a:ext>
             </a:extLst>
           </p:cNvPr>
@@ -24761,7 +24727,7 @@
           <p:cNvPr id="25" name="Freeform 83">
             <a:extLst>
               <a:ext uri="{FF2B5EF4-FFF2-40B4-BE49-F238E27FC236}">
-                <a16:creationId xmlns:a16="http://schemas.microsoft.com/office/drawing/2014/main" xmlns="" id="{7D04151F-336E-4CAA-AE5A-BE628B09AE1A}"/>
+                <a16:creationId xmlns="" xmlns:a16="http://schemas.microsoft.com/office/drawing/2014/main" id="{7D04151F-336E-4CAA-AE5A-BE628B09AE1A}"/>
               </a:ext>
             </a:extLst>
           </p:cNvPr>
@@ -24993,7 +24959,7 @@
           <p:cNvPr id="26" name="Freeform 171">
             <a:extLst>
               <a:ext uri="{FF2B5EF4-FFF2-40B4-BE49-F238E27FC236}">
-                <a16:creationId xmlns:a16="http://schemas.microsoft.com/office/drawing/2014/main" xmlns="" id="{7E56E5D5-8995-4691-8066-7986FBBBFB46}"/>
+                <a16:creationId xmlns="" xmlns:a16="http://schemas.microsoft.com/office/drawing/2014/main" id="{7E56E5D5-8995-4691-8066-7986FBBBFB46}"/>
               </a:ext>
             </a:extLst>
           </p:cNvPr>
@@ -25338,7 +25304,7 @@
           <p:cNvPr id="27" name="Freeform 172">
             <a:extLst>
               <a:ext uri="{FF2B5EF4-FFF2-40B4-BE49-F238E27FC236}">
-                <a16:creationId xmlns:a16="http://schemas.microsoft.com/office/drawing/2014/main" xmlns="" id="{71191A1B-1C2B-4968-969D-B4251D10162A}"/>
+                <a16:creationId xmlns="" xmlns:a16="http://schemas.microsoft.com/office/drawing/2014/main" id="{71191A1B-1C2B-4968-969D-B4251D10162A}"/>
               </a:ext>
             </a:extLst>
           </p:cNvPr>
@@ -25656,7 +25622,7 @@
           <p:cNvPr id="28" name="Freeform 173">
             <a:extLst>
               <a:ext uri="{FF2B5EF4-FFF2-40B4-BE49-F238E27FC236}">
-                <a16:creationId xmlns:a16="http://schemas.microsoft.com/office/drawing/2014/main" xmlns="" id="{6AB34B48-861F-4B4D-9F08-E3C81FF894A9}"/>
+                <a16:creationId xmlns="" xmlns:a16="http://schemas.microsoft.com/office/drawing/2014/main" id="{6AB34B48-861F-4B4D-9F08-E3C81FF894A9}"/>
               </a:ext>
             </a:extLst>
           </p:cNvPr>
@@ -25856,7 +25822,7 @@
           <p:cNvPr id="29" name="Freeform 174">
             <a:extLst>
               <a:ext uri="{FF2B5EF4-FFF2-40B4-BE49-F238E27FC236}">
-                <a16:creationId xmlns:a16="http://schemas.microsoft.com/office/drawing/2014/main" xmlns="" id="{EDBF8775-110C-4757-B4C5-346D98E1C6BA}"/>
+                <a16:creationId xmlns="" xmlns:a16="http://schemas.microsoft.com/office/drawing/2014/main" id="{EDBF8775-110C-4757-B4C5-346D98E1C6BA}"/>
               </a:ext>
             </a:extLst>
           </p:cNvPr>
@@ -26232,7 +26198,7 @@
           <p:cNvPr id="30" name="Freeform 175">
             <a:extLst>
               <a:ext uri="{FF2B5EF4-FFF2-40B4-BE49-F238E27FC236}">
-                <a16:creationId xmlns:a16="http://schemas.microsoft.com/office/drawing/2014/main" xmlns="" id="{16895527-A354-43DC-B294-61BC13B11774}"/>
+                <a16:creationId xmlns="" xmlns:a16="http://schemas.microsoft.com/office/drawing/2014/main" id="{16895527-A354-43DC-B294-61BC13B11774}"/>
               </a:ext>
             </a:extLst>
           </p:cNvPr>
@@ -26722,7 +26688,7 @@
           <p:cNvPr id="31" name="Freeform 176">
             <a:extLst>
               <a:ext uri="{FF2B5EF4-FFF2-40B4-BE49-F238E27FC236}">
-                <a16:creationId xmlns:a16="http://schemas.microsoft.com/office/drawing/2014/main" xmlns="" id="{DB77B68C-035E-4499-BD3B-9588968F70FB}"/>
+                <a16:creationId xmlns="" xmlns:a16="http://schemas.microsoft.com/office/drawing/2014/main" id="{DB77B68C-035E-4499-BD3B-9588968F70FB}"/>
               </a:ext>
             </a:extLst>
           </p:cNvPr>
@@ -27090,7 +27056,7 @@
           <p:cNvPr id="32" name="Group 31">
             <a:extLst>
               <a:ext uri="{FF2B5EF4-FFF2-40B4-BE49-F238E27FC236}">
-                <a16:creationId xmlns:a16="http://schemas.microsoft.com/office/drawing/2014/main" xmlns="" id="{C7D2DB93-8644-4294-B58F-FFE92A564A42}"/>
+                <a16:creationId xmlns="" xmlns:a16="http://schemas.microsoft.com/office/drawing/2014/main" id="{C7D2DB93-8644-4294-B58F-FFE92A564A42}"/>
               </a:ext>
             </a:extLst>
           </p:cNvPr>
@@ -27115,7 +27081,7 @@
             <p:cNvPr id="33" name="Freeform 177">
               <a:extLst>
                 <a:ext uri="{FF2B5EF4-FFF2-40B4-BE49-F238E27FC236}">
-                  <a16:creationId xmlns:a16="http://schemas.microsoft.com/office/drawing/2014/main" xmlns="" id="{3CDEA777-9BB1-43F6-B8E6-C13CB2B16C8D}"/>
+                  <a16:creationId xmlns="" xmlns:a16="http://schemas.microsoft.com/office/drawing/2014/main" id="{3CDEA777-9BB1-43F6-B8E6-C13CB2B16C8D}"/>
                 </a:ext>
               </a:extLst>
             </p:cNvPr>
@@ -27464,7 +27430,7 @@
             <p:cNvPr id="34" name="Freeform 178">
               <a:extLst>
                 <a:ext uri="{FF2B5EF4-FFF2-40B4-BE49-F238E27FC236}">
-                  <a16:creationId xmlns:a16="http://schemas.microsoft.com/office/drawing/2014/main" xmlns="" id="{5E0E3FB3-CC9B-4542-8F4E-3BD0F475B90D}"/>
+                  <a16:creationId xmlns="" xmlns:a16="http://schemas.microsoft.com/office/drawing/2014/main" id="{5E0E3FB3-CC9B-4542-8F4E-3BD0F475B90D}"/>
                 </a:ext>
               </a:extLst>
             </p:cNvPr>
@@ -27575,7 +27541,7 @@
           <p:cNvPr id="35" name="Freeform 179">
             <a:extLst>
               <a:ext uri="{FF2B5EF4-FFF2-40B4-BE49-F238E27FC236}">
-                <a16:creationId xmlns:a16="http://schemas.microsoft.com/office/drawing/2014/main" xmlns="" id="{4446E083-184A-43D3-B878-FE19F4BF8918}"/>
+                <a16:creationId xmlns="" xmlns:a16="http://schemas.microsoft.com/office/drawing/2014/main" id="{4446E083-184A-43D3-B878-FE19F4BF8918}"/>
               </a:ext>
             </a:extLst>
           </p:cNvPr>
@@ -27900,7 +27866,7 @@
           <p:cNvPr id="36" name="Freeform 180">
             <a:extLst>
               <a:ext uri="{FF2B5EF4-FFF2-40B4-BE49-F238E27FC236}">
-                <a16:creationId xmlns:a16="http://schemas.microsoft.com/office/drawing/2014/main" xmlns="" id="{5E717D27-3BA5-4578-82BE-C72A07D92D9B}"/>
+                <a16:creationId xmlns="" xmlns:a16="http://schemas.microsoft.com/office/drawing/2014/main" id="{5E717D27-3BA5-4578-82BE-C72A07D92D9B}"/>
               </a:ext>
             </a:extLst>
           </p:cNvPr>
@@ -28305,7 +28271,7 @@
           <p:cNvPr id="37" name="Freeform 183">
             <a:extLst>
               <a:ext uri="{FF2B5EF4-FFF2-40B4-BE49-F238E27FC236}">
-                <a16:creationId xmlns:a16="http://schemas.microsoft.com/office/drawing/2014/main" xmlns="" id="{29AA7E78-9629-4C0C-B3AB-6978895BEB85}"/>
+                <a16:creationId xmlns="" xmlns:a16="http://schemas.microsoft.com/office/drawing/2014/main" id="{29AA7E78-9629-4C0C-B3AB-6978895BEB85}"/>
               </a:ext>
             </a:extLst>
           </p:cNvPr>
@@ -28605,7 +28571,7 @@
           <p:cNvPr id="2" name="Date Placeholder 1">
             <a:extLst>
               <a:ext uri="{FF2B5EF4-FFF2-40B4-BE49-F238E27FC236}">
-                <a16:creationId xmlns:a16="http://schemas.microsoft.com/office/drawing/2014/main" xmlns="" id="{A91FB931-F997-46A7-93DE-9A3EE17467E3}"/>
+                <a16:creationId xmlns="" xmlns:a16="http://schemas.microsoft.com/office/drawing/2014/main" id="{A91FB931-F997-46A7-93DE-9A3EE17467E3}"/>
               </a:ext>
             </a:extLst>
           </p:cNvPr>
@@ -28623,7 +28589,7 @@
           <a:p>
             <a:fld id="{6700A58B-DD98-43D0-B791-721480A02982}" type="datetime1">
               <a:rPr lang="en-US" smtClean="0"/>
-              <a:t>6/19/2019</a:t>
+              <a:t>8/29/2019</a:t>
             </a:fld>
             <a:endParaRPr lang="en-US"/>
           </a:p>
@@ -28634,7 +28600,7 @@
           <p:cNvPr id="3" name="Title 2">
             <a:extLst>
               <a:ext uri="{FF2B5EF4-FFF2-40B4-BE49-F238E27FC236}">
-                <a16:creationId xmlns:a16="http://schemas.microsoft.com/office/drawing/2014/main" xmlns="" id="{CB9ADBA8-E110-4FE6-8A76-79A4A67FD1B9}"/>
+                <a16:creationId xmlns="" xmlns:a16="http://schemas.microsoft.com/office/drawing/2014/main" id="{CB9ADBA8-E110-4FE6-8A76-79A4A67FD1B9}"/>
               </a:ext>
             </a:extLst>
           </p:cNvPr>
@@ -28662,7 +28628,7 @@
           <p:cNvPr id="4" name="Footer Placeholder 3">
             <a:extLst>
               <a:ext uri="{FF2B5EF4-FFF2-40B4-BE49-F238E27FC236}">
-                <a16:creationId xmlns:a16="http://schemas.microsoft.com/office/drawing/2014/main" xmlns="" id="{50FF3FD3-ADE3-47F9-AA41-38FF76CFF456}"/>
+                <a16:creationId xmlns="" xmlns:a16="http://schemas.microsoft.com/office/drawing/2014/main" id="{50FF3FD3-ADE3-47F9-AA41-38FF76CFF456}"/>
               </a:ext>
             </a:extLst>
           </p:cNvPr>
@@ -28691,7 +28657,7 @@
           <p:cNvPr id="5" name="Slide Number Placeholder 4">
             <a:extLst>
               <a:ext uri="{FF2B5EF4-FFF2-40B4-BE49-F238E27FC236}">
-                <a16:creationId xmlns:a16="http://schemas.microsoft.com/office/drawing/2014/main" xmlns="" id="{24C91A25-B311-4041-859E-BEF818329BFF}"/>
+                <a16:creationId xmlns="" xmlns:a16="http://schemas.microsoft.com/office/drawing/2014/main" id="{24C91A25-B311-4041-859E-BEF818329BFF}"/>
               </a:ext>
             </a:extLst>
           </p:cNvPr>
@@ -28721,7 +28687,7 @@
           <p:cNvPr id="6" name="Picture 5">
             <a:extLst>
               <a:ext uri="{FF2B5EF4-FFF2-40B4-BE49-F238E27FC236}">
-                <a16:creationId xmlns:a16="http://schemas.microsoft.com/office/drawing/2014/main" xmlns="" id="{4A12B022-21E3-42A7-92E9-EDC2AD50781B}"/>
+                <a16:creationId xmlns="" xmlns:a16="http://schemas.microsoft.com/office/drawing/2014/main" id="{4A12B022-21E3-42A7-92E9-EDC2AD50781B}"/>
               </a:ext>
             </a:extLst>
           </p:cNvPr>
@@ -28751,7 +28717,7 @@
           <p:cNvPr id="7" name="Picture 6">
             <a:extLst>
               <a:ext uri="{FF2B5EF4-FFF2-40B4-BE49-F238E27FC236}">
-                <a16:creationId xmlns:a16="http://schemas.microsoft.com/office/drawing/2014/main" xmlns="" id="{164CED04-C4EE-4670-917C-509E2A73366B}"/>
+                <a16:creationId xmlns="" xmlns:a16="http://schemas.microsoft.com/office/drawing/2014/main" id="{164CED04-C4EE-4670-917C-509E2A73366B}"/>
               </a:ext>
             </a:extLst>
           </p:cNvPr>
@@ -28781,7 +28747,7 @@
           <p:cNvPr id="8" name="Rectangle 7">
             <a:extLst>
               <a:ext uri="{FF2B5EF4-FFF2-40B4-BE49-F238E27FC236}">
-                <a16:creationId xmlns:a16="http://schemas.microsoft.com/office/drawing/2014/main" xmlns="" id="{267279BA-F8E3-425D-8675-F75C7973865A}"/>
+                <a16:creationId xmlns="" xmlns:a16="http://schemas.microsoft.com/office/drawing/2014/main" id="{267279BA-F8E3-425D-8675-F75C7973865A}"/>
               </a:ext>
             </a:extLst>
           </p:cNvPr>
@@ -28865,7 +28831,7 @@
           <p:cNvPr id="9" name="Freeform 183">
             <a:extLst>
               <a:ext uri="{FF2B5EF4-FFF2-40B4-BE49-F238E27FC236}">
-                <a16:creationId xmlns:a16="http://schemas.microsoft.com/office/drawing/2014/main" xmlns="" id="{1AA04D65-B8D2-4923-B60C-5DF9E6C56841}"/>
+                <a16:creationId xmlns="" xmlns:a16="http://schemas.microsoft.com/office/drawing/2014/main" id="{1AA04D65-B8D2-4923-B60C-5DF9E6C56841}"/>
               </a:ext>
             </a:extLst>
           </p:cNvPr>
@@ -29165,7 +29131,7 @@
           <p:cNvPr id="2" name="Date Placeholder 1">
             <a:extLst>
               <a:ext uri="{FF2B5EF4-FFF2-40B4-BE49-F238E27FC236}">
-                <a16:creationId xmlns:a16="http://schemas.microsoft.com/office/drawing/2014/main" xmlns="" id="{5760E709-04B5-4B6E-AEBF-5F946CF99CD9}"/>
+                <a16:creationId xmlns="" xmlns:a16="http://schemas.microsoft.com/office/drawing/2014/main" id="{5760E709-04B5-4B6E-AEBF-5F946CF99CD9}"/>
               </a:ext>
             </a:extLst>
           </p:cNvPr>
@@ -29183,7 +29149,7 @@
           <a:p>
             <a:fld id="{6700A58B-DD98-43D0-B791-721480A02982}" type="datetime1">
               <a:rPr lang="en-US" smtClean="0"/>
-              <a:t>6/19/2019</a:t>
+              <a:t>8/29/2019</a:t>
             </a:fld>
             <a:endParaRPr lang="en-US"/>
           </a:p>
@@ -29194,7 +29160,7 @@
           <p:cNvPr id="3" name="Title 2">
             <a:extLst>
               <a:ext uri="{FF2B5EF4-FFF2-40B4-BE49-F238E27FC236}">
-                <a16:creationId xmlns:a16="http://schemas.microsoft.com/office/drawing/2014/main" xmlns="" id="{5E3A13F0-F177-4DC1-82CE-70C14FA19C26}"/>
+                <a16:creationId xmlns="" xmlns:a16="http://schemas.microsoft.com/office/drawing/2014/main" id="{5E3A13F0-F177-4DC1-82CE-70C14FA19C26}"/>
               </a:ext>
             </a:extLst>
           </p:cNvPr>
@@ -29222,7 +29188,7 @@
           <p:cNvPr id="4" name="Footer Placeholder 3">
             <a:extLst>
               <a:ext uri="{FF2B5EF4-FFF2-40B4-BE49-F238E27FC236}">
-                <a16:creationId xmlns:a16="http://schemas.microsoft.com/office/drawing/2014/main" xmlns="" id="{B5894009-A226-40D3-9F1B-30557AFAAD30}"/>
+                <a16:creationId xmlns="" xmlns:a16="http://schemas.microsoft.com/office/drawing/2014/main" id="{B5894009-A226-40D3-9F1B-30557AFAAD30}"/>
               </a:ext>
             </a:extLst>
           </p:cNvPr>
@@ -29251,7 +29217,7 @@
           <p:cNvPr id="5" name="Slide Number Placeholder 4">
             <a:extLst>
               <a:ext uri="{FF2B5EF4-FFF2-40B4-BE49-F238E27FC236}">
-                <a16:creationId xmlns:a16="http://schemas.microsoft.com/office/drawing/2014/main" xmlns="" id="{687B5AED-77A3-48F9-845B-CAD51BC2DA08}"/>
+                <a16:creationId xmlns="" xmlns:a16="http://schemas.microsoft.com/office/drawing/2014/main" id="{687B5AED-77A3-48F9-845B-CAD51BC2DA08}"/>
               </a:ext>
             </a:extLst>
           </p:cNvPr>
@@ -29281,7 +29247,7 @@
           <p:cNvPr id="6" name="TextBox 5">
             <a:extLst>
               <a:ext uri="{FF2B5EF4-FFF2-40B4-BE49-F238E27FC236}">
-                <a16:creationId xmlns:a16="http://schemas.microsoft.com/office/drawing/2014/main" xmlns="" id="{ADBB203A-3342-4BB0-B915-AD10CFD27B57}"/>
+                <a16:creationId xmlns="" xmlns:a16="http://schemas.microsoft.com/office/drawing/2014/main" id="{ADBB203A-3342-4BB0-B915-AD10CFD27B57}"/>
               </a:ext>
             </a:extLst>
           </p:cNvPr>
@@ -29376,7 +29342,7 @@
           <p:cNvPr id="7" name="Rectangle 6">
             <a:extLst>
               <a:ext uri="{FF2B5EF4-FFF2-40B4-BE49-F238E27FC236}">
-                <a16:creationId xmlns:a16="http://schemas.microsoft.com/office/drawing/2014/main" xmlns="" id="{434FEFBB-0471-4C3A-B8AA-674A9D6D37A3}"/>
+                <a16:creationId xmlns="" xmlns:a16="http://schemas.microsoft.com/office/drawing/2014/main" id="{434FEFBB-0471-4C3A-B8AA-674A9D6D37A3}"/>
               </a:ext>
             </a:extLst>
           </p:cNvPr>
@@ -29516,7 +29482,7 @@
           <p:cNvPr id="2" name="Date Placeholder 1">
             <a:extLst>
               <a:ext uri="{FF2B5EF4-FFF2-40B4-BE49-F238E27FC236}">
-                <a16:creationId xmlns:a16="http://schemas.microsoft.com/office/drawing/2014/main" xmlns="" id="{1A1AFFF3-89B0-4769-AEDD-2363802213A3}"/>
+                <a16:creationId xmlns="" xmlns:a16="http://schemas.microsoft.com/office/drawing/2014/main" id="{1A1AFFF3-89B0-4769-AEDD-2363802213A3}"/>
               </a:ext>
             </a:extLst>
           </p:cNvPr>
@@ -29534,7 +29500,7 @@
           <a:p>
             <a:fld id="{6700A58B-DD98-43D0-B791-721480A02982}" type="datetime1">
               <a:rPr lang="en-US" smtClean="0"/>
-              <a:t>6/19/2019</a:t>
+              <a:t>8/29/2019</a:t>
             </a:fld>
             <a:endParaRPr lang="en-US"/>
           </a:p>
@@ -29545,7 +29511,7 @@
           <p:cNvPr id="3" name="Title 2">
             <a:extLst>
               <a:ext uri="{FF2B5EF4-FFF2-40B4-BE49-F238E27FC236}">
-                <a16:creationId xmlns:a16="http://schemas.microsoft.com/office/drawing/2014/main" xmlns="" id="{11B8BB4E-D859-4F83-A200-38256CB97197}"/>
+                <a16:creationId xmlns="" xmlns:a16="http://schemas.microsoft.com/office/drawing/2014/main" id="{11B8BB4E-D859-4F83-A200-38256CB97197}"/>
               </a:ext>
             </a:extLst>
           </p:cNvPr>
@@ -29573,7 +29539,7 @@
           <p:cNvPr id="4" name="Footer Placeholder 3">
             <a:extLst>
               <a:ext uri="{FF2B5EF4-FFF2-40B4-BE49-F238E27FC236}">
-                <a16:creationId xmlns:a16="http://schemas.microsoft.com/office/drawing/2014/main" xmlns="" id="{BB795DCA-1B54-498D-B310-4CEF8F52823E}"/>
+                <a16:creationId xmlns="" xmlns:a16="http://schemas.microsoft.com/office/drawing/2014/main" id="{BB795DCA-1B54-498D-B310-4CEF8F52823E}"/>
               </a:ext>
             </a:extLst>
           </p:cNvPr>
@@ -29602,7 +29568,7 @@
           <p:cNvPr id="5" name="Slide Number Placeholder 4">
             <a:extLst>
               <a:ext uri="{FF2B5EF4-FFF2-40B4-BE49-F238E27FC236}">
-                <a16:creationId xmlns:a16="http://schemas.microsoft.com/office/drawing/2014/main" xmlns="" id="{03625913-91B2-404C-9E72-F4A2B48A2285}"/>
+                <a16:creationId xmlns="" xmlns:a16="http://schemas.microsoft.com/office/drawing/2014/main" id="{03625913-91B2-404C-9E72-F4A2B48A2285}"/>
               </a:ext>
             </a:extLst>
           </p:cNvPr>
@@ -29632,7 +29598,7 @@
           <p:cNvPr id="6" name="TextBox 5">
             <a:extLst>
               <a:ext uri="{FF2B5EF4-FFF2-40B4-BE49-F238E27FC236}">
-                <a16:creationId xmlns:a16="http://schemas.microsoft.com/office/drawing/2014/main" xmlns="" id="{513EF94E-0454-43B6-B5BC-D17A1FA86ED8}"/>
+                <a16:creationId xmlns="" xmlns:a16="http://schemas.microsoft.com/office/drawing/2014/main" id="{513EF94E-0454-43B6-B5BC-D17A1FA86ED8}"/>
               </a:ext>
             </a:extLst>
           </p:cNvPr>
@@ -29695,7 +29661,7 @@
           <p:cNvPr id="7" name="TextBox 6">
             <a:extLst>
               <a:ext uri="{FF2B5EF4-FFF2-40B4-BE49-F238E27FC236}">
-                <a16:creationId xmlns:a16="http://schemas.microsoft.com/office/drawing/2014/main" xmlns="" id="{B0BB00E4-CA90-43C0-9FA4-DB3021015AF6}"/>
+                <a16:creationId xmlns="" xmlns:a16="http://schemas.microsoft.com/office/drawing/2014/main" id="{B0BB00E4-CA90-43C0-9FA4-DB3021015AF6}"/>
               </a:ext>
             </a:extLst>
           </p:cNvPr>
@@ -29782,28 +29748,28 @@
                 <a:gridCol w="1214439">
                   <a:extLst>
                     <a:ext uri="{9D8B030D-6E8A-4147-A177-3AD203B41FA5}">
-                      <a16:colId xmlns:a16="http://schemas.microsoft.com/office/drawing/2014/main" xmlns="" val="20000"/>
+                      <a16:colId xmlns="" xmlns:a16="http://schemas.microsoft.com/office/drawing/2014/main" val="20000"/>
                     </a:ext>
                   </a:extLst>
                 </a:gridCol>
                 <a:gridCol w="1243013">
                   <a:extLst>
                     <a:ext uri="{9D8B030D-6E8A-4147-A177-3AD203B41FA5}">
-                      <a16:colId xmlns:a16="http://schemas.microsoft.com/office/drawing/2014/main" xmlns="" val="20001"/>
+                      <a16:colId xmlns="" xmlns:a16="http://schemas.microsoft.com/office/drawing/2014/main" val="20001"/>
                     </a:ext>
                   </a:extLst>
                 </a:gridCol>
                 <a:gridCol w="2714625">
                   <a:extLst>
                     <a:ext uri="{9D8B030D-6E8A-4147-A177-3AD203B41FA5}">
-                      <a16:colId xmlns:a16="http://schemas.microsoft.com/office/drawing/2014/main" xmlns="" val="20002"/>
+                      <a16:colId xmlns="" xmlns:a16="http://schemas.microsoft.com/office/drawing/2014/main" val="20002"/>
                     </a:ext>
                   </a:extLst>
                 </a:gridCol>
                 <a:gridCol w="3314701">
                   <a:extLst>
                     <a:ext uri="{9D8B030D-6E8A-4147-A177-3AD203B41FA5}">
-                      <a16:colId xmlns:a16="http://schemas.microsoft.com/office/drawing/2014/main" xmlns="" val="20003"/>
+                      <a16:colId xmlns="" xmlns:a16="http://schemas.microsoft.com/office/drawing/2014/main" val="20003"/>
                     </a:ext>
                   </a:extLst>
                 </a:gridCol>
@@ -29863,7 +29829,7 @@
                 </a:tc>
                 <a:extLst>
                   <a:ext uri="{0D108BD9-81ED-4DB2-BD59-A6C34878D82A}">
-                    <a16:rowId xmlns:a16="http://schemas.microsoft.com/office/drawing/2014/main" xmlns="" val="10000"/>
+                    <a16:rowId xmlns="" xmlns:a16="http://schemas.microsoft.com/office/drawing/2014/main" val="10000"/>
                   </a:ext>
                 </a:extLst>
               </a:tr>
@@ -29940,7 +29906,7 @@
                 </a:tc>
                 <a:extLst>
                   <a:ext uri="{0D108BD9-81ED-4DB2-BD59-A6C34878D82A}">
-                    <a16:rowId xmlns:a16="http://schemas.microsoft.com/office/drawing/2014/main" xmlns="" val="10001"/>
+                    <a16:rowId xmlns="" xmlns:a16="http://schemas.microsoft.com/office/drawing/2014/main" val="10001"/>
                   </a:ext>
                 </a:extLst>
               </a:tr>
@@ -29966,7 +29932,7 @@
             <a:fld id="{6700A58B-DD98-43D0-B791-721480A02982}" type="datetime1">
               <a:rPr lang="en-US" smtClean="0"/>
               <a:pPr/>
-              <a:t>6/19/2019</a:t>
+              <a:t>8/29/2019</a:t>
             </a:fld>
             <a:endParaRPr lang="en-US"/>
           </a:p>
@@ -30024,7 +29990,7 @@
           <p:cNvPr id="1026" name="Picture 2" descr="Image result for immanuel kant meme">
             <a:extLst>
               <a:ext uri="{FF2B5EF4-FFF2-40B4-BE49-F238E27FC236}">
-                <a16:creationId xmlns:a16="http://schemas.microsoft.com/office/drawing/2014/main" xmlns="" id="{BE394D6C-2838-4D91-9E93-4BE2E356967C}"/>
+                <a16:creationId xmlns="" xmlns:a16="http://schemas.microsoft.com/office/drawing/2014/main" id="{BE394D6C-2838-4D91-9E93-4BE2E356967C}"/>
               </a:ext>
             </a:extLst>
           </p:cNvPr>
@@ -30071,7 +30037,7 @@
           <p:cNvPr id="15" name="Footer Placeholder 5">
             <a:extLst>
               <a:ext uri="{FF2B5EF4-FFF2-40B4-BE49-F238E27FC236}">
-                <a16:creationId xmlns:a16="http://schemas.microsoft.com/office/drawing/2014/main" xmlns="" id="{915FD13C-8B11-48B9-AB7B-E0B6B6FC0E0D}"/>
+                <a16:creationId xmlns="" xmlns:a16="http://schemas.microsoft.com/office/drawing/2014/main" id="{915FD13C-8B11-48B9-AB7B-E0B6B6FC0E0D}"/>
               </a:ext>
             </a:extLst>
           </p:cNvPr>
@@ -30153,28 +30119,28 @@
                 <a:gridCol w="1214439">
                   <a:extLst>
                     <a:ext uri="{9D8B030D-6E8A-4147-A177-3AD203B41FA5}">
-                      <a16:colId xmlns:a16="http://schemas.microsoft.com/office/drawing/2014/main" xmlns="" val="20000"/>
+                      <a16:colId xmlns="" xmlns:a16="http://schemas.microsoft.com/office/drawing/2014/main" val="20000"/>
                     </a:ext>
                   </a:extLst>
                 </a:gridCol>
                 <a:gridCol w="1243013">
                   <a:extLst>
                     <a:ext uri="{9D8B030D-6E8A-4147-A177-3AD203B41FA5}">
-                      <a16:colId xmlns:a16="http://schemas.microsoft.com/office/drawing/2014/main" xmlns="" val="20001"/>
+                      <a16:colId xmlns="" xmlns:a16="http://schemas.microsoft.com/office/drawing/2014/main" val="20001"/>
                     </a:ext>
                   </a:extLst>
                 </a:gridCol>
                 <a:gridCol w="2714625">
                   <a:extLst>
                     <a:ext uri="{9D8B030D-6E8A-4147-A177-3AD203B41FA5}">
-                      <a16:colId xmlns:a16="http://schemas.microsoft.com/office/drawing/2014/main" xmlns="" val="20002"/>
+                      <a16:colId xmlns="" xmlns:a16="http://schemas.microsoft.com/office/drawing/2014/main" val="20002"/>
                     </a:ext>
                   </a:extLst>
                 </a:gridCol>
                 <a:gridCol w="3314701">
                   <a:extLst>
                     <a:ext uri="{9D8B030D-6E8A-4147-A177-3AD203B41FA5}">
-                      <a16:colId xmlns:a16="http://schemas.microsoft.com/office/drawing/2014/main" xmlns="" val="20003"/>
+                      <a16:colId xmlns="" xmlns:a16="http://schemas.microsoft.com/office/drawing/2014/main" val="20003"/>
                     </a:ext>
                   </a:extLst>
                 </a:gridCol>
@@ -30234,7 +30200,7 @@
                 </a:tc>
                 <a:extLst>
                   <a:ext uri="{0D108BD9-81ED-4DB2-BD59-A6C34878D82A}">
-                    <a16:rowId xmlns:a16="http://schemas.microsoft.com/office/drawing/2014/main" xmlns="" val="10000"/>
+                    <a16:rowId xmlns="" xmlns:a16="http://schemas.microsoft.com/office/drawing/2014/main" val="10000"/>
                   </a:ext>
                 </a:extLst>
               </a:tr>
@@ -30298,7 +30264,7 @@
                 </a:tc>
                 <a:extLst>
                   <a:ext uri="{0D108BD9-81ED-4DB2-BD59-A6C34878D82A}">
-                    <a16:rowId xmlns:a16="http://schemas.microsoft.com/office/drawing/2014/main" xmlns="" val="10002"/>
+                    <a16:rowId xmlns="" xmlns:a16="http://schemas.microsoft.com/office/drawing/2014/main" val="10002"/>
                   </a:ext>
                 </a:extLst>
               </a:tr>
@@ -30324,7 +30290,7 @@
             <a:fld id="{6700A58B-DD98-43D0-B791-721480A02982}" type="datetime1">
               <a:rPr lang="en-US" smtClean="0"/>
               <a:pPr/>
-              <a:t>6/19/2019</a:t>
+              <a:t>8/29/2019</a:t>
             </a:fld>
             <a:endParaRPr lang="en-US"/>
           </a:p>
@@ -30382,7 +30348,7 @@
           <p:cNvPr id="2050" name="Picture 2" descr="Image result for aristotle meme">
             <a:extLst>
               <a:ext uri="{FF2B5EF4-FFF2-40B4-BE49-F238E27FC236}">
-                <a16:creationId xmlns:a16="http://schemas.microsoft.com/office/drawing/2014/main" xmlns="" id="{CC754B6F-F4B5-4872-95BA-5A217B8716AE}"/>
+                <a16:creationId xmlns="" xmlns:a16="http://schemas.microsoft.com/office/drawing/2014/main" id="{CC754B6F-F4B5-4872-95BA-5A217B8716AE}"/>
               </a:ext>
             </a:extLst>
           </p:cNvPr>
@@ -30429,7 +30395,7 @@
           <p:cNvPr id="15" name="Footer Placeholder 5">
             <a:extLst>
               <a:ext uri="{FF2B5EF4-FFF2-40B4-BE49-F238E27FC236}">
-                <a16:creationId xmlns:a16="http://schemas.microsoft.com/office/drawing/2014/main" xmlns="" id="{AB207111-28FA-4D88-9181-45C9E98DA78A}"/>
+                <a16:creationId xmlns="" xmlns:a16="http://schemas.microsoft.com/office/drawing/2014/main" id="{AB207111-28FA-4D88-9181-45C9E98DA78A}"/>
               </a:ext>
             </a:extLst>
           </p:cNvPr>
@@ -30511,28 +30477,28 @@
                 <a:gridCol w="1214439">
                   <a:extLst>
                     <a:ext uri="{9D8B030D-6E8A-4147-A177-3AD203B41FA5}">
-                      <a16:colId xmlns:a16="http://schemas.microsoft.com/office/drawing/2014/main" xmlns="" val="20000"/>
+                      <a16:colId xmlns="" xmlns:a16="http://schemas.microsoft.com/office/drawing/2014/main" val="20000"/>
                     </a:ext>
                   </a:extLst>
                 </a:gridCol>
                 <a:gridCol w="1243013">
                   <a:extLst>
                     <a:ext uri="{9D8B030D-6E8A-4147-A177-3AD203B41FA5}">
-                      <a16:colId xmlns:a16="http://schemas.microsoft.com/office/drawing/2014/main" xmlns="" val="20001"/>
+                      <a16:colId xmlns="" xmlns:a16="http://schemas.microsoft.com/office/drawing/2014/main" val="20001"/>
                     </a:ext>
                   </a:extLst>
                 </a:gridCol>
                 <a:gridCol w="2714625">
                   <a:extLst>
                     <a:ext uri="{9D8B030D-6E8A-4147-A177-3AD203B41FA5}">
-                      <a16:colId xmlns:a16="http://schemas.microsoft.com/office/drawing/2014/main" xmlns="" val="20002"/>
+                      <a16:colId xmlns="" xmlns:a16="http://schemas.microsoft.com/office/drawing/2014/main" val="20002"/>
                     </a:ext>
                   </a:extLst>
                 </a:gridCol>
                 <a:gridCol w="3314701">
                   <a:extLst>
                     <a:ext uri="{9D8B030D-6E8A-4147-A177-3AD203B41FA5}">
-                      <a16:colId xmlns:a16="http://schemas.microsoft.com/office/drawing/2014/main" xmlns="" val="20003"/>
+                      <a16:colId xmlns="" xmlns:a16="http://schemas.microsoft.com/office/drawing/2014/main" val="20003"/>
                     </a:ext>
                   </a:extLst>
                 </a:gridCol>
@@ -30592,7 +30558,7 @@
                 </a:tc>
                 <a:extLst>
                   <a:ext uri="{0D108BD9-81ED-4DB2-BD59-A6C34878D82A}">
-                    <a16:rowId xmlns:a16="http://schemas.microsoft.com/office/drawing/2014/main" xmlns="" val="10000"/>
+                    <a16:rowId xmlns="" xmlns:a16="http://schemas.microsoft.com/office/drawing/2014/main" val="10000"/>
                   </a:ext>
                 </a:extLst>
               </a:tr>
@@ -30712,7 +30678,7 @@
                 </a:tc>
                 <a:extLst>
                   <a:ext uri="{0D108BD9-81ED-4DB2-BD59-A6C34878D82A}">
-                    <a16:rowId xmlns:a16="http://schemas.microsoft.com/office/drawing/2014/main" xmlns="" val="10003"/>
+                    <a16:rowId xmlns="" xmlns:a16="http://schemas.microsoft.com/office/drawing/2014/main" val="10003"/>
                   </a:ext>
                 </a:extLst>
               </a:tr>
@@ -30738,7 +30704,7 @@
             <a:fld id="{6700A58B-DD98-43D0-B791-721480A02982}" type="datetime1">
               <a:rPr lang="en-US" smtClean="0"/>
               <a:pPr/>
-              <a:t>6/19/2019</a:t>
+              <a:t>8/29/2019</a:t>
             </a:fld>
             <a:endParaRPr lang="en-US"/>
           </a:p>
@@ -30796,7 +30762,7 @@
           <p:cNvPr id="3074" name="Picture 2" descr="Image result for utilitarianism meme">
             <a:extLst>
               <a:ext uri="{FF2B5EF4-FFF2-40B4-BE49-F238E27FC236}">
-                <a16:creationId xmlns:a16="http://schemas.microsoft.com/office/drawing/2014/main" xmlns="" id="{40E72E3C-DD01-4152-9782-CB4F429EAFEA}"/>
+                <a16:creationId xmlns="" xmlns:a16="http://schemas.microsoft.com/office/drawing/2014/main" id="{40E72E3C-DD01-4152-9782-CB4F429EAFEA}"/>
               </a:ext>
             </a:extLst>
           </p:cNvPr>
@@ -30843,7 +30809,7 @@
           <p:cNvPr id="3076" name="Picture 4" descr="Image result for utilitarianism meme">
             <a:extLst>
               <a:ext uri="{FF2B5EF4-FFF2-40B4-BE49-F238E27FC236}">
-                <a16:creationId xmlns:a16="http://schemas.microsoft.com/office/drawing/2014/main" xmlns="" id="{89B3A293-572E-4065-A7A9-29027565381E}"/>
+                <a16:creationId xmlns="" xmlns:a16="http://schemas.microsoft.com/office/drawing/2014/main" id="{89B3A293-572E-4065-A7A9-29027565381E}"/>
               </a:ext>
             </a:extLst>
           </p:cNvPr>
@@ -30890,7 +30856,7 @@
           <p:cNvPr id="16" name="Footer Placeholder 5">
             <a:extLst>
               <a:ext uri="{FF2B5EF4-FFF2-40B4-BE49-F238E27FC236}">
-                <a16:creationId xmlns:a16="http://schemas.microsoft.com/office/drawing/2014/main" xmlns="" id="{0F12456C-D4E7-4493-989F-6060F4FF25F4}"/>
+                <a16:creationId xmlns="" xmlns:a16="http://schemas.microsoft.com/office/drawing/2014/main" id="{0F12456C-D4E7-4493-989F-6060F4FF25F4}"/>
               </a:ext>
             </a:extLst>
           </p:cNvPr>
@@ -30976,28 +30942,28 @@
                 <a:gridCol w="1214439">
                   <a:extLst>
                     <a:ext uri="{9D8B030D-6E8A-4147-A177-3AD203B41FA5}">
-                      <a16:colId xmlns:a16="http://schemas.microsoft.com/office/drawing/2014/main" xmlns="" val="20000"/>
+                      <a16:colId xmlns="" xmlns:a16="http://schemas.microsoft.com/office/drawing/2014/main" val="20000"/>
                     </a:ext>
                   </a:extLst>
                 </a:gridCol>
                 <a:gridCol w="1243013">
                   <a:extLst>
                     <a:ext uri="{9D8B030D-6E8A-4147-A177-3AD203B41FA5}">
-                      <a16:colId xmlns:a16="http://schemas.microsoft.com/office/drawing/2014/main" xmlns="" val="20001"/>
+                      <a16:colId xmlns="" xmlns:a16="http://schemas.microsoft.com/office/drawing/2014/main" val="20001"/>
                     </a:ext>
                   </a:extLst>
                 </a:gridCol>
                 <a:gridCol w="2714625">
                   <a:extLst>
                     <a:ext uri="{9D8B030D-6E8A-4147-A177-3AD203B41FA5}">
-                      <a16:colId xmlns:a16="http://schemas.microsoft.com/office/drawing/2014/main" xmlns="" val="20002"/>
+                      <a16:colId xmlns="" xmlns:a16="http://schemas.microsoft.com/office/drawing/2014/main" val="20002"/>
                     </a:ext>
                   </a:extLst>
                 </a:gridCol>
                 <a:gridCol w="3314701">
                   <a:extLst>
                     <a:ext uri="{9D8B030D-6E8A-4147-A177-3AD203B41FA5}">
-                      <a16:colId xmlns:a16="http://schemas.microsoft.com/office/drawing/2014/main" xmlns="" val="20003"/>
+                      <a16:colId xmlns="" xmlns:a16="http://schemas.microsoft.com/office/drawing/2014/main" val="20003"/>
                     </a:ext>
                   </a:extLst>
                 </a:gridCol>
@@ -31057,7 +31023,7 @@
                 </a:tc>
                 <a:extLst>
                   <a:ext uri="{0D108BD9-81ED-4DB2-BD59-A6C34878D82A}">
-                    <a16:rowId xmlns:a16="http://schemas.microsoft.com/office/drawing/2014/main" xmlns="" val="10000"/>
+                    <a16:rowId xmlns="" xmlns:a16="http://schemas.microsoft.com/office/drawing/2014/main" val="10000"/>
                   </a:ext>
                 </a:extLst>
               </a:tr>
@@ -31137,7 +31103,7 @@
                 </a:tc>
                 <a:extLst>
                   <a:ext uri="{0D108BD9-81ED-4DB2-BD59-A6C34878D82A}">
-                    <a16:rowId xmlns:a16="http://schemas.microsoft.com/office/drawing/2014/main" xmlns="" val="10004"/>
+                    <a16:rowId xmlns="" xmlns:a16="http://schemas.microsoft.com/office/drawing/2014/main" val="10004"/>
                   </a:ext>
                 </a:extLst>
               </a:tr>
@@ -31163,7 +31129,7 @@
             <a:fld id="{6700A58B-DD98-43D0-B791-721480A02982}" type="datetime1">
               <a:rPr lang="en-US" smtClean="0"/>
               <a:pPr/>
-              <a:t>6/19/2019</a:t>
+              <a:t>8/29/2019</a:t>
             </a:fld>
             <a:endParaRPr lang="en-US"/>
           </a:p>
@@ -31221,7 +31187,7 @@
           <p:cNvPr id="5122" name="Picture 2" descr="Image result for locke meme">
             <a:extLst>
               <a:ext uri="{FF2B5EF4-FFF2-40B4-BE49-F238E27FC236}">
-                <a16:creationId xmlns:a16="http://schemas.microsoft.com/office/drawing/2014/main" xmlns="" id="{C0A8D927-5BEC-4157-8A95-C82F35680D4F}"/>
+                <a16:creationId xmlns="" xmlns:a16="http://schemas.microsoft.com/office/drawing/2014/main" id="{C0A8D927-5BEC-4157-8A95-C82F35680D4F}"/>
               </a:ext>
             </a:extLst>
           </p:cNvPr>
@@ -31268,7 +31234,7 @@
           <p:cNvPr id="5124" name="Picture 4" descr="Image result for locke meme">
             <a:extLst>
               <a:ext uri="{FF2B5EF4-FFF2-40B4-BE49-F238E27FC236}">
-                <a16:creationId xmlns:a16="http://schemas.microsoft.com/office/drawing/2014/main" xmlns="" id="{DA0FA8E0-E054-4D51-8B6F-A70A317D6D9F}"/>
+                <a16:creationId xmlns="" xmlns:a16="http://schemas.microsoft.com/office/drawing/2014/main" id="{DA0FA8E0-E054-4D51-8B6F-A70A317D6D9F}"/>
               </a:ext>
             </a:extLst>
           </p:cNvPr>
@@ -31315,7 +31281,7 @@
           <p:cNvPr id="17" name="Footer Placeholder 5">
             <a:extLst>
               <a:ext uri="{FF2B5EF4-FFF2-40B4-BE49-F238E27FC236}">
-                <a16:creationId xmlns:a16="http://schemas.microsoft.com/office/drawing/2014/main" xmlns="" id="{DBF6068C-0252-46FB-9FA7-33B0873C4F70}"/>
+                <a16:creationId xmlns="" xmlns:a16="http://schemas.microsoft.com/office/drawing/2014/main" id="{DBF6068C-0252-46FB-9FA7-33B0873C4F70}"/>
               </a:ext>
             </a:extLst>
           </p:cNvPr>
@@ -31382,7 +31348,7 @@
           <p:nvPr>
             <p:extLst>
               <p:ext uri="{D42A27DB-BD31-4B8C-83A1-F6EECF244321}">
-                <p14:modId xmlns:p14="http://schemas.microsoft.com/office/powerpoint/2010/main" val="1796775590"/>
+                <p14:modId xmlns:p14="http://schemas.microsoft.com/office/powerpoint/2010/main" val="3097992982"/>
               </p:ext>
             </p:extLst>
           </p:nvPr>
@@ -31401,28 +31367,28 @@
                 <a:gridCol w="1214439">
                   <a:extLst>
                     <a:ext uri="{9D8B030D-6E8A-4147-A177-3AD203B41FA5}">
-                      <a16:colId xmlns:a16="http://schemas.microsoft.com/office/drawing/2014/main" xmlns="" val="20000"/>
+                      <a16:colId xmlns="" xmlns:a16="http://schemas.microsoft.com/office/drawing/2014/main" val="20000"/>
                     </a:ext>
                   </a:extLst>
                 </a:gridCol>
                 <a:gridCol w="1243013">
                   <a:extLst>
                     <a:ext uri="{9D8B030D-6E8A-4147-A177-3AD203B41FA5}">
-                      <a16:colId xmlns:a16="http://schemas.microsoft.com/office/drawing/2014/main" xmlns="" val="20001"/>
+                      <a16:colId xmlns="" xmlns:a16="http://schemas.microsoft.com/office/drawing/2014/main" val="20001"/>
                     </a:ext>
                   </a:extLst>
                 </a:gridCol>
                 <a:gridCol w="2714625">
                   <a:extLst>
                     <a:ext uri="{9D8B030D-6E8A-4147-A177-3AD203B41FA5}">
-                      <a16:colId xmlns:a16="http://schemas.microsoft.com/office/drawing/2014/main" xmlns="" val="20002"/>
+                      <a16:colId xmlns="" xmlns:a16="http://schemas.microsoft.com/office/drawing/2014/main" val="20002"/>
                     </a:ext>
                   </a:extLst>
                 </a:gridCol>
                 <a:gridCol w="3314701">
                   <a:extLst>
                     <a:ext uri="{9D8B030D-6E8A-4147-A177-3AD203B41FA5}">
-                      <a16:colId xmlns:a16="http://schemas.microsoft.com/office/drawing/2014/main" xmlns="" val="20003"/>
+                      <a16:colId xmlns="" xmlns:a16="http://schemas.microsoft.com/office/drawing/2014/main" val="20003"/>
                     </a:ext>
                   </a:extLst>
                 </a:gridCol>
@@ -31482,7 +31448,7 @@
                 </a:tc>
                 <a:extLst>
                   <a:ext uri="{0D108BD9-81ED-4DB2-BD59-A6C34878D82A}">
-                    <a16:rowId xmlns:a16="http://schemas.microsoft.com/office/drawing/2014/main" xmlns="" val="10000"/>
+                    <a16:rowId xmlns="" xmlns:a16="http://schemas.microsoft.com/office/drawing/2014/main" val="10000"/>
                   </a:ext>
                 </a:extLst>
               </a:tr>
@@ -31548,7 +31514,15 @@
                       </a:r>
                       <a:r>
                         <a:rPr lang="en-US" baseline="0" dirty="0" smtClean="0"/>
-                        <a:t> deciding wages for employees there is a veil so that ignoring gender and race are not factors, since they do not impact job performance.  This decision is made even if the decision make is a white male because their personal background is not a factor.</a:t>
+                        <a:t> deciding wages for employees there is a veil so that ignoring gender and race are not factors, since they do not impact job performance.  This decision is made even if the decision </a:t>
+                      </a:r>
+                      <a:r>
+                        <a:rPr lang="en-US" baseline="0" dirty="0" smtClean="0"/>
+                        <a:t>maker </a:t>
+                      </a:r>
+                      <a:r>
+                        <a:rPr lang="en-US" baseline="0" dirty="0" smtClean="0"/>
+                        <a:t>is a white male because their personal background is not a factor.</a:t>
                       </a:r>
                       <a:endParaRPr lang="en-US" dirty="0"/>
                     </a:p>
@@ -31557,7 +31531,7 @@
                 </a:tc>
                 <a:extLst>
                   <a:ext uri="{0D108BD9-81ED-4DB2-BD59-A6C34878D82A}">
-                    <a16:rowId xmlns:a16="http://schemas.microsoft.com/office/drawing/2014/main" xmlns="" val="10004"/>
+                    <a16:rowId xmlns="" xmlns:a16="http://schemas.microsoft.com/office/drawing/2014/main" val="10004"/>
                   </a:ext>
                 </a:extLst>
               </a:tr>
@@ -31583,7 +31557,7 @@
             <a:fld id="{6700A58B-DD98-43D0-B791-721480A02982}" type="datetime1">
               <a:rPr lang="en-US" smtClean="0"/>
               <a:pPr/>
-              <a:t>6/19/2019</a:t>
+              <a:t>8/29/2019</a:t>
             </a:fld>
             <a:endParaRPr lang="en-US"/>
           </a:p>
@@ -31641,7 +31615,7 @@
           <p:cNvPr id="17" name="Footer Placeholder 5">
             <a:extLst>
               <a:ext uri="{FF2B5EF4-FFF2-40B4-BE49-F238E27FC236}">
-                <a16:creationId xmlns:a16="http://schemas.microsoft.com/office/drawing/2014/main" xmlns="" id="{DBF6068C-0252-46FB-9FA7-33B0873C4F70}"/>
+                <a16:creationId xmlns="" xmlns:a16="http://schemas.microsoft.com/office/drawing/2014/main" id="{DBF6068C-0252-46FB-9FA7-33B0873C4F70}"/>
               </a:ext>
             </a:extLst>
           </p:cNvPr>
@@ -31799,7 +31773,7 @@
             <a:fld id="{6700A58B-DD98-43D0-B791-721480A02982}" type="datetime1">
               <a:rPr lang="en-US" smtClean="0"/>
               <a:pPr/>
-              <a:t>6/19/2019</a:t>
+              <a:t>8/29/2019</a:t>
             </a:fld>
             <a:endParaRPr lang="en-US"/>
           </a:p>
@@ -31857,7 +31831,7 @@
           <p:cNvPr id="9" name="Rectangle 8">
             <a:extLst>
               <a:ext uri="{FF2B5EF4-FFF2-40B4-BE49-F238E27FC236}">
-                <a16:creationId xmlns:a16="http://schemas.microsoft.com/office/drawing/2014/main" xmlns="" id="{461E3EC4-5611-4241-B153-0FD4799CC6FC}"/>
+                <a16:creationId xmlns="" xmlns:a16="http://schemas.microsoft.com/office/drawing/2014/main" id="{461E3EC4-5611-4241-B153-0FD4799CC6FC}"/>
               </a:ext>
             </a:extLst>
           </p:cNvPr>
@@ -31912,7 +31886,7 @@
           <p:cNvPr id="4098" name="Picture 2" descr="Image result for philosophy  meme">
             <a:extLst>
               <a:ext uri="{FF2B5EF4-FFF2-40B4-BE49-F238E27FC236}">
-                <a16:creationId xmlns:a16="http://schemas.microsoft.com/office/drawing/2014/main" xmlns="" id="{70EDCE4F-1B77-4CD6-8D40-AF9F8E20DF91}"/>
+                <a16:creationId xmlns="" xmlns:a16="http://schemas.microsoft.com/office/drawing/2014/main" id="{70EDCE4F-1B77-4CD6-8D40-AF9F8E20DF91}"/>
               </a:ext>
             </a:extLst>
           </p:cNvPr>
@@ -31959,7 +31933,7 @@
           <p:cNvPr id="4100" name="Picture 4" descr="Image result for philosophy  meme">
             <a:extLst>
               <a:ext uri="{FF2B5EF4-FFF2-40B4-BE49-F238E27FC236}">
-                <a16:creationId xmlns:a16="http://schemas.microsoft.com/office/drawing/2014/main" xmlns="" id="{AE371A6C-DE6B-4141-B9B9-4CC3A80BA68B}"/>
+                <a16:creationId xmlns="" xmlns:a16="http://schemas.microsoft.com/office/drawing/2014/main" id="{AE371A6C-DE6B-4141-B9B9-4CC3A80BA68B}"/>
               </a:ext>
             </a:extLst>
           </p:cNvPr>
@@ -32006,7 +31980,7 @@
           <p:cNvPr id="4102" name="Picture 6" descr="Image result for philosophy  meme">
             <a:extLst>
               <a:ext uri="{FF2B5EF4-FFF2-40B4-BE49-F238E27FC236}">
-                <a16:creationId xmlns:a16="http://schemas.microsoft.com/office/drawing/2014/main" xmlns="" id="{FA22FEE3-5F52-4CB5-9867-43D66C013A17}"/>
+                <a16:creationId xmlns="" xmlns:a16="http://schemas.microsoft.com/office/drawing/2014/main" id="{FA22FEE3-5F52-4CB5-9867-43D66C013A17}"/>
               </a:ext>
             </a:extLst>
           </p:cNvPr>
@@ -32053,7 +32027,7 @@
           <p:cNvPr id="4104" name="Picture 8" descr="Image result for philosophy  meme">
             <a:extLst>
               <a:ext uri="{FF2B5EF4-FFF2-40B4-BE49-F238E27FC236}">
-                <a16:creationId xmlns:a16="http://schemas.microsoft.com/office/drawing/2014/main" xmlns="" id="{A5BB52CE-B849-4DF1-A8F7-CE02563C5353}"/>
+                <a16:creationId xmlns="" xmlns:a16="http://schemas.microsoft.com/office/drawing/2014/main" id="{A5BB52CE-B849-4DF1-A8F7-CE02563C5353}"/>
               </a:ext>
             </a:extLst>
           </p:cNvPr>
@@ -32100,7 +32074,7 @@
           <p:cNvPr id="4106" name="Picture 10" descr="Image result for philosophy  meme">
             <a:extLst>
               <a:ext uri="{FF2B5EF4-FFF2-40B4-BE49-F238E27FC236}">
-                <a16:creationId xmlns:a16="http://schemas.microsoft.com/office/drawing/2014/main" xmlns="" id="{FE25D894-4569-4BB7-9CED-24D6E823F559}"/>
+                <a16:creationId xmlns="" xmlns:a16="http://schemas.microsoft.com/office/drawing/2014/main" id="{FE25D894-4569-4BB7-9CED-24D6E823F559}"/>
               </a:ext>
             </a:extLst>
           </p:cNvPr>
@@ -32147,7 +32121,7 @@
           <p:cNvPr id="4108" name="Picture 12" descr="Image result for philosophy  meme">
             <a:extLst>
               <a:ext uri="{FF2B5EF4-FFF2-40B4-BE49-F238E27FC236}">
-                <a16:creationId xmlns:a16="http://schemas.microsoft.com/office/drawing/2014/main" xmlns="" id="{005FC18C-7CB4-4673-A741-C7CF2050B348}"/>
+                <a16:creationId xmlns="" xmlns:a16="http://schemas.microsoft.com/office/drawing/2014/main" id="{005FC18C-7CB4-4673-A741-C7CF2050B348}"/>
               </a:ext>
             </a:extLst>
           </p:cNvPr>
@@ -32194,7 +32168,7 @@
           <p:cNvPr id="20" name="Footer Placeholder 5">
             <a:extLst>
               <a:ext uri="{FF2B5EF4-FFF2-40B4-BE49-F238E27FC236}">
-                <a16:creationId xmlns:a16="http://schemas.microsoft.com/office/drawing/2014/main" xmlns="" id="{951674F2-5FD2-40D2-9A66-C3AEC2473EAD}"/>
+                <a16:creationId xmlns="" xmlns:a16="http://schemas.microsoft.com/office/drawing/2014/main" id="{951674F2-5FD2-40D2-9A66-C3AEC2473EAD}"/>
               </a:ext>
             </a:extLst>
           </p:cNvPr>
@@ -32270,7 +32244,7 @@
             <a:fld id="{6700A58B-DD98-43D0-B791-721480A02982}" type="datetime1">
               <a:rPr lang="en-US" smtClean="0"/>
               <a:pPr/>
-              <a:t>6/19/2019</a:t>
+              <a:t>8/29/2019</a:t>
             </a:fld>
             <a:endParaRPr lang="en-US"/>
           </a:p>
@@ -32402,7 +32376,7 @@
           <p:cNvPr id="15" name="Footer Placeholder 5">
             <a:extLst>
               <a:ext uri="{FF2B5EF4-FFF2-40B4-BE49-F238E27FC236}">
-                <a16:creationId xmlns:a16="http://schemas.microsoft.com/office/drawing/2014/main" xmlns="" id="{014FC933-BEAE-4714-81FB-6B6EFBB54C9B}"/>
+                <a16:creationId xmlns="" xmlns:a16="http://schemas.microsoft.com/office/drawing/2014/main" id="{014FC933-BEAE-4714-81FB-6B6EFBB54C9B}"/>
               </a:ext>
             </a:extLst>
           </p:cNvPr>
@@ -32435,7 +32409,7 @@
           <p:cNvPr id="17" name="Title 16">
             <a:extLst>
               <a:ext uri="{FF2B5EF4-FFF2-40B4-BE49-F238E27FC236}">
-                <a16:creationId xmlns:a16="http://schemas.microsoft.com/office/drawing/2014/main" xmlns="" id="{CCC681A3-63D3-4571-8E58-7BF9C6BBEE7A}"/>
+                <a16:creationId xmlns="" xmlns:a16="http://schemas.microsoft.com/office/drawing/2014/main" id="{CCC681A3-63D3-4571-8E58-7BF9C6BBEE7A}"/>
               </a:ext>
             </a:extLst>
           </p:cNvPr>
@@ -32503,7 +32477,7 @@
             <a:fld id="{6700A58B-DD98-43D0-B791-721480A02982}" type="datetime1">
               <a:rPr lang="en-US" smtClean="0"/>
               <a:pPr/>
-              <a:t>6/19/2019</a:t>
+              <a:t>8/29/2019</a:t>
             </a:fld>
             <a:endParaRPr lang="en-US"/>
           </a:p>
@@ -32651,7 +32625,7 @@
           <p:cNvPr id="15" name="Footer Placeholder 5">
             <a:extLst>
               <a:ext uri="{FF2B5EF4-FFF2-40B4-BE49-F238E27FC236}">
-                <a16:creationId xmlns:a16="http://schemas.microsoft.com/office/drawing/2014/main" xmlns="" id="{2DB72CA9-F7AD-44D8-B42D-35731DF54CDC}"/>
+                <a16:creationId xmlns="" xmlns:a16="http://schemas.microsoft.com/office/drawing/2014/main" id="{2DB72CA9-F7AD-44D8-B42D-35731DF54CDC}"/>
               </a:ext>
             </a:extLst>
           </p:cNvPr>
@@ -32727,7 +32701,7 @@
             <a:fld id="{6700A58B-DD98-43D0-B791-721480A02982}" type="datetime1">
               <a:rPr lang="en-US" smtClean="0"/>
               <a:pPr/>
-              <a:t>6/19/2019</a:t>
+              <a:t>8/29/2019</a:t>
             </a:fld>
             <a:endParaRPr lang="en-US"/>
           </a:p>
@@ -32806,7 +32780,7 @@
           <p:cNvPr id="14" name="Footer Placeholder 5">
             <a:extLst>
               <a:ext uri="{FF2B5EF4-FFF2-40B4-BE49-F238E27FC236}">
-                <a16:creationId xmlns:a16="http://schemas.microsoft.com/office/drawing/2014/main" xmlns="" id="{2CE3D52C-7306-45AB-96D7-4AC1C08CB6F5}"/>
+                <a16:creationId xmlns="" xmlns:a16="http://schemas.microsoft.com/office/drawing/2014/main" id="{2CE3D52C-7306-45AB-96D7-4AC1C08CB6F5}"/>
               </a:ext>
             </a:extLst>
           </p:cNvPr>
@@ -32839,7 +32813,7 @@
           <p:cNvPr id="15" name="Slide Number Placeholder 6">
             <a:extLst>
               <a:ext uri="{FF2B5EF4-FFF2-40B4-BE49-F238E27FC236}">
-                <a16:creationId xmlns:a16="http://schemas.microsoft.com/office/drawing/2014/main" xmlns="" id="{6CE3B916-F6BB-4AE5-81B2-8A875577D085}"/>
+                <a16:creationId xmlns="" xmlns:a16="http://schemas.microsoft.com/office/drawing/2014/main" id="{6CE3B916-F6BB-4AE5-81B2-8A875577D085}"/>
               </a:ext>
             </a:extLst>
           </p:cNvPr>
@@ -32916,7 +32890,7 @@
             <a:fld id="{6700A58B-DD98-43D0-B791-721480A02982}" type="datetime1">
               <a:rPr lang="en-US" smtClean="0"/>
               <a:pPr/>
-              <a:t>6/19/2019</a:t>
+              <a:t>8/29/2019</a:t>
             </a:fld>
             <a:endParaRPr lang="en-US"/>
           </a:p>
@@ -33003,7 +32977,7 @@
           <p:cNvPr id="14" name="Footer Placeholder 5">
             <a:extLst>
               <a:ext uri="{FF2B5EF4-FFF2-40B4-BE49-F238E27FC236}">
-                <a16:creationId xmlns:a16="http://schemas.microsoft.com/office/drawing/2014/main" xmlns="" id="{2CE3D52C-7306-45AB-96D7-4AC1C08CB6F5}"/>
+                <a16:creationId xmlns="" xmlns:a16="http://schemas.microsoft.com/office/drawing/2014/main" id="{2CE3D52C-7306-45AB-96D7-4AC1C08CB6F5}"/>
               </a:ext>
             </a:extLst>
           </p:cNvPr>
@@ -33036,7 +33010,7 @@
           <p:cNvPr id="15" name="Slide Number Placeholder 6">
             <a:extLst>
               <a:ext uri="{FF2B5EF4-FFF2-40B4-BE49-F238E27FC236}">
-                <a16:creationId xmlns:a16="http://schemas.microsoft.com/office/drawing/2014/main" xmlns="" id="{6CE3B916-F6BB-4AE5-81B2-8A875577D085}"/>
+                <a16:creationId xmlns="" xmlns:a16="http://schemas.microsoft.com/office/drawing/2014/main" id="{6CE3B916-F6BB-4AE5-81B2-8A875577D085}"/>
               </a:ext>
             </a:extLst>
           </p:cNvPr>
@@ -33113,7 +33087,7 @@
             <a:fld id="{6700A58B-DD98-43D0-B791-721480A02982}" type="datetime1">
               <a:rPr lang="en-US" smtClean="0"/>
               <a:pPr/>
-              <a:t>6/19/2019</a:t>
+              <a:t>8/29/2019</a:t>
             </a:fld>
             <a:endParaRPr lang="en-US"/>
           </a:p>
@@ -33209,7 +33183,7 @@
           <p:cNvPr id="14" name="Footer Placeholder 5">
             <a:extLst>
               <a:ext uri="{FF2B5EF4-FFF2-40B4-BE49-F238E27FC236}">
-                <a16:creationId xmlns:a16="http://schemas.microsoft.com/office/drawing/2014/main" xmlns="" id="{2CE3D52C-7306-45AB-96D7-4AC1C08CB6F5}"/>
+                <a16:creationId xmlns="" xmlns:a16="http://schemas.microsoft.com/office/drawing/2014/main" id="{2CE3D52C-7306-45AB-96D7-4AC1C08CB6F5}"/>
               </a:ext>
             </a:extLst>
           </p:cNvPr>
@@ -33242,7 +33216,7 @@
           <p:cNvPr id="15" name="Slide Number Placeholder 6">
             <a:extLst>
               <a:ext uri="{FF2B5EF4-FFF2-40B4-BE49-F238E27FC236}">
-                <a16:creationId xmlns:a16="http://schemas.microsoft.com/office/drawing/2014/main" xmlns="" id="{6CE3B916-F6BB-4AE5-81B2-8A875577D085}"/>
+                <a16:creationId xmlns="" xmlns:a16="http://schemas.microsoft.com/office/drawing/2014/main" id="{6CE3B916-F6BB-4AE5-81B2-8A875577D085}"/>
               </a:ext>
             </a:extLst>
           </p:cNvPr>
@@ -33319,7 +33293,7 @@
             <a:fld id="{6700A58B-DD98-43D0-B791-721480A02982}" type="datetime1">
               <a:rPr lang="en-US" smtClean="0"/>
               <a:pPr/>
-              <a:t>6/19/2019</a:t>
+              <a:t>8/29/2019</a:t>
             </a:fld>
             <a:endParaRPr lang="en-US"/>
           </a:p>
@@ -33381,7 +33355,7 @@
           <p:cNvPr id="13" name="Footer Placeholder 5">
             <a:extLst>
               <a:ext uri="{FF2B5EF4-FFF2-40B4-BE49-F238E27FC236}">
-                <a16:creationId xmlns:a16="http://schemas.microsoft.com/office/drawing/2014/main" xmlns="" id="{F93B8616-1595-4D69-BFD7-9AA9B236622A}"/>
+                <a16:creationId xmlns="" xmlns:a16="http://schemas.microsoft.com/office/drawing/2014/main" id="{F93B8616-1595-4D69-BFD7-9AA9B236622A}"/>
               </a:ext>
             </a:extLst>
           </p:cNvPr>
@@ -33457,7 +33431,7 @@
             <a:fld id="{6700A58B-DD98-43D0-B791-721480A02982}" type="datetime1">
               <a:rPr lang="en-US" smtClean="0"/>
               <a:pPr/>
-              <a:t>6/19/2019</a:t>
+              <a:t>8/29/2019</a:t>
             </a:fld>
             <a:endParaRPr lang="en-US"/>
           </a:p>
@@ -33549,7 +33523,7 @@
           <p:cNvPr id="14" name="Footer Placeholder 5">
             <a:extLst>
               <a:ext uri="{FF2B5EF4-FFF2-40B4-BE49-F238E27FC236}">
-                <a16:creationId xmlns:a16="http://schemas.microsoft.com/office/drawing/2014/main" xmlns="" id="{28B249F0-410F-4EFC-A4BE-5AD088F144A0}"/>
+                <a16:creationId xmlns="" xmlns:a16="http://schemas.microsoft.com/office/drawing/2014/main" id="{28B249F0-410F-4EFC-A4BE-5AD088F144A0}"/>
               </a:ext>
             </a:extLst>
           </p:cNvPr>
@@ -33582,7 +33556,7 @@
           <p:cNvPr id="18" name="Title 2">
             <a:extLst>
               <a:ext uri="{FF2B5EF4-FFF2-40B4-BE49-F238E27FC236}">
-                <a16:creationId xmlns:a16="http://schemas.microsoft.com/office/drawing/2014/main" xmlns="" id="{400ED130-B37C-4831-B8DF-169DB8A42585}"/>
+                <a16:creationId xmlns="" xmlns:a16="http://schemas.microsoft.com/office/drawing/2014/main" id="{400ED130-B37C-4831-B8DF-169DB8A42585}"/>
               </a:ext>
             </a:extLst>
           </p:cNvPr>
@@ -33658,7 +33632,7 @@
             <a:fld id="{6700A58B-DD98-43D0-B791-721480A02982}" type="datetime1">
               <a:rPr lang="en-US" smtClean="0"/>
               <a:pPr/>
-              <a:t>6/19/2019</a:t>
+              <a:t>8/29/2019</a:t>
             </a:fld>
             <a:endParaRPr lang="en-US"/>
           </a:p>
@@ -33750,7 +33724,7 @@
           <p:cNvPr id="14" name="Footer Placeholder 5">
             <a:extLst>
               <a:ext uri="{FF2B5EF4-FFF2-40B4-BE49-F238E27FC236}">
-                <a16:creationId xmlns:a16="http://schemas.microsoft.com/office/drawing/2014/main" xmlns="" id="{1BBFC74A-C2DF-4B22-BCD9-37D8C016CFE2}"/>
+                <a16:creationId xmlns="" xmlns:a16="http://schemas.microsoft.com/office/drawing/2014/main" id="{1BBFC74A-C2DF-4B22-BCD9-37D8C016CFE2}"/>
               </a:ext>
             </a:extLst>
           </p:cNvPr>
@@ -33783,7 +33757,7 @@
           <p:cNvPr id="17" name="Title 2">
             <a:extLst>
               <a:ext uri="{FF2B5EF4-FFF2-40B4-BE49-F238E27FC236}">
-                <a16:creationId xmlns:a16="http://schemas.microsoft.com/office/drawing/2014/main" xmlns="" id="{82B7B2F8-2046-431F-B851-C092063AB271}"/>
+                <a16:creationId xmlns="" xmlns:a16="http://schemas.microsoft.com/office/drawing/2014/main" id="{82B7B2F8-2046-431F-B851-C092063AB271}"/>
               </a:ext>
             </a:extLst>
           </p:cNvPr>
